--- a/JavaLecture/LectureFile/java 1강 변수.pptx
+++ b/JavaLecture/LectureFile/java 1강 변수.pptx
@@ -37171,24 +37171,14 @@
               <a:t>5. </a:t>
             </a:r>
             <a:r>
-              <a:rPr lang="ko-KR" altLang="en-US" sz="3600" dirty="0" err="1">
+              <a:rPr lang="ko-KR" altLang="en-US" sz="3600" dirty="0">
                 <a:solidFill>
                   <a:srgbClr val="4C50BC"/>
                 </a:solidFill>
                 <a:latin typeface="G마켓 산스 Medium" panose="02000000000000000000" pitchFamily="50" charset="-127"/>
                 <a:ea typeface="G마켓 산스 Medium" panose="02000000000000000000" pitchFamily="50" charset="-127"/>
               </a:rPr>
-              <a:t>다음중</a:t>
-            </a:r>
-            <a:r>
-              <a:rPr lang="ko-KR" altLang="en-US" sz="3600" dirty="0">
-                <a:solidFill>
-                  <a:srgbClr val="4C50BC"/>
-                </a:solidFill>
-                <a:latin typeface="G마켓 산스 Medium" panose="02000000000000000000" pitchFamily="50" charset="-127"/>
-                <a:ea typeface="G마켓 산스 Medium" panose="02000000000000000000" pitchFamily="50" charset="-127"/>
-              </a:rPr>
-              <a:t> 기본형이 아닌 것은</a:t>
+              <a:t>다음 중 기본형이 아닌 것은</a:t>
             </a:r>
             <a:r>
               <a:rPr lang="en-US" altLang="ko-KR" sz="3600" dirty="0">

--- a/JavaLecture/LectureFile/java 1강 변수.pptx
+++ b/JavaLecture/LectureFile/java 1강 변수.pptx
@@ -283,7 +283,7 @@
           <a:p>
             <a:fld id="{D79F2C30-10E1-4C46-91DC-BBDB9629E720}" type="datetimeFigureOut">
               <a:rPr lang="ko-KR" altLang="en-US" smtClean="0"/>
-              <a:t>2023-09-23 Saturday</a:t>
+              <a:t>2023-09-23</a:t>
             </a:fld>
             <a:endParaRPr lang="ko-KR" altLang="en-US"/>
           </a:p>
@@ -3987,7 +3987,7 @@
           <p:cNvPr id="2" name="TextBox 1">
             <a:extLst>
               <a:ext uri="{FF2B5EF4-FFF2-40B4-BE49-F238E27FC236}">
-                <a16:creationId xmlns:a16="http://schemas.microsoft.com/office/drawing/2014/main" id="{E9A453A8-9968-67AB-7B4A-83EEB4662AA6}"/>
+                <a16:creationId xmlns:a16="http://schemas.microsoft.com/office/drawing/2014/main" xmlns="" id="{E9A453A8-9968-67AB-7B4A-83EEB4662AA6}"/>
               </a:ext>
             </a:extLst>
           </p:cNvPr>
@@ -4035,7 +4035,7 @@
           <p:cNvPr id="4" name="TextBox 3">
             <a:extLst>
               <a:ext uri="{FF2B5EF4-FFF2-40B4-BE49-F238E27FC236}">
-                <a16:creationId xmlns:a16="http://schemas.microsoft.com/office/drawing/2014/main" id="{F4B7A35A-8AAC-4622-64BC-CAD1472D4115}"/>
+                <a16:creationId xmlns:a16="http://schemas.microsoft.com/office/drawing/2014/main" xmlns="" id="{F4B7A35A-8AAC-4622-64BC-CAD1472D4115}"/>
               </a:ext>
             </a:extLst>
           </p:cNvPr>
@@ -4107,7 +4107,7 @@
           <p:cNvPr id="7" name="TextBox 6">
             <a:extLst>
               <a:ext uri="{FF2B5EF4-FFF2-40B4-BE49-F238E27FC236}">
-                <a16:creationId xmlns:a16="http://schemas.microsoft.com/office/drawing/2014/main" id="{3ACE900A-D779-4343-6623-8588B376F0A1}"/>
+                <a16:creationId xmlns:a16="http://schemas.microsoft.com/office/drawing/2014/main" xmlns="" id="{3ACE900A-D779-4343-6623-8588B376F0A1}"/>
               </a:ext>
             </a:extLst>
           </p:cNvPr>
@@ -4146,6 +4146,13 @@
   <p:clrMapOvr>
     <a:masterClrMapping/>
   </p:clrMapOvr>
+  <p:timing>
+    <p:tnLst>
+      <p:par>
+        <p:cTn id="1" dur="indefinite" restart="never" nodeType="tmRoot"/>
+      </p:par>
+    </p:tnLst>
+  </p:timing>
 </p:sld>
 </file>
 
@@ -4171,7 +4178,7 @@
           <p:cNvPr id="4" name="TextBox 3">
             <a:extLst>
               <a:ext uri="{FF2B5EF4-FFF2-40B4-BE49-F238E27FC236}">
-                <a16:creationId xmlns:a16="http://schemas.microsoft.com/office/drawing/2014/main" id="{7229BEA6-121E-9056-D07F-2B3BB1795F76}"/>
+                <a16:creationId xmlns:a16="http://schemas.microsoft.com/office/drawing/2014/main" xmlns="" id="{7229BEA6-121E-9056-D07F-2B3BB1795F76}"/>
               </a:ext>
             </a:extLst>
           </p:cNvPr>
@@ -4219,7 +4226,7 @@
           <p:cNvPr id="5" name="TextBox 4">
             <a:extLst>
               <a:ext uri="{FF2B5EF4-FFF2-40B4-BE49-F238E27FC236}">
-                <a16:creationId xmlns:a16="http://schemas.microsoft.com/office/drawing/2014/main" id="{5ADC00B6-990A-40DC-3CEA-505258F5E8DA}"/>
+                <a16:creationId xmlns:a16="http://schemas.microsoft.com/office/drawing/2014/main" xmlns="" id="{5ADC00B6-990A-40DC-3CEA-505258F5E8DA}"/>
               </a:ext>
             </a:extLst>
           </p:cNvPr>
@@ -4425,7 +4432,7 @@
           <p:cNvPr id="4" name="TextBox 3">
             <a:extLst>
               <a:ext uri="{FF2B5EF4-FFF2-40B4-BE49-F238E27FC236}">
-                <a16:creationId xmlns:a16="http://schemas.microsoft.com/office/drawing/2014/main" id="{7229BEA6-121E-9056-D07F-2B3BB1795F76}"/>
+                <a16:creationId xmlns:a16="http://schemas.microsoft.com/office/drawing/2014/main" xmlns="" id="{7229BEA6-121E-9056-D07F-2B3BB1795F76}"/>
               </a:ext>
             </a:extLst>
           </p:cNvPr>
@@ -4483,7 +4490,7 @@
           <p:cNvPr id="5" name="TextBox 4">
             <a:extLst>
               <a:ext uri="{FF2B5EF4-FFF2-40B4-BE49-F238E27FC236}">
-                <a16:creationId xmlns:a16="http://schemas.microsoft.com/office/drawing/2014/main" id="{5ADC00B6-990A-40DC-3CEA-505258F5E8DA}"/>
+                <a16:creationId xmlns:a16="http://schemas.microsoft.com/office/drawing/2014/main" xmlns="" id="{5ADC00B6-990A-40DC-3CEA-505258F5E8DA}"/>
               </a:ext>
             </a:extLst>
           </p:cNvPr>
@@ -4632,7 +4639,7 @@
           <p:cNvPr id="4" name="TextBox 3">
             <a:extLst>
               <a:ext uri="{FF2B5EF4-FFF2-40B4-BE49-F238E27FC236}">
-                <a16:creationId xmlns:a16="http://schemas.microsoft.com/office/drawing/2014/main" id="{7229BEA6-121E-9056-D07F-2B3BB1795F76}"/>
+                <a16:creationId xmlns:a16="http://schemas.microsoft.com/office/drawing/2014/main" xmlns="" id="{7229BEA6-121E-9056-D07F-2B3BB1795F76}"/>
               </a:ext>
             </a:extLst>
           </p:cNvPr>
@@ -4680,7 +4687,7 @@
           <p:cNvPr id="5" name="그룹 1008">
             <a:extLst>
               <a:ext uri="{FF2B5EF4-FFF2-40B4-BE49-F238E27FC236}">
-                <a16:creationId xmlns:a16="http://schemas.microsoft.com/office/drawing/2014/main" id="{678F6342-C505-E8AD-ADA4-022CB2C2088E}"/>
+                <a16:creationId xmlns:a16="http://schemas.microsoft.com/office/drawing/2014/main" xmlns="" id="{678F6342-C505-E8AD-ADA4-022CB2C2088E}"/>
               </a:ext>
             </a:extLst>
           </p:cNvPr>
@@ -4700,7 +4707,7 @@
             <p:cNvPr id="6" name="그룹 1009">
               <a:extLst>
                 <a:ext uri="{FF2B5EF4-FFF2-40B4-BE49-F238E27FC236}">
-                  <a16:creationId xmlns:a16="http://schemas.microsoft.com/office/drawing/2014/main" id="{4E1F1FED-812B-9BBB-925A-84B54A077414}"/>
+                  <a16:creationId xmlns:a16="http://schemas.microsoft.com/office/drawing/2014/main" xmlns="" id="{4E1F1FED-812B-9BBB-925A-84B54A077414}"/>
                 </a:ext>
               </a:extLst>
             </p:cNvPr>
@@ -4720,7 +4727,7 @@
               <p:cNvPr id="11" name="Object 29">
                 <a:extLst>
                   <a:ext uri="{FF2B5EF4-FFF2-40B4-BE49-F238E27FC236}">
-                    <a16:creationId xmlns:a16="http://schemas.microsoft.com/office/drawing/2014/main" id="{7B078609-4286-7B00-51EB-809C8E2DE289}"/>
+                    <a16:creationId xmlns:a16="http://schemas.microsoft.com/office/drawing/2014/main" xmlns="" id="{7B078609-4286-7B00-51EB-809C8E2DE289}"/>
                   </a:ext>
                 </a:extLst>
               </p:cNvPr>
@@ -4751,7 +4758,7 @@
             <p:cNvPr id="7" name="그룹 1010">
               <a:extLst>
                 <a:ext uri="{FF2B5EF4-FFF2-40B4-BE49-F238E27FC236}">
-                  <a16:creationId xmlns:a16="http://schemas.microsoft.com/office/drawing/2014/main" id="{02A649BF-B5B5-FBAF-7DFD-E118A4DF8907}"/>
+                  <a16:creationId xmlns:a16="http://schemas.microsoft.com/office/drawing/2014/main" xmlns="" id="{02A649BF-B5B5-FBAF-7DFD-E118A4DF8907}"/>
                 </a:ext>
               </a:extLst>
             </p:cNvPr>
@@ -4771,7 +4778,7 @@
               <p:cNvPr id="10" name="Object 32">
                 <a:extLst>
                   <a:ext uri="{FF2B5EF4-FFF2-40B4-BE49-F238E27FC236}">
-                    <a16:creationId xmlns:a16="http://schemas.microsoft.com/office/drawing/2014/main" id="{2A0FFF23-B3C9-3EA0-1C1B-A87D4FF098AE}"/>
+                    <a16:creationId xmlns:a16="http://schemas.microsoft.com/office/drawing/2014/main" xmlns="" id="{2A0FFF23-B3C9-3EA0-1C1B-A87D4FF098AE}"/>
                   </a:ext>
                 </a:extLst>
               </p:cNvPr>
@@ -4802,7 +4809,7 @@
             <p:cNvPr id="8" name="그룹 1011">
               <a:extLst>
                 <a:ext uri="{FF2B5EF4-FFF2-40B4-BE49-F238E27FC236}">
-                  <a16:creationId xmlns:a16="http://schemas.microsoft.com/office/drawing/2014/main" id="{881F5410-F7FB-F261-A584-707359BAC593}"/>
+                  <a16:creationId xmlns:a16="http://schemas.microsoft.com/office/drawing/2014/main" xmlns="" id="{881F5410-F7FB-F261-A584-707359BAC593}"/>
                 </a:ext>
               </a:extLst>
             </p:cNvPr>
@@ -4822,7 +4829,7 @@
               <p:cNvPr id="9" name="Object 35">
                 <a:extLst>
                   <a:ext uri="{FF2B5EF4-FFF2-40B4-BE49-F238E27FC236}">
-                    <a16:creationId xmlns:a16="http://schemas.microsoft.com/office/drawing/2014/main" id="{4E99E669-73EB-F9F4-EFE8-DC107035C265}"/>
+                    <a16:creationId xmlns:a16="http://schemas.microsoft.com/office/drawing/2014/main" xmlns="" id="{4E99E669-73EB-F9F4-EFE8-DC107035C265}"/>
                   </a:ext>
                 </a:extLst>
               </p:cNvPr>
@@ -4854,7 +4861,7 @@
           <p:cNvPr id="12" name="TextBox 11">
             <a:extLst>
               <a:ext uri="{FF2B5EF4-FFF2-40B4-BE49-F238E27FC236}">
-                <a16:creationId xmlns:a16="http://schemas.microsoft.com/office/drawing/2014/main" id="{7229BEA6-121E-9056-D07F-2B3BB1795F76}"/>
+                <a16:creationId xmlns:a16="http://schemas.microsoft.com/office/drawing/2014/main" xmlns="" id="{7229BEA6-121E-9056-D07F-2B3BB1795F76}"/>
               </a:ext>
             </a:extLst>
           </p:cNvPr>
@@ -4902,7 +4909,7 @@
           <p:cNvPr id="13" name="TextBox 12">
             <a:extLst>
               <a:ext uri="{FF2B5EF4-FFF2-40B4-BE49-F238E27FC236}">
-                <a16:creationId xmlns:a16="http://schemas.microsoft.com/office/drawing/2014/main" id="{7229BEA6-121E-9056-D07F-2B3BB1795F76}"/>
+                <a16:creationId xmlns:a16="http://schemas.microsoft.com/office/drawing/2014/main" xmlns="" id="{7229BEA6-121E-9056-D07F-2B3BB1795F76}"/>
               </a:ext>
             </a:extLst>
           </p:cNvPr>
@@ -4969,7 +4976,7 @@
           <p:cNvPr id="14" name="그룹 1008">
             <a:extLst>
               <a:ext uri="{FF2B5EF4-FFF2-40B4-BE49-F238E27FC236}">
-                <a16:creationId xmlns:a16="http://schemas.microsoft.com/office/drawing/2014/main" id="{678F6342-C505-E8AD-ADA4-022CB2C2088E}"/>
+                <a16:creationId xmlns:a16="http://schemas.microsoft.com/office/drawing/2014/main" xmlns="" id="{678F6342-C505-E8AD-ADA4-022CB2C2088E}"/>
               </a:ext>
             </a:extLst>
           </p:cNvPr>
@@ -4989,7 +4996,7 @@
             <p:cNvPr id="15" name="그룹 1009">
               <a:extLst>
                 <a:ext uri="{FF2B5EF4-FFF2-40B4-BE49-F238E27FC236}">
-                  <a16:creationId xmlns:a16="http://schemas.microsoft.com/office/drawing/2014/main" id="{4E1F1FED-812B-9BBB-925A-84B54A077414}"/>
+                  <a16:creationId xmlns:a16="http://schemas.microsoft.com/office/drawing/2014/main" xmlns="" id="{4E1F1FED-812B-9BBB-925A-84B54A077414}"/>
                 </a:ext>
               </a:extLst>
             </p:cNvPr>
@@ -5009,7 +5016,7 @@
               <p:cNvPr id="20" name="Object 29">
                 <a:extLst>
                   <a:ext uri="{FF2B5EF4-FFF2-40B4-BE49-F238E27FC236}">
-                    <a16:creationId xmlns:a16="http://schemas.microsoft.com/office/drawing/2014/main" id="{7B078609-4286-7B00-51EB-809C8E2DE289}"/>
+                    <a16:creationId xmlns:a16="http://schemas.microsoft.com/office/drawing/2014/main" xmlns="" id="{7B078609-4286-7B00-51EB-809C8E2DE289}"/>
                   </a:ext>
                 </a:extLst>
               </p:cNvPr>
@@ -5040,7 +5047,7 @@
             <p:cNvPr id="16" name="그룹 1010">
               <a:extLst>
                 <a:ext uri="{FF2B5EF4-FFF2-40B4-BE49-F238E27FC236}">
-                  <a16:creationId xmlns:a16="http://schemas.microsoft.com/office/drawing/2014/main" id="{02A649BF-B5B5-FBAF-7DFD-E118A4DF8907}"/>
+                  <a16:creationId xmlns:a16="http://schemas.microsoft.com/office/drawing/2014/main" xmlns="" id="{02A649BF-B5B5-FBAF-7DFD-E118A4DF8907}"/>
                 </a:ext>
               </a:extLst>
             </p:cNvPr>
@@ -5060,7 +5067,7 @@
               <p:cNvPr id="19" name="Object 32">
                 <a:extLst>
                   <a:ext uri="{FF2B5EF4-FFF2-40B4-BE49-F238E27FC236}">
-                    <a16:creationId xmlns:a16="http://schemas.microsoft.com/office/drawing/2014/main" id="{2A0FFF23-B3C9-3EA0-1C1B-A87D4FF098AE}"/>
+                    <a16:creationId xmlns:a16="http://schemas.microsoft.com/office/drawing/2014/main" xmlns="" id="{2A0FFF23-B3C9-3EA0-1C1B-A87D4FF098AE}"/>
                   </a:ext>
                 </a:extLst>
               </p:cNvPr>
@@ -5091,7 +5098,7 @@
             <p:cNvPr id="17" name="그룹 1011">
               <a:extLst>
                 <a:ext uri="{FF2B5EF4-FFF2-40B4-BE49-F238E27FC236}">
-                  <a16:creationId xmlns:a16="http://schemas.microsoft.com/office/drawing/2014/main" id="{881F5410-F7FB-F261-A584-707359BAC593}"/>
+                  <a16:creationId xmlns:a16="http://schemas.microsoft.com/office/drawing/2014/main" xmlns="" id="{881F5410-F7FB-F261-A584-707359BAC593}"/>
                 </a:ext>
               </a:extLst>
             </p:cNvPr>
@@ -5111,7 +5118,7 @@
               <p:cNvPr id="18" name="Object 35">
                 <a:extLst>
                   <a:ext uri="{FF2B5EF4-FFF2-40B4-BE49-F238E27FC236}">
-                    <a16:creationId xmlns:a16="http://schemas.microsoft.com/office/drawing/2014/main" id="{4E99E669-73EB-F9F4-EFE8-DC107035C265}"/>
+                    <a16:creationId xmlns:a16="http://schemas.microsoft.com/office/drawing/2014/main" xmlns="" id="{4E99E669-73EB-F9F4-EFE8-DC107035C265}"/>
                   </a:ext>
                 </a:extLst>
               </p:cNvPr>
@@ -5143,7 +5150,7 @@
           <p:cNvPr id="21" name="TextBox 20">
             <a:extLst>
               <a:ext uri="{FF2B5EF4-FFF2-40B4-BE49-F238E27FC236}">
-                <a16:creationId xmlns:a16="http://schemas.microsoft.com/office/drawing/2014/main" id="{7229BEA6-121E-9056-D07F-2B3BB1795F76}"/>
+                <a16:creationId xmlns:a16="http://schemas.microsoft.com/office/drawing/2014/main" xmlns="" id="{7229BEA6-121E-9056-D07F-2B3BB1795F76}"/>
               </a:ext>
             </a:extLst>
           </p:cNvPr>
@@ -5210,7 +5217,7 @@
           <p:cNvPr id="22" name="TextBox 21">
             <a:extLst>
               <a:ext uri="{FF2B5EF4-FFF2-40B4-BE49-F238E27FC236}">
-                <a16:creationId xmlns:a16="http://schemas.microsoft.com/office/drawing/2014/main" id="{7229BEA6-121E-9056-D07F-2B3BB1795F76}"/>
+                <a16:creationId xmlns:a16="http://schemas.microsoft.com/office/drawing/2014/main" xmlns="" id="{7229BEA6-121E-9056-D07F-2B3BB1795F76}"/>
               </a:ext>
             </a:extLst>
           </p:cNvPr>
@@ -5476,7 +5483,7 @@
           <p:cNvPr id="2" name="TextBox 1">
             <a:extLst>
               <a:ext uri="{FF2B5EF4-FFF2-40B4-BE49-F238E27FC236}">
-                <a16:creationId xmlns:a16="http://schemas.microsoft.com/office/drawing/2014/main" id="{76F36AE5-79B5-0B9F-E510-1C27AAC4B649}"/>
+                <a16:creationId xmlns:a16="http://schemas.microsoft.com/office/drawing/2014/main" xmlns="" id="{76F36AE5-79B5-0B9F-E510-1C27AAC4B649}"/>
               </a:ext>
             </a:extLst>
           </p:cNvPr>
@@ -5554,7 +5561,7 @@
           <p:cNvPr id="2" name="TextBox 1">
             <a:extLst>
               <a:ext uri="{FF2B5EF4-FFF2-40B4-BE49-F238E27FC236}">
-                <a16:creationId xmlns:a16="http://schemas.microsoft.com/office/drawing/2014/main" id="{15714054-88B7-D8BA-BA3F-32FCC23E1935}"/>
+                <a16:creationId xmlns:a16="http://schemas.microsoft.com/office/drawing/2014/main" xmlns="" id="{15714054-88B7-D8BA-BA3F-32FCC23E1935}"/>
               </a:ext>
             </a:extLst>
           </p:cNvPr>
@@ -5602,7 +5609,7 @@
           <p:cNvPr id="3" name="TextBox 2">
             <a:extLst>
               <a:ext uri="{FF2B5EF4-FFF2-40B4-BE49-F238E27FC236}">
-                <a16:creationId xmlns:a16="http://schemas.microsoft.com/office/drawing/2014/main" id="{7DF4E266-6098-6902-8C1D-0A3B4EA1D43F}"/>
+                <a16:creationId xmlns:a16="http://schemas.microsoft.com/office/drawing/2014/main" xmlns="" id="{7DF4E266-6098-6902-8C1D-0A3B4EA1D43F}"/>
               </a:ext>
             </a:extLst>
           </p:cNvPr>
@@ -5670,7 +5677,7 @@
           <p:cNvPr id="15" name="그림 14">
             <a:extLst>
               <a:ext uri="{FF2B5EF4-FFF2-40B4-BE49-F238E27FC236}">
-                <a16:creationId xmlns:a16="http://schemas.microsoft.com/office/drawing/2014/main" id="{3251587C-3457-9F31-1F8E-B7F12DE8C41B}"/>
+                <a16:creationId xmlns:a16="http://schemas.microsoft.com/office/drawing/2014/main" xmlns="" id="{3251587C-3457-9F31-1F8E-B7F12DE8C41B}"/>
               </a:ext>
             </a:extLst>
           </p:cNvPr>
@@ -5700,7 +5707,7 @@
           <p:cNvPr id="16" name="직선 화살표 연결선 15">
             <a:extLst>
               <a:ext uri="{FF2B5EF4-FFF2-40B4-BE49-F238E27FC236}">
-                <a16:creationId xmlns:a16="http://schemas.microsoft.com/office/drawing/2014/main" id="{DF24D8FF-CD94-31C6-1714-F4E40ED7016A}"/>
+                <a16:creationId xmlns:a16="http://schemas.microsoft.com/office/drawing/2014/main" xmlns="" id="{DF24D8FF-CD94-31C6-1714-F4E40ED7016A}"/>
               </a:ext>
             </a:extLst>
           </p:cNvPr>
@@ -5741,7 +5748,7 @@
           <p:cNvPr id="17" name="TextBox 16">
             <a:extLst>
               <a:ext uri="{FF2B5EF4-FFF2-40B4-BE49-F238E27FC236}">
-                <a16:creationId xmlns:a16="http://schemas.microsoft.com/office/drawing/2014/main" id="{09494743-FD7E-9061-F524-BED2D57EDAD2}"/>
+                <a16:creationId xmlns:a16="http://schemas.microsoft.com/office/drawing/2014/main" xmlns="" id="{09494743-FD7E-9061-F524-BED2D57EDAD2}"/>
               </a:ext>
             </a:extLst>
           </p:cNvPr>
@@ -5819,7 +5826,7 @@
           <p:cNvPr id="7" name="그림 6">
             <a:extLst>
               <a:ext uri="{FF2B5EF4-FFF2-40B4-BE49-F238E27FC236}">
-                <a16:creationId xmlns:a16="http://schemas.microsoft.com/office/drawing/2014/main" id="{8034EABB-889D-8528-A2F9-D6B5FDBADD77}"/>
+                <a16:creationId xmlns:a16="http://schemas.microsoft.com/office/drawing/2014/main" xmlns="" id="{8034EABB-889D-8528-A2F9-D6B5FDBADD77}"/>
               </a:ext>
             </a:extLst>
           </p:cNvPr>
@@ -5849,7 +5856,7 @@
           <p:cNvPr id="11" name="그림 10">
             <a:extLst>
               <a:ext uri="{FF2B5EF4-FFF2-40B4-BE49-F238E27FC236}">
-                <a16:creationId xmlns:a16="http://schemas.microsoft.com/office/drawing/2014/main" id="{19E753A8-B9EA-F050-64D9-834E1FD20D19}"/>
+                <a16:creationId xmlns:a16="http://schemas.microsoft.com/office/drawing/2014/main" xmlns="" id="{19E753A8-B9EA-F050-64D9-834E1FD20D19}"/>
               </a:ext>
             </a:extLst>
           </p:cNvPr>
@@ -5879,7 +5886,7 @@
           <p:cNvPr id="4" name="직사각형 3">
             <a:extLst>
               <a:ext uri="{FF2B5EF4-FFF2-40B4-BE49-F238E27FC236}">
-                <a16:creationId xmlns:a16="http://schemas.microsoft.com/office/drawing/2014/main" id="{FFF506F9-840A-0508-4CAF-3AC711D8D5CE}"/>
+                <a16:creationId xmlns:a16="http://schemas.microsoft.com/office/drawing/2014/main" xmlns="" id="{FFF506F9-840A-0508-4CAF-3AC711D8D5CE}"/>
               </a:ext>
             </a:extLst>
           </p:cNvPr>
@@ -5931,7 +5938,7 @@
           <p:cNvPr id="5" name="직사각형 4">
             <a:extLst>
               <a:ext uri="{FF2B5EF4-FFF2-40B4-BE49-F238E27FC236}">
-                <a16:creationId xmlns:a16="http://schemas.microsoft.com/office/drawing/2014/main" id="{FFF506F9-840A-0508-4CAF-3AC711D8D5CE}"/>
+                <a16:creationId xmlns:a16="http://schemas.microsoft.com/office/drawing/2014/main" xmlns="" id="{FFF506F9-840A-0508-4CAF-3AC711D8D5CE}"/>
               </a:ext>
             </a:extLst>
           </p:cNvPr>
@@ -5983,7 +5990,7 @@
           <p:cNvPr id="2" name="그룹 1008">
             <a:extLst>
               <a:ext uri="{FF2B5EF4-FFF2-40B4-BE49-F238E27FC236}">
-                <a16:creationId xmlns:a16="http://schemas.microsoft.com/office/drawing/2014/main" id="{7B631D43-3504-F5FE-87A1-F651047C62B0}"/>
+                <a16:creationId xmlns:a16="http://schemas.microsoft.com/office/drawing/2014/main" xmlns="" id="{7B631D43-3504-F5FE-87A1-F651047C62B0}"/>
               </a:ext>
             </a:extLst>
           </p:cNvPr>
@@ -6003,7 +6010,7 @@
             <p:cNvPr id="3" name="그룹 1009">
               <a:extLst>
                 <a:ext uri="{FF2B5EF4-FFF2-40B4-BE49-F238E27FC236}">
-                  <a16:creationId xmlns:a16="http://schemas.microsoft.com/office/drawing/2014/main" id="{65D1E403-9A1D-DD06-2F95-DBCBD4C2564C}"/>
+                  <a16:creationId xmlns:a16="http://schemas.microsoft.com/office/drawing/2014/main" xmlns="" id="{65D1E403-9A1D-DD06-2F95-DBCBD4C2564C}"/>
                 </a:ext>
               </a:extLst>
             </p:cNvPr>
@@ -6023,7 +6030,7 @@
               <p:cNvPr id="12" name="Object 29">
                 <a:extLst>
                   <a:ext uri="{FF2B5EF4-FFF2-40B4-BE49-F238E27FC236}">
-                    <a16:creationId xmlns:a16="http://schemas.microsoft.com/office/drawing/2014/main" id="{6BA9FE91-C8B3-DB49-097E-41DE49921026}"/>
+                    <a16:creationId xmlns:a16="http://schemas.microsoft.com/office/drawing/2014/main" xmlns="" id="{6BA9FE91-C8B3-DB49-097E-41DE49921026}"/>
                   </a:ext>
                 </a:extLst>
               </p:cNvPr>
@@ -6054,7 +6061,7 @@
             <p:cNvPr id="6" name="그룹 1010">
               <a:extLst>
                 <a:ext uri="{FF2B5EF4-FFF2-40B4-BE49-F238E27FC236}">
-                  <a16:creationId xmlns:a16="http://schemas.microsoft.com/office/drawing/2014/main" id="{DDF51DED-D5B6-9128-CAFA-528BA22BC068}"/>
+                  <a16:creationId xmlns:a16="http://schemas.microsoft.com/office/drawing/2014/main" xmlns="" id="{DDF51DED-D5B6-9128-CAFA-528BA22BC068}"/>
                 </a:ext>
               </a:extLst>
             </p:cNvPr>
@@ -6074,7 +6081,7 @@
               <p:cNvPr id="10" name="Object 32">
                 <a:extLst>
                   <a:ext uri="{FF2B5EF4-FFF2-40B4-BE49-F238E27FC236}">
-                    <a16:creationId xmlns:a16="http://schemas.microsoft.com/office/drawing/2014/main" id="{D18C7777-9FB4-4F3A-484F-C754704DC2DA}"/>
+                    <a16:creationId xmlns:a16="http://schemas.microsoft.com/office/drawing/2014/main" xmlns="" id="{D18C7777-9FB4-4F3A-484F-C754704DC2DA}"/>
                   </a:ext>
                 </a:extLst>
               </p:cNvPr>
@@ -6105,7 +6112,7 @@
             <p:cNvPr id="8" name="그룹 1011">
               <a:extLst>
                 <a:ext uri="{FF2B5EF4-FFF2-40B4-BE49-F238E27FC236}">
-                  <a16:creationId xmlns:a16="http://schemas.microsoft.com/office/drawing/2014/main" id="{324248BD-C8F9-AAFD-57D1-C6D83ACD99E5}"/>
+                  <a16:creationId xmlns:a16="http://schemas.microsoft.com/office/drawing/2014/main" xmlns="" id="{324248BD-C8F9-AAFD-57D1-C6D83ACD99E5}"/>
                 </a:ext>
               </a:extLst>
             </p:cNvPr>
@@ -6125,7 +6132,7 @@
               <p:cNvPr id="9" name="Object 35">
                 <a:extLst>
                   <a:ext uri="{FF2B5EF4-FFF2-40B4-BE49-F238E27FC236}">
-                    <a16:creationId xmlns:a16="http://schemas.microsoft.com/office/drawing/2014/main" id="{D656F0D0-28FE-664D-FC72-4A23A8264AE6}"/>
+                    <a16:creationId xmlns:a16="http://schemas.microsoft.com/office/drawing/2014/main" xmlns="" id="{D656F0D0-28FE-664D-FC72-4A23A8264AE6}"/>
                   </a:ext>
                 </a:extLst>
               </p:cNvPr>
@@ -6187,7 +6194,7 @@
           <p:cNvPr id="5" name="그림 4">
             <a:extLst>
               <a:ext uri="{FF2B5EF4-FFF2-40B4-BE49-F238E27FC236}">
-                <a16:creationId xmlns:a16="http://schemas.microsoft.com/office/drawing/2014/main" id="{B3280BF9-66F2-3D60-3CAF-80EF3F018627}"/>
+                <a16:creationId xmlns:a16="http://schemas.microsoft.com/office/drawing/2014/main" xmlns="" id="{B3280BF9-66F2-3D60-3CAF-80EF3F018627}"/>
               </a:ext>
             </a:extLst>
           </p:cNvPr>
@@ -6217,7 +6224,7 @@
           <p:cNvPr id="3" name="직사각형 2">
             <a:extLst>
               <a:ext uri="{FF2B5EF4-FFF2-40B4-BE49-F238E27FC236}">
-                <a16:creationId xmlns:a16="http://schemas.microsoft.com/office/drawing/2014/main" id="{FFF506F9-840A-0508-4CAF-3AC711D8D5CE}"/>
+                <a16:creationId xmlns:a16="http://schemas.microsoft.com/office/drawing/2014/main" xmlns="" id="{FFF506F9-840A-0508-4CAF-3AC711D8D5CE}"/>
               </a:ext>
             </a:extLst>
           </p:cNvPr>
@@ -6299,7 +6306,7 @@
           <p:cNvPr id="5" name="그림 4">
             <a:extLst>
               <a:ext uri="{FF2B5EF4-FFF2-40B4-BE49-F238E27FC236}">
-                <a16:creationId xmlns:a16="http://schemas.microsoft.com/office/drawing/2014/main" id="{0B2E0D05-33A7-02FD-9213-883D4B7AD312}"/>
+                <a16:creationId xmlns:a16="http://schemas.microsoft.com/office/drawing/2014/main" xmlns="" id="{0B2E0D05-33A7-02FD-9213-883D4B7AD312}"/>
               </a:ext>
             </a:extLst>
           </p:cNvPr>
@@ -6329,7 +6336,7 @@
           <p:cNvPr id="7" name="그림 6">
             <a:extLst>
               <a:ext uri="{FF2B5EF4-FFF2-40B4-BE49-F238E27FC236}">
-                <a16:creationId xmlns:a16="http://schemas.microsoft.com/office/drawing/2014/main" id="{4FA74B91-A930-D26C-4562-75DEA658A572}"/>
+                <a16:creationId xmlns:a16="http://schemas.microsoft.com/office/drawing/2014/main" xmlns="" id="{4FA74B91-A930-D26C-4562-75DEA658A572}"/>
               </a:ext>
             </a:extLst>
           </p:cNvPr>
@@ -6359,7 +6366,7 @@
           <p:cNvPr id="2" name="직사각형 1">
             <a:extLst>
               <a:ext uri="{FF2B5EF4-FFF2-40B4-BE49-F238E27FC236}">
-                <a16:creationId xmlns:a16="http://schemas.microsoft.com/office/drawing/2014/main" id="{662983EC-8269-0F0C-F185-0A702293378B}"/>
+                <a16:creationId xmlns:a16="http://schemas.microsoft.com/office/drawing/2014/main" xmlns="" id="{662983EC-8269-0F0C-F185-0A702293378B}"/>
               </a:ext>
             </a:extLst>
           </p:cNvPr>
@@ -6411,7 +6418,7 @@
           <p:cNvPr id="3" name="직사각형 2">
             <a:extLst>
               <a:ext uri="{FF2B5EF4-FFF2-40B4-BE49-F238E27FC236}">
-                <a16:creationId xmlns:a16="http://schemas.microsoft.com/office/drawing/2014/main" id="{12568087-8243-5037-0076-36D11A4AC948}"/>
+                <a16:creationId xmlns:a16="http://schemas.microsoft.com/office/drawing/2014/main" xmlns="" id="{12568087-8243-5037-0076-36D11A4AC948}"/>
               </a:ext>
             </a:extLst>
           </p:cNvPr>
@@ -6463,7 +6470,7 @@
           <p:cNvPr id="4" name="직선 화살표 연결선 3">
             <a:extLst>
               <a:ext uri="{FF2B5EF4-FFF2-40B4-BE49-F238E27FC236}">
-                <a16:creationId xmlns:a16="http://schemas.microsoft.com/office/drawing/2014/main" id="{A7B19F88-8290-39BE-A4F3-31A39361941E}"/>
+                <a16:creationId xmlns:a16="http://schemas.microsoft.com/office/drawing/2014/main" xmlns="" id="{A7B19F88-8290-39BE-A4F3-31A39361941E}"/>
               </a:ext>
             </a:extLst>
           </p:cNvPr>
@@ -6504,7 +6511,7 @@
           <p:cNvPr id="6" name="TextBox 5">
             <a:extLst>
               <a:ext uri="{FF2B5EF4-FFF2-40B4-BE49-F238E27FC236}">
-                <a16:creationId xmlns:a16="http://schemas.microsoft.com/office/drawing/2014/main" id="{37D9FEE4-C522-CCBF-4238-12E1F41A4CC1}"/>
+                <a16:creationId xmlns:a16="http://schemas.microsoft.com/office/drawing/2014/main" xmlns="" id="{37D9FEE4-C522-CCBF-4238-12E1F41A4CC1}"/>
               </a:ext>
             </a:extLst>
           </p:cNvPr>
@@ -6626,7 +6633,7 @@
           <p:cNvPr id="5" name="직사각형 4">
             <a:extLst>
               <a:ext uri="{FF2B5EF4-FFF2-40B4-BE49-F238E27FC236}">
-                <a16:creationId xmlns:a16="http://schemas.microsoft.com/office/drawing/2014/main" id="{FFF506F9-840A-0508-4CAF-3AC711D8D5CE}"/>
+                <a16:creationId xmlns:a16="http://schemas.microsoft.com/office/drawing/2014/main" xmlns="" id="{FFF506F9-840A-0508-4CAF-3AC711D8D5CE}"/>
               </a:ext>
             </a:extLst>
           </p:cNvPr>
@@ -6678,7 +6685,7 @@
           <p:cNvPr id="6" name="직사각형 5">
             <a:extLst>
               <a:ext uri="{FF2B5EF4-FFF2-40B4-BE49-F238E27FC236}">
-                <a16:creationId xmlns:a16="http://schemas.microsoft.com/office/drawing/2014/main" id="{FFF506F9-840A-0508-4CAF-3AC711D8D5CE}"/>
+                <a16:creationId xmlns:a16="http://schemas.microsoft.com/office/drawing/2014/main" xmlns="" id="{FFF506F9-840A-0508-4CAF-3AC711D8D5CE}"/>
               </a:ext>
             </a:extLst>
           </p:cNvPr>
@@ -6754,7 +6761,7 @@
           <p:cNvPr id="8" name="직사각형 7">
             <a:extLst>
               <a:ext uri="{FF2B5EF4-FFF2-40B4-BE49-F238E27FC236}">
-                <a16:creationId xmlns:a16="http://schemas.microsoft.com/office/drawing/2014/main" id="{FFF506F9-840A-0508-4CAF-3AC711D8D5CE}"/>
+                <a16:creationId xmlns:a16="http://schemas.microsoft.com/office/drawing/2014/main" xmlns="" id="{FFF506F9-840A-0508-4CAF-3AC711D8D5CE}"/>
               </a:ext>
             </a:extLst>
           </p:cNvPr>
@@ -6806,7 +6813,7 @@
           <p:cNvPr id="2" name="직사각형 1">
             <a:extLst>
               <a:ext uri="{FF2B5EF4-FFF2-40B4-BE49-F238E27FC236}">
-                <a16:creationId xmlns:a16="http://schemas.microsoft.com/office/drawing/2014/main" id="{1E82723F-490D-873B-F2DC-E88C00B576E7}"/>
+                <a16:creationId xmlns:a16="http://schemas.microsoft.com/office/drawing/2014/main" xmlns="" id="{1E82723F-490D-873B-F2DC-E88C00B576E7}"/>
               </a:ext>
             </a:extLst>
           </p:cNvPr>
@@ -6858,7 +6865,7 @@
           <p:cNvPr id="3" name="TextBox 2">
             <a:extLst>
               <a:ext uri="{FF2B5EF4-FFF2-40B4-BE49-F238E27FC236}">
-                <a16:creationId xmlns:a16="http://schemas.microsoft.com/office/drawing/2014/main" id="{5F595596-BCE7-BB47-DC4A-ECC7E88D9E21}"/>
+                <a16:creationId xmlns:a16="http://schemas.microsoft.com/office/drawing/2014/main" xmlns="" id="{5F595596-BCE7-BB47-DC4A-ECC7E88D9E21}"/>
               </a:ext>
             </a:extLst>
           </p:cNvPr>
@@ -6906,7 +6913,7 @@
           <p:cNvPr id="9" name="직사각형 8">
             <a:extLst>
               <a:ext uri="{FF2B5EF4-FFF2-40B4-BE49-F238E27FC236}">
-                <a16:creationId xmlns:a16="http://schemas.microsoft.com/office/drawing/2014/main" id="{E8860763-2FD2-7061-3B5D-12B52D97BF17}"/>
+                <a16:creationId xmlns:a16="http://schemas.microsoft.com/office/drawing/2014/main" xmlns="" id="{E8860763-2FD2-7061-3B5D-12B52D97BF17}"/>
               </a:ext>
             </a:extLst>
           </p:cNvPr>
@@ -6958,7 +6965,7 @@
           <p:cNvPr id="10" name="TextBox 9">
             <a:extLst>
               <a:ext uri="{FF2B5EF4-FFF2-40B4-BE49-F238E27FC236}">
-                <a16:creationId xmlns:a16="http://schemas.microsoft.com/office/drawing/2014/main" id="{BD681665-F5E3-D7DB-247D-9571A45B273E}"/>
+                <a16:creationId xmlns:a16="http://schemas.microsoft.com/office/drawing/2014/main" xmlns="" id="{BD681665-F5E3-D7DB-247D-9571A45B273E}"/>
               </a:ext>
             </a:extLst>
           </p:cNvPr>
@@ -7016,7 +7023,7 @@
           <p:cNvPr id="11" name="직선 화살표 연결선 10">
             <a:extLst>
               <a:ext uri="{FF2B5EF4-FFF2-40B4-BE49-F238E27FC236}">
-                <a16:creationId xmlns:a16="http://schemas.microsoft.com/office/drawing/2014/main" id="{B12E7AEB-1C69-9FFB-1882-0924C06A3660}"/>
+                <a16:creationId xmlns:a16="http://schemas.microsoft.com/office/drawing/2014/main" xmlns="" id="{B12E7AEB-1C69-9FFB-1882-0924C06A3660}"/>
               </a:ext>
             </a:extLst>
           </p:cNvPr>
@@ -7087,7 +7094,7 @@
           <p:cNvPr id="48" name="그림 47">
             <a:extLst>
               <a:ext uri="{FF2B5EF4-FFF2-40B4-BE49-F238E27FC236}">
-                <a16:creationId xmlns:a16="http://schemas.microsoft.com/office/drawing/2014/main" id="{D334DBCF-B3EE-6D13-1FC6-7FBAC353AB0D}"/>
+                <a16:creationId xmlns:a16="http://schemas.microsoft.com/office/drawing/2014/main" xmlns="" id="{D334DBCF-B3EE-6D13-1FC6-7FBAC353AB0D}"/>
               </a:ext>
             </a:extLst>
           </p:cNvPr>
@@ -7141,7 +7148,7 @@
           <p:cNvPr id="8" name="직사각형 7">
             <a:extLst>
               <a:ext uri="{FF2B5EF4-FFF2-40B4-BE49-F238E27FC236}">
-                <a16:creationId xmlns:a16="http://schemas.microsoft.com/office/drawing/2014/main" id="{FFF506F9-840A-0508-4CAF-3AC711D8D5CE}"/>
+                <a16:creationId xmlns:a16="http://schemas.microsoft.com/office/drawing/2014/main" xmlns="" id="{FFF506F9-840A-0508-4CAF-3AC711D8D5CE}"/>
               </a:ext>
             </a:extLst>
           </p:cNvPr>
@@ -7193,7 +7200,7 @@
           <p:cNvPr id="9" name="직선 화살표 연결선 8">
             <a:extLst>
               <a:ext uri="{FF2B5EF4-FFF2-40B4-BE49-F238E27FC236}">
-                <a16:creationId xmlns:a16="http://schemas.microsoft.com/office/drawing/2014/main" id="{299DF5EC-9DF4-5255-06AC-0A7CE4FF58C3}"/>
+                <a16:creationId xmlns:a16="http://schemas.microsoft.com/office/drawing/2014/main" xmlns="" id="{299DF5EC-9DF4-5255-06AC-0A7CE4FF58C3}"/>
               </a:ext>
             </a:extLst>
           </p:cNvPr>
@@ -7234,7 +7241,7 @@
           <p:cNvPr id="11" name="TextBox 10">
             <a:extLst>
               <a:ext uri="{FF2B5EF4-FFF2-40B4-BE49-F238E27FC236}">
-                <a16:creationId xmlns:a16="http://schemas.microsoft.com/office/drawing/2014/main" id="{C6D113C6-EA5C-788F-0C77-E7CE6EBB865F}"/>
+                <a16:creationId xmlns:a16="http://schemas.microsoft.com/office/drawing/2014/main" xmlns="" id="{C6D113C6-EA5C-788F-0C77-E7CE6EBB865F}"/>
               </a:ext>
             </a:extLst>
           </p:cNvPr>
@@ -7285,7 +7292,7 @@
           <p:cNvPr id="12" name="직사각형 11">
             <a:extLst>
               <a:ext uri="{FF2B5EF4-FFF2-40B4-BE49-F238E27FC236}">
-                <a16:creationId xmlns:a16="http://schemas.microsoft.com/office/drawing/2014/main" id="{FFF506F9-840A-0508-4CAF-3AC711D8D5CE}"/>
+                <a16:creationId xmlns:a16="http://schemas.microsoft.com/office/drawing/2014/main" xmlns="" id="{FFF506F9-840A-0508-4CAF-3AC711D8D5CE}"/>
               </a:ext>
             </a:extLst>
           </p:cNvPr>
@@ -7337,7 +7344,7 @@
           <p:cNvPr id="13" name="직선 화살표 연결선 12">
             <a:extLst>
               <a:ext uri="{FF2B5EF4-FFF2-40B4-BE49-F238E27FC236}">
-                <a16:creationId xmlns:a16="http://schemas.microsoft.com/office/drawing/2014/main" id="{299DF5EC-9DF4-5255-06AC-0A7CE4FF58C3}"/>
+                <a16:creationId xmlns:a16="http://schemas.microsoft.com/office/drawing/2014/main" xmlns="" id="{299DF5EC-9DF4-5255-06AC-0A7CE4FF58C3}"/>
               </a:ext>
             </a:extLst>
           </p:cNvPr>
@@ -7378,7 +7385,7 @@
           <p:cNvPr id="14" name="TextBox 13">
             <a:extLst>
               <a:ext uri="{FF2B5EF4-FFF2-40B4-BE49-F238E27FC236}">
-                <a16:creationId xmlns:a16="http://schemas.microsoft.com/office/drawing/2014/main" id="{C6D113C6-EA5C-788F-0C77-E7CE6EBB865F}"/>
+                <a16:creationId xmlns:a16="http://schemas.microsoft.com/office/drawing/2014/main" xmlns="" id="{C6D113C6-EA5C-788F-0C77-E7CE6EBB865F}"/>
               </a:ext>
             </a:extLst>
           </p:cNvPr>
@@ -7448,7 +7455,7 @@
           <p:cNvPr id="15" name="직사각형 14">
             <a:extLst>
               <a:ext uri="{FF2B5EF4-FFF2-40B4-BE49-F238E27FC236}">
-                <a16:creationId xmlns:a16="http://schemas.microsoft.com/office/drawing/2014/main" id="{FFF506F9-840A-0508-4CAF-3AC711D8D5CE}"/>
+                <a16:creationId xmlns:a16="http://schemas.microsoft.com/office/drawing/2014/main" xmlns="" id="{FFF506F9-840A-0508-4CAF-3AC711D8D5CE}"/>
               </a:ext>
             </a:extLst>
           </p:cNvPr>
@@ -7500,7 +7507,7 @@
           <p:cNvPr id="16" name="직선 화살표 연결선 15">
             <a:extLst>
               <a:ext uri="{FF2B5EF4-FFF2-40B4-BE49-F238E27FC236}">
-                <a16:creationId xmlns:a16="http://schemas.microsoft.com/office/drawing/2014/main" id="{299DF5EC-9DF4-5255-06AC-0A7CE4FF58C3}"/>
+                <a16:creationId xmlns:a16="http://schemas.microsoft.com/office/drawing/2014/main" xmlns="" id="{299DF5EC-9DF4-5255-06AC-0A7CE4FF58C3}"/>
               </a:ext>
             </a:extLst>
           </p:cNvPr>
@@ -7541,7 +7548,7 @@
           <p:cNvPr id="17" name="TextBox 16">
             <a:extLst>
               <a:ext uri="{FF2B5EF4-FFF2-40B4-BE49-F238E27FC236}">
-                <a16:creationId xmlns:a16="http://schemas.microsoft.com/office/drawing/2014/main" id="{C6D113C6-EA5C-788F-0C77-E7CE6EBB865F}"/>
+                <a16:creationId xmlns:a16="http://schemas.microsoft.com/office/drawing/2014/main" xmlns="" id="{C6D113C6-EA5C-788F-0C77-E7CE6EBB865F}"/>
               </a:ext>
             </a:extLst>
           </p:cNvPr>
@@ -7619,7 +7626,7 @@
           <p:cNvPr id="2" name="TextBox 1">
             <a:extLst>
               <a:ext uri="{FF2B5EF4-FFF2-40B4-BE49-F238E27FC236}">
-                <a16:creationId xmlns:a16="http://schemas.microsoft.com/office/drawing/2014/main" id="{B4A999D3-9EFF-EF8D-0F7B-C0D43AC45A90}"/>
+                <a16:creationId xmlns:a16="http://schemas.microsoft.com/office/drawing/2014/main" xmlns="" id="{B4A999D3-9EFF-EF8D-0F7B-C0D43AC45A90}"/>
               </a:ext>
             </a:extLst>
           </p:cNvPr>
@@ -7667,7 +7674,7 @@
           <p:cNvPr id="20" name="그림 19">
             <a:extLst>
               <a:ext uri="{FF2B5EF4-FFF2-40B4-BE49-F238E27FC236}">
-                <a16:creationId xmlns:a16="http://schemas.microsoft.com/office/drawing/2014/main" id="{A6A24036-E674-B68D-A8BE-91231F46DADF}"/>
+                <a16:creationId xmlns:a16="http://schemas.microsoft.com/office/drawing/2014/main" xmlns="" id="{A6A24036-E674-B68D-A8BE-91231F46DADF}"/>
               </a:ext>
             </a:extLst>
           </p:cNvPr>
@@ -7697,7 +7704,7 @@
           <p:cNvPr id="23" name="그림 22">
             <a:extLst>
               <a:ext uri="{FF2B5EF4-FFF2-40B4-BE49-F238E27FC236}">
-                <a16:creationId xmlns:a16="http://schemas.microsoft.com/office/drawing/2014/main" id="{19E5ACE5-2CD2-C2BA-7D90-5F2929987B15}"/>
+                <a16:creationId xmlns:a16="http://schemas.microsoft.com/office/drawing/2014/main" xmlns="" id="{19E5ACE5-2CD2-C2BA-7D90-5F2929987B15}"/>
               </a:ext>
             </a:extLst>
           </p:cNvPr>
@@ -7727,7 +7734,7 @@
           <p:cNvPr id="24" name="직사각형 23">
             <a:extLst>
               <a:ext uri="{FF2B5EF4-FFF2-40B4-BE49-F238E27FC236}">
-                <a16:creationId xmlns:a16="http://schemas.microsoft.com/office/drawing/2014/main" id="{47A1FDE9-EDCD-46B9-0D00-4C715E8923D9}"/>
+                <a16:creationId xmlns:a16="http://schemas.microsoft.com/office/drawing/2014/main" xmlns="" id="{47A1FDE9-EDCD-46B9-0D00-4C715E8923D9}"/>
               </a:ext>
             </a:extLst>
           </p:cNvPr>
@@ -7779,7 +7786,7 @@
           <p:cNvPr id="25" name="직사각형 24">
             <a:extLst>
               <a:ext uri="{FF2B5EF4-FFF2-40B4-BE49-F238E27FC236}">
-                <a16:creationId xmlns:a16="http://schemas.microsoft.com/office/drawing/2014/main" id="{2A825EE6-2E5A-3ED0-D5DD-2C483E7969BB}"/>
+                <a16:creationId xmlns:a16="http://schemas.microsoft.com/office/drawing/2014/main" xmlns="" id="{2A825EE6-2E5A-3ED0-D5DD-2C483E7969BB}"/>
               </a:ext>
             </a:extLst>
           </p:cNvPr>
@@ -7831,7 +7838,7 @@
           <p:cNvPr id="26" name="직선 화살표 연결선 25">
             <a:extLst>
               <a:ext uri="{FF2B5EF4-FFF2-40B4-BE49-F238E27FC236}">
-                <a16:creationId xmlns:a16="http://schemas.microsoft.com/office/drawing/2014/main" id="{58F9C53D-7E6D-84B7-5CA1-4F1CF5D33B69}"/>
+                <a16:creationId xmlns:a16="http://schemas.microsoft.com/office/drawing/2014/main" xmlns="" id="{58F9C53D-7E6D-84B7-5CA1-4F1CF5D33B69}"/>
               </a:ext>
             </a:extLst>
           </p:cNvPr>
@@ -7872,7 +7879,7 @@
           <p:cNvPr id="27" name="TextBox 26">
             <a:extLst>
               <a:ext uri="{FF2B5EF4-FFF2-40B4-BE49-F238E27FC236}">
-                <a16:creationId xmlns:a16="http://schemas.microsoft.com/office/drawing/2014/main" id="{F4D02CF6-4E5D-E122-CFCB-18322F555447}"/>
+                <a16:creationId xmlns:a16="http://schemas.microsoft.com/office/drawing/2014/main" xmlns="" id="{F4D02CF6-4E5D-E122-CFCB-18322F555447}"/>
               </a:ext>
             </a:extLst>
           </p:cNvPr>
@@ -7920,7 +7927,7 @@
           <p:cNvPr id="28" name="그룹 1008">
             <a:extLst>
               <a:ext uri="{FF2B5EF4-FFF2-40B4-BE49-F238E27FC236}">
-                <a16:creationId xmlns:a16="http://schemas.microsoft.com/office/drawing/2014/main" id="{2E37EE38-CE48-4B67-9290-DE1FA6624765}"/>
+                <a16:creationId xmlns:a16="http://schemas.microsoft.com/office/drawing/2014/main" xmlns="" id="{2E37EE38-CE48-4B67-9290-DE1FA6624765}"/>
               </a:ext>
             </a:extLst>
           </p:cNvPr>
@@ -7940,7 +7947,7 @@
             <p:cNvPr id="29" name="그룹 1009">
               <a:extLst>
                 <a:ext uri="{FF2B5EF4-FFF2-40B4-BE49-F238E27FC236}">
-                  <a16:creationId xmlns:a16="http://schemas.microsoft.com/office/drawing/2014/main" id="{A1B966DC-3D06-1B4A-E6CA-CA5CB9D70AF3}"/>
+                  <a16:creationId xmlns:a16="http://schemas.microsoft.com/office/drawing/2014/main" xmlns="" id="{A1B966DC-3D06-1B4A-E6CA-CA5CB9D70AF3}"/>
                 </a:ext>
               </a:extLst>
             </p:cNvPr>
@@ -7960,7 +7967,7 @@
               <p:cNvPr id="34" name="Object 29">
                 <a:extLst>
                   <a:ext uri="{FF2B5EF4-FFF2-40B4-BE49-F238E27FC236}">
-                    <a16:creationId xmlns:a16="http://schemas.microsoft.com/office/drawing/2014/main" id="{A3E72A61-4358-1B11-CEAA-87B877119FCF}"/>
+                    <a16:creationId xmlns:a16="http://schemas.microsoft.com/office/drawing/2014/main" xmlns="" id="{A3E72A61-4358-1B11-CEAA-87B877119FCF}"/>
                   </a:ext>
                 </a:extLst>
               </p:cNvPr>
@@ -7991,7 +7998,7 @@
             <p:cNvPr id="30" name="그룹 1010">
               <a:extLst>
                 <a:ext uri="{FF2B5EF4-FFF2-40B4-BE49-F238E27FC236}">
-                  <a16:creationId xmlns:a16="http://schemas.microsoft.com/office/drawing/2014/main" id="{8AB12718-8E92-A2F2-8DAB-315E18551696}"/>
+                  <a16:creationId xmlns:a16="http://schemas.microsoft.com/office/drawing/2014/main" xmlns="" id="{8AB12718-8E92-A2F2-8DAB-315E18551696}"/>
                 </a:ext>
               </a:extLst>
             </p:cNvPr>
@@ -8011,7 +8018,7 @@
               <p:cNvPr id="33" name="Object 32">
                 <a:extLst>
                   <a:ext uri="{FF2B5EF4-FFF2-40B4-BE49-F238E27FC236}">
-                    <a16:creationId xmlns:a16="http://schemas.microsoft.com/office/drawing/2014/main" id="{A89DF5CE-0F28-F130-671B-F5046161943B}"/>
+                    <a16:creationId xmlns:a16="http://schemas.microsoft.com/office/drawing/2014/main" xmlns="" id="{A89DF5CE-0F28-F130-671B-F5046161943B}"/>
                   </a:ext>
                 </a:extLst>
               </p:cNvPr>
@@ -8042,7 +8049,7 @@
             <p:cNvPr id="31" name="그룹 1011">
               <a:extLst>
                 <a:ext uri="{FF2B5EF4-FFF2-40B4-BE49-F238E27FC236}">
-                  <a16:creationId xmlns:a16="http://schemas.microsoft.com/office/drawing/2014/main" id="{7EF26E15-5EE9-FE3F-102D-CB0C19DF8147}"/>
+                  <a16:creationId xmlns:a16="http://schemas.microsoft.com/office/drawing/2014/main" xmlns="" id="{7EF26E15-5EE9-FE3F-102D-CB0C19DF8147}"/>
                 </a:ext>
               </a:extLst>
             </p:cNvPr>
@@ -8062,7 +8069,7 @@
               <p:cNvPr id="32" name="Object 35">
                 <a:extLst>
                   <a:ext uri="{FF2B5EF4-FFF2-40B4-BE49-F238E27FC236}">
-                    <a16:creationId xmlns:a16="http://schemas.microsoft.com/office/drawing/2014/main" id="{9F64116F-AAD6-1633-A9D6-CAB22114EFC4}"/>
+                    <a16:creationId xmlns:a16="http://schemas.microsoft.com/office/drawing/2014/main" xmlns="" id="{9F64116F-AAD6-1633-A9D6-CAB22114EFC4}"/>
                   </a:ext>
                 </a:extLst>
               </p:cNvPr>
@@ -8094,7 +8101,7 @@
           <p:cNvPr id="35" name="직사각형 34">
             <a:extLst>
               <a:ext uri="{FF2B5EF4-FFF2-40B4-BE49-F238E27FC236}">
-                <a16:creationId xmlns:a16="http://schemas.microsoft.com/office/drawing/2014/main" id="{1CE068C1-E00D-59A2-3395-C0AF31BB0DED}"/>
+                <a16:creationId xmlns:a16="http://schemas.microsoft.com/office/drawing/2014/main" xmlns="" id="{1CE068C1-E00D-59A2-3395-C0AF31BB0DED}"/>
               </a:ext>
             </a:extLst>
           </p:cNvPr>
@@ -8146,7 +8153,7 @@
           <p:cNvPr id="36" name="직사각형 35">
             <a:extLst>
               <a:ext uri="{FF2B5EF4-FFF2-40B4-BE49-F238E27FC236}">
-                <a16:creationId xmlns:a16="http://schemas.microsoft.com/office/drawing/2014/main" id="{B329B329-739A-3D37-405E-5506C997D89C}"/>
+                <a16:creationId xmlns:a16="http://schemas.microsoft.com/office/drawing/2014/main" xmlns="" id="{B329B329-739A-3D37-405E-5506C997D89C}"/>
               </a:ext>
             </a:extLst>
           </p:cNvPr>
@@ -8198,7 +8205,7 @@
           <p:cNvPr id="40" name="그룹 1008">
             <a:extLst>
               <a:ext uri="{FF2B5EF4-FFF2-40B4-BE49-F238E27FC236}">
-                <a16:creationId xmlns:a16="http://schemas.microsoft.com/office/drawing/2014/main" id="{3C20BE20-060F-0BDF-F19B-7CDF7E439771}"/>
+                <a16:creationId xmlns:a16="http://schemas.microsoft.com/office/drawing/2014/main" xmlns="" id="{3C20BE20-060F-0BDF-F19B-7CDF7E439771}"/>
               </a:ext>
             </a:extLst>
           </p:cNvPr>
@@ -8218,7 +8225,7 @@
             <p:cNvPr id="41" name="그룹 1009">
               <a:extLst>
                 <a:ext uri="{FF2B5EF4-FFF2-40B4-BE49-F238E27FC236}">
-                  <a16:creationId xmlns:a16="http://schemas.microsoft.com/office/drawing/2014/main" id="{E8D5245C-1E8E-F52B-5348-5A85B1F94BBF}"/>
+                  <a16:creationId xmlns:a16="http://schemas.microsoft.com/office/drawing/2014/main" xmlns="" id="{E8D5245C-1E8E-F52B-5348-5A85B1F94BBF}"/>
                 </a:ext>
               </a:extLst>
             </p:cNvPr>
@@ -8238,7 +8245,7 @@
               <p:cNvPr id="46" name="Object 29">
                 <a:extLst>
                   <a:ext uri="{FF2B5EF4-FFF2-40B4-BE49-F238E27FC236}">
-                    <a16:creationId xmlns:a16="http://schemas.microsoft.com/office/drawing/2014/main" id="{D7F88395-680B-04D9-DB67-C9D4E03ED619}"/>
+                    <a16:creationId xmlns:a16="http://schemas.microsoft.com/office/drawing/2014/main" xmlns="" id="{D7F88395-680B-04D9-DB67-C9D4E03ED619}"/>
                   </a:ext>
                 </a:extLst>
               </p:cNvPr>
@@ -8269,7 +8276,7 @@
             <p:cNvPr id="42" name="그룹 1010">
               <a:extLst>
                 <a:ext uri="{FF2B5EF4-FFF2-40B4-BE49-F238E27FC236}">
-                  <a16:creationId xmlns:a16="http://schemas.microsoft.com/office/drawing/2014/main" id="{9E1CF57E-8143-38B7-02A0-0DF97826DB3E}"/>
+                  <a16:creationId xmlns:a16="http://schemas.microsoft.com/office/drawing/2014/main" xmlns="" id="{9E1CF57E-8143-38B7-02A0-0DF97826DB3E}"/>
                 </a:ext>
               </a:extLst>
             </p:cNvPr>
@@ -8289,7 +8296,7 @@
               <p:cNvPr id="45" name="Object 32">
                 <a:extLst>
                   <a:ext uri="{FF2B5EF4-FFF2-40B4-BE49-F238E27FC236}">
-                    <a16:creationId xmlns:a16="http://schemas.microsoft.com/office/drawing/2014/main" id="{61F16FF3-6DB9-4A6F-790E-76A2A8CF6B9C}"/>
+                    <a16:creationId xmlns:a16="http://schemas.microsoft.com/office/drawing/2014/main" xmlns="" id="{61F16FF3-6DB9-4A6F-790E-76A2A8CF6B9C}"/>
                   </a:ext>
                 </a:extLst>
               </p:cNvPr>
@@ -8320,7 +8327,7 @@
             <p:cNvPr id="43" name="그룹 1011">
               <a:extLst>
                 <a:ext uri="{FF2B5EF4-FFF2-40B4-BE49-F238E27FC236}">
-                  <a16:creationId xmlns:a16="http://schemas.microsoft.com/office/drawing/2014/main" id="{608F04BC-C861-5E0E-B79B-4DC776918B31}"/>
+                  <a16:creationId xmlns:a16="http://schemas.microsoft.com/office/drawing/2014/main" xmlns="" id="{608F04BC-C861-5E0E-B79B-4DC776918B31}"/>
                 </a:ext>
               </a:extLst>
             </p:cNvPr>
@@ -8340,7 +8347,7 @@
               <p:cNvPr id="44" name="Object 35">
                 <a:extLst>
                   <a:ext uri="{FF2B5EF4-FFF2-40B4-BE49-F238E27FC236}">
-                    <a16:creationId xmlns:a16="http://schemas.microsoft.com/office/drawing/2014/main" id="{6285D94D-31E8-D15B-8427-9CF3D4F1CA5F}"/>
+                    <a16:creationId xmlns:a16="http://schemas.microsoft.com/office/drawing/2014/main" xmlns="" id="{6285D94D-31E8-D15B-8427-9CF3D4F1CA5F}"/>
                   </a:ext>
                 </a:extLst>
               </p:cNvPr>
@@ -8372,7 +8379,7 @@
           <p:cNvPr id="49" name="직사각형 48">
             <a:extLst>
               <a:ext uri="{FF2B5EF4-FFF2-40B4-BE49-F238E27FC236}">
-                <a16:creationId xmlns:a16="http://schemas.microsoft.com/office/drawing/2014/main" id="{AF71F2AB-49BB-F622-681A-2E14639CFE13}"/>
+                <a16:creationId xmlns:a16="http://schemas.microsoft.com/office/drawing/2014/main" xmlns="" id="{AF71F2AB-49BB-F622-681A-2E14639CFE13}"/>
               </a:ext>
             </a:extLst>
           </p:cNvPr>
@@ -8627,7 +8634,7 @@
           <p:cNvPr id="11" name="TextBox 10">
             <a:extLst>
               <a:ext uri="{FF2B5EF4-FFF2-40B4-BE49-F238E27FC236}">
-                <a16:creationId xmlns:a16="http://schemas.microsoft.com/office/drawing/2014/main" id="{9F88F580-08BE-88C2-D640-13F0026591CB}"/>
+                <a16:creationId xmlns:a16="http://schemas.microsoft.com/office/drawing/2014/main" xmlns="" id="{9F88F580-08BE-88C2-D640-13F0026591CB}"/>
               </a:ext>
             </a:extLst>
           </p:cNvPr>
@@ -8685,7 +8692,7 @@
           <p:cNvPr id="13" name="TextBox 12">
             <a:extLst>
               <a:ext uri="{FF2B5EF4-FFF2-40B4-BE49-F238E27FC236}">
-                <a16:creationId xmlns:a16="http://schemas.microsoft.com/office/drawing/2014/main" id="{72769C28-9BB6-DE9C-7B6F-264B77B8DD0E}"/>
+                <a16:creationId xmlns:a16="http://schemas.microsoft.com/office/drawing/2014/main" xmlns="" id="{72769C28-9BB6-DE9C-7B6F-264B77B8DD0E}"/>
               </a:ext>
             </a:extLst>
           </p:cNvPr>
@@ -8733,7 +8740,7 @@
           <p:cNvPr id="14" name="TextBox 13">
             <a:extLst>
               <a:ext uri="{FF2B5EF4-FFF2-40B4-BE49-F238E27FC236}">
-                <a16:creationId xmlns:a16="http://schemas.microsoft.com/office/drawing/2014/main" id="{270FBB6A-01CE-5637-78DA-58F0C974145C}"/>
+                <a16:creationId xmlns:a16="http://schemas.microsoft.com/office/drawing/2014/main" xmlns="" id="{270FBB6A-01CE-5637-78DA-58F0C974145C}"/>
               </a:ext>
             </a:extLst>
           </p:cNvPr>
@@ -8781,7 +8788,7 @@
           <p:cNvPr id="2" name="Object 17">
             <a:extLst>
               <a:ext uri="{FF2B5EF4-FFF2-40B4-BE49-F238E27FC236}">
-                <a16:creationId xmlns:a16="http://schemas.microsoft.com/office/drawing/2014/main" id="{140B283D-FE58-FA6F-6F7C-E0F1DBB62A65}"/>
+                <a16:creationId xmlns:a16="http://schemas.microsoft.com/office/drawing/2014/main" xmlns="" id="{140B283D-FE58-FA6F-6F7C-E0F1DBB62A65}"/>
               </a:ext>
             </a:extLst>
           </p:cNvPr>
@@ -8811,7 +8818,7 @@
           <p:cNvPr id="4" name="TextBox 3">
             <a:extLst>
               <a:ext uri="{FF2B5EF4-FFF2-40B4-BE49-F238E27FC236}">
-                <a16:creationId xmlns:a16="http://schemas.microsoft.com/office/drawing/2014/main" id="{2C8D0998-79BC-6FD2-59D9-8052B4A25F65}"/>
+                <a16:creationId xmlns:a16="http://schemas.microsoft.com/office/drawing/2014/main" xmlns="" id="{2C8D0998-79BC-6FD2-59D9-8052B4A25F65}"/>
               </a:ext>
             </a:extLst>
           </p:cNvPr>
@@ -8859,7 +8866,7 @@
           <p:cNvPr id="5" name="Object 18">
             <a:extLst>
               <a:ext uri="{FF2B5EF4-FFF2-40B4-BE49-F238E27FC236}">
-                <a16:creationId xmlns:a16="http://schemas.microsoft.com/office/drawing/2014/main" id="{3F58EA3E-1018-64D3-FAB2-4F6B9618FA56}"/>
+                <a16:creationId xmlns:a16="http://schemas.microsoft.com/office/drawing/2014/main" xmlns="" id="{3F58EA3E-1018-64D3-FAB2-4F6B9618FA56}"/>
               </a:ext>
             </a:extLst>
           </p:cNvPr>
@@ -8889,7 +8896,7 @@
           <p:cNvPr id="8" name="TextBox 7">
             <a:extLst>
               <a:ext uri="{FF2B5EF4-FFF2-40B4-BE49-F238E27FC236}">
-                <a16:creationId xmlns:a16="http://schemas.microsoft.com/office/drawing/2014/main" id="{681D3F16-7DCF-41AD-F5F1-0558C78C0E4D}"/>
+                <a16:creationId xmlns:a16="http://schemas.microsoft.com/office/drawing/2014/main" xmlns="" id="{681D3F16-7DCF-41AD-F5F1-0558C78C0E4D}"/>
               </a:ext>
             </a:extLst>
           </p:cNvPr>
@@ -8937,6 +8944,13 @@
   <p:clrMapOvr>
     <a:masterClrMapping/>
   </p:clrMapOvr>
+  <p:timing>
+    <p:tnLst>
+      <p:par>
+        <p:cTn id="1" dur="indefinite" restart="never" nodeType="tmRoot"/>
+      </p:par>
+    </p:tnLst>
+  </p:timing>
 </p:sld>
 </file>
 
@@ -9010,7 +9024,7 @@
           <p:cNvPr id="8" name="TextBox 7">
             <a:extLst>
               <a:ext uri="{FF2B5EF4-FFF2-40B4-BE49-F238E27FC236}">
-                <a16:creationId xmlns:a16="http://schemas.microsoft.com/office/drawing/2014/main" id="{5ADC00B6-990A-40DC-3CEA-505258F5E8DA}"/>
+                <a16:creationId xmlns:a16="http://schemas.microsoft.com/office/drawing/2014/main" xmlns="" id="{5ADC00B6-990A-40DC-3CEA-505258F5E8DA}"/>
               </a:ext>
             </a:extLst>
           </p:cNvPr>
@@ -9061,7 +9075,7 @@
           <p:cNvPr id="9" name="그룹 1008">
             <a:extLst>
               <a:ext uri="{FF2B5EF4-FFF2-40B4-BE49-F238E27FC236}">
-                <a16:creationId xmlns:a16="http://schemas.microsoft.com/office/drawing/2014/main" id="{E395BDE3-2EDE-065D-70E8-56E348228ACF}"/>
+                <a16:creationId xmlns:a16="http://schemas.microsoft.com/office/drawing/2014/main" xmlns="" id="{E395BDE3-2EDE-065D-70E8-56E348228ACF}"/>
               </a:ext>
             </a:extLst>
           </p:cNvPr>
@@ -9081,7 +9095,7 @@
             <p:cNvPr id="10" name="그룹 1009">
               <a:extLst>
                 <a:ext uri="{FF2B5EF4-FFF2-40B4-BE49-F238E27FC236}">
-                  <a16:creationId xmlns:a16="http://schemas.microsoft.com/office/drawing/2014/main" id="{852F4DEB-DB33-DB3F-9E9F-52A46CD0B10A}"/>
+                  <a16:creationId xmlns:a16="http://schemas.microsoft.com/office/drawing/2014/main" xmlns="" id="{852F4DEB-DB33-DB3F-9E9F-52A46CD0B10A}"/>
                 </a:ext>
               </a:extLst>
             </p:cNvPr>
@@ -9101,7 +9115,7 @@
               <p:cNvPr id="15" name="Object 29">
                 <a:extLst>
                   <a:ext uri="{FF2B5EF4-FFF2-40B4-BE49-F238E27FC236}">
-                    <a16:creationId xmlns:a16="http://schemas.microsoft.com/office/drawing/2014/main" id="{7E353D3B-14D4-8A64-5888-3F0C062C2CDD}"/>
+                    <a16:creationId xmlns:a16="http://schemas.microsoft.com/office/drawing/2014/main" xmlns="" id="{7E353D3B-14D4-8A64-5888-3F0C062C2CDD}"/>
                   </a:ext>
                 </a:extLst>
               </p:cNvPr>
@@ -9132,7 +9146,7 @@
             <p:cNvPr id="11" name="그룹 1010">
               <a:extLst>
                 <a:ext uri="{FF2B5EF4-FFF2-40B4-BE49-F238E27FC236}">
-                  <a16:creationId xmlns:a16="http://schemas.microsoft.com/office/drawing/2014/main" id="{001E38AB-1390-ABD0-BE01-9727136FEAEE}"/>
+                  <a16:creationId xmlns:a16="http://schemas.microsoft.com/office/drawing/2014/main" xmlns="" id="{001E38AB-1390-ABD0-BE01-9727136FEAEE}"/>
                 </a:ext>
               </a:extLst>
             </p:cNvPr>
@@ -9152,7 +9166,7 @@
               <p:cNvPr id="14" name="Object 32">
                 <a:extLst>
                   <a:ext uri="{FF2B5EF4-FFF2-40B4-BE49-F238E27FC236}">
-                    <a16:creationId xmlns:a16="http://schemas.microsoft.com/office/drawing/2014/main" id="{2ED1C30F-0D0B-F86C-8215-2598D332B5A3}"/>
+                    <a16:creationId xmlns:a16="http://schemas.microsoft.com/office/drawing/2014/main" xmlns="" id="{2ED1C30F-0D0B-F86C-8215-2598D332B5A3}"/>
                   </a:ext>
                 </a:extLst>
               </p:cNvPr>
@@ -9183,7 +9197,7 @@
             <p:cNvPr id="12" name="그룹 1011">
               <a:extLst>
                 <a:ext uri="{FF2B5EF4-FFF2-40B4-BE49-F238E27FC236}">
-                  <a16:creationId xmlns:a16="http://schemas.microsoft.com/office/drawing/2014/main" id="{1BCB8DE5-ABAF-4198-BC16-85BB76F2DB24}"/>
+                  <a16:creationId xmlns:a16="http://schemas.microsoft.com/office/drawing/2014/main" xmlns="" id="{1BCB8DE5-ABAF-4198-BC16-85BB76F2DB24}"/>
                 </a:ext>
               </a:extLst>
             </p:cNvPr>
@@ -9203,7 +9217,7 @@
               <p:cNvPr id="13" name="Object 35">
                 <a:extLst>
                   <a:ext uri="{FF2B5EF4-FFF2-40B4-BE49-F238E27FC236}">
-                    <a16:creationId xmlns:a16="http://schemas.microsoft.com/office/drawing/2014/main" id="{86E7BA23-0A1E-B581-CADC-06AB269DB2BD}"/>
+                    <a16:creationId xmlns:a16="http://schemas.microsoft.com/office/drawing/2014/main" xmlns="" id="{86E7BA23-0A1E-B581-CADC-06AB269DB2BD}"/>
                   </a:ext>
                 </a:extLst>
               </p:cNvPr>
@@ -9235,7 +9249,7 @@
           <p:cNvPr id="2" name="직선 화살표 연결선 1">
             <a:extLst>
               <a:ext uri="{FF2B5EF4-FFF2-40B4-BE49-F238E27FC236}">
-                <a16:creationId xmlns:a16="http://schemas.microsoft.com/office/drawing/2014/main" id="{C9EB7A84-73DB-31DE-D215-CA53814F8158}"/>
+                <a16:creationId xmlns:a16="http://schemas.microsoft.com/office/drawing/2014/main" xmlns="" id="{C9EB7A84-73DB-31DE-D215-CA53814F8158}"/>
               </a:ext>
             </a:extLst>
           </p:cNvPr>
@@ -9276,7 +9290,7 @@
           <p:cNvPr id="3" name="직사각형 2">
             <a:extLst>
               <a:ext uri="{FF2B5EF4-FFF2-40B4-BE49-F238E27FC236}">
-                <a16:creationId xmlns:a16="http://schemas.microsoft.com/office/drawing/2014/main" id="{B2A5B5B4-A958-625A-C3A5-A9A63F35FBDC}"/>
+                <a16:creationId xmlns:a16="http://schemas.microsoft.com/office/drawing/2014/main" xmlns="" id="{B2A5B5B4-A958-625A-C3A5-A9A63F35FBDC}"/>
               </a:ext>
             </a:extLst>
           </p:cNvPr>
@@ -9328,7 +9342,7 @@
           <p:cNvPr id="4" name="TextBox 3">
             <a:extLst>
               <a:ext uri="{FF2B5EF4-FFF2-40B4-BE49-F238E27FC236}">
-                <a16:creationId xmlns:a16="http://schemas.microsoft.com/office/drawing/2014/main" id="{D3B320C6-B1AB-26FD-91E9-7E941EC674D1}"/>
+                <a16:creationId xmlns:a16="http://schemas.microsoft.com/office/drawing/2014/main" xmlns="" id="{D3B320C6-B1AB-26FD-91E9-7E941EC674D1}"/>
               </a:ext>
             </a:extLst>
           </p:cNvPr>
@@ -9396,7 +9410,7 @@
           <p:cNvPr id="16" name="그림 15">
             <a:extLst>
               <a:ext uri="{FF2B5EF4-FFF2-40B4-BE49-F238E27FC236}">
-                <a16:creationId xmlns:a16="http://schemas.microsoft.com/office/drawing/2014/main" id="{D7817794-4722-832A-9FDB-21FFF355F2E9}"/>
+                <a16:creationId xmlns:a16="http://schemas.microsoft.com/office/drawing/2014/main" xmlns="" id="{D7817794-4722-832A-9FDB-21FFF355F2E9}"/>
               </a:ext>
             </a:extLst>
           </p:cNvPr>
@@ -9425,7 +9439,7 @@
           <p:cNvPr id="17" name="직선 화살표 연결선 16">
             <a:extLst>
               <a:ext uri="{FF2B5EF4-FFF2-40B4-BE49-F238E27FC236}">
-                <a16:creationId xmlns:a16="http://schemas.microsoft.com/office/drawing/2014/main" id="{353F29CF-3817-7945-4582-966B6DD7FB70}"/>
+                <a16:creationId xmlns:a16="http://schemas.microsoft.com/office/drawing/2014/main" xmlns="" id="{353F29CF-3817-7945-4582-966B6DD7FB70}"/>
               </a:ext>
             </a:extLst>
           </p:cNvPr>
@@ -9466,7 +9480,7 @@
           <p:cNvPr id="18" name="직사각형 17">
             <a:extLst>
               <a:ext uri="{FF2B5EF4-FFF2-40B4-BE49-F238E27FC236}">
-                <a16:creationId xmlns:a16="http://schemas.microsoft.com/office/drawing/2014/main" id="{F9245045-9207-4AEE-8666-CA7A6CE09F43}"/>
+                <a16:creationId xmlns:a16="http://schemas.microsoft.com/office/drawing/2014/main" xmlns="" id="{F9245045-9207-4AEE-8666-CA7A6CE09F43}"/>
               </a:ext>
             </a:extLst>
           </p:cNvPr>
@@ -9518,7 +9532,7 @@
           <p:cNvPr id="19" name="TextBox 18">
             <a:extLst>
               <a:ext uri="{FF2B5EF4-FFF2-40B4-BE49-F238E27FC236}">
-                <a16:creationId xmlns:a16="http://schemas.microsoft.com/office/drawing/2014/main" id="{10D15F05-A816-4EB7-C301-A80EE2D59038}"/>
+                <a16:creationId xmlns:a16="http://schemas.microsoft.com/office/drawing/2014/main" xmlns="" id="{10D15F05-A816-4EB7-C301-A80EE2D59038}"/>
               </a:ext>
             </a:extLst>
           </p:cNvPr>
@@ -9569,7 +9583,7 @@
           <p:cNvPr id="20" name="TextBox 19">
             <a:extLst>
               <a:ext uri="{FF2B5EF4-FFF2-40B4-BE49-F238E27FC236}">
-                <a16:creationId xmlns:a16="http://schemas.microsoft.com/office/drawing/2014/main" id="{8BD0AC06-EC12-AC01-C4C7-764F9F8940B5}"/>
+                <a16:creationId xmlns:a16="http://schemas.microsoft.com/office/drawing/2014/main" xmlns="" id="{8BD0AC06-EC12-AC01-C4C7-764F9F8940B5}"/>
               </a:ext>
             </a:extLst>
           </p:cNvPr>
@@ -9671,7 +9685,7 @@
           <p:cNvPr id="5" name="직사각형 4">
             <a:extLst>
               <a:ext uri="{FF2B5EF4-FFF2-40B4-BE49-F238E27FC236}">
-                <a16:creationId xmlns:a16="http://schemas.microsoft.com/office/drawing/2014/main" id="{FFF506F9-840A-0508-4CAF-3AC711D8D5CE}"/>
+                <a16:creationId xmlns:a16="http://schemas.microsoft.com/office/drawing/2014/main" xmlns="" id="{FFF506F9-840A-0508-4CAF-3AC711D8D5CE}"/>
               </a:ext>
             </a:extLst>
           </p:cNvPr>
@@ -9723,7 +9737,7 @@
           <p:cNvPr id="6" name="직선 화살표 연결선 5">
             <a:extLst>
               <a:ext uri="{FF2B5EF4-FFF2-40B4-BE49-F238E27FC236}">
-                <a16:creationId xmlns:a16="http://schemas.microsoft.com/office/drawing/2014/main" id="{299DF5EC-9DF4-5255-06AC-0A7CE4FF58C3}"/>
+                <a16:creationId xmlns:a16="http://schemas.microsoft.com/office/drawing/2014/main" xmlns="" id="{299DF5EC-9DF4-5255-06AC-0A7CE4FF58C3}"/>
               </a:ext>
             </a:extLst>
           </p:cNvPr>
@@ -9764,7 +9778,7 @@
           <p:cNvPr id="7" name="TextBox 6">
             <a:extLst>
               <a:ext uri="{FF2B5EF4-FFF2-40B4-BE49-F238E27FC236}">
-                <a16:creationId xmlns:a16="http://schemas.microsoft.com/office/drawing/2014/main" id="{C6D113C6-EA5C-788F-0C77-E7CE6EBB865F}"/>
+                <a16:creationId xmlns:a16="http://schemas.microsoft.com/office/drawing/2014/main" xmlns="" id="{C6D113C6-EA5C-788F-0C77-E7CE6EBB865F}"/>
               </a:ext>
             </a:extLst>
           </p:cNvPr>
@@ -9835,7 +9849,7 @@
           <p:cNvPr id="8" name="직사각형 7">
             <a:extLst>
               <a:ext uri="{FF2B5EF4-FFF2-40B4-BE49-F238E27FC236}">
-                <a16:creationId xmlns:a16="http://schemas.microsoft.com/office/drawing/2014/main" id="{FFF506F9-840A-0508-4CAF-3AC711D8D5CE}"/>
+                <a16:creationId xmlns:a16="http://schemas.microsoft.com/office/drawing/2014/main" xmlns="" id="{FFF506F9-840A-0508-4CAF-3AC711D8D5CE}"/>
               </a:ext>
             </a:extLst>
           </p:cNvPr>
@@ -9887,7 +9901,7 @@
           <p:cNvPr id="9" name="직선 화살표 연결선 8">
             <a:extLst>
               <a:ext uri="{FF2B5EF4-FFF2-40B4-BE49-F238E27FC236}">
-                <a16:creationId xmlns:a16="http://schemas.microsoft.com/office/drawing/2014/main" id="{299DF5EC-9DF4-5255-06AC-0A7CE4FF58C3}"/>
+                <a16:creationId xmlns:a16="http://schemas.microsoft.com/office/drawing/2014/main" xmlns="" id="{299DF5EC-9DF4-5255-06AC-0A7CE4FF58C3}"/>
               </a:ext>
             </a:extLst>
           </p:cNvPr>
@@ -9928,7 +9942,7 @@
           <p:cNvPr id="10" name="TextBox 9">
             <a:extLst>
               <a:ext uri="{FF2B5EF4-FFF2-40B4-BE49-F238E27FC236}">
-                <a16:creationId xmlns:a16="http://schemas.microsoft.com/office/drawing/2014/main" id="{C6D113C6-EA5C-788F-0C77-E7CE6EBB865F}"/>
+                <a16:creationId xmlns:a16="http://schemas.microsoft.com/office/drawing/2014/main" xmlns="" id="{C6D113C6-EA5C-788F-0C77-E7CE6EBB865F}"/>
               </a:ext>
             </a:extLst>
           </p:cNvPr>
@@ -10029,7 +10043,7 @@
           <p:cNvPr id="11" name="직사각형 10">
             <a:extLst>
               <a:ext uri="{FF2B5EF4-FFF2-40B4-BE49-F238E27FC236}">
-                <a16:creationId xmlns:a16="http://schemas.microsoft.com/office/drawing/2014/main" id="{FFF506F9-840A-0508-4CAF-3AC711D8D5CE}"/>
+                <a16:creationId xmlns:a16="http://schemas.microsoft.com/office/drawing/2014/main" xmlns="" id="{FFF506F9-840A-0508-4CAF-3AC711D8D5CE}"/>
               </a:ext>
             </a:extLst>
           </p:cNvPr>
@@ -10081,7 +10095,7 @@
           <p:cNvPr id="12" name="직선 화살표 연결선 11">
             <a:extLst>
               <a:ext uri="{FF2B5EF4-FFF2-40B4-BE49-F238E27FC236}">
-                <a16:creationId xmlns:a16="http://schemas.microsoft.com/office/drawing/2014/main" id="{299DF5EC-9DF4-5255-06AC-0A7CE4FF58C3}"/>
+                <a16:creationId xmlns:a16="http://schemas.microsoft.com/office/drawing/2014/main" xmlns="" id="{299DF5EC-9DF4-5255-06AC-0A7CE4FF58C3}"/>
               </a:ext>
             </a:extLst>
           </p:cNvPr>
@@ -10123,7 +10137,7 @@
           <p:cNvPr id="13" name="TextBox 12">
             <a:extLst>
               <a:ext uri="{FF2B5EF4-FFF2-40B4-BE49-F238E27FC236}">
-                <a16:creationId xmlns:a16="http://schemas.microsoft.com/office/drawing/2014/main" id="{C6D113C6-EA5C-788F-0C77-E7CE6EBB865F}"/>
+                <a16:creationId xmlns:a16="http://schemas.microsoft.com/office/drawing/2014/main" xmlns="" id="{C6D113C6-EA5C-788F-0C77-E7CE6EBB865F}"/>
               </a:ext>
             </a:extLst>
           </p:cNvPr>
@@ -10191,7 +10205,7 @@
           <p:cNvPr id="16" name="직사각형 15">
             <a:extLst>
               <a:ext uri="{FF2B5EF4-FFF2-40B4-BE49-F238E27FC236}">
-                <a16:creationId xmlns:a16="http://schemas.microsoft.com/office/drawing/2014/main" id="{FFF506F9-840A-0508-4CAF-3AC711D8D5CE}"/>
+                <a16:creationId xmlns:a16="http://schemas.microsoft.com/office/drawing/2014/main" xmlns="" id="{FFF506F9-840A-0508-4CAF-3AC711D8D5CE}"/>
               </a:ext>
             </a:extLst>
           </p:cNvPr>
@@ -10243,7 +10257,7 @@
           <p:cNvPr id="17" name="직선 화살표 연결선 16">
             <a:extLst>
               <a:ext uri="{FF2B5EF4-FFF2-40B4-BE49-F238E27FC236}">
-                <a16:creationId xmlns:a16="http://schemas.microsoft.com/office/drawing/2014/main" id="{299DF5EC-9DF4-5255-06AC-0A7CE4FF58C3}"/>
+                <a16:creationId xmlns:a16="http://schemas.microsoft.com/office/drawing/2014/main" xmlns="" id="{299DF5EC-9DF4-5255-06AC-0A7CE4FF58C3}"/>
               </a:ext>
             </a:extLst>
           </p:cNvPr>
@@ -10284,7 +10298,7 @@
           <p:cNvPr id="19" name="TextBox 18">
             <a:extLst>
               <a:ext uri="{FF2B5EF4-FFF2-40B4-BE49-F238E27FC236}">
-                <a16:creationId xmlns:a16="http://schemas.microsoft.com/office/drawing/2014/main" id="{C6D113C6-EA5C-788F-0C77-E7CE6EBB865F}"/>
+                <a16:creationId xmlns:a16="http://schemas.microsoft.com/office/drawing/2014/main" xmlns="" id="{C6D113C6-EA5C-788F-0C77-E7CE6EBB865F}"/>
               </a:ext>
             </a:extLst>
           </p:cNvPr>
@@ -10372,7 +10386,7 @@
           <p:cNvPr id="4" name="그림 3">
             <a:extLst>
               <a:ext uri="{FF2B5EF4-FFF2-40B4-BE49-F238E27FC236}">
-                <a16:creationId xmlns:a16="http://schemas.microsoft.com/office/drawing/2014/main" id="{4D3B8D8D-2BA1-0979-BBFA-952034496677}"/>
+                <a16:creationId xmlns:a16="http://schemas.microsoft.com/office/drawing/2014/main" xmlns="" id="{4D3B8D8D-2BA1-0979-BBFA-952034496677}"/>
               </a:ext>
             </a:extLst>
           </p:cNvPr>
@@ -10402,7 +10416,7 @@
           <p:cNvPr id="2" name="TextBox 1">
             <a:extLst>
               <a:ext uri="{FF2B5EF4-FFF2-40B4-BE49-F238E27FC236}">
-                <a16:creationId xmlns:a16="http://schemas.microsoft.com/office/drawing/2014/main" id="{351DDB3B-0A0B-8285-ADF5-7EF5AA984AA7}"/>
+                <a16:creationId xmlns:a16="http://schemas.microsoft.com/office/drawing/2014/main" xmlns="" id="{351DDB3B-0A0B-8285-ADF5-7EF5AA984AA7}"/>
               </a:ext>
             </a:extLst>
           </p:cNvPr>
@@ -10460,7 +10474,7 @@
           <p:cNvPr id="10" name="직사각형 9">
             <a:extLst>
               <a:ext uri="{FF2B5EF4-FFF2-40B4-BE49-F238E27FC236}">
-                <a16:creationId xmlns:a16="http://schemas.microsoft.com/office/drawing/2014/main" id="{0937CA4E-3AC9-5957-2789-C0F51D9D9C60}"/>
+                <a16:creationId xmlns:a16="http://schemas.microsoft.com/office/drawing/2014/main" xmlns="" id="{0937CA4E-3AC9-5957-2789-C0F51D9D9C60}"/>
               </a:ext>
             </a:extLst>
           </p:cNvPr>
@@ -10512,7 +10526,7 @@
           <p:cNvPr id="11" name="직사각형 10">
             <a:extLst>
               <a:ext uri="{FF2B5EF4-FFF2-40B4-BE49-F238E27FC236}">
-                <a16:creationId xmlns:a16="http://schemas.microsoft.com/office/drawing/2014/main" id="{98339DF2-A247-2BDB-AEAA-73CF94865D40}"/>
+                <a16:creationId xmlns:a16="http://schemas.microsoft.com/office/drawing/2014/main" xmlns="" id="{98339DF2-A247-2BDB-AEAA-73CF94865D40}"/>
               </a:ext>
             </a:extLst>
           </p:cNvPr>
@@ -10564,7 +10578,7 @@
           <p:cNvPr id="12" name="TextBox 11">
             <a:extLst>
               <a:ext uri="{FF2B5EF4-FFF2-40B4-BE49-F238E27FC236}">
-                <a16:creationId xmlns:a16="http://schemas.microsoft.com/office/drawing/2014/main" id="{8C95DB6E-92A0-8D08-AE63-B2415C3CC7C7}"/>
+                <a16:creationId xmlns:a16="http://schemas.microsoft.com/office/drawing/2014/main" xmlns="" id="{8C95DB6E-92A0-8D08-AE63-B2415C3CC7C7}"/>
               </a:ext>
             </a:extLst>
           </p:cNvPr>
@@ -10612,7 +10626,7 @@
           <p:cNvPr id="13" name="TextBox 12">
             <a:extLst>
               <a:ext uri="{FF2B5EF4-FFF2-40B4-BE49-F238E27FC236}">
-                <a16:creationId xmlns:a16="http://schemas.microsoft.com/office/drawing/2014/main" id="{351D22FF-5552-0380-95DE-95A2973701F8}"/>
+                <a16:creationId xmlns:a16="http://schemas.microsoft.com/office/drawing/2014/main" xmlns="" id="{351D22FF-5552-0380-95DE-95A2973701F8}"/>
               </a:ext>
             </a:extLst>
           </p:cNvPr>
@@ -10660,7 +10674,7 @@
           <p:cNvPr id="14" name="직사각형 13">
             <a:extLst>
               <a:ext uri="{FF2B5EF4-FFF2-40B4-BE49-F238E27FC236}">
-                <a16:creationId xmlns:a16="http://schemas.microsoft.com/office/drawing/2014/main" id="{575219D7-42DA-4B5E-9290-AEEC3B44FDC9}"/>
+                <a16:creationId xmlns:a16="http://schemas.microsoft.com/office/drawing/2014/main" xmlns="" id="{575219D7-42DA-4B5E-9290-AEEC3B44FDC9}"/>
               </a:ext>
             </a:extLst>
           </p:cNvPr>
@@ -10712,7 +10726,7 @@
           <p:cNvPr id="15" name="TextBox 14">
             <a:extLst>
               <a:ext uri="{FF2B5EF4-FFF2-40B4-BE49-F238E27FC236}">
-                <a16:creationId xmlns:a16="http://schemas.microsoft.com/office/drawing/2014/main" id="{718EDD7C-3379-2604-C449-5A748C8B7191}"/>
+                <a16:creationId xmlns:a16="http://schemas.microsoft.com/office/drawing/2014/main" xmlns="" id="{718EDD7C-3379-2604-C449-5A748C8B7191}"/>
               </a:ext>
             </a:extLst>
           </p:cNvPr>
@@ -10760,7 +10774,7 @@
           <p:cNvPr id="16" name="직사각형 15">
             <a:extLst>
               <a:ext uri="{FF2B5EF4-FFF2-40B4-BE49-F238E27FC236}">
-                <a16:creationId xmlns:a16="http://schemas.microsoft.com/office/drawing/2014/main" id="{73AC14CE-0FF6-9C80-F7E8-01F5906ADDC8}"/>
+                <a16:creationId xmlns:a16="http://schemas.microsoft.com/office/drawing/2014/main" xmlns="" id="{73AC14CE-0FF6-9C80-F7E8-01F5906ADDC8}"/>
               </a:ext>
             </a:extLst>
           </p:cNvPr>
@@ -10812,7 +10826,7 @@
           <p:cNvPr id="17" name="TextBox 16">
             <a:extLst>
               <a:ext uri="{FF2B5EF4-FFF2-40B4-BE49-F238E27FC236}">
-                <a16:creationId xmlns:a16="http://schemas.microsoft.com/office/drawing/2014/main" id="{61B9E1D7-9E04-18CB-5038-3CEC4447DE23}"/>
+                <a16:creationId xmlns:a16="http://schemas.microsoft.com/office/drawing/2014/main" xmlns="" id="{61B9E1D7-9E04-18CB-5038-3CEC4447DE23}"/>
               </a:ext>
             </a:extLst>
           </p:cNvPr>
@@ -10860,7 +10874,7 @@
           <p:cNvPr id="5" name="직선 화살표 연결선 4">
             <a:extLst>
               <a:ext uri="{FF2B5EF4-FFF2-40B4-BE49-F238E27FC236}">
-                <a16:creationId xmlns:a16="http://schemas.microsoft.com/office/drawing/2014/main" id="{4B6C615B-5026-F384-013F-91BB179E3908}"/>
+                <a16:creationId xmlns:a16="http://schemas.microsoft.com/office/drawing/2014/main" xmlns="" id="{4B6C615B-5026-F384-013F-91BB179E3908}"/>
               </a:ext>
             </a:extLst>
           </p:cNvPr>
@@ -10901,7 +10915,7 @@
           <p:cNvPr id="7" name="직선 화살표 연결선 6">
             <a:extLst>
               <a:ext uri="{FF2B5EF4-FFF2-40B4-BE49-F238E27FC236}">
-                <a16:creationId xmlns:a16="http://schemas.microsoft.com/office/drawing/2014/main" id="{42FA9B6C-1677-F862-2AD1-FB353E24DA42}"/>
+                <a16:creationId xmlns:a16="http://schemas.microsoft.com/office/drawing/2014/main" xmlns="" id="{42FA9B6C-1677-F862-2AD1-FB353E24DA42}"/>
               </a:ext>
             </a:extLst>
           </p:cNvPr>
@@ -10943,7 +10957,7 @@
           <p:cNvPr id="21" name="직선 화살표 연결선 20">
             <a:extLst>
               <a:ext uri="{FF2B5EF4-FFF2-40B4-BE49-F238E27FC236}">
-                <a16:creationId xmlns:a16="http://schemas.microsoft.com/office/drawing/2014/main" id="{154B4415-91F1-4977-70D1-1C5E4A9DED21}"/>
+                <a16:creationId xmlns:a16="http://schemas.microsoft.com/office/drawing/2014/main" xmlns="" id="{154B4415-91F1-4977-70D1-1C5E4A9DED21}"/>
               </a:ext>
             </a:extLst>
           </p:cNvPr>
@@ -11014,7 +11028,7 @@
           <p:cNvPr id="3" name="TextBox 2">
             <a:extLst>
               <a:ext uri="{FF2B5EF4-FFF2-40B4-BE49-F238E27FC236}">
-                <a16:creationId xmlns:a16="http://schemas.microsoft.com/office/drawing/2014/main" id="{612C8FEB-1251-BDA2-24F6-FF85CEB0861D}"/>
+                <a16:creationId xmlns:a16="http://schemas.microsoft.com/office/drawing/2014/main" xmlns="" id="{612C8FEB-1251-BDA2-24F6-FF85CEB0861D}"/>
               </a:ext>
             </a:extLst>
           </p:cNvPr>
@@ -11062,7 +11076,7 @@
           <p:cNvPr id="5" name="그림 4">
             <a:extLst>
               <a:ext uri="{FF2B5EF4-FFF2-40B4-BE49-F238E27FC236}">
-                <a16:creationId xmlns:a16="http://schemas.microsoft.com/office/drawing/2014/main" id="{E049D3DC-6E36-9A9F-A57C-5547C0E60671}"/>
+                <a16:creationId xmlns:a16="http://schemas.microsoft.com/office/drawing/2014/main" xmlns="" id="{E049D3DC-6E36-9A9F-A57C-5547C0E60671}"/>
               </a:ext>
             </a:extLst>
           </p:cNvPr>
@@ -11092,7 +11106,7 @@
           <p:cNvPr id="6" name="직선 화살표 연결선 5">
             <a:extLst>
               <a:ext uri="{FF2B5EF4-FFF2-40B4-BE49-F238E27FC236}">
-                <a16:creationId xmlns:a16="http://schemas.microsoft.com/office/drawing/2014/main" id="{44A84B4C-F23B-2608-CC3B-EF8E80A29E4C}"/>
+                <a16:creationId xmlns:a16="http://schemas.microsoft.com/office/drawing/2014/main" xmlns="" id="{44A84B4C-F23B-2608-CC3B-EF8E80A29E4C}"/>
               </a:ext>
             </a:extLst>
           </p:cNvPr>
@@ -11133,7 +11147,7 @@
           <p:cNvPr id="7" name="직사각형 6">
             <a:extLst>
               <a:ext uri="{FF2B5EF4-FFF2-40B4-BE49-F238E27FC236}">
-                <a16:creationId xmlns:a16="http://schemas.microsoft.com/office/drawing/2014/main" id="{4F9FA318-4AFE-BA48-02EA-F9F630E60AC6}"/>
+                <a16:creationId xmlns:a16="http://schemas.microsoft.com/office/drawing/2014/main" xmlns="" id="{4F9FA318-4AFE-BA48-02EA-F9F630E60AC6}"/>
               </a:ext>
             </a:extLst>
           </p:cNvPr>
@@ -11185,7 +11199,7 @@
           <p:cNvPr id="8" name="TextBox 7">
             <a:extLst>
               <a:ext uri="{FF2B5EF4-FFF2-40B4-BE49-F238E27FC236}">
-                <a16:creationId xmlns:a16="http://schemas.microsoft.com/office/drawing/2014/main" id="{773CE4AC-0CE4-65A6-4687-3D821C8A41C5}"/>
+                <a16:creationId xmlns:a16="http://schemas.microsoft.com/office/drawing/2014/main" xmlns="" id="{773CE4AC-0CE4-65A6-4687-3D821C8A41C5}"/>
               </a:ext>
             </a:extLst>
           </p:cNvPr>
@@ -11253,7 +11267,7 @@
           <p:cNvPr id="9" name="직사각형 8">
             <a:extLst>
               <a:ext uri="{FF2B5EF4-FFF2-40B4-BE49-F238E27FC236}">
-                <a16:creationId xmlns:a16="http://schemas.microsoft.com/office/drawing/2014/main" id="{5DB43343-A934-02F6-DF20-D848EB39CA3A}"/>
+                <a16:creationId xmlns:a16="http://schemas.microsoft.com/office/drawing/2014/main" xmlns="" id="{5DB43343-A934-02F6-DF20-D848EB39CA3A}"/>
               </a:ext>
             </a:extLst>
           </p:cNvPr>
@@ -11305,7 +11319,7 @@
           <p:cNvPr id="10" name="직사각형 9">
             <a:extLst>
               <a:ext uri="{FF2B5EF4-FFF2-40B4-BE49-F238E27FC236}">
-                <a16:creationId xmlns:a16="http://schemas.microsoft.com/office/drawing/2014/main" id="{4867BBFF-36F1-2AA3-89D6-FE779B226F27}"/>
+                <a16:creationId xmlns:a16="http://schemas.microsoft.com/office/drawing/2014/main" xmlns="" id="{4867BBFF-36F1-2AA3-89D6-FE779B226F27}"/>
               </a:ext>
             </a:extLst>
           </p:cNvPr>
@@ -11357,7 +11371,7 @@
           <p:cNvPr id="13" name="TextBox 12">
             <a:extLst>
               <a:ext uri="{FF2B5EF4-FFF2-40B4-BE49-F238E27FC236}">
-                <a16:creationId xmlns:a16="http://schemas.microsoft.com/office/drawing/2014/main" id="{5A6CBBEE-D942-96DA-18FC-82E2EDC47A0C}"/>
+                <a16:creationId xmlns:a16="http://schemas.microsoft.com/office/drawing/2014/main" xmlns="" id="{5A6CBBEE-D942-96DA-18FC-82E2EDC47A0C}"/>
               </a:ext>
             </a:extLst>
           </p:cNvPr>
@@ -11507,7 +11521,7 @@
           <p:cNvPr id="2" name="그림 1">
             <a:extLst>
               <a:ext uri="{FF2B5EF4-FFF2-40B4-BE49-F238E27FC236}">
-                <a16:creationId xmlns:a16="http://schemas.microsoft.com/office/drawing/2014/main" id="{E388FC9B-049C-75EA-2EE6-019568A6DDBF}"/>
+                <a16:creationId xmlns:a16="http://schemas.microsoft.com/office/drawing/2014/main" xmlns="" id="{E388FC9B-049C-75EA-2EE6-019568A6DDBF}"/>
               </a:ext>
             </a:extLst>
           </p:cNvPr>
@@ -11536,7 +11550,7 @@
           <p:cNvPr id="3" name="직선 화살표 연결선 2">
             <a:extLst>
               <a:ext uri="{FF2B5EF4-FFF2-40B4-BE49-F238E27FC236}">
-                <a16:creationId xmlns:a16="http://schemas.microsoft.com/office/drawing/2014/main" id="{F790270D-1F2B-7378-9C33-807DED9844B8}"/>
+                <a16:creationId xmlns:a16="http://schemas.microsoft.com/office/drawing/2014/main" xmlns="" id="{F790270D-1F2B-7378-9C33-807DED9844B8}"/>
               </a:ext>
             </a:extLst>
           </p:cNvPr>
@@ -11577,7 +11591,7 @@
           <p:cNvPr id="4" name="직사각형 3">
             <a:extLst>
               <a:ext uri="{FF2B5EF4-FFF2-40B4-BE49-F238E27FC236}">
-                <a16:creationId xmlns:a16="http://schemas.microsoft.com/office/drawing/2014/main" id="{F82B5998-FCD0-6AC9-EAEB-679030406548}"/>
+                <a16:creationId xmlns:a16="http://schemas.microsoft.com/office/drawing/2014/main" xmlns="" id="{F82B5998-FCD0-6AC9-EAEB-679030406548}"/>
               </a:ext>
             </a:extLst>
           </p:cNvPr>
@@ -11629,7 +11643,7 @@
           <p:cNvPr id="5" name="TextBox 4">
             <a:extLst>
               <a:ext uri="{FF2B5EF4-FFF2-40B4-BE49-F238E27FC236}">
-                <a16:creationId xmlns:a16="http://schemas.microsoft.com/office/drawing/2014/main" id="{1C4EF837-DFA0-1610-B642-4A026121164B}"/>
+                <a16:creationId xmlns:a16="http://schemas.microsoft.com/office/drawing/2014/main" xmlns="" id="{1C4EF837-DFA0-1610-B642-4A026121164B}"/>
               </a:ext>
             </a:extLst>
           </p:cNvPr>
@@ -11772,7 +11786,7 @@
           <p:cNvPr id="2" name="TextBox 1">
             <a:extLst>
               <a:ext uri="{FF2B5EF4-FFF2-40B4-BE49-F238E27FC236}">
-                <a16:creationId xmlns:a16="http://schemas.microsoft.com/office/drawing/2014/main" id="{644A5C41-C09C-1E7F-AE3E-85891B18F28A}"/>
+                <a16:creationId xmlns:a16="http://schemas.microsoft.com/office/drawing/2014/main" xmlns="" id="{644A5C41-C09C-1E7F-AE3E-85891B18F28A}"/>
               </a:ext>
             </a:extLst>
           </p:cNvPr>
@@ -11869,7 +11883,7 @@
           <p:cNvPr id="4" name="그림 3">
             <a:extLst>
               <a:ext uri="{FF2B5EF4-FFF2-40B4-BE49-F238E27FC236}">
-                <a16:creationId xmlns:a16="http://schemas.microsoft.com/office/drawing/2014/main" id="{120F2F32-3014-B0DB-C6F3-B805DEAC05D3}"/>
+                <a16:creationId xmlns:a16="http://schemas.microsoft.com/office/drawing/2014/main" xmlns="" id="{120F2F32-3014-B0DB-C6F3-B805DEAC05D3}"/>
               </a:ext>
             </a:extLst>
           </p:cNvPr>
@@ -11899,7 +11913,7 @@
           <p:cNvPr id="5" name="직선 화살표 연결선 4">
             <a:extLst>
               <a:ext uri="{FF2B5EF4-FFF2-40B4-BE49-F238E27FC236}">
-                <a16:creationId xmlns:a16="http://schemas.microsoft.com/office/drawing/2014/main" id="{ADB1F339-AD25-2411-FC56-743C887248A0}"/>
+                <a16:creationId xmlns:a16="http://schemas.microsoft.com/office/drawing/2014/main" xmlns="" id="{ADB1F339-AD25-2411-FC56-743C887248A0}"/>
               </a:ext>
             </a:extLst>
           </p:cNvPr>
@@ -11941,7 +11955,7 @@
           <p:cNvPr id="6" name="직사각형 5">
             <a:extLst>
               <a:ext uri="{FF2B5EF4-FFF2-40B4-BE49-F238E27FC236}">
-                <a16:creationId xmlns:a16="http://schemas.microsoft.com/office/drawing/2014/main" id="{B6C730BB-7773-A78C-A120-55770E288E9C}"/>
+                <a16:creationId xmlns:a16="http://schemas.microsoft.com/office/drawing/2014/main" xmlns="" id="{B6C730BB-7773-A78C-A120-55770E288E9C}"/>
               </a:ext>
             </a:extLst>
           </p:cNvPr>
@@ -11993,7 +12007,7 @@
           <p:cNvPr id="7" name="TextBox 6">
             <a:extLst>
               <a:ext uri="{FF2B5EF4-FFF2-40B4-BE49-F238E27FC236}">
-                <a16:creationId xmlns:a16="http://schemas.microsoft.com/office/drawing/2014/main" id="{C34B4FEC-C6CE-CDE2-5AB9-06BED1BFA487}"/>
+                <a16:creationId xmlns:a16="http://schemas.microsoft.com/office/drawing/2014/main" xmlns="" id="{C34B4FEC-C6CE-CDE2-5AB9-06BED1BFA487}"/>
               </a:ext>
             </a:extLst>
           </p:cNvPr>
@@ -12094,7 +12108,7 @@
           <p:cNvPr id="3" name="그림 2">
             <a:extLst>
               <a:ext uri="{FF2B5EF4-FFF2-40B4-BE49-F238E27FC236}">
-                <a16:creationId xmlns:a16="http://schemas.microsoft.com/office/drawing/2014/main" id="{560F1D18-10D5-15AD-8139-B82168D92003}"/>
+                <a16:creationId xmlns:a16="http://schemas.microsoft.com/office/drawing/2014/main" xmlns="" id="{560F1D18-10D5-15AD-8139-B82168D92003}"/>
               </a:ext>
             </a:extLst>
           </p:cNvPr>
@@ -12124,7 +12138,7 @@
           <p:cNvPr id="4" name="직선 화살표 연결선 3">
             <a:extLst>
               <a:ext uri="{FF2B5EF4-FFF2-40B4-BE49-F238E27FC236}">
-                <a16:creationId xmlns:a16="http://schemas.microsoft.com/office/drawing/2014/main" id="{30678143-0133-2AC5-3D8D-3A7A317DAD70}"/>
+                <a16:creationId xmlns:a16="http://schemas.microsoft.com/office/drawing/2014/main" xmlns="" id="{30678143-0133-2AC5-3D8D-3A7A317DAD70}"/>
               </a:ext>
             </a:extLst>
           </p:cNvPr>
@@ -12165,7 +12179,7 @@
           <p:cNvPr id="5" name="직사각형 4">
             <a:extLst>
               <a:ext uri="{FF2B5EF4-FFF2-40B4-BE49-F238E27FC236}">
-                <a16:creationId xmlns:a16="http://schemas.microsoft.com/office/drawing/2014/main" id="{9A5C2D18-E7A4-083E-5F33-538845A3B57C}"/>
+                <a16:creationId xmlns:a16="http://schemas.microsoft.com/office/drawing/2014/main" xmlns="" id="{9A5C2D18-E7A4-083E-5F33-538845A3B57C}"/>
               </a:ext>
             </a:extLst>
           </p:cNvPr>
@@ -12217,7 +12231,7 @@
           <p:cNvPr id="6" name="TextBox 5">
             <a:extLst>
               <a:ext uri="{FF2B5EF4-FFF2-40B4-BE49-F238E27FC236}">
-                <a16:creationId xmlns:a16="http://schemas.microsoft.com/office/drawing/2014/main" id="{3DF09E6D-B304-FCB3-EDA5-72C95E2C1C30}"/>
+                <a16:creationId xmlns:a16="http://schemas.microsoft.com/office/drawing/2014/main" xmlns="" id="{3DF09E6D-B304-FCB3-EDA5-72C95E2C1C30}"/>
               </a:ext>
             </a:extLst>
           </p:cNvPr>
@@ -12388,7 +12402,7 @@
           <p:cNvPr id="2" name="TextBox 1">
             <a:extLst>
               <a:ext uri="{FF2B5EF4-FFF2-40B4-BE49-F238E27FC236}">
-                <a16:creationId xmlns:a16="http://schemas.microsoft.com/office/drawing/2014/main" id="{E74A3BF9-B62B-1424-FA47-05026A8CCA3A}"/>
+                <a16:creationId xmlns:a16="http://schemas.microsoft.com/office/drawing/2014/main" xmlns="" id="{E74A3BF9-B62B-1424-FA47-05026A8CCA3A}"/>
               </a:ext>
             </a:extLst>
           </p:cNvPr>
@@ -12588,7 +12602,7 @@
           <p:cNvPr id="2" name="TextBox 1">
             <a:extLst>
               <a:ext uri="{FF2B5EF4-FFF2-40B4-BE49-F238E27FC236}">
-                <a16:creationId xmlns:a16="http://schemas.microsoft.com/office/drawing/2014/main" id="{7229BEA6-121E-9056-D07F-2B3BB1795F76}"/>
+                <a16:creationId xmlns:a16="http://schemas.microsoft.com/office/drawing/2014/main" xmlns="" id="{7229BEA6-121E-9056-D07F-2B3BB1795F76}"/>
               </a:ext>
             </a:extLst>
           </p:cNvPr>
@@ -12649,7 +12663,7 @@
           <p:cNvPr id="3" name="TextBox 2">
             <a:extLst>
               <a:ext uri="{FF2B5EF4-FFF2-40B4-BE49-F238E27FC236}">
-                <a16:creationId xmlns:a16="http://schemas.microsoft.com/office/drawing/2014/main" id="{7229BEA6-121E-9056-D07F-2B3BB1795F76}"/>
+                <a16:creationId xmlns:a16="http://schemas.microsoft.com/office/drawing/2014/main" xmlns="" id="{7229BEA6-121E-9056-D07F-2B3BB1795F76}"/>
               </a:ext>
             </a:extLst>
           </p:cNvPr>
@@ -12707,7 +12721,7 @@
           <p:cNvPr id="4" name="TextBox 3">
             <a:extLst>
               <a:ext uri="{FF2B5EF4-FFF2-40B4-BE49-F238E27FC236}">
-                <a16:creationId xmlns:a16="http://schemas.microsoft.com/office/drawing/2014/main" id="{7229BEA6-121E-9056-D07F-2B3BB1795F76}"/>
+                <a16:creationId xmlns:a16="http://schemas.microsoft.com/office/drawing/2014/main" xmlns="" id="{7229BEA6-121E-9056-D07F-2B3BB1795F76}"/>
               </a:ext>
             </a:extLst>
           </p:cNvPr>
@@ -13035,7 +13049,7 @@
           <p:cNvPr id="3" name="그림 2">
             <a:extLst>
               <a:ext uri="{FF2B5EF4-FFF2-40B4-BE49-F238E27FC236}">
-                <a16:creationId xmlns:a16="http://schemas.microsoft.com/office/drawing/2014/main" id="{85719509-90AA-E8C1-9118-98F3A12019C0}"/>
+                <a16:creationId xmlns:a16="http://schemas.microsoft.com/office/drawing/2014/main" xmlns="" id="{85719509-90AA-E8C1-9118-98F3A12019C0}"/>
               </a:ext>
             </a:extLst>
           </p:cNvPr>
@@ -13065,7 +13079,7 @@
           <p:cNvPr id="4" name="직선 화살표 연결선 3">
             <a:extLst>
               <a:ext uri="{FF2B5EF4-FFF2-40B4-BE49-F238E27FC236}">
-                <a16:creationId xmlns:a16="http://schemas.microsoft.com/office/drawing/2014/main" id="{7772EA17-45AA-79E8-35C4-5A7327B327B9}"/>
+                <a16:creationId xmlns:a16="http://schemas.microsoft.com/office/drawing/2014/main" xmlns="" id="{7772EA17-45AA-79E8-35C4-5A7327B327B9}"/>
               </a:ext>
             </a:extLst>
           </p:cNvPr>
@@ -13106,7 +13120,7 @@
           <p:cNvPr id="5" name="직사각형 4">
             <a:extLst>
               <a:ext uri="{FF2B5EF4-FFF2-40B4-BE49-F238E27FC236}">
-                <a16:creationId xmlns:a16="http://schemas.microsoft.com/office/drawing/2014/main" id="{112194DC-9395-543E-BA2C-CAC4DA5F5980}"/>
+                <a16:creationId xmlns:a16="http://schemas.microsoft.com/office/drawing/2014/main" xmlns="" id="{112194DC-9395-543E-BA2C-CAC4DA5F5980}"/>
               </a:ext>
             </a:extLst>
           </p:cNvPr>
@@ -13158,7 +13172,7 @@
           <p:cNvPr id="6" name="TextBox 5">
             <a:extLst>
               <a:ext uri="{FF2B5EF4-FFF2-40B4-BE49-F238E27FC236}">
-                <a16:creationId xmlns:a16="http://schemas.microsoft.com/office/drawing/2014/main" id="{D7170BE2-B561-64C3-078B-3E8210C80E7C}"/>
+                <a16:creationId xmlns:a16="http://schemas.microsoft.com/office/drawing/2014/main" xmlns="" id="{D7170BE2-B561-64C3-078B-3E8210C80E7C}"/>
               </a:ext>
             </a:extLst>
           </p:cNvPr>
@@ -13239,7 +13253,7 @@
           <p:cNvPr id="7" name="TextBox 6">
             <a:extLst>
               <a:ext uri="{FF2B5EF4-FFF2-40B4-BE49-F238E27FC236}">
-                <a16:creationId xmlns:a16="http://schemas.microsoft.com/office/drawing/2014/main" id="{B3AFD027-DD4E-EB19-7446-78E13291D488}"/>
+                <a16:creationId xmlns:a16="http://schemas.microsoft.com/office/drawing/2014/main" xmlns="" id="{B3AFD027-DD4E-EB19-7446-78E13291D488}"/>
               </a:ext>
             </a:extLst>
           </p:cNvPr>
@@ -13287,7 +13301,7 @@
           <p:cNvPr id="8" name="그룹 1008">
             <a:extLst>
               <a:ext uri="{FF2B5EF4-FFF2-40B4-BE49-F238E27FC236}">
-                <a16:creationId xmlns:a16="http://schemas.microsoft.com/office/drawing/2014/main" id="{DCB9AD7E-02DA-A791-5035-1B989BA75E67}"/>
+                <a16:creationId xmlns:a16="http://schemas.microsoft.com/office/drawing/2014/main" xmlns="" id="{DCB9AD7E-02DA-A791-5035-1B989BA75E67}"/>
               </a:ext>
             </a:extLst>
           </p:cNvPr>
@@ -13307,7 +13321,7 @@
             <p:cNvPr id="9" name="그룹 1009">
               <a:extLst>
                 <a:ext uri="{FF2B5EF4-FFF2-40B4-BE49-F238E27FC236}">
-                  <a16:creationId xmlns:a16="http://schemas.microsoft.com/office/drawing/2014/main" id="{179D12D8-CE1E-E0E1-3B90-BE31485BC896}"/>
+                  <a16:creationId xmlns:a16="http://schemas.microsoft.com/office/drawing/2014/main" xmlns="" id="{179D12D8-CE1E-E0E1-3B90-BE31485BC896}"/>
                 </a:ext>
               </a:extLst>
             </p:cNvPr>
@@ -13327,7 +13341,7 @@
               <p:cNvPr id="14" name="Object 29">
                 <a:extLst>
                   <a:ext uri="{FF2B5EF4-FFF2-40B4-BE49-F238E27FC236}">
-                    <a16:creationId xmlns:a16="http://schemas.microsoft.com/office/drawing/2014/main" id="{7E91FAD9-BD7A-80D7-75F5-519FFAF0F9F0}"/>
+                    <a16:creationId xmlns:a16="http://schemas.microsoft.com/office/drawing/2014/main" xmlns="" id="{7E91FAD9-BD7A-80D7-75F5-519FFAF0F9F0}"/>
                   </a:ext>
                 </a:extLst>
               </p:cNvPr>
@@ -13358,7 +13372,7 @@
             <p:cNvPr id="10" name="그룹 1010">
               <a:extLst>
                 <a:ext uri="{FF2B5EF4-FFF2-40B4-BE49-F238E27FC236}">
-                  <a16:creationId xmlns:a16="http://schemas.microsoft.com/office/drawing/2014/main" id="{A2599EB1-8541-C58A-B004-071C3282FD2D}"/>
+                  <a16:creationId xmlns:a16="http://schemas.microsoft.com/office/drawing/2014/main" xmlns="" id="{A2599EB1-8541-C58A-B004-071C3282FD2D}"/>
                 </a:ext>
               </a:extLst>
             </p:cNvPr>
@@ -13378,7 +13392,7 @@
               <p:cNvPr id="13" name="Object 32">
                 <a:extLst>
                   <a:ext uri="{FF2B5EF4-FFF2-40B4-BE49-F238E27FC236}">
-                    <a16:creationId xmlns:a16="http://schemas.microsoft.com/office/drawing/2014/main" id="{6EE09AB9-679D-3475-C130-72E67E2F587A}"/>
+                    <a16:creationId xmlns:a16="http://schemas.microsoft.com/office/drawing/2014/main" xmlns="" id="{6EE09AB9-679D-3475-C130-72E67E2F587A}"/>
                   </a:ext>
                 </a:extLst>
               </p:cNvPr>
@@ -13409,7 +13423,7 @@
             <p:cNvPr id="11" name="그룹 1011">
               <a:extLst>
                 <a:ext uri="{FF2B5EF4-FFF2-40B4-BE49-F238E27FC236}">
-                  <a16:creationId xmlns:a16="http://schemas.microsoft.com/office/drawing/2014/main" id="{239EE2FF-9CA7-620F-2BEF-6958C2BAAC5E}"/>
+                  <a16:creationId xmlns:a16="http://schemas.microsoft.com/office/drawing/2014/main" xmlns="" id="{239EE2FF-9CA7-620F-2BEF-6958C2BAAC5E}"/>
                 </a:ext>
               </a:extLst>
             </p:cNvPr>
@@ -13429,7 +13443,7 @@
               <p:cNvPr id="12" name="Object 35">
                 <a:extLst>
                   <a:ext uri="{FF2B5EF4-FFF2-40B4-BE49-F238E27FC236}">
-                    <a16:creationId xmlns:a16="http://schemas.microsoft.com/office/drawing/2014/main" id="{22411BE5-3BAE-1828-0E24-EC8C86630DAE}"/>
+                    <a16:creationId xmlns:a16="http://schemas.microsoft.com/office/drawing/2014/main" xmlns="" id="{22411BE5-3BAE-1828-0E24-EC8C86630DAE}"/>
                   </a:ext>
                 </a:extLst>
               </p:cNvPr>
@@ -13461,7 +13475,7 @@
           <p:cNvPr id="16" name="그림 15">
             <a:extLst>
               <a:ext uri="{FF2B5EF4-FFF2-40B4-BE49-F238E27FC236}">
-                <a16:creationId xmlns:a16="http://schemas.microsoft.com/office/drawing/2014/main" id="{117F6936-8CCA-3E0C-C28D-C8C59EC6F32F}"/>
+                <a16:creationId xmlns:a16="http://schemas.microsoft.com/office/drawing/2014/main" xmlns="" id="{117F6936-8CCA-3E0C-C28D-C8C59EC6F32F}"/>
               </a:ext>
             </a:extLst>
           </p:cNvPr>
@@ -13709,7 +13723,7 @@
           <p:cNvPr id="2" name="TextBox 1">
             <a:extLst>
               <a:ext uri="{FF2B5EF4-FFF2-40B4-BE49-F238E27FC236}">
-                <a16:creationId xmlns:a16="http://schemas.microsoft.com/office/drawing/2014/main" id="{8D19D88B-9541-32D7-90F1-0C45C993E21C}"/>
+                <a16:creationId xmlns:a16="http://schemas.microsoft.com/office/drawing/2014/main" xmlns="" id="{8D19D88B-9541-32D7-90F1-0C45C993E21C}"/>
               </a:ext>
             </a:extLst>
           </p:cNvPr>
@@ -13757,6 +13771,13 @@
   <p:clrMapOvr>
     <a:masterClrMapping/>
   </p:clrMapOvr>
+  <p:timing>
+    <p:tnLst>
+      <p:par>
+        <p:cTn id="1" dur="indefinite" restart="never" nodeType="tmRoot"/>
+      </p:par>
+    </p:tnLst>
+  </p:timing>
 </p:sld>
 </file>
 
@@ -13790,7 +13811,7 @@
           <p:cNvPr id="4" name="Object 1">
             <a:extLst>
               <a:ext uri="{FF2B5EF4-FFF2-40B4-BE49-F238E27FC236}">
-                <a16:creationId xmlns:a16="http://schemas.microsoft.com/office/drawing/2014/main" id="{B0329035-BE76-33A8-0F2E-44624FCC1DED}"/>
+                <a16:creationId xmlns:a16="http://schemas.microsoft.com/office/drawing/2014/main" xmlns="" id="{B0329035-BE76-33A8-0F2E-44624FCC1DED}"/>
               </a:ext>
             </a:extLst>
           </p:cNvPr>
@@ -13820,7 +13841,7 @@
           <p:cNvPr id="7" name="그룹 1001">
             <a:extLst>
               <a:ext uri="{FF2B5EF4-FFF2-40B4-BE49-F238E27FC236}">
-                <a16:creationId xmlns:a16="http://schemas.microsoft.com/office/drawing/2014/main" id="{CD24CE9D-AC18-B6CD-F397-7E8E03D6FE26}"/>
+                <a16:creationId xmlns:a16="http://schemas.microsoft.com/office/drawing/2014/main" xmlns="" id="{CD24CE9D-AC18-B6CD-F397-7E8E03D6FE26}"/>
               </a:ext>
             </a:extLst>
           </p:cNvPr>
@@ -13840,7 +13861,7 @@
             <p:cNvPr id="8" name="Object 5">
               <a:extLst>
                 <a:ext uri="{FF2B5EF4-FFF2-40B4-BE49-F238E27FC236}">
-                  <a16:creationId xmlns:a16="http://schemas.microsoft.com/office/drawing/2014/main" id="{0EEF25E8-3BA8-EBAA-6DC2-66D70C3F9F4D}"/>
+                  <a16:creationId xmlns:a16="http://schemas.microsoft.com/office/drawing/2014/main" xmlns="" id="{0EEF25E8-3BA8-EBAA-6DC2-66D70C3F9F4D}"/>
                 </a:ext>
               </a:extLst>
             </p:cNvPr>
@@ -13871,7 +13892,7 @@
           <p:cNvPr id="9" name="그룹 1002">
             <a:extLst>
               <a:ext uri="{FF2B5EF4-FFF2-40B4-BE49-F238E27FC236}">
-                <a16:creationId xmlns:a16="http://schemas.microsoft.com/office/drawing/2014/main" id="{0F281BC9-DE1F-D1FE-E64C-C4640398F00C}"/>
+                <a16:creationId xmlns:a16="http://schemas.microsoft.com/office/drawing/2014/main" xmlns="" id="{0F281BC9-DE1F-D1FE-E64C-C4640398F00C}"/>
               </a:ext>
             </a:extLst>
           </p:cNvPr>
@@ -13891,7 +13912,7 @@
             <p:cNvPr id="10" name="Object 8">
               <a:extLst>
                 <a:ext uri="{FF2B5EF4-FFF2-40B4-BE49-F238E27FC236}">
-                  <a16:creationId xmlns:a16="http://schemas.microsoft.com/office/drawing/2014/main" id="{F669DCEF-04BB-7046-3F7F-5B513213556E}"/>
+                  <a16:creationId xmlns:a16="http://schemas.microsoft.com/office/drawing/2014/main" xmlns="" id="{F669DCEF-04BB-7046-3F7F-5B513213556E}"/>
                 </a:ext>
               </a:extLst>
             </p:cNvPr>
@@ -13922,7 +13943,7 @@
           <p:cNvPr id="11" name="그룹 1003">
             <a:extLst>
               <a:ext uri="{FF2B5EF4-FFF2-40B4-BE49-F238E27FC236}">
-                <a16:creationId xmlns:a16="http://schemas.microsoft.com/office/drawing/2014/main" id="{1F91EEF9-13EA-BB7F-B056-D35E7DB989AC}"/>
+                <a16:creationId xmlns:a16="http://schemas.microsoft.com/office/drawing/2014/main" xmlns="" id="{1F91EEF9-13EA-BB7F-B056-D35E7DB989AC}"/>
               </a:ext>
             </a:extLst>
           </p:cNvPr>
@@ -13942,7 +13963,7 @@
             <p:cNvPr id="12" name="Object 11">
               <a:extLst>
                 <a:ext uri="{FF2B5EF4-FFF2-40B4-BE49-F238E27FC236}">
-                  <a16:creationId xmlns:a16="http://schemas.microsoft.com/office/drawing/2014/main" id="{2CFFB217-AEFB-2C9E-5F86-6EE19510FFC6}"/>
+                  <a16:creationId xmlns:a16="http://schemas.microsoft.com/office/drawing/2014/main" xmlns="" id="{2CFFB217-AEFB-2C9E-5F86-6EE19510FFC6}"/>
                 </a:ext>
               </a:extLst>
             </p:cNvPr>
@@ -13973,7 +13994,7 @@
           <p:cNvPr id="13" name="그룹 1004">
             <a:extLst>
               <a:ext uri="{FF2B5EF4-FFF2-40B4-BE49-F238E27FC236}">
-                <a16:creationId xmlns:a16="http://schemas.microsoft.com/office/drawing/2014/main" id="{123B9C7E-94E8-E7E1-81BE-D59EA0299187}"/>
+                <a16:creationId xmlns:a16="http://schemas.microsoft.com/office/drawing/2014/main" xmlns="" id="{123B9C7E-94E8-E7E1-81BE-D59EA0299187}"/>
               </a:ext>
             </a:extLst>
           </p:cNvPr>
@@ -13993,7 +14014,7 @@
             <p:cNvPr id="14" name="Object 14">
               <a:extLst>
                 <a:ext uri="{FF2B5EF4-FFF2-40B4-BE49-F238E27FC236}">
-                  <a16:creationId xmlns:a16="http://schemas.microsoft.com/office/drawing/2014/main" id="{B6291552-2D89-A79F-7ACD-EA0EF9A4C389}"/>
+                  <a16:creationId xmlns:a16="http://schemas.microsoft.com/office/drawing/2014/main" xmlns="" id="{B6291552-2D89-A79F-7ACD-EA0EF9A4C389}"/>
                 </a:ext>
               </a:extLst>
             </p:cNvPr>
@@ -14024,7 +14045,7 @@
           <p:cNvPr id="15" name="TextBox 14">
             <a:extLst>
               <a:ext uri="{FF2B5EF4-FFF2-40B4-BE49-F238E27FC236}">
-                <a16:creationId xmlns:a16="http://schemas.microsoft.com/office/drawing/2014/main" id="{7D99763A-FC24-23F5-5BA9-D7B042E0F323}"/>
+                <a16:creationId xmlns:a16="http://schemas.microsoft.com/office/drawing/2014/main" xmlns="" id="{7D99763A-FC24-23F5-5BA9-D7B042E0F323}"/>
               </a:ext>
             </a:extLst>
           </p:cNvPr>
@@ -14102,7 +14123,7 @@
           <p:cNvPr id="4" name="TextBox 3">
             <a:extLst>
               <a:ext uri="{FF2B5EF4-FFF2-40B4-BE49-F238E27FC236}">
-                <a16:creationId xmlns:a16="http://schemas.microsoft.com/office/drawing/2014/main" id="{C6D113C6-EA5C-788F-0C77-E7CE6EBB865F}"/>
+                <a16:creationId xmlns:a16="http://schemas.microsoft.com/office/drawing/2014/main" xmlns="" id="{C6D113C6-EA5C-788F-0C77-E7CE6EBB865F}"/>
               </a:ext>
             </a:extLst>
           </p:cNvPr>
@@ -14150,7 +14171,7 @@
           <p:cNvPr id="5" name="TextBox 4">
             <a:extLst>
               <a:ext uri="{FF2B5EF4-FFF2-40B4-BE49-F238E27FC236}">
-                <a16:creationId xmlns:a16="http://schemas.microsoft.com/office/drawing/2014/main" id="{C6D113C6-EA5C-788F-0C77-E7CE6EBB865F}"/>
+                <a16:creationId xmlns:a16="http://schemas.microsoft.com/office/drawing/2014/main" xmlns="" id="{C6D113C6-EA5C-788F-0C77-E7CE6EBB865F}"/>
               </a:ext>
             </a:extLst>
           </p:cNvPr>
@@ -14326,7 +14347,7 @@
           <p:cNvPr id="33" name="그림 32">
             <a:extLst>
               <a:ext uri="{FF2B5EF4-FFF2-40B4-BE49-F238E27FC236}">
-                <a16:creationId xmlns:a16="http://schemas.microsoft.com/office/drawing/2014/main" id="{F803B35D-6B21-A72B-8A51-0233BA1BAEFC}"/>
+                <a16:creationId xmlns:a16="http://schemas.microsoft.com/office/drawing/2014/main" xmlns="" id="{F803B35D-6B21-A72B-8A51-0233BA1BAEFC}"/>
               </a:ext>
             </a:extLst>
           </p:cNvPr>
@@ -14356,7 +14377,7 @@
           <p:cNvPr id="6" name="직사각형 5">
             <a:extLst>
               <a:ext uri="{FF2B5EF4-FFF2-40B4-BE49-F238E27FC236}">
-                <a16:creationId xmlns:a16="http://schemas.microsoft.com/office/drawing/2014/main" id="{FFF506F9-840A-0508-4CAF-3AC711D8D5CE}"/>
+                <a16:creationId xmlns:a16="http://schemas.microsoft.com/office/drawing/2014/main" xmlns="" id="{FFF506F9-840A-0508-4CAF-3AC711D8D5CE}"/>
               </a:ext>
             </a:extLst>
           </p:cNvPr>
@@ -14408,7 +14429,7 @@
           <p:cNvPr id="7" name="직선 화살표 연결선 6">
             <a:extLst>
               <a:ext uri="{FF2B5EF4-FFF2-40B4-BE49-F238E27FC236}">
-                <a16:creationId xmlns:a16="http://schemas.microsoft.com/office/drawing/2014/main" id="{299DF5EC-9DF4-5255-06AC-0A7CE4FF58C3}"/>
+                <a16:creationId xmlns:a16="http://schemas.microsoft.com/office/drawing/2014/main" xmlns="" id="{299DF5EC-9DF4-5255-06AC-0A7CE4FF58C3}"/>
               </a:ext>
             </a:extLst>
           </p:cNvPr>
@@ -14449,7 +14470,7 @@
           <p:cNvPr id="8" name="TextBox 7">
             <a:extLst>
               <a:ext uri="{FF2B5EF4-FFF2-40B4-BE49-F238E27FC236}">
-                <a16:creationId xmlns:a16="http://schemas.microsoft.com/office/drawing/2014/main" id="{C6D113C6-EA5C-788F-0C77-E7CE6EBB865F}"/>
+                <a16:creationId xmlns:a16="http://schemas.microsoft.com/office/drawing/2014/main" xmlns="" id="{C6D113C6-EA5C-788F-0C77-E7CE6EBB865F}"/>
               </a:ext>
             </a:extLst>
           </p:cNvPr>
@@ -14497,7 +14518,7 @@
           <p:cNvPr id="11" name="직사각형 10">
             <a:extLst>
               <a:ext uri="{FF2B5EF4-FFF2-40B4-BE49-F238E27FC236}">
-                <a16:creationId xmlns:a16="http://schemas.microsoft.com/office/drawing/2014/main" id="{FFF506F9-840A-0508-4CAF-3AC711D8D5CE}"/>
+                <a16:creationId xmlns:a16="http://schemas.microsoft.com/office/drawing/2014/main" xmlns="" id="{FFF506F9-840A-0508-4CAF-3AC711D8D5CE}"/>
               </a:ext>
             </a:extLst>
           </p:cNvPr>
@@ -14549,7 +14570,7 @@
           <p:cNvPr id="15" name="TextBox 14">
             <a:extLst>
               <a:ext uri="{FF2B5EF4-FFF2-40B4-BE49-F238E27FC236}">
-                <a16:creationId xmlns:a16="http://schemas.microsoft.com/office/drawing/2014/main" id="{C6D113C6-EA5C-788F-0C77-E7CE6EBB865F}"/>
+                <a16:creationId xmlns:a16="http://schemas.microsoft.com/office/drawing/2014/main" xmlns="" id="{C6D113C6-EA5C-788F-0C77-E7CE6EBB865F}"/>
               </a:ext>
             </a:extLst>
           </p:cNvPr>
@@ -14597,7 +14618,7 @@
           <p:cNvPr id="16" name="직선 화살표 연결선 15">
             <a:extLst>
               <a:ext uri="{FF2B5EF4-FFF2-40B4-BE49-F238E27FC236}">
-                <a16:creationId xmlns:a16="http://schemas.microsoft.com/office/drawing/2014/main" id="{299DF5EC-9DF4-5255-06AC-0A7CE4FF58C3}"/>
+                <a16:creationId xmlns:a16="http://schemas.microsoft.com/office/drawing/2014/main" xmlns="" id="{299DF5EC-9DF4-5255-06AC-0A7CE4FF58C3}"/>
               </a:ext>
             </a:extLst>
           </p:cNvPr>
@@ -14638,7 +14659,7 @@
           <p:cNvPr id="25" name="직사각형 24">
             <a:extLst>
               <a:ext uri="{FF2B5EF4-FFF2-40B4-BE49-F238E27FC236}">
-                <a16:creationId xmlns:a16="http://schemas.microsoft.com/office/drawing/2014/main" id="{FFF506F9-840A-0508-4CAF-3AC711D8D5CE}"/>
+                <a16:creationId xmlns:a16="http://schemas.microsoft.com/office/drawing/2014/main" xmlns="" id="{FFF506F9-840A-0508-4CAF-3AC711D8D5CE}"/>
               </a:ext>
             </a:extLst>
           </p:cNvPr>
@@ -14690,7 +14711,7 @@
           <p:cNvPr id="26" name="TextBox 25">
             <a:extLst>
               <a:ext uri="{FF2B5EF4-FFF2-40B4-BE49-F238E27FC236}">
-                <a16:creationId xmlns:a16="http://schemas.microsoft.com/office/drawing/2014/main" id="{C6D113C6-EA5C-788F-0C77-E7CE6EBB865F}"/>
+                <a16:creationId xmlns:a16="http://schemas.microsoft.com/office/drawing/2014/main" xmlns="" id="{C6D113C6-EA5C-788F-0C77-E7CE6EBB865F}"/>
               </a:ext>
             </a:extLst>
           </p:cNvPr>
@@ -14758,7 +14779,7 @@
           <p:cNvPr id="27" name="직선 화살표 연결선 26">
             <a:extLst>
               <a:ext uri="{FF2B5EF4-FFF2-40B4-BE49-F238E27FC236}">
-                <a16:creationId xmlns:a16="http://schemas.microsoft.com/office/drawing/2014/main" id="{299DF5EC-9DF4-5255-06AC-0A7CE4FF58C3}"/>
+                <a16:creationId xmlns:a16="http://schemas.microsoft.com/office/drawing/2014/main" xmlns="" id="{299DF5EC-9DF4-5255-06AC-0A7CE4FF58C3}"/>
               </a:ext>
             </a:extLst>
           </p:cNvPr>
@@ -14800,7 +14821,7 @@
           <p:cNvPr id="2" name="TextBox 1">
             <a:extLst>
               <a:ext uri="{FF2B5EF4-FFF2-40B4-BE49-F238E27FC236}">
-                <a16:creationId xmlns:a16="http://schemas.microsoft.com/office/drawing/2014/main" id="{01A09916-460D-380C-915D-DBA9883007BB}"/>
+                <a16:creationId xmlns:a16="http://schemas.microsoft.com/office/drawing/2014/main" xmlns="" id="{01A09916-460D-380C-915D-DBA9883007BB}"/>
               </a:ext>
             </a:extLst>
           </p:cNvPr>
@@ -14848,7 +14869,7 @@
           <p:cNvPr id="3" name="TextBox 2">
             <a:extLst>
               <a:ext uri="{FF2B5EF4-FFF2-40B4-BE49-F238E27FC236}">
-                <a16:creationId xmlns:a16="http://schemas.microsoft.com/office/drawing/2014/main" id="{87409279-D478-FA9B-F3E9-4AE27B795740}"/>
+                <a16:creationId xmlns:a16="http://schemas.microsoft.com/office/drawing/2014/main" xmlns="" id="{87409279-D478-FA9B-F3E9-4AE27B795740}"/>
               </a:ext>
             </a:extLst>
           </p:cNvPr>
@@ -14892,7 +14913,7 @@
           <p:cNvPr id="9" name="그룹 8">
             <a:extLst>
               <a:ext uri="{FF2B5EF4-FFF2-40B4-BE49-F238E27FC236}">
-                <a16:creationId xmlns:a16="http://schemas.microsoft.com/office/drawing/2014/main" id="{7EDF892E-8135-44F1-F3D0-2A0AB93D1252}"/>
+                <a16:creationId xmlns:a16="http://schemas.microsoft.com/office/drawing/2014/main" xmlns="" id="{7EDF892E-8135-44F1-F3D0-2A0AB93D1252}"/>
               </a:ext>
             </a:extLst>
           </p:cNvPr>
@@ -14912,7 +14933,7 @@
             <p:cNvPr id="10" name="직선 연결선 9">
               <a:extLst>
                 <a:ext uri="{FF2B5EF4-FFF2-40B4-BE49-F238E27FC236}">
-                  <a16:creationId xmlns:a16="http://schemas.microsoft.com/office/drawing/2014/main" id="{A17BD081-1C00-032C-AB14-284370E67645}"/>
+                  <a16:creationId xmlns:a16="http://schemas.microsoft.com/office/drawing/2014/main" xmlns="" id="{A17BD081-1C00-032C-AB14-284370E67645}"/>
                 </a:ext>
               </a:extLst>
             </p:cNvPr>
@@ -14955,7 +14976,7 @@
             <p:cNvPr id="12" name="직선 연결선 11">
               <a:extLst>
                 <a:ext uri="{FF2B5EF4-FFF2-40B4-BE49-F238E27FC236}">
-                  <a16:creationId xmlns:a16="http://schemas.microsoft.com/office/drawing/2014/main" id="{DF6E92A1-913E-FAAC-D630-67FC3C43E6DB}"/>
+                  <a16:creationId xmlns:a16="http://schemas.microsoft.com/office/drawing/2014/main" xmlns="" id="{DF6E92A1-913E-FAAC-D630-67FC3C43E6DB}"/>
                 </a:ext>
               </a:extLst>
             </p:cNvPr>
@@ -14998,7 +15019,7 @@
             <p:cNvPr id="17" name="직선 연결선 16">
               <a:extLst>
                 <a:ext uri="{FF2B5EF4-FFF2-40B4-BE49-F238E27FC236}">
-                  <a16:creationId xmlns:a16="http://schemas.microsoft.com/office/drawing/2014/main" id="{741B80D9-B190-5249-D7F9-40E3B282BF8A}"/>
+                  <a16:creationId xmlns:a16="http://schemas.microsoft.com/office/drawing/2014/main" xmlns="" id="{741B80D9-B190-5249-D7F9-40E3B282BF8A}"/>
                 </a:ext>
               </a:extLst>
             </p:cNvPr>
@@ -15041,7 +15062,7 @@
             <p:cNvPr id="19" name="직선 연결선 18">
               <a:extLst>
                 <a:ext uri="{FF2B5EF4-FFF2-40B4-BE49-F238E27FC236}">
-                  <a16:creationId xmlns:a16="http://schemas.microsoft.com/office/drawing/2014/main" id="{0B2D818E-E454-1D09-3ED1-AE1F97759E3E}"/>
+                  <a16:creationId xmlns:a16="http://schemas.microsoft.com/office/drawing/2014/main" xmlns="" id="{0B2D818E-E454-1D09-3ED1-AE1F97759E3E}"/>
                 </a:ext>
               </a:extLst>
             </p:cNvPr>
@@ -15115,7 +15136,7 @@
           <p:cNvPr id="2" name="TextBox 1">
             <a:extLst>
               <a:ext uri="{FF2B5EF4-FFF2-40B4-BE49-F238E27FC236}">
-                <a16:creationId xmlns:a16="http://schemas.microsoft.com/office/drawing/2014/main" id="{2FBA857E-6B70-3593-96FB-9FB6B1088F4E}"/>
+                <a16:creationId xmlns:a16="http://schemas.microsoft.com/office/drawing/2014/main" xmlns="" id="{2FBA857E-6B70-3593-96FB-9FB6B1088F4E}"/>
               </a:ext>
             </a:extLst>
           </p:cNvPr>
@@ -15163,7 +15184,7 @@
           <p:cNvPr id="4" name="그림 3">
             <a:extLst>
               <a:ext uri="{FF2B5EF4-FFF2-40B4-BE49-F238E27FC236}">
-                <a16:creationId xmlns:a16="http://schemas.microsoft.com/office/drawing/2014/main" id="{DFDAD6F5-94F9-A97D-5C9E-EEEF750EBF1B}"/>
+                <a16:creationId xmlns:a16="http://schemas.microsoft.com/office/drawing/2014/main" xmlns="" id="{DFDAD6F5-94F9-A97D-5C9E-EEEF750EBF1B}"/>
               </a:ext>
             </a:extLst>
           </p:cNvPr>
@@ -15193,7 +15214,7 @@
           <p:cNvPr id="5" name="직사각형 4">
             <a:extLst>
               <a:ext uri="{FF2B5EF4-FFF2-40B4-BE49-F238E27FC236}">
-                <a16:creationId xmlns:a16="http://schemas.microsoft.com/office/drawing/2014/main" id="{165BFD77-BA92-7505-6A46-6D7FCBB61F60}"/>
+                <a16:creationId xmlns:a16="http://schemas.microsoft.com/office/drawing/2014/main" xmlns="" id="{165BFD77-BA92-7505-6A46-6D7FCBB61F60}"/>
               </a:ext>
             </a:extLst>
           </p:cNvPr>
@@ -15245,7 +15266,7 @@
           <p:cNvPr id="6" name="직선 화살표 연결선 5">
             <a:extLst>
               <a:ext uri="{FF2B5EF4-FFF2-40B4-BE49-F238E27FC236}">
-                <a16:creationId xmlns:a16="http://schemas.microsoft.com/office/drawing/2014/main" id="{A88CB289-DDAA-22FC-E8C6-0869D599B2DD}"/>
+                <a16:creationId xmlns:a16="http://schemas.microsoft.com/office/drawing/2014/main" xmlns="" id="{A88CB289-DDAA-22FC-E8C6-0869D599B2DD}"/>
               </a:ext>
             </a:extLst>
           </p:cNvPr>
@@ -15286,7 +15307,7 @@
           <p:cNvPr id="7" name="TextBox 6">
             <a:extLst>
               <a:ext uri="{FF2B5EF4-FFF2-40B4-BE49-F238E27FC236}">
-                <a16:creationId xmlns:a16="http://schemas.microsoft.com/office/drawing/2014/main" id="{06699A87-47E2-152F-00D8-CB5259AC4A68}"/>
+                <a16:creationId xmlns:a16="http://schemas.microsoft.com/office/drawing/2014/main" xmlns="" id="{06699A87-47E2-152F-00D8-CB5259AC4A68}"/>
               </a:ext>
             </a:extLst>
           </p:cNvPr>
@@ -15367,7 +15388,7 @@
           <p:cNvPr id="10" name="직선 화살표 연결선 9">
             <a:extLst>
               <a:ext uri="{FF2B5EF4-FFF2-40B4-BE49-F238E27FC236}">
-                <a16:creationId xmlns:a16="http://schemas.microsoft.com/office/drawing/2014/main" id="{69EB56DD-C2F9-707A-4347-3CC5FE1FE642}"/>
+                <a16:creationId xmlns:a16="http://schemas.microsoft.com/office/drawing/2014/main" xmlns="" id="{69EB56DD-C2F9-707A-4347-3CC5FE1FE642}"/>
               </a:ext>
             </a:extLst>
           </p:cNvPr>
@@ -15408,7 +15429,7 @@
           <p:cNvPr id="11" name="TextBox 10">
             <a:extLst>
               <a:ext uri="{FF2B5EF4-FFF2-40B4-BE49-F238E27FC236}">
-                <a16:creationId xmlns:a16="http://schemas.microsoft.com/office/drawing/2014/main" id="{D91695E3-0452-BB71-343A-DB4D1DC08B6D}"/>
+                <a16:creationId xmlns:a16="http://schemas.microsoft.com/office/drawing/2014/main" xmlns="" id="{D91695E3-0452-BB71-343A-DB4D1DC08B6D}"/>
               </a:ext>
             </a:extLst>
           </p:cNvPr>
@@ -15456,7 +15477,7 @@
           <p:cNvPr id="12" name="TextBox 11">
             <a:extLst>
               <a:ext uri="{FF2B5EF4-FFF2-40B4-BE49-F238E27FC236}">
-                <a16:creationId xmlns:a16="http://schemas.microsoft.com/office/drawing/2014/main" id="{B598FC17-A586-1A29-2A54-6D19A2501E70}"/>
+                <a16:creationId xmlns:a16="http://schemas.microsoft.com/office/drawing/2014/main" xmlns="" id="{B598FC17-A586-1A29-2A54-6D19A2501E70}"/>
               </a:ext>
             </a:extLst>
           </p:cNvPr>
@@ -15507,7 +15528,7 @@
           <p:cNvPr id="13" name="직사각형 12">
             <a:extLst>
               <a:ext uri="{FF2B5EF4-FFF2-40B4-BE49-F238E27FC236}">
-                <a16:creationId xmlns:a16="http://schemas.microsoft.com/office/drawing/2014/main" id="{9279FE25-8ED4-5520-D06F-654DC8D9708A}"/>
+                <a16:creationId xmlns:a16="http://schemas.microsoft.com/office/drawing/2014/main" xmlns="" id="{9279FE25-8ED4-5520-D06F-654DC8D9708A}"/>
               </a:ext>
             </a:extLst>
           </p:cNvPr>
@@ -15559,7 +15580,7 @@
           <p:cNvPr id="14" name="직선 화살표 연결선 13">
             <a:extLst>
               <a:ext uri="{FF2B5EF4-FFF2-40B4-BE49-F238E27FC236}">
-                <a16:creationId xmlns:a16="http://schemas.microsoft.com/office/drawing/2014/main" id="{66AEDF87-B0E5-AFE9-2FB3-78927BC20BA1}"/>
+                <a16:creationId xmlns:a16="http://schemas.microsoft.com/office/drawing/2014/main" xmlns="" id="{66AEDF87-B0E5-AFE9-2FB3-78927BC20BA1}"/>
               </a:ext>
             </a:extLst>
           </p:cNvPr>
@@ -15600,7 +15621,7 @@
           <p:cNvPr id="15" name="TextBox 14">
             <a:extLst>
               <a:ext uri="{FF2B5EF4-FFF2-40B4-BE49-F238E27FC236}">
-                <a16:creationId xmlns:a16="http://schemas.microsoft.com/office/drawing/2014/main" id="{86BA8897-A5D2-2D30-7654-220FE413EF64}"/>
+                <a16:creationId xmlns:a16="http://schemas.microsoft.com/office/drawing/2014/main" xmlns="" id="{86BA8897-A5D2-2D30-7654-220FE413EF64}"/>
               </a:ext>
             </a:extLst>
           </p:cNvPr>
@@ -15648,7 +15669,7 @@
           <p:cNvPr id="17" name="TextBox 16">
             <a:extLst>
               <a:ext uri="{FF2B5EF4-FFF2-40B4-BE49-F238E27FC236}">
-                <a16:creationId xmlns:a16="http://schemas.microsoft.com/office/drawing/2014/main" id="{28DB48EE-3EA4-F113-8EDA-4C5662437888}"/>
+                <a16:creationId xmlns:a16="http://schemas.microsoft.com/office/drawing/2014/main" xmlns="" id="{28DB48EE-3EA4-F113-8EDA-4C5662437888}"/>
               </a:ext>
             </a:extLst>
           </p:cNvPr>
@@ -15692,7 +15713,7 @@
           <p:cNvPr id="18" name="그룹 17">
             <a:extLst>
               <a:ext uri="{FF2B5EF4-FFF2-40B4-BE49-F238E27FC236}">
-                <a16:creationId xmlns:a16="http://schemas.microsoft.com/office/drawing/2014/main" id="{B0CB7069-0A4B-0647-24DC-8C24391A1054}"/>
+                <a16:creationId xmlns:a16="http://schemas.microsoft.com/office/drawing/2014/main" xmlns="" id="{B0CB7069-0A4B-0647-24DC-8C24391A1054}"/>
               </a:ext>
             </a:extLst>
           </p:cNvPr>
@@ -15712,7 +15733,7 @@
             <p:cNvPr id="19" name="직선 연결선 18">
               <a:extLst>
                 <a:ext uri="{FF2B5EF4-FFF2-40B4-BE49-F238E27FC236}">
-                  <a16:creationId xmlns:a16="http://schemas.microsoft.com/office/drawing/2014/main" id="{0736F52C-72C0-CD81-DEF3-50F14DBE10A6}"/>
+                  <a16:creationId xmlns:a16="http://schemas.microsoft.com/office/drawing/2014/main" xmlns="" id="{0736F52C-72C0-CD81-DEF3-50F14DBE10A6}"/>
                 </a:ext>
               </a:extLst>
             </p:cNvPr>
@@ -15755,7 +15776,7 @@
             <p:cNvPr id="20" name="직선 연결선 19">
               <a:extLst>
                 <a:ext uri="{FF2B5EF4-FFF2-40B4-BE49-F238E27FC236}">
-                  <a16:creationId xmlns:a16="http://schemas.microsoft.com/office/drawing/2014/main" id="{626C3E59-8C70-EF66-9F9F-F3A950A600E1}"/>
+                  <a16:creationId xmlns:a16="http://schemas.microsoft.com/office/drawing/2014/main" xmlns="" id="{626C3E59-8C70-EF66-9F9F-F3A950A600E1}"/>
                 </a:ext>
               </a:extLst>
             </p:cNvPr>
@@ -15798,7 +15819,7 @@
             <p:cNvPr id="21" name="직선 연결선 20">
               <a:extLst>
                 <a:ext uri="{FF2B5EF4-FFF2-40B4-BE49-F238E27FC236}">
-                  <a16:creationId xmlns:a16="http://schemas.microsoft.com/office/drawing/2014/main" id="{6758750B-07C2-07CD-A503-C1272D27D2DF}"/>
+                  <a16:creationId xmlns:a16="http://schemas.microsoft.com/office/drawing/2014/main" xmlns="" id="{6758750B-07C2-07CD-A503-C1272D27D2DF}"/>
                 </a:ext>
               </a:extLst>
             </p:cNvPr>
@@ -15841,7 +15862,7 @@
             <p:cNvPr id="22" name="직선 연결선 21">
               <a:extLst>
                 <a:ext uri="{FF2B5EF4-FFF2-40B4-BE49-F238E27FC236}">
-                  <a16:creationId xmlns:a16="http://schemas.microsoft.com/office/drawing/2014/main" id="{D3BA9A44-4718-EE7D-F6BB-E4F78D35FAD8}"/>
+                  <a16:creationId xmlns:a16="http://schemas.microsoft.com/office/drawing/2014/main" xmlns="" id="{D3BA9A44-4718-EE7D-F6BB-E4F78D35FAD8}"/>
                 </a:ext>
               </a:extLst>
             </p:cNvPr>
@@ -15885,7 +15906,7 @@
           <p:cNvPr id="23" name="TextBox 22">
             <a:extLst>
               <a:ext uri="{FF2B5EF4-FFF2-40B4-BE49-F238E27FC236}">
-                <a16:creationId xmlns:a16="http://schemas.microsoft.com/office/drawing/2014/main" id="{78128421-6DFD-6CE2-8F8E-C33BABF6778F}"/>
+                <a16:creationId xmlns:a16="http://schemas.microsoft.com/office/drawing/2014/main" xmlns="" id="{78128421-6DFD-6CE2-8F8E-C33BABF6778F}"/>
               </a:ext>
             </a:extLst>
           </p:cNvPr>
@@ -16092,7 +16113,7 @@
           <p:cNvPr id="3" name="그림 2">
             <a:extLst>
               <a:ext uri="{FF2B5EF4-FFF2-40B4-BE49-F238E27FC236}">
-                <a16:creationId xmlns:a16="http://schemas.microsoft.com/office/drawing/2014/main" id="{2074BA09-8118-4DED-88A2-353114602BBF}"/>
+                <a16:creationId xmlns:a16="http://schemas.microsoft.com/office/drawing/2014/main" xmlns="" id="{2074BA09-8118-4DED-88A2-353114602BBF}"/>
               </a:ext>
             </a:extLst>
           </p:cNvPr>
@@ -16122,7 +16143,7 @@
           <p:cNvPr id="4" name="TextBox 3">
             <a:extLst>
               <a:ext uri="{FF2B5EF4-FFF2-40B4-BE49-F238E27FC236}">
-                <a16:creationId xmlns:a16="http://schemas.microsoft.com/office/drawing/2014/main" id="{1F80C1D2-81FE-8605-BEC2-50DF47D4A0EB}"/>
+                <a16:creationId xmlns:a16="http://schemas.microsoft.com/office/drawing/2014/main" xmlns="" id="{1F80C1D2-81FE-8605-BEC2-50DF47D4A0EB}"/>
               </a:ext>
             </a:extLst>
           </p:cNvPr>
@@ -16173,7 +16194,7 @@
           <p:cNvPr id="5" name="그림 4">
             <a:extLst>
               <a:ext uri="{FF2B5EF4-FFF2-40B4-BE49-F238E27FC236}">
-                <a16:creationId xmlns:a16="http://schemas.microsoft.com/office/drawing/2014/main" id="{B15AEB11-308F-D47D-853B-D347209742F9}"/>
+                <a16:creationId xmlns:a16="http://schemas.microsoft.com/office/drawing/2014/main" xmlns="" id="{B15AEB11-308F-D47D-853B-D347209742F9}"/>
               </a:ext>
             </a:extLst>
           </p:cNvPr>
@@ -16203,7 +16224,7 @@
           <p:cNvPr id="6" name="그룹 1008">
             <a:extLst>
               <a:ext uri="{FF2B5EF4-FFF2-40B4-BE49-F238E27FC236}">
-                <a16:creationId xmlns:a16="http://schemas.microsoft.com/office/drawing/2014/main" id="{D56AA39F-56E8-1169-2C07-E9277636D51E}"/>
+                <a16:creationId xmlns:a16="http://schemas.microsoft.com/office/drawing/2014/main" xmlns="" id="{D56AA39F-56E8-1169-2C07-E9277636D51E}"/>
               </a:ext>
             </a:extLst>
           </p:cNvPr>
@@ -16223,7 +16244,7 @@
             <p:cNvPr id="7" name="그룹 1009">
               <a:extLst>
                 <a:ext uri="{FF2B5EF4-FFF2-40B4-BE49-F238E27FC236}">
-                  <a16:creationId xmlns:a16="http://schemas.microsoft.com/office/drawing/2014/main" id="{BF0ACD51-5FB2-7A83-6FE1-A5EF7694142D}"/>
+                  <a16:creationId xmlns:a16="http://schemas.microsoft.com/office/drawing/2014/main" xmlns="" id="{BF0ACD51-5FB2-7A83-6FE1-A5EF7694142D}"/>
                 </a:ext>
               </a:extLst>
             </p:cNvPr>
@@ -16243,7 +16264,7 @@
               <p:cNvPr id="12" name="Object 29">
                 <a:extLst>
                   <a:ext uri="{FF2B5EF4-FFF2-40B4-BE49-F238E27FC236}">
-                    <a16:creationId xmlns:a16="http://schemas.microsoft.com/office/drawing/2014/main" id="{187773C8-EEF7-94E0-EB89-44D6E8527020}"/>
+                    <a16:creationId xmlns:a16="http://schemas.microsoft.com/office/drawing/2014/main" xmlns="" id="{187773C8-EEF7-94E0-EB89-44D6E8527020}"/>
                   </a:ext>
                 </a:extLst>
               </p:cNvPr>
@@ -16274,7 +16295,7 @@
             <p:cNvPr id="8" name="그룹 1010">
               <a:extLst>
                 <a:ext uri="{FF2B5EF4-FFF2-40B4-BE49-F238E27FC236}">
-                  <a16:creationId xmlns:a16="http://schemas.microsoft.com/office/drawing/2014/main" id="{8C7D3771-9A7C-C753-CD4D-612799EC6619}"/>
+                  <a16:creationId xmlns:a16="http://schemas.microsoft.com/office/drawing/2014/main" xmlns="" id="{8C7D3771-9A7C-C753-CD4D-612799EC6619}"/>
                 </a:ext>
               </a:extLst>
             </p:cNvPr>
@@ -16294,7 +16315,7 @@
               <p:cNvPr id="11" name="Object 32">
                 <a:extLst>
                   <a:ext uri="{FF2B5EF4-FFF2-40B4-BE49-F238E27FC236}">
-                    <a16:creationId xmlns:a16="http://schemas.microsoft.com/office/drawing/2014/main" id="{379299C3-0DA7-0355-BEC5-7116F275B240}"/>
+                    <a16:creationId xmlns:a16="http://schemas.microsoft.com/office/drawing/2014/main" xmlns="" id="{379299C3-0DA7-0355-BEC5-7116F275B240}"/>
                   </a:ext>
                 </a:extLst>
               </p:cNvPr>
@@ -16325,7 +16346,7 @@
             <p:cNvPr id="9" name="그룹 1011">
               <a:extLst>
                 <a:ext uri="{FF2B5EF4-FFF2-40B4-BE49-F238E27FC236}">
-                  <a16:creationId xmlns:a16="http://schemas.microsoft.com/office/drawing/2014/main" id="{C2D89C2E-D4AC-E832-8A73-F9F1C4388571}"/>
+                  <a16:creationId xmlns:a16="http://schemas.microsoft.com/office/drawing/2014/main" xmlns="" id="{C2D89C2E-D4AC-E832-8A73-F9F1C4388571}"/>
                 </a:ext>
               </a:extLst>
             </p:cNvPr>
@@ -16345,7 +16366,7 @@
               <p:cNvPr id="10" name="Object 35">
                 <a:extLst>
                   <a:ext uri="{FF2B5EF4-FFF2-40B4-BE49-F238E27FC236}">
-                    <a16:creationId xmlns:a16="http://schemas.microsoft.com/office/drawing/2014/main" id="{230C2E47-CF10-1448-B654-D5DAA0B71A69}"/>
+                    <a16:creationId xmlns:a16="http://schemas.microsoft.com/office/drawing/2014/main" xmlns="" id="{230C2E47-CF10-1448-B654-D5DAA0B71A69}"/>
                   </a:ext>
                 </a:extLst>
               </p:cNvPr>
@@ -16407,7 +16428,7 @@
           <p:cNvPr id="5" name="TextBox 4">
             <a:extLst>
               <a:ext uri="{FF2B5EF4-FFF2-40B4-BE49-F238E27FC236}">
-                <a16:creationId xmlns:a16="http://schemas.microsoft.com/office/drawing/2014/main" id="{C6D113C6-EA5C-788F-0C77-E7CE6EBB865F}"/>
+                <a16:creationId xmlns:a16="http://schemas.microsoft.com/office/drawing/2014/main" xmlns="" id="{C6D113C6-EA5C-788F-0C77-E7CE6EBB865F}"/>
               </a:ext>
             </a:extLst>
           </p:cNvPr>
@@ -16458,7 +16479,7 @@
           <p:cNvPr id="3" name="그림 2">
             <a:extLst>
               <a:ext uri="{FF2B5EF4-FFF2-40B4-BE49-F238E27FC236}">
-                <a16:creationId xmlns:a16="http://schemas.microsoft.com/office/drawing/2014/main" id="{7A44678E-1B46-093C-A3F7-54BE5C7B3693}"/>
+                <a16:creationId xmlns:a16="http://schemas.microsoft.com/office/drawing/2014/main" xmlns="" id="{7A44678E-1B46-093C-A3F7-54BE5C7B3693}"/>
               </a:ext>
             </a:extLst>
           </p:cNvPr>
@@ -16488,7 +16509,7 @@
           <p:cNvPr id="6" name="직선 화살표 연결선 5">
             <a:extLst>
               <a:ext uri="{FF2B5EF4-FFF2-40B4-BE49-F238E27FC236}">
-                <a16:creationId xmlns:a16="http://schemas.microsoft.com/office/drawing/2014/main" id="{7906AED2-AEE0-066A-2BE5-3D831F0FB285}"/>
+                <a16:creationId xmlns:a16="http://schemas.microsoft.com/office/drawing/2014/main" xmlns="" id="{7906AED2-AEE0-066A-2BE5-3D831F0FB285}"/>
               </a:ext>
             </a:extLst>
           </p:cNvPr>
@@ -16529,7 +16550,7 @@
           <p:cNvPr id="8" name="직선 화살표 연결선 7">
             <a:extLst>
               <a:ext uri="{FF2B5EF4-FFF2-40B4-BE49-F238E27FC236}">
-                <a16:creationId xmlns:a16="http://schemas.microsoft.com/office/drawing/2014/main" id="{90AF90D8-D69F-1E5E-F6DD-7D9D24AFBDDD}"/>
+                <a16:creationId xmlns:a16="http://schemas.microsoft.com/office/drawing/2014/main" xmlns="" id="{90AF90D8-D69F-1E5E-F6DD-7D9D24AFBDDD}"/>
               </a:ext>
             </a:extLst>
           </p:cNvPr>
@@ -16570,7 +16591,7 @@
           <p:cNvPr id="9" name="TextBox 8">
             <a:extLst>
               <a:ext uri="{FF2B5EF4-FFF2-40B4-BE49-F238E27FC236}">
-                <a16:creationId xmlns:a16="http://schemas.microsoft.com/office/drawing/2014/main" id="{3A550445-81B2-7A92-3F69-4185A0EF92EE}"/>
+                <a16:creationId xmlns:a16="http://schemas.microsoft.com/office/drawing/2014/main" xmlns="" id="{3A550445-81B2-7A92-3F69-4185A0EF92EE}"/>
               </a:ext>
             </a:extLst>
           </p:cNvPr>
@@ -16621,7 +16642,7 @@
           <p:cNvPr id="11" name="직선 화살표 연결선 10">
             <a:extLst>
               <a:ext uri="{FF2B5EF4-FFF2-40B4-BE49-F238E27FC236}">
-                <a16:creationId xmlns:a16="http://schemas.microsoft.com/office/drawing/2014/main" id="{DECABA5D-5538-AB3C-0C2E-6A75C6F7C593}"/>
+                <a16:creationId xmlns:a16="http://schemas.microsoft.com/office/drawing/2014/main" xmlns="" id="{DECABA5D-5538-AB3C-0C2E-6A75C6F7C593}"/>
               </a:ext>
             </a:extLst>
           </p:cNvPr>
@@ -16662,7 +16683,7 @@
           <p:cNvPr id="12" name="TextBox 11">
             <a:extLst>
               <a:ext uri="{FF2B5EF4-FFF2-40B4-BE49-F238E27FC236}">
-                <a16:creationId xmlns:a16="http://schemas.microsoft.com/office/drawing/2014/main" id="{66521DD1-50FC-3BB5-C21E-4CB11B5593BD}"/>
+                <a16:creationId xmlns:a16="http://schemas.microsoft.com/office/drawing/2014/main" xmlns="" id="{66521DD1-50FC-3BB5-C21E-4CB11B5593BD}"/>
               </a:ext>
             </a:extLst>
           </p:cNvPr>
@@ -16743,7 +16764,7 @@
           <p:cNvPr id="3" name="그림 2">
             <a:extLst>
               <a:ext uri="{FF2B5EF4-FFF2-40B4-BE49-F238E27FC236}">
-                <a16:creationId xmlns:a16="http://schemas.microsoft.com/office/drawing/2014/main" id="{3F61A687-AAAB-5961-4B1F-9BCB848F2071}"/>
+                <a16:creationId xmlns:a16="http://schemas.microsoft.com/office/drawing/2014/main" xmlns="" id="{3F61A687-AAAB-5961-4B1F-9BCB848F2071}"/>
               </a:ext>
             </a:extLst>
           </p:cNvPr>
@@ -16773,7 +16794,7 @@
           <p:cNvPr id="6" name="직선 화살표 연결선 5">
             <a:extLst>
               <a:ext uri="{FF2B5EF4-FFF2-40B4-BE49-F238E27FC236}">
-                <a16:creationId xmlns:a16="http://schemas.microsoft.com/office/drawing/2014/main" id="{F5091DC1-8E41-E907-5EC4-6242BA5FDF30}"/>
+                <a16:creationId xmlns:a16="http://schemas.microsoft.com/office/drawing/2014/main" xmlns="" id="{F5091DC1-8E41-E907-5EC4-6242BA5FDF30}"/>
               </a:ext>
             </a:extLst>
           </p:cNvPr>
@@ -16814,7 +16835,7 @@
           <p:cNvPr id="7" name="직사각형 6">
             <a:extLst>
               <a:ext uri="{FF2B5EF4-FFF2-40B4-BE49-F238E27FC236}">
-                <a16:creationId xmlns:a16="http://schemas.microsoft.com/office/drawing/2014/main" id="{A2D2206E-EC63-50D9-E570-9CEAF2B4C3FB}"/>
+                <a16:creationId xmlns:a16="http://schemas.microsoft.com/office/drawing/2014/main" xmlns="" id="{A2D2206E-EC63-50D9-E570-9CEAF2B4C3FB}"/>
               </a:ext>
             </a:extLst>
           </p:cNvPr>
@@ -16866,7 +16887,7 @@
           <p:cNvPr id="8" name="TextBox 7">
             <a:extLst>
               <a:ext uri="{FF2B5EF4-FFF2-40B4-BE49-F238E27FC236}">
-                <a16:creationId xmlns:a16="http://schemas.microsoft.com/office/drawing/2014/main" id="{C3325FA6-4BD3-B243-442C-671E245D8ABD}"/>
+                <a16:creationId xmlns:a16="http://schemas.microsoft.com/office/drawing/2014/main" xmlns="" id="{C3325FA6-4BD3-B243-442C-671E245D8ABD}"/>
               </a:ext>
             </a:extLst>
           </p:cNvPr>
@@ -16917,7 +16938,7 @@
           <p:cNvPr id="10" name="그림 9">
             <a:extLst>
               <a:ext uri="{FF2B5EF4-FFF2-40B4-BE49-F238E27FC236}">
-                <a16:creationId xmlns:a16="http://schemas.microsoft.com/office/drawing/2014/main" id="{E89A95C2-CEB2-8620-096E-277FEEDB25E4}"/>
+                <a16:creationId xmlns:a16="http://schemas.microsoft.com/office/drawing/2014/main" xmlns="" id="{E89A95C2-CEB2-8620-096E-277FEEDB25E4}"/>
               </a:ext>
             </a:extLst>
           </p:cNvPr>
@@ -17064,7 +17085,7 @@
           <p:cNvPr id="5" name="TextBox 4">
             <a:extLst>
               <a:ext uri="{FF2B5EF4-FFF2-40B4-BE49-F238E27FC236}">
-                <a16:creationId xmlns:a16="http://schemas.microsoft.com/office/drawing/2014/main" id="{C6D113C6-EA5C-788F-0C77-E7CE6EBB865F}"/>
+                <a16:creationId xmlns:a16="http://schemas.microsoft.com/office/drawing/2014/main" xmlns="" id="{C6D113C6-EA5C-788F-0C77-E7CE6EBB865F}"/>
               </a:ext>
             </a:extLst>
           </p:cNvPr>
@@ -17115,7 +17136,7 @@
           <p:cNvPr id="3" name="그림 2">
             <a:extLst>
               <a:ext uri="{FF2B5EF4-FFF2-40B4-BE49-F238E27FC236}">
-                <a16:creationId xmlns:a16="http://schemas.microsoft.com/office/drawing/2014/main" id="{A3879852-056C-87CE-CAA9-4174905D379C}"/>
+                <a16:creationId xmlns:a16="http://schemas.microsoft.com/office/drawing/2014/main" xmlns="" id="{A3879852-056C-87CE-CAA9-4174905D379C}"/>
               </a:ext>
             </a:extLst>
           </p:cNvPr>
@@ -17175,7 +17196,7 @@
           <p:cNvPr id="3" name="TextBox 2">
             <a:extLst>
               <a:ext uri="{FF2B5EF4-FFF2-40B4-BE49-F238E27FC236}">
-                <a16:creationId xmlns:a16="http://schemas.microsoft.com/office/drawing/2014/main" id="{D30B8E78-F72E-BE4F-6ED8-41E31F99B92C}"/>
+                <a16:creationId xmlns:a16="http://schemas.microsoft.com/office/drawing/2014/main" xmlns="" id="{D30B8E78-F72E-BE4F-6ED8-41E31F99B92C}"/>
               </a:ext>
             </a:extLst>
           </p:cNvPr>
@@ -17226,7 +17247,7 @@
           <p:cNvPr id="7" name="그림 6">
             <a:extLst>
               <a:ext uri="{FF2B5EF4-FFF2-40B4-BE49-F238E27FC236}">
-                <a16:creationId xmlns:a16="http://schemas.microsoft.com/office/drawing/2014/main" id="{B0CB3FC2-DE9D-9B00-998A-81D45730B1D3}"/>
+                <a16:creationId xmlns:a16="http://schemas.microsoft.com/office/drawing/2014/main" xmlns="" id="{B0CB3FC2-DE9D-9B00-998A-81D45730B1D3}"/>
               </a:ext>
             </a:extLst>
           </p:cNvPr>
@@ -17367,7 +17388,7 @@
           <p:cNvPr id="2" name="TextBox 1">
             <a:extLst>
               <a:ext uri="{FF2B5EF4-FFF2-40B4-BE49-F238E27FC236}">
-                <a16:creationId xmlns:a16="http://schemas.microsoft.com/office/drawing/2014/main" id="{C841A3DC-E1BB-5E37-09D3-129982FD8635}"/>
+                <a16:creationId xmlns:a16="http://schemas.microsoft.com/office/drawing/2014/main" xmlns="" id="{C841A3DC-E1BB-5E37-09D3-129982FD8635}"/>
               </a:ext>
             </a:extLst>
           </p:cNvPr>
@@ -17415,7 +17436,7 @@
           <p:cNvPr id="5" name="그림 4">
             <a:extLst>
               <a:ext uri="{FF2B5EF4-FFF2-40B4-BE49-F238E27FC236}">
-                <a16:creationId xmlns:a16="http://schemas.microsoft.com/office/drawing/2014/main" id="{E8B39727-C33D-61C9-CE05-AAAC214B543E}"/>
+                <a16:creationId xmlns:a16="http://schemas.microsoft.com/office/drawing/2014/main" xmlns="" id="{E8B39727-C33D-61C9-CE05-AAAC214B543E}"/>
               </a:ext>
             </a:extLst>
           </p:cNvPr>
@@ -17445,7 +17466,7 @@
           <p:cNvPr id="7" name="직선 화살표 연결선 6">
             <a:extLst>
               <a:ext uri="{FF2B5EF4-FFF2-40B4-BE49-F238E27FC236}">
-                <a16:creationId xmlns:a16="http://schemas.microsoft.com/office/drawing/2014/main" id="{5AF35C31-D077-C83E-8A0C-0327FB2F9CA4}"/>
+                <a16:creationId xmlns:a16="http://schemas.microsoft.com/office/drawing/2014/main" xmlns="" id="{5AF35C31-D077-C83E-8A0C-0327FB2F9CA4}"/>
               </a:ext>
             </a:extLst>
           </p:cNvPr>
@@ -17487,7 +17508,7 @@
           <p:cNvPr id="8" name="직사각형 7">
             <a:extLst>
               <a:ext uri="{FF2B5EF4-FFF2-40B4-BE49-F238E27FC236}">
-                <a16:creationId xmlns:a16="http://schemas.microsoft.com/office/drawing/2014/main" id="{9DBF0CA3-D5E4-1F82-5826-9750D8492129}"/>
+                <a16:creationId xmlns:a16="http://schemas.microsoft.com/office/drawing/2014/main" xmlns="" id="{9DBF0CA3-D5E4-1F82-5826-9750D8492129}"/>
               </a:ext>
             </a:extLst>
           </p:cNvPr>
@@ -17539,7 +17560,7 @@
           <p:cNvPr id="9" name="TextBox 8">
             <a:extLst>
               <a:ext uri="{FF2B5EF4-FFF2-40B4-BE49-F238E27FC236}">
-                <a16:creationId xmlns:a16="http://schemas.microsoft.com/office/drawing/2014/main" id="{57661BBE-796C-4398-72AC-F6D9AB82DC0C}"/>
+                <a16:creationId xmlns:a16="http://schemas.microsoft.com/office/drawing/2014/main" xmlns="" id="{57661BBE-796C-4398-72AC-F6D9AB82DC0C}"/>
               </a:ext>
             </a:extLst>
           </p:cNvPr>
@@ -17630,7 +17651,7 @@
           <p:cNvPr id="10" name="직사각형 9">
             <a:extLst>
               <a:ext uri="{FF2B5EF4-FFF2-40B4-BE49-F238E27FC236}">
-                <a16:creationId xmlns:a16="http://schemas.microsoft.com/office/drawing/2014/main" id="{3DAD0C84-A72B-4D2C-A768-9FB1667EA4A4}"/>
+                <a16:creationId xmlns:a16="http://schemas.microsoft.com/office/drawing/2014/main" xmlns="" id="{3DAD0C84-A72B-4D2C-A768-9FB1667EA4A4}"/>
               </a:ext>
             </a:extLst>
           </p:cNvPr>
@@ -17682,7 +17703,7 @@
           <p:cNvPr id="13" name="직선 화살표 연결선 12">
             <a:extLst>
               <a:ext uri="{FF2B5EF4-FFF2-40B4-BE49-F238E27FC236}">
-                <a16:creationId xmlns:a16="http://schemas.microsoft.com/office/drawing/2014/main" id="{EB84E4EF-A387-374F-AD6B-B5307BF2D4F0}"/>
+                <a16:creationId xmlns:a16="http://schemas.microsoft.com/office/drawing/2014/main" xmlns="" id="{EB84E4EF-A387-374F-AD6B-B5307BF2D4F0}"/>
               </a:ext>
             </a:extLst>
           </p:cNvPr>
@@ -17723,7 +17744,7 @@
           <p:cNvPr id="18" name="그림 17">
             <a:extLst>
               <a:ext uri="{FF2B5EF4-FFF2-40B4-BE49-F238E27FC236}">
-                <a16:creationId xmlns:a16="http://schemas.microsoft.com/office/drawing/2014/main" id="{E87CFC2B-53BB-D102-E50C-9531AB4F58B8}"/>
+                <a16:creationId xmlns:a16="http://schemas.microsoft.com/office/drawing/2014/main" xmlns="" id="{E87CFC2B-53BB-D102-E50C-9531AB4F58B8}"/>
               </a:ext>
             </a:extLst>
           </p:cNvPr>
@@ -17753,7 +17774,7 @@
           <p:cNvPr id="19" name="TextBox 18">
             <a:extLst>
               <a:ext uri="{FF2B5EF4-FFF2-40B4-BE49-F238E27FC236}">
-                <a16:creationId xmlns:a16="http://schemas.microsoft.com/office/drawing/2014/main" id="{63E21071-6E1D-F51C-B331-BEBF8C0CF843}"/>
+                <a16:creationId xmlns:a16="http://schemas.microsoft.com/office/drawing/2014/main" xmlns="" id="{63E21071-6E1D-F51C-B331-BEBF8C0CF843}"/>
               </a:ext>
             </a:extLst>
           </p:cNvPr>
@@ -18079,7 +18100,7 @@
           <p:cNvPr id="12" name="TextBox 11">
             <a:extLst>
               <a:ext uri="{FF2B5EF4-FFF2-40B4-BE49-F238E27FC236}">
-                <a16:creationId xmlns:a16="http://schemas.microsoft.com/office/drawing/2014/main" id="{DA1107BC-7D19-086F-4B10-F1B55BAA9708}"/>
+                <a16:creationId xmlns:a16="http://schemas.microsoft.com/office/drawing/2014/main" xmlns="" id="{DA1107BC-7D19-086F-4B10-F1B55BAA9708}"/>
               </a:ext>
             </a:extLst>
           </p:cNvPr>
@@ -18133,7 +18154,7 @@
           <p:cNvPr id="13" name="TextBox 12">
             <a:extLst>
               <a:ext uri="{FF2B5EF4-FFF2-40B4-BE49-F238E27FC236}">
-                <a16:creationId xmlns:a16="http://schemas.microsoft.com/office/drawing/2014/main" id="{872A91A3-756F-6221-8ED6-D3DF3F0569D4}"/>
+                <a16:creationId xmlns:a16="http://schemas.microsoft.com/office/drawing/2014/main" xmlns="" id="{872A91A3-756F-6221-8ED6-D3DF3F0569D4}"/>
               </a:ext>
             </a:extLst>
           </p:cNvPr>
@@ -18383,6 +18404,13 @@
   <p:clrMapOvr>
     <a:masterClrMapping/>
   </p:clrMapOvr>
+  <p:timing>
+    <p:tnLst>
+      <p:par>
+        <p:cTn id="1" dur="indefinite" restart="never" nodeType="tmRoot"/>
+      </p:par>
+    </p:tnLst>
+  </p:timing>
 </p:sld>
 </file>
 
@@ -18408,7 +18436,7 @@
           <p:cNvPr id="3" name="그림 2">
             <a:extLst>
               <a:ext uri="{FF2B5EF4-FFF2-40B4-BE49-F238E27FC236}">
-                <a16:creationId xmlns:a16="http://schemas.microsoft.com/office/drawing/2014/main" id="{AFD10EC0-0471-0AD5-3446-84120B723536}"/>
+                <a16:creationId xmlns:a16="http://schemas.microsoft.com/office/drawing/2014/main" xmlns="" id="{AFD10EC0-0471-0AD5-3446-84120B723536}"/>
               </a:ext>
             </a:extLst>
           </p:cNvPr>
@@ -18438,7 +18466,7 @@
           <p:cNvPr id="5" name="그림 4">
             <a:extLst>
               <a:ext uri="{FF2B5EF4-FFF2-40B4-BE49-F238E27FC236}">
-                <a16:creationId xmlns:a16="http://schemas.microsoft.com/office/drawing/2014/main" id="{EA24FF1B-2EBC-F5EF-04F6-D5A772159AA0}"/>
+                <a16:creationId xmlns:a16="http://schemas.microsoft.com/office/drawing/2014/main" xmlns="" id="{EA24FF1B-2EBC-F5EF-04F6-D5A772159AA0}"/>
               </a:ext>
             </a:extLst>
           </p:cNvPr>
@@ -18468,7 +18496,7 @@
           <p:cNvPr id="6" name="직선 화살표 연결선 5">
             <a:extLst>
               <a:ext uri="{FF2B5EF4-FFF2-40B4-BE49-F238E27FC236}">
-                <a16:creationId xmlns:a16="http://schemas.microsoft.com/office/drawing/2014/main" id="{43F40501-73A4-5FB0-76E7-0CA0B03CB55D}"/>
+                <a16:creationId xmlns:a16="http://schemas.microsoft.com/office/drawing/2014/main" xmlns="" id="{43F40501-73A4-5FB0-76E7-0CA0B03CB55D}"/>
               </a:ext>
             </a:extLst>
           </p:cNvPr>
@@ -18509,7 +18537,7 @@
           <p:cNvPr id="7" name="직사각형 6">
             <a:extLst>
               <a:ext uri="{FF2B5EF4-FFF2-40B4-BE49-F238E27FC236}">
-                <a16:creationId xmlns:a16="http://schemas.microsoft.com/office/drawing/2014/main" id="{C0E6CC79-979E-34F5-C331-C5487D405E46}"/>
+                <a16:creationId xmlns:a16="http://schemas.microsoft.com/office/drawing/2014/main" xmlns="" id="{C0E6CC79-979E-34F5-C331-C5487D405E46}"/>
               </a:ext>
             </a:extLst>
           </p:cNvPr>
@@ -18561,7 +18589,7 @@
           <p:cNvPr id="8" name="TextBox 7">
             <a:extLst>
               <a:ext uri="{FF2B5EF4-FFF2-40B4-BE49-F238E27FC236}">
-                <a16:creationId xmlns:a16="http://schemas.microsoft.com/office/drawing/2014/main" id="{19347CA7-A228-47B3-8ACC-894F8A697AEF}"/>
+                <a16:creationId xmlns:a16="http://schemas.microsoft.com/office/drawing/2014/main" xmlns="" id="{19347CA7-A228-47B3-8ACC-894F8A697AEF}"/>
               </a:ext>
             </a:extLst>
           </p:cNvPr>
@@ -18672,7 +18700,7 @@
           <p:cNvPr id="5" name="TextBox 4">
             <a:extLst>
               <a:ext uri="{FF2B5EF4-FFF2-40B4-BE49-F238E27FC236}">
-                <a16:creationId xmlns:a16="http://schemas.microsoft.com/office/drawing/2014/main" id="{7229BEA6-121E-9056-D07F-2B3BB1795F76}"/>
+                <a16:creationId xmlns:a16="http://schemas.microsoft.com/office/drawing/2014/main" xmlns="" id="{7229BEA6-121E-9056-D07F-2B3BB1795F76}"/>
               </a:ext>
             </a:extLst>
           </p:cNvPr>
@@ -18720,7 +18748,7 @@
           <p:cNvPr id="6" name="TextBox 5">
             <a:extLst>
               <a:ext uri="{FF2B5EF4-FFF2-40B4-BE49-F238E27FC236}">
-                <a16:creationId xmlns:a16="http://schemas.microsoft.com/office/drawing/2014/main" id="{5ADC00B6-990A-40DC-3CEA-505258F5E8DA}"/>
+                <a16:creationId xmlns:a16="http://schemas.microsoft.com/office/drawing/2014/main" xmlns="" id="{5ADC00B6-990A-40DC-3CEA-505258F5E8DA}"/>
               </a:ext>
             </a:extLst>
           </p:cNvPr>
@@ -19095,7 +19123,7 @@
           <p:cNvPr id="4" name="TextBox 3">
             <a:extLst>
               <a:ext uri="{FF2B5EF4-FFF2-40B4-BE49-F238E27FC236}">
-                <a16:creationId xmlns:a16="http://schemas.microsoft.com/office/drawing/2014/main" id="{7229BEA6-121E-9056-D07F-2B3BB1795F76}"/>
+                <a16:creationId xmlns:a16="http://schemas.microsoft.com/office/drawing/2014/main" xmlns="" id="{7229BEA6-121E-9056-D07F-2B3BB1795F76}"/>
               </a:ext>
             </a:extLst>
           </p:cNvPr>
@@ -19143,7 +19171,7 @@
           <p:cNvPr id="6" name="TextBox 5">
             <a:extLst>
               <a:ext uri="{FF2B5EF4-FFF2-40B4-BE49-F238E27FC236}">
-                <a16:creationId xmlns:a16="http://schemas.microsoft.com/office/drawing/2014/main" id="{5ADC00B6-990A-40DC-3CEA-505258F5E8DA}"/>
+                <a16:creationId xmlns:a16="http://schemas.microsoft.com/office/drawing/2014/main" xmlns="" id="{5ADC00B6-990A-40DC-3CEA-505258F5E8DA}"/>
               </a:ext>
             </a:extLst>
           </p:cNvPr>
@@ -19412,7 +19440,7 @@
           <p:cNvPr id="7" name="TextBox 6">
             <a:extLst>
               <a:ext uri="{FF2B5EF4-FFF2-40B4-BE49-F238E27FC236}">
-                <a16:creationId xmlns:a16="http://schemas.microsoft.com/office/drawing/2014/main" id="{5ADC00B6-990A-40DC-3CEA-505258F5E8DA}"/>
+                <a16:creationId xmlns:a16="http://schemas.microsoft.com/office/drawing/2014/main" xmlns="" id="{5ADC00B6-990A-40DC-3CEA-505258F5E8DA}"/>
               </a:ext>
             </a:extLst>
           </p:cNvPr>
@@ -19655,7 +19683,7 @@
           <p:cNvPr id="8" name="TextBox 7">
             <a:extLst>
               <a:ext uri="{FF2B5EF4-FFF2-40B4-BE49-F238E27FC236}">
-                <a16:creationId xmlns:a16="http://schemas.microsoft.com/office/drawing/2014/main" id="{5ADC00B6-990A-40DC-3CEA-505258F5E8DA}"/>
+                <a16:creationId xmlns:a16="http://schemas.microsoft.com/office/drawing/2014/main" xmlns="" id="{5ADC00B6-990A-40DC-3CEA-505258F5E8DA}"/>
               </a:ext>
             </a:extLst>
           </p:cNvPr>
@@ -19796,7 +19824,7 @@
           <p:cNvPr id="4" name="TextBox 3">
             <a:extLst>
               <a:ext uri="{FF2B5EF4-FFF2-40B4-BE49-F238E27FC236}">
-                <a16:creationId xmlns:a16="http://schemas.microsoft.com/office/drawing/2014/main" id="{7229BEA6-121E-9056-D07F-2B3BB1795F76}"/>
+                <a16:creationId xmlns:a16="http://schemas.microsoft.com/office/drawing/2014/main" xmlns="" id="{7229BEA6-121E-9056-D07F-2B3BB1795F76}"/>
               </a:ext>
             </a:extLst>
           </p:cNvPr>
@@ -19892,7 +19920,7 @@
           <p:cNvPr id="2" name="직사각형 1">
             <a:extLst>
               <a:ext uri="{FF2B5EF4-FFF2-40B4-BE49-F238E27FC236}">
-                <a16:creationId xmlns:a16="http://schemas.microsoft.com/office/drawing/2014/main" id="{12261C3C-8DCE-3194-3A16-361D15D39C27}"/>
+                <a16:creationId xmlns:a16="http://schemas.microsoft.com/office/drawing/2014/main" xmlns="" id="{12261C3C-8DCE-3194-3A16-361D15D39C27}"/>
               </a:ext>
             </a:extLst>
           </p:cNvPr>
@@ -19944,7 +19972,7 @@
           <p:cNvPr id="3" name="직선 화살표 연결선 2">
             <a:extLst>
               <a:ext uri="{FF2B5EF4-FFF2-40B4-BE49-F238E27FC236}">
-                <a16:creationId xmlns:a16="http://schemas.microsoft.com/office/drawing/2014/main" id="{74C996E1-09E4-F9A3-455F-287F2E3C3797}"/>
+                <a16:creationId xmlns:a16="http://schemas.microsoft.com/office/drawing/2014/main" xmlns="" id="{74C996E1-09E4-F9A3-455F-287F2E3C3797}"/>
               </a:ext>
             </a:extLst>
           </p:cNvPr>
@@ -19985,7 +20013,7 @@
           <p:cNvPr id="7" name="TextBox 6">
             <a:extLst>
               <a:ext uri="{FF2B5EF4-FFF2-40B4-BE49-F238E27FC236}">
-                <a16:creationId xmlns:a16="http://schemas.microsoft.com/office/drawing/2014/main" id="{0827B7E8-EC58-2D38-2A21-1D148A256683}"/>
+                <a16:creationId xmlns:a16="http://schemas.microsoft.com/office/drawing/2014/main" xmlns="" id="{0827B7E8-EC58-2D38-2A21-1D148A256683}"/>
               </a:ext>
             </a:extLst>
           </p:cNvPr>
@@ -20033,7 +20061,7 @@
           <p:cNvPr id="10" name="직사각형 9">
             <a:extLst>
               <a:ext uri="{FF2B5EF4-FFF2-40B4-BE49-F238E27FC236}">
-                <a16:creationId xmlns:a16="http://schemas.microsoft.com/office/drawing/2014/main" id="{BC08795F-5B05-8BDE-BF44-5CE0C516CEC1}"/>
+                <a16:creationId xmlns:a16="http://schemas.microsoft.com/office/drawing/2014/main" xmlns="" id="{BC08795F-5B05-8BDE-BF44-5CE0C516CEC1}"/>
               </a:ext>
             </a:extLst>
           </p:cNvPr>
@@ -20085,7 +20113,7 @@
           <p:cNvPr id="11" name="직선 화살표 연결선 10">
             <a:extLst>
               <a:ext uri="{FF2B5EF4-FFF2-40B4-BE49-F238E27FC236}">
-                <a16:creationId xmlns:a16="http://schemas.microsoft.com/office/drawing/2014/main" id="{F7AF1795-50E1-85FD-1DF9-B09FB96112FD}"/>
+                <a16:creationId xmlns:a16="http://schemas.microsoft.com/office/drawing/2014/main" xmlns="" id="{F7AF1795-50E1-85FD-1DF9-B09FB96112FD}"/>
               </a:ext>
             </a:extLst>
           </p:cNvPr>
@@ -20126,7 +20154,7 @@
           <p:cNvPr id="12" name="TextBox 11">
             <a:extLst>
               <a:ext uri="{FF2B5EF4-FFF2-40B4-BE49-F238E27FC236}">
-                <a16:creationId xmlns:a16="http://schemas.microsoft.com/office/drawing/2014/main" id="{2772731A-0D0D-D1B1-E3B7-DAAB8A7E31BF}"/>
+                <a16:creationId xmlns:a16="http://schemas.microsoft.com/office/drawing/2014/main" xmlns="" id="{2772731A-0D0D-D1B1-E3B7-DAAB8A7E31BF}"/>
               </a:ext>
             </a:extLst>
           </p:cNvPr>
@@ -20189,6 +20217,13 @@
   <p:clrMapOvr>
     <a:masterClrMapping/>
   </p:clrMapOvr>
+  <p:timing>
+    <p:tnLst>
+      <p:par>
+        <p:cTn id="1" dur="indefinite" restart="never" nodeType="tmRoot"/>
+      </p:par>
+    </p:tnLst>
+  </p:timing>
 </p:sld>
 </file>
 
@@ -20214,7 +20249,7 @@
           <p:cNvPr id="4" name="TextBox 3">
             <a:extLst>
               <a:ext uri="{FF2B5EF4-FFF2-40B4-BE49-F238E27FC236}">
-                <a16:creationId xmlns:a16="http://schemas.microsoft.com/office/drawing/2014/main" id="{C6D113C6-EA5C-788F-0C77-E7CE6EBB865F}"/>
+                <a16:creationId xmlns:a16="http://schemas.microsoft.com/office/drawing/2014/main" xmlns="" id="{C6D113C6-EA5C-788F-0C77-E7CE6EBB865F}"/>
               </a:ext>
             </a:extLst>
           </p:cNvPr>
@@ -20223,7 +20258,7 @@
         </p:nvSpPr>
         <p:spPr>
           <a:xfrm>
-            <a:off x="1447800" y="1409700"/>
+            <a:off x="370449" y="1366029"/>
             <a:ext cx="14630400" cy="1200329"/>
           </a:xfrm>
           <a:prstGeom prst="rect">
@@ -20316,7 +20351,7 @@
           <p:cNvPr id="5" name="TextBox 4">
             <a:extLst>
               <a:ext uri="{FF2B5EF4-FFF2-40B4-BE49-F238E27FC236}">
-                <a16:creationId xmlns:a16="http://schemas.microsoft.com/office/drawing/2014/main" id="{7229BEA6-121E-9056-D07F-2B3BB1795F76}"/>
+                <a16:creationId xmlns:a16="http://schemas.microsoft.com/office/drawing/2014/main" xmlns="" id="{7229BEA6-121E-9056-D07F-2B3BB1795F76}"/>
               </a:ext>
             </a:extLst>
           </p:cNvPr>
@@ -20374,7 +20409,7 @@
           <p:cNvPr id="7" name="TextBox 6">
             <a:extLst>
               <a:ext uri="{FF2B5EF4-FFF2-40B4-BE49-F238E27FC236}">
-                <a16:creationId xmlns:a16="http://schemas.microsoft.com/office/drawing/2014/main" id="{C6D113C6-EA5C-788F-0C77-E7CE6EBB865F}"/>
+                <a16:creationId xmlns:a16="http://schemas.microsoft.com/office/drawing/2014/main" xmlns="" id="{C6D113C6-EA5C-788F-0C77-E7CE6EBB865F}"/>
               </a:ext>
             </a:extLst>
           </p:cNvPr>
@@ -20383,8 +20418,8 @@
         </p:nvSpPr>
         <p:spPr>
           <a:xfrm>
-            <a:off x="1447800" y="4886861"/>
-            <a:ext cx="16306800" cy="1631216"/>
+            <a:off x="381000" y="4901931"/>
+            <a:ext cx="17754600" cy="1631216"/>
           </a:xfrm>
           <a:prstGeom prst="rect">
             <a:avLst/>
@@ -20419,13 +20454,23 @@
                 <a:latin typeface="G마켓 산스 Medium" panose="02000000000000000000" pitchFamily="50" charset="-127"/>
                 <a:ea typeface="G마켓 산스 Medium" panose="02000000000000000000" pitchFamily="50" charset="-127"/>
               </a:rPr>
-              <a:t>변수 두개를 선언하고 두 변수의 값을 서로 바꾼후 출력해보자</a:t>
+              <a:t>변수 두개를 선언하고 두 변수의 값을 서로 바꾼후 </a:t>
+            </a:r>
+            <a:r>
+              <a:rPr lang="ko-KR" altLang="en-US" sz="3600" smtClean="0">
+                <a:solidFill>
+                  <a:schemeClr val="bg1">
+                    <a:lumMod val="50000"/>
+                  </a:schemeClr>
+                </a:solidFill>
+                <a:latin typeface="G마켓 산스 Medium" panose="02000000000000000000" pitchFamily="50" charset="-127"/>
+                <a:ea typeface="G마켓 산스 Medium" panose="02000000000000000000" pitchFamily="50" charset="-127"/>
+              </a:rPr>
+              <a:t>출력해보자</a:t>
             </a:r>
             <a:endParaRPr lang="en-US" altLang="ko-KR" sz="3600">
               <a:solidFill>
-                <a:schemeClr val="bg1">
-                  <a:lumMod val="50000"/>
-                </a:schemeClr>
+                <a:srgbClr val="FF0000"/>
               </a:solidFill>
               <a:latin typeface="G마켓 산스 Medium" panose="02000000000000000000" pitchFamily="50" charset="-127"/>
               <a:ea typeface="G마켓 산스 Medium" panose="02000000000000000000" pitchFamily="50" charset="-127"/>
@@ -20826,7 +20871,7 @@
           <p:cNvPr id="2" name="그림 1">
             <a:extLst>
               <a:ext uri="{FF2B5EF4-FFF2-40B4-BE49-F238E27FC236}">
-                <a16:creationId xmlns:a16="http://schemas.microsoft.com/office/drawing/2014/main" id="{ED6A655F-769A-F669-7BB3-B430DC1C611F}"/>
+                <a16:creationId xmlns:a16="http://schemas.microsoft.com/office/drawing/2014/main" xmlns="" id="{ED6A655F-769A-F669-7BB3-B430DC1C611F}"/>
               </a:ext>
             </a:extLst>
           </p:cNvPr>
@@ -20981,7 +21026,7 @@
           <p:cNvPr id="5" name="Object 2">
             <a:extLst>
               <a:ext uri="{FF2B5EF4-FFF2-40B4-BE49-F238E27FC236}">
-                <a16:creationId xmlns:a16="http://schemas.microsoft.com/office/drawing/2014/main" id="{EB9768FE-76B0-709F-3C4D-0ECBB41147CD}"/>
+                <a16:creationId xmlns:a16="http://schemas.microsoft.com/office/drawing/2014/main" xmlns="" id="{EB9768FE-76B0-709F-3C4D-0ECBB41147CD}"/>
               </a:ext>
             </a:extLst>
           </p:cNvPr>
@@ -21011,7 +21056,7 @@
           <p:cNvPr id="7" name="그룹 1001">
             <a:extLst>
               <a:ext uri="{FF2B5EF4-FFF2-40B4-BE49-F238E27FC236}">
-                <a16:creationId xmlns:a16="http://schemas.microsoft.com/office/drawing/2014/main" id="{0637F47C-891C-2B90-8647-32B84C264D42}"/>
+                <a16:creationId xmlns:a16="http://schemas.microsoft.com/office/drawing/2014/main" xmlns="" id="{0637F47C-891C-2B90-8647-32B84C264D42}"/>
               </a:ext>
             </a:extLst>
           </p:cNvPr>
@@ -21031,7 +21076,7 @@
             <p:cNvPr id="8" name="Object 5">
               <a:extLst>
                 <a:ext uri="{FF2B5EF4-FFF2-40B4-BE49-F238E27FC236}">
-                  <a16:creationId xmlns:a16="http://schemas.microsoft.com/office/drawing/2014/main" id="{710F969D-8259-9328-33C3-C6DB500C60D4}"/>
+                  <a16:creationId xmlns:a16="http://schemas.microsoft.com/office/drawing/2014/main" xmlns="" id="{710F969D-8259-9328-33C3-C6DB500C60D4}"/>
                 </a:ext>
               </a:extLst>
             </p:cNvPr>
@@ -21062,7 +21107,7 @@
           <p:cNvPr id="9" name="그룹 1002">
             <a:extLst>
               <a:ext uri="{FF2B5EF4-FFF2-40B4-BE49-F238E27FC236}">
-                <a16:creationId xmlns:a16="http://schemas.microsoft.com/office/drawing/2014/main" id="{A87796A8-251B-F38A-5AE9-11F8D847B25D}"/>
+                <a16:creationId xmlns:a16="http://schemas.microsoft.com/office/drawing/2014/main" xmlns="" id="{A87796A8-251B-F38A-5AE9-11F8D847B25D}"/>
               </a:ext>
             </a:extLst>
           </p:cNvPr>
@@ -21082,7 +21127,7 @@
             <p:cNvPr id="10" name="Object 8">
               <a:extLst>
                 <a:ext uri="{FF2B5EF4-FFF2-40B4-BE49-F238E27FC236}">
-                  <a16:creationId xmlns:a16="http://schemas.microsoft.com/office/drawing/2014/main" id="{9E806C19-D323-E705-F3B8-EEABB39F0993}"/>
+                  <a16:creationId xmlns:a16="http://schemas.microsoft.com/office/drawing/2014/main" xmlns="" id="{9E806C19-D323-E705-F3B8-EEABB39F0993}"/>
                 </a:ext>
               </a:extLst>
             </p:cNvPr>
@@ -21113,7 +21158,7 @@
           <p:cNvPr id="11" name="그룹 1003">
             <a:extLst>
               <a:ext uri="{FF2B5EF4-FFF2-40B4-BE49-F238E27FC236}">
-                <a16:creationId xmlns:a16="http://schemas.microsoft.com/office/drawing/2014/main" id="{701795E0-24B6-38E6-7308-FED7AD2B6900}"/>
+                <a16:creationId xmlns:a16="http://schemas.microsoft.com/office/drawing/2014/main" xmlns="" id="{701795E0-24B6-38E6-7308-FED7AD2B6900}"/>
               </a:ext>
             </a:extLst>
           </p:cNvPr>
@@ -21133,7 +21178,7 @@
             <p:cNvPr id="12" name="Object 11">
               <a:extLst>
                 <a:ext uri="{FF2B5EF4-FFF2-40B4-BE49-F238E27FC236}">
-                  <a16:creationId xmlns:a16="http://schemas.microsoft.com/office/drawing/2014/main" id="{D8C68167-7FB5-1F8E-D53C-DEA682F465F5}"/>
+                  <a16:creationId xmlns:a16="http://schemas.microsoft.com/office/drawing/2014/main" xmlns="" id="{D8C68167-7FB5-1F8E-D53C-DEA682F465F5}"/>
                 </a:ext>
               </a:extLst>
             </p:cNvPr>
@@ -21164,7 +21209,7 @@
           <p:cNvPr id="13" name="그룹 1004">
             <a:extLst>
               <a:ext uri="{FF2B5EF4-FFF2-40B4-BE49-F238E27FC236}">
-                <a16:creationId xmlns:a16="http://schemas.microsoft.com/office/drawing/2014/main" id="{03226A72-764D-99F3-A14F-47C351CB448B}"/>
+                <a16:creationId xmlns:a16="http://schemas.microsoft.com/office/drawing/2014/main" xmlns="" id="{03226A72-764D-99F3-A14F-47C351CB448B}"/>
               </a:ext>
             </a:extLst>
           </p:cNvPr>
@@ -21184,7 +21229,7 @@
             <p:cNvPr id="14" name="Object 14">
               <a:extLst>
                 <a:ext uri="{FF2B5EF4-FFF2-40B4-BE49-F238E27FC236}">
-                  <a16:creationId xmlns:a16="http://schemas.microsoft.com/office/drawing/2014/main" id="{77C5B9A8-AEBA-093B-4CD6-4F1ECF519068}"/>
+                  <a16:creationId xmlns:a16="http://schemas.microsoft.com/office/drawing/2014/main" xmlns="" id="{77C5B9A8-AEBA-093B-4CD6-4F1ECF519068}"/>
                 </a:ext>
               </a:extLst>
             </p:cNvPr>
@@ -21215,7 +21260,7 @@
           <p:cNvPr id="15" name="TextBox 14">
             <a:extLst>
               <a:ext uri="{FF2B5EF4-FFF2-40B4-BE49-F238E27FC236}">
-                <a16:creationId xmlns:a16="http://schemas.microsoft.com/office/drawing/2014/main" id="{E44AB10B-96D7-19D1-5C7A-D2761E62F16E}"/>
+                <a16:creationId xmlns:a16="http://schemas.microsoft.com/office/drawing/2014/main" xmlns="" id="{E44AB10B-96D7-19D1-5C7A-D2761E62F16E}"/>
               </a:ext>
             </a:extLst>
           </p:cNvPr>
@@ -21268,6 +21313,13 @@
   <p:clrMapOvr>
     <a:masterClrMapping/>
   </p:clrMapOvr>
+  <p:timing>
+    <p:tnLst>
+      <p:par>
+        <p:cTn id="1" dur="indefinite" restart="never" nodeType="tmRoot"/>
+      </p:par>
+    </p:tnLst>
+  </p:timing>
 </p:sld>
 </file>
 
@@ -21317,7 +21369,7 @@
           <p:cNvPr id="6" name="직사각형 5">
             <a:extLst>
               <a:ext uri="{FF2B5EF4-FFF2-40B4-BE49-F238E27FC236}">
-                <a16:creationId xmlns:a16="http://schemas.microsoft.com/office/drawing/2014/main" id="{FFF506F9-840A-0508-4CAF-3AC711D8D5CE}"/>
+                <a16:creationId xmlns:a16="http://schemas.microsoft.com/office/drawing/2014/main" xmlns="" id="{FFF506F9-840A-0508-4CAF-3AC711D8D5CE}"/>
               </a:ext>
             </a:extLst>
           </p:cNvPr>
@@ -21369,7 +21421,7 @@
           <p:cNvPr id="7" name="직선 화살표 연결선 6">
             <a:extLst>
               <a:ext uri="{FF2B5EF4-FFF2-40B4-BE49-F238E27FC236}">
-                <a16:creationId xmlns:a16="http://schemas.microsoft.com/office/drawing/2014/main" id="{299DF5EC-9DF4-5255-06AC-0A7CE4FF58C3}"/>
+                <a16:creationId xmlns:a16="http://schemas.microsoft.com/office/drawing/2014/main" xmlns="" id="{299DF5EC-9DF4-5255-06AC-0A7CE4FF58C3}"/>
               </a:ext>
             </a:extLst>
           </p:cNvPr>
@@ -21410,7 +21462,7 @@
           <p:cNvPr id="8" name="TextBox 7">
             <a:extLst>
               <a:ext uri="{FF2B5EF4-FFF2-40B4-BE49-F238E27FC236}">
-                <a16:creationId xmlns:a16="http://schemas.microsoft.com/office/drawing/2014/main" id="{C6D113C6-EA5C-788F-0C77-E7CE6EBB865F}"/>
+                <a16:creationId xmlns:a16="http://schemas.microsoft.com/office/drawing/2014/main" xmlns="" id="{C6D113C6-EA5C-788F-0C77-E7CE6EBB865F}"/>
               </a:ext>
             </a:extLst>
           </p:cNvPr>
@@ -21463,6 +21515,13 @@
   <p:clrMapOvr>
     <a:masterClrMapping/>
   </p:clrMapOvr>
+  <p:timing>
+    <p:tnLst>
+      <p:par>
+        <p:cTn id="1" dur="indefinite" restart="never" nodeType="tmRoot"/>
+      </p:par>
+    </p:tnLst>
+  </p:timing>
 </p:sld>
 </file>
 
@@ -21488,7 +21547,7 @@
           <p:cNvPr id="2" name="TextBox 1">
             <a:extLst>
               <a:ext uri="{FF2B5EF4-FFF2-40B4-BE49-F238E27FC236}">
-                <a16:creationId xmlns:a16="http://schemas.microsoft.com/office/drawing/2014/main" id="{7229BEA6-121E-9056-D07F-2B3BB1795F76}"/>
+                <a16:creationId xmlns:a16="http://schemas.microsoft.com/office/drawing/2014/main" xmlns="" id="{7229BEA6-121E-9056-D07F-2B3BB1795F76}"/>
               </a:ext>
             </a:extLst>
           </p:cNvPr>
@@ -21536,7 +21595,7 @@
           <p:cNvPr id="5" name="그룹 1018">
             <a:extLst>
               <a:ext uri="{FF2B5EF4-FFF2-40B4-BE49-F238E27FC236}">
-                <a16:creationId xmlns:a16="http://schemas.microsoft.com/office/drawing/2014/main" id="{BE4AAF13-A11B-7E60-33C1-D156A6926154}"/>
+                <a16:creationId xmlns:a16="http://schemas.microsoft.com/office/drawing/2014/main" xmlns="" id="{BE4AAF13-A11B-7E60-33C1-D156A6926154}"/>
               </a:ext>
             </a:extLst>
           </p:cNvPr>
@@ -21556,7 +21615,7 @@
             <p:cNvPr id="6" name="Object 61">
               <a:extLst>
                 <a:ext uri="{FF2B5EF4-FFF2-40B4-BE49-F238E27FC236}">
-                  <a16:creationId xmlns:a16="http://schemas.microsoft.com/office/drawing/2014/main" id="{125B2204-5CAB-AF42-4145-B61B7DFFDB21}"/>
+                  <a16:creationId xmlns:a16="http://schemas.microsoft.com/office/drawing/2014/main" xmlns="" id="{125B2204-5CAB-AF42-4145-B61B7DFFDB21}"/>
                 </a:ext>
               </a:extLst>
             </p:cNvPr>
@@ -21587,7 +21646,7 @@
           <p:cNvPr id="7" name="그룹 1021">
             <a:extLst>
               <a:ext uri="{FF2B5EF4-FFF2-40B4-BE49-F238E27FC236}">
-                <a16:creationId xmlns:a16="http://schemas.microsoft.com/office/drawing/2014/main" id="{DAE466EB-8914-A47B-444E-4C193B0D877A}"/>
+                <a16:creationId xmlns:a16="http://schemas.microsoft.com/office/drawing/2014/main" xmlns="" id="{DAE466EB-8914-A47B-444E-4C193B0D877A}"/>
               </a:ext>
             </a:extLst>
           </p:cNvPr>
@@ -21607,7 +21666,7 @@
             <p:cNvPr id="8" name="Object 71">
               <a:extLst>
                 <a:ext uri="{FF2B5EF4-FFF2-40B4-BE49-F238E27FC236}">
-                  <a16:creationId xmlns:a16="http://schemas.microsoft.com/office/drawing/2014/main" id="{44802802-8C0A-9B02-4940-D16EEB7C206A}"/>
+                  <a16:creationId xmlns:a16="http://schemas.microsoft.com/office/drawing/2014/main" xmlns="" id="{44802802-8C0A-9B02-4940-D16EEB7C206A}"/>
                 </a:ext>
               </a:extLst>
             </p:cNvPr>
@@ -21638,7 +21697,7 @@
           <p:cNvPr id="9" name="그룹 1024">
             <a:extLst>
               <a:ext uri="{FF2B5EF4-FFF2-40B4-BE49-F238E27FC236}">
-                <a16:creationId xmlns:a16="http://schemas.microsoft.com/office/drawing/2014/main" id="{48B1F9B2-501C-80B7-7C7B-CFA80857C34A}"/>
+                <a16:creationId xmlns:a16="http://schemas.microsoft.com/office/drawing/2014/main" xmlns="" id="{48B1F9B2-501C-80B7-7C7B-CFA80857C34A}"/>
               </a:ext>
             </a:extLst>
           </p:cNvPr>
@@ -21658,7 +21717,7 @@
             <p:cNvPr id="10" name="Object 81">
               <a:extLst>
                 <a:ext uri="{FF2B5EF4-FFF2-40B4-BE49-F238E27FC236}">
-                  <a16:creationId xmlns:a16="http://schemas.microsoft.com/office/drawing/2014/main" id="{A427AC54-6F46-2451-454E-795C016377BE}"/>
+                  <a16:creationId xmlns:a16="http://schemas.microsoft.com/office/drawing/2014/main" xmlns="" id="{A427AC54-6F46-2451-454E-795C016377BE}"/>
                 </a:ext>
               </a:extLst>
             </p:cNvPr>
@@ -21689,7 +21748,7 @@
           <p:cNvPr id="12" name="TextBox 11">
             <a:extLst>
               <a:ext uri="{FF2B5EF4-FFF2-40B4-BE49-F238E27FC236}">
-                <a16:creationId xmlns:a16="http://schemas.microsoft.com/office/drawing/2014/main" id="{4EDAA912-8FA0-0F11-119B-EA9F8B36A489}"/>
+                <a16:creationId xmlns:a16="http://schemas.microsoft.com/office/drawing/2014/main" xmlns="" id="{4EDAA912-8FA0-0F11-119B-EA9F8B36A489}"/>
               </a:ext>
             </a:extLst>
           </p:cNvPr>
@@ -21747,7 +21806,7 @@
           <p:cNvPr id="13" name="TextBox 12">
             <a:extLst>
               <a:ext uri="{FF2B5EF4-FFF2-40B4-BE49-F238E27FC236}">
-                <a16:creationId xmlns:a16="http://schemas.microsoft.com/office/drawing/2014/main" id="{50E9E326-9165-4EB7-F036-2D0C3593471A}"/>
+                <a16:creationId xmlns:a16="http://schemas.microsoft.com/office/drawing/2014/main" xmlns="" id="{50E9E326-9165-4EB7-F036-2D0C3593471A}"/>
               </a:ext>
             </a:extLst>
           </p:cNvPr>
@@ -21795,7 +21854,7 @@
           <p:cNvPr id="14" name="TextBox 13">
             <a:extLst>
               <a:ext uri="{FF2B5EF4-FFF2-40B4-BE49-F238E27FC236}">
-                <a16:creationId xmlns:a16="http://schemas.microsoft.com/office/drawing/2014/main" id="{A827F657-20B0-7A83-02DD-3C1A851412BF}"/>
+                <a16:creationId xmlns:a16="http://schemas.microsoft.com/office/drawing/2014/main" xmlns="" id="{A827F657-20B0-7A83-02DD-3C1A851412BF}"/>
               </a:ext>
             </a:extLst>
           </p:cNvPr>
@@ -21843,7 +21902,7 @@
           <p:cNvPr id="15" name="직선 화살표 연결선 14">
             <a:extLst>
               <a:ext uri="{FF2B5EF4-FFF2-40B4-BE49-F238E27FC236}">
-                <a16:creationId xmlns:a16="http://schemas.microsoft.com/office/drawing/2014/main" id="{6C0677B1-2150-0DB1-2BB2-EE13A87409E9}"/>
+                <a16:creationId xmlns:a16="http://schemas.microsoft.com/office/drawing/2014/main" xmlns="" id="{6C0677B1-2150-0DB1-2BB2-EE13A87409E9}"/>
               </a:ext>
             </a:extLst>
           </p:cNvPr>
@@ -21885,7 +21944,7 @@
           <p:cNvPr id="16" name="직선 화살표 연결선 15">
             <a:extLst>
               <a:ext uri="{FF2B5EF4-FFF2-40B4-BE49-F238E27FC236}">
-                <a16:creationId xmlns:a16="http://schemas.microsoft.com/office/drawing/2014/main" id="{B773A3B5-3F30-19DC-A062-3EA5F2503987}"/>
+                <a16:creationId xmlns:a16="http://schemas.microsoft.com/office/drawing/2014/main" xmlns="" id="{B773A3B5-3F30-19DC-A062-3EA5F2503987}"/>
               </a:ext>
             </a:extLst>
           </p:cNvPr>
@@ -21927,7 +21986,7 @@
           <p:cNvPr id="18" name="그룹 1024">
             <a:extLst>
               <a:ext uri="{FF2B5EF4-FFF2-40B4-BE49-F238E27FC236}">
-                <a16:creationId xmlns:a16="http://schemas.microsoft.com/office/drawing/2014/main" id="{48B1F9B2-501C-80B7-7C7B-CFA80857C34A}"/>
+                <a16:creationId xmlns:a16="http://schemas.microsoft.com/office/drawing/2014/main" xmlns="" id="{48B1F9B2-501C-80B7-7C7B-CFA80857C34A}"/>
               </a:ext>
             </a:extLst>
           </p:cNvPr>
@@ -21947,7 +22006,7 @@
             <p:cNvPr id="19" name="Object 81">
               <a:extLst>
                 <a:ext uri="{FF2B5EF4-FFF2-40B4-BE49-F238E27FC236}">
-                  <a16:creationId xmlns:a16="http://schemas.microsoft.com/office/drawing/2014/main" id="{A427AC54-6F46-2451-454E-795C016377BE}"/>
+                  <a16:creationId xmlns:a16="http://schemas.microsoft.com/office/drawing/2014/main" xmlns="" id="{A427AC54-6F46-2451-454E-795C016377BE}"/>
                 </a:ext>
               </a:extLst>
             </p:cNvPr>
@@ -21978,7 +22037,7 @@
           <p:cNvPr id="20" name="TextBox 19">
             <a:extLst>
               <a:ext uri="{FF2B5EF4-FFF2-40B4-BE49-F238E27FC236}">
-                <a16:creationId xmlns:a16="http://schemas.microsoft.com/office/drawing/2014/main" id="{A827F657-20B0-7A83-02DD-3C1A851412BF}"/>
+                <a16:creationId xmlns:a16="http://schemas.microsoft.com/office/drawing/2014/main" xmlns="" id="{A827F657-20B0-7A83-02DD-3C1A851412BF}"/>
               </a:ext>
             </a:extLst>
           </p:cNvPr>
@@ -22036,7 +22095,7 @@
           <p:cNvPr id="21" name="그룹 1024">
             <a:extLst>
               <a:ext uri="{FF2B5EF4-FFF2-40B4-BE49-F238E27FC236}">
-                <a16:creationId xmlns:a16="http://schemas.microsoft.com/office/drawing/2014/main" id="{48B1F9B2-501C-80B7-7C7B-CFA80857C34A}"/>
+                <a16:creationId xmlns:a16="http://schemas.microsoft.com/office/drawing/2014/main" xmlns="" id="{48B1F9B2-501C-80B7-7C7B-CFA80857C34A}"/>
               </a:ext>
             </a:extLst>
           </p:cNvPr>
@@ -22056,7 +22115,7 @@
             <p:cNvPr id="22" name="Object 81">
               <a:extLst>
                 <a:ext uri="{FF2B5EF4-FFF2-40B4-BE49-F238E27FC236}">
-                  <a16:creationId xmlns:a16="http://schemas.microsoft.com/office/drawing/2014/main" id="{A427AC54-6F46-2451-454E-795C016377BE}"/>
+                  <a16:creationId xmlns:a16="http://schemas.microsoft.com/office/drawing/2014/main" xmlns="" id="{A427AC54-6F46-2451-454E-795C016377BE}"/>
                 </a:ext>
               </a:extLst>
             </p:cNvPr>
@@ -22087,7 +22146,7 @@
           <p:cNvPr id="23" name="TextBox 22">
             <a:extLst>
               <a:ext uri="{FF2B5EF4-FFF2-40B4-BE49-F238E27FC236}">
-                <a16:creationId xmlns:a16="http://schemas.microsoft.com/office/drawing/2014/main" id="{A827F657-20B0-7A83-02DD-3C1A851412BF}"/>
+                <a16:creationId xmlns:a16="http://schemas.microsoft.com/office/drawing/2014/main" xmlns="" id="{A827F657-20B0-7A83-02DD-3C1A851412BF}"/>
               </a:ext>
             </a:extLst>
           </p:cNvPr>
@@ -22145,7 +22204,7 @@
           <p:cNvPr id="24" name="그룹 1024">
             <a:extLst>
               <a:ext uri="{FF2B5EF4-FFF2-40B4-BE49-F238E27FC236}">
-                <a16:creationId xmlns:a16="http://schemas.microsoft.com/office/drawing/2014/main" id="{48B1F9B2-501C-80B7-7C7B-CFA80857C34A}"/>
+                <a16:creationId xmlns:a16="http://schemas.microsoft.com/office/drawing/2014/main" xmlns="" id="{48B1F9B2-501C-80B7-7C7B-CFA80857C34A}"/>
               </a:ext>
             </a:extLst>
           </p:cNvPr>
@@ -22165,7 +22224,7 @@
             <p:cNvPr id="25" name="Object 81">
               <a:extLst>
                 <a:ext uri="{FF2B5EF4-FFF2-40B4-BE49-F238E27FC236}">
-                  <a16:creationId xmlns:a16="http://schemas.microsoft.com/office/drawing/2014/main" id="{A427AC54-6F46-2451-454E-795C016377BE}"/>
+                  <a16:creationId xmlns:a16="http://schemas.microsoft.com/office/drawing/2014/main" xmlns="" id="{A427AC54-6F46-2451-454E-795C016377BE}"/>
                 </a:ext>
               </a:extLst>
             </p:cNvPr>
@@ -22196,7 +22255,7 @@
           <p:cNvPr id="26" name="TextBox 25">
             <a:extLst>
               <a:ext uri="{FF2B5EF4-FFF2-40B4-BE49-F238E27FC236}">
-                <a16:creationId xmlns:a16="http://schemas.microsoft.com/office/drawing/2014/main" id="{A827F657-20B0-7A83-02DD-3C1A851412BF}"/>
+                <a16:creationId xmlns:a16="http://schemas.microsoft.com/office/drawing/2014/main" xmlns="" id="{A827F657-20B0-7A83-02DD-3C1A851412BF}"/>
               </a:ext>
             </a:extLst>
           </p:cNvPr>
@@ -22244,7 +22303,7 @@
           <p:cNvPr id="29" name="직선 화살표 연결선 28">
             <a:extLst>
               <a:ext uri="{FF2B5EF4-FFF2-40B4-BE49-F238E27FC236}">
-                <a16:creationId xmlns:a16="http://schemas.microsoft.com/office/drawing/2014/main" id="{6C0677B1-2150-0DB1-2BB2-EE13A87409E9}"/>
+                <a16:creationId xmlns:a16="http://schemas.microsoft.com/office/drawing/2014/main" xmlns="" id="{6C0677B1-2150-0DB1-2BB2-EE13A87409E9}"/>
               </a:ext>
             </a:extLst>
           </p:cNvPr>
@@ -22285,7 +22344,7 @@
           <p:cNvPr id="30" name="직선 화살표 연결선 29">
             <a:extLst>
               <a:ext uri="{FF2B5EF4-FFF2-40B4-BE49-F238E27FC236}">
-                <a16:creationId xmlns:a16="http://schemas.microsoft.com/office/drawing/2014/main" id="{B773A3B5-3F30-19DC-A062-3EA5F2503987}"/>
+                <a16:creationId xmlns:a16="http://schemas.microsoft.com/office/drawing/2014/main" xmlns="" id="{B773A3B5-3F30-19DC-A062-3EA5F2503987}"/>
               </a:ext>
             </a:extLst>
           </p:cNvPr>
@@ -22327,7 +22386,7 @@
           <p:cNvPr id="33" name="표 16">
             <a:extLst>
               <a:ext uri="{FF2B5EF4-FFF2-40B4-BE49-F238E27FC236}">
-                <a16:creationId xmlns:a16="http://schemas.microsoft.com/office/drawing/2014/main" id="{F03C45C7-6EB1-7871-F0F7-945F667135C4}"/>
+                <a16:creationId xmlns:a16="http://schemas.microsoft.com/office/drawing/2014/main" xmlns="" id="{F03C45C7-6EB1-7871-F0F7-945F667135C4}"/>
               </a:ext>
             </a:extLst>
           </p:cNvPr>
@@ -22356,14 +22415,14 @@
                 <a:gridCol w="1381760">
                   <a:extLst>
                     <a:ext uri="{9D8B030D-6E8A-4147-A177-3AD203B41FA5}">
-                      <a16:colId xmlns:a16="http://schemas.microsoft.com/office/drawing/2014/main" val="2433761377"/>
+                      <a16:colId xmlns:a16="http://schemas.microsoft.com/office/drawing/2014/main" xmlns="" val="2433761377"/>
                     </a:ext>
                   </a:extLst>
                 </a:gridCol>
                 <a:gridCol w="2275840">
                   <a:extLst>
                     <a:ext uri="{9D8B030D-6E8A-4147-A177-3AD203B41FA5}">
-                      <a16:colId xmlns:a16="http://schemas.microsoft.com/office/drawing/2014/main" val="926389809"/>
+                      <a16:colId xmlns:a16="http://schemas.microsoft.com/office/drawing/2014/main" xmlns="" val="926389809"/>
                     </a:ext>
                   </a:extLst>
                 </a:gridCol>
@@ -22489,7 +22548,7 @@
                 </a:tc>
                 <a:extLst>
                   <a:ext uri="{0D108BD9-81ED-4DB2-BD59-A6C34878D82A}">
-                    <a16:rowId xmlns:a16="http://schemas.microsoft.com/office/drawing/2014/main" val="2504948727"/>
+                    <a16:rowId xmlns:a16="http://schemas.microsoft.com/office/drawing/2014/main" xmlns="" val="2504948727"/>
                   </a:ext>
                 </a:extLst>
               </a:tr>
@@ -22618,7 +22677,7 @@
                 </a:tc>
                 <a:extLst>
                   <a:ext uri="{0D108BD9-81ED-4DB2-BD59-A6C34878D82A}">
-                    <a16:rowId xmlns:a16="http://schemas.microsoft.com/office/drawing/2014/main" val="3647525178"/>
+                    <a16:rowId xmlns:a16="http://schemas.microsoft.com/office/drawing/2014/main" xmlns="" val="3647525178"/>
                   </a:ext>
                 </a:extLst>
               </a:tr>
@@ -22731,7 +22790,7 @@
                 </a:tc>
                 <a:extLst>
                   <a:ext uri="{0D108BD9-81ED-4DB2-BD59-A6C34878D82A}">
-                    <a16:rowId xmlns:a16="http://schemas.microsoft.com/office/drawing/2014/main" val="2672623231"/>
+                    <a16:rowId xmlns:a16="http://schemas.microsoft.com/office/drawing/2014/main" xmlns="" val="2672623231"/>
                   </a:ext>
                 </a:extLst>
               </a:tr>
@@ -22840,7 +22899,7 @@
                 </a:tc>
                 <a:extLst>
                   <a:ext uri="{0D108BD9-81ED-4DB2-BD59-A6C34878D82A}">
-                    <a16:rowId xmlns:a16="http://schemas.microsoft.com/office/drawing/2014/main" val="2996999142"/>
+                    <a16:rowId xmlns:a16="http://schemas.microsoft.com/office/drawing/2014/main" xmlns="" val="2996999142"/>
                   </a:ext>
                 </a:extLst>
               </a:tr>
@@ -22949,7 +23008,7 @@
                 </a:tc>
                 <a:extLst>
                   <a:ext uri="{0D108BD9-81ED-4DB2-BD59-A6C34878D82A}">
-                    <a16:rowId xmlns:a16="http://schemas.microsoft.com/office/drawing/2014/main" val="2275222586"/>
+                    <a16:rowId xmlns:a16="http://schemas.microsoft.com/office/drawing/2014/main" xmlns="" val="2275222586"/>
                   </a:ext>
                 </a:extLst>
               </a:tr>
@@ -23062,7 +23121,7 @@
                 </a:tc>
                 <a:extLst>
                   <a:ext uri="{0D108BD9-81ED-4DB2-BD59-A6C34878D82A}">
-                    <a16:rowId xmlns:a16="http://schemas.microsoft.com/office/drawing/2014/main" val="1918467740"/>
+                    <a16:rowId xmlns:a16="http://schemas.microsoft.com/office/drawing/2014/main" xmlns="" val="1918467740"/>
                   </a:ext>
                 </a:extLst>
               </a:tr>
@@ -23175,7 +23234,7 @@
                 </a:tc>
                 <a:extLst>
                   <a:ext uri="{0D108BD9-81ED-4DB2-BD59-A6C34878D82A}">
-                    <a16:rowId xmlns:a16="http://schemas.microsoft.com/office/drawing/2014/main" val="168351104"/>
+                    <a16:rowId xmlns:a16="http://schemas.microsoft.com/office/drawing/2014/main" xmlns="" val="168351104"/>
                   </a:ext>
                 </a:extLst>
               </a:tr>
@@ -23308,7 +23367,7 @@
                 </a:tc>
                 <a:extLst>
                   <a:ext uri="{0D108BD9-81ED-4DB2-BD59-A6C34878D82A}">
-                    <a16:rowId xmlns:a16="http://schemas.microsoft.com/office/drawing/2014/main" val="1446898692"/>
+                    <a16:rowId xmlns:a16="http://schemas.microsoft.com/office/drawing/2014/main" xmlns="" val="1446898692"/>
                   </a:ext>
                 </a:extLst>
               </a:tr>
@@ -23433,7 +23492,7 @@
                 </a:tc>
                 <a:extLst>
                   <a:ext uri="{0D108BD9-81ED-4DB2-BD59-A6C34878D82A}">
-                    <a16:rowId xmlns:a16="http://schemas.microsoft.com/office/drawing/2014/main" val="2069871938"/>
+                    <a16:rowId xmlns:a16="http://schemas.microsoft.com/office/drawing/2014/main" xmlns="" val="2069871938"/>
                   </a:ext>
                 </a:extLst>
               </a:tr>
@@ -23446,7 +23505,7 @@
           <p:cNvPr id="34" name="직사각형 33">
             <a:extLst>
               <a:ext uri="{FF2B5EF4-FFF2-40B4-BE49-F238E27FC236}">
-                <a16:creationId xmlns:a16="http://schemas.microsoft.com/office/drawing/2014/main" id="{FFF506F9-840A-0508-4CAF-3AC711D8D5CE}"/>
+                <a16:creationId xmlns:a16="http://schemas.microsoft.com/office/drawing/2014/main" xmlns="" id="{FFF506F9-840A-0508-4CAF-3AC711D8D5CE}"/>
               </a:ext>
             </a:extLst>
           </p:cNvPr>
@@ -23498,7 +23557,7 @@
           <p:cNvPr id="35" name="그룹 1024">
             <a:extLst>
               <a:ext uri="{FF2B5EF4-FFF2-40B4-BE49-F238E27FC236}">
-                <a16:creationId xmlns:a16="http://schemas.microsoft.com/office/drawing/2014/main" id="{48B1F9B2-501C-80B7-7C7B-CFA80857C34A}"/>
+                <a16:creationId xmlns:a16="http://schemas.microsoft.com/office/drawing/2014/main" xmlns="" id="{48B1F9B2-501C-80B7-7C7B-CFA80857C34A}"/>
               </a:ext>
             </a:extLst>
           </p:cNvPr>
@@ -23518,7 +23577,7 @@
             <p:cNvPr id="36" name="Object 81">
               <a:extLst>
                 <a:ext uri="{FF2B5EF4-FFF2-40B4-BE49-F238E27FC236}">
-                  <a16:creationId xmlns:a16="http://schemas.microsoft.com/office/drawing/2014/main" id="{A427AC54-6F46-2451-454E-795C016377BE}"/>
+                  <a16:creationId xmlns:a16="http://schemas.microsoft.com/office/drawing/2014/main" xmlns="" id="{A427AC54-6F46-2451-454E-795C016377BE}"/>
                 </a:ext>
               </a:extLst>
             </p:cNvPr>
@@ -23549,7 +23608,7 @@
           <p:cNvPr id="37" name="TextBox 36">
             <a:extLst>
               <a:ext uri="{FF2B5EF4-FFF2-40B4-BE49-F238E27FC236}">
-                <a16:creationId xmlns:a16="http://schemas.microsoft.com/office/drawing/2014/main" id="{A827F657-20B0-7A83-02DD-3C1A851412BF}"/>
+                <a16:creationId xmlns:a16="http://schemas.microsoft.com/office/drawing/2014/main" xmlns="" id="{A827F657-20B0-7A83-02DD-3C1A851412BF}"/>
               </a:ext>
             </a:extLst>
           </p:cNvPr>
@@ -23597,7 +23656,7 @@
           <p:cNvPr id="38" name="직선 화살표 연결선 37">
             <a:extLst>
               <a:ext uri="{FF2B5EF4-FFF2-40B4-BE49-F238E27FC236}">
-                <a16:creationId xmlns:a16="http://schemas.microsoft.com/office/drawing/2014/main" id="{B773A3B5-3F30-19DC-A062-3EA5F2503987}"/>
+                <a16:creationId xmlns:a16="http://schemas.microsoft.com/office/drawing/2014/main" xmlns="" id="{B773A3B5-3F30-19DC-A062-3EA5F2503987}"/>
               </a:ext>
             </a:extLst>
           </p:cNvPr>
@@ -23638,7 +23697,7 @@
           <p:cNvPr id="31" name="직선 화살표 연결선 30">
             <a:extLst>
               <a:ext uri="{FF2B5EF4-FFF2-40B4-BE49-F238E27FC236}">
-                <a16:creationId xmlns:a16="http://schemas.microsoft.com/office/drawing/2014/main" id="{299DF5EC-9DF4-5255-06AC-0A7CE4FF58C3}"/>
+                <a16:creationId xmlns:a16="http://schemas.microsoft.com/office/drawing/2014/main" xmlns="" id="{299DF5EC-9DF4-5255-06AC-0A7CE4FF58C3}"/>
               </a:ext>
             </a:extLst>
           </p:cNvPr>
@@ -23679,7 +23738,7 @@
           <p:cNvPr id="32" name="TextBox 31">
             <a:extLst>
               <a:ext uri="{FF2B5EF4-FFF2-40B4-BE49-F238E27FC236}">
-                <a16:creationId xmlns:a16="http://schemas.microsoft.com/office/drawing/2014/main" id="{C6D113C6-EA5C-788F-0C77-E7CE6EBB865F}"/>
+                <a16:creationId xmlns:a16="http://schemas.microsoft.com/office/drawing/2014/main" xmlns="" id="{C6D113C6-EA5C-788F-0C77-E7CE6EBB865F}"/>
               </a:ext>
             </a:extLst>
           </p:cNvPr>
@@ -23921,7 +23980,7 @@
           <p:cNvPr id="4" name="표 2">
             <a:extLst>
               <a:ext uri="{FF2B5EF4-FFF2-40B4-BE49-F238E27FC236}">
-                <a16:creationId xmlns:a16="http://schemas.microsoft.com/office/drawing/2014/main" id="{809219FD-62A9-5E27-ACCD-E1227D05FBC9}"/>
+                <a16:creationId xmlns:a16="http://schemas.microsoft.com/office/drawing/2014/main" xmlns="" id="{809219FD-62A9-5E27-ACCD-E1227D05FBC9}"/>
               </a:ext>
             </a:extLst>
           </p:cNvPr>
@@ -23950,21 +24009,21 @@
                 <a:gridCol w="1611053">
                   <a:extLst>
                     <a:ext uri="{9D8B030D-6E8A-4147-A177-3AD203B41FA5}">
-                      <a16:colId xmlns:a16="http://schemas.microsoft.com/office/drawing/2014/main" val="1960770391"/>
+                      <a16:colId xmlns:a16="http://schemas.microsoft.com/office/drawing/2014/main" xmlns="" val="1960770391"/>
                     </a:ext>
                   </a:extLst>
                 </a:gridCol>
                 <a:gridCol w="2890174">
                   <a:extLst>
                     <a:ext uri="{9D8B030D-6E8A-4147-A177-3AD203B41FA5}">
-                      <a16:colId xmlns:a16="http://schemas.microsoft.com/office/drawing/2014/main" val="733308553"/>
+                      <a16:colId xmlns:a16="http://schemas.microsoft.com/office/drawing/2014/main" xmlns="" val="733308553"/>
                     </a:ext>
                   </a:extLst>
                 </a:gridCol>
                 <a:gridCol w="2890174">
                   <a:extLst>
                     <a:ext uri="{9D8B030D-6E8A-4147-A177-3AD203B41FA5}">
-                      <a16:colId xmlns:a16="http://schemas.microsoft.com/office/drawing/2014/main" val="20002"/>
+                      <a16:colId xmlns:a16="http://schemas.microsoft.com/office/drawing/2014/main" xmlns="" val="20002"/>
                     </a:ext>
                   </a:extLst>
                 </a:gridCol>
@@ -24146,7 +24205,7 @@
                 </a:tc>
                 <a:extLst>
                   <a:ext uri="{0D108BD9-81ED-4DB2-BD59-A6C34878D82A}">
-                    <a16:rowId xmlns:a16="http://schemas.microsoft.com/office/drawing/2014/main" val="2452905565"/>
+                    <a16:rowId xmlns:a16="http://schemas.microsoft.com/office/drawing/2014/main" xmlns="" val="2452905565"/>
                   </a:ext>
                 </a:extLst>
               </a:tr>
@@ -24346,7 +24405,7 @@
                 </a:tc>
                 <a:extLst>
                   <a:ext uri="{0D108BD9-81ED-4DB2-BD59-A6C34878D82A}">
-                    <a16:rowId xmlns:a16="http://schemas.microsoft.com/office/drawing/2014/main" val="3551452526"/>
+                    <a16:rowId xmlns:a16="http://schemas.microsoft.com/office/drawing/2014/main" xmlns="" val="3551452526"/>
                   </a:ext>
                 </a:extLst>
               </a:tr>
@@ -24568,7 +24627,7 @@
                 </a:tc>
                 <a:extLst>
                   <a:ext uri="{0D108BD9-81ED-4DB2-BD59-A6C34878D82A}">
-                    <a16:rowId xmlns:a16="http://schemas.microsoft.com/office/drawing/2014/main" val="2488866604"/>
+                    <a16:rowId xmlns:a16="http://schemas.microsoft.com/office/drawing/2014/main" xmlns="" val="2488866604"/>
                   </a:ext>
                 </a:extLst>
               </a:tr>
@@ -24774,7 +24833,7 @@
                 </a:tc>
                 <a:extLst>
                   <a:ext uri="{0D108BD9-81ED-4DB2-BD59-A6C34878D82A}">
-                    <a16:rowId xmlns:a16="http://schemas.microsoft.com/office/drawing/2014/main" val="2632365449"/>
+                    <a16:rowId xmlns:a16="http://schemas.microsoft.com/office/drawing/2014/main" xmlns="" val="2632365449"/>
                   </a:ext>
                 </a:extLst>
               </a:tr>
@@ -24958,7 +25017,7 @@
                 </a:tc>
                 <a:extLst>
                   <a:ext uri="{0D108BD9-81ED-4DB2-BD59-A6C34878D82A}">
-                    <a16:rowId xmlns:a16="http://schemas.microsoft.com/office/drawing/2014/main" val="10004"/>
+                    <a16:rowId xmlns:a16="http://schemas.microsoft.com/office/drawing/2014/main" xmlns="" val="10004"/>
                   </a:ext>
                 </a:extLst>
               </a:tr>
@@ -24971,7 +25030,7 @@
           <p:cNvPr id="5" name="TextBox 4">
             <a:extLst>
               <a:ext uri="{FF2B5EF4-FFF2-40B4-BE49-F238E27FC236}">
-                <a16:creationId xmlns:a16="http://schemas.microsoft.com/office/drawing/2014/main" id="{7229BEA6-121E-9056-D07F-2B3BB1795F76}"/>
+                <a16:creationId xmlns:a16="http://schemas.microsoft.com/office/drawing/2014/main" xmlns="" id="{7229BEA6-121E-9056-D07F-2B3BB1795F76}"/>
               </a:ext>
             </a:extLst>
           </p:cNvPr>
@@ -25043,7 +25102,7 @@
           <p:cNvPr id="2" name="직사각형 1">
             <a:extLst>
               <a:ext uri="{FF2B5EF4-FFF2-40B4-BE49-F238E27FC236}">
-                <a16:creationId xmlns:a16="http://schemas.microsoft.com/office/drawing/2014/main" id="{218031DD-C750-8EA0-D4DF-7E637B8ECF3A}"/>
+                <a16:creationId xmlns:a16="http://schemas.microsoft.com/office/drawing/2014/main" xmlns="" id="{218031DD-C750-8EA0-D4DF-7E637B8ECF3A}"/>
               </a:ext>
             </a:extLst>
           </p:cNvPr>
@@ -25095,7 +25154,7 @@
           <p:cNvPr id="3" name="직사각형 2">
             <a:extLst>
               <a:ext uri="{FF2B5EF4-FFF2-40B4-BE49-F238E27FC236}">
-                <a16:creationId xmlns:a16="http://schemas.microsoft.com/office/drawing/2014/main" id="{5A3B8A5E-BB61-BA78-3FE5-CF35F367A3BB}"/>
+                <a16:creationId xmlns:a16="http://schemas.microsoft.com/office/drawing/2014/main" xmlns="" id="{5A3B8A5E-BB61-BA78-3FE5-CF35F367A3BB}"/>
               </a:ext>
             </a:extLst>
           </p:cNvPr>
@@ -25147,7 +25206,7 @@
           <p:cNvPr id="7" name="직사각형 6">
             <a:extLst>
               <a:ext uri="{FF2B5EF4-FFF2-40B4-BE49-F238E27FC236}">
-                <a16:creationId xmlns:a16="http://schemas.microsoft.com/office/drawing/2014/main" id="{D0479902-7ABA-105D-B4C4-5034575EA4A6}"/>
+                <a16:creationId xmlns:a16="http://schemas.microsoft.com/office/drawing/2014/main" xmlns="" id="{D0479902-7ABA-105D-B4C4-5034575EA4A6}"/>
               </a:ext>
             </a:extLst>
           </p:cNvPr>
@@ -25199,7 +25258,7 @@
           <p:cNvPr id="8" name="직사각형 7">
             <a:extLst>
               <a:ext uri="{FF2B5EF4-FFF2-40B4-BE49-F238E27FC236}">
-                <a16:creationId xmlns:a16="http://schemas.microsoft.com/office/drawing/2014/main" id="{93AD418E-E47B-E81C-A137-7B3C43C80535}"/>
+                <a16:creationId xmlns:a16="http://schemas.microsoft.com/office/drawing/2014/main" xmlns="" id="{93AD418E-E47B-E81C-A137-7B3C43C80535}"/>
               </a:ext>
             </a:extLst>
           </p:cNvPr>
@@ -25281,7 +25340,7 @@
           <p:cNvPr id="4" name="TextBox 3">
             <a:extLst>
               <a:ext uri="{FF2B5EF4-FFF2-40B4-BE49-F238E27FC236}">
-                <a16:creationId xmlns:a16="http://schemas.microsoft.com/office/drawing/2014/main" id="{7229BEA6-121E-9056-D07F-2B3BB1795F76}"/>
+                <a16:creationId xmlns:a16="http://schemas.microsoft.com/office/drawing/2014/main" xmlns="" id="{7229BEA6-121E-9056-D07F-2B3BB1795F76}"/>
               </a:ext>
             </a:extLst>
           </p:cNvPr>
@@ -25359,7 +25418,7 @@
           <p:cNvPr id="4" name="TextBox 3">
             <a:extLst>
               <a:ext uri="{FF2B5EF4-FFF2-40B4-BE49-F238E27FC236}">
-                <a16:creationId xmlns:a16="http://schemas.microsoft.com/office/drawing/2014/main" id="{7229BEA6-121E-9056-D07F-2B3BB1795F76}"/>
+                <a16:creationId xmlns:a16="http://schemas.microsoft.com/office/drawing/2014/main" xmlns="" id="{7229BEA6-121E-9056-D07F-2B3BB1795F76}"/>
               </a:ext>
             </a:extLst>
           </p:cNvPr>
@@ -25407,7 +25466,7 @@
           <p:cNvPr id="5" name="표 2">
             <a:extLst>
               <a:ext uri="{FF2B5EF4-FFF2-40B4-BE49-F238E27FC236}">
-                <a16:creationId xmlns:a16="http://schemas.microsoft.com/office/drawing/2014/main" id="{809219FD-62A9-5E27-ACCD-E1227D05FBC9}"/>
+                <a16:creationId xmlns:a16="http://schemas.microsoft.com/office/drawing/2014/main" xmlns="" id="{809219FD-62A9-5E27-ACCD-E1227D05FBC9}"/>
               </a:ext>
             </a:extLst>
           </p:cNvPr>
@@ -25436,14 +25495,14 @@
                 <a:gridCol w="2890174">
                   <a:extLst>
                     <a:ext uri="{9D8B030D-6E8A-4147-A177-3AD203B41FA5}">
-                      <a16:colId xmlns:a16="http://schemas.microsoft.com/office/drawing/2014/main" val="733308553"/>
+                      <a16:colId xmlns:a16="http://schemas.microsoft.com/office/drawing/2014/main" xmlns="" val="733308553"/>
                     </a:ext>
                   </a:extLst>
                 </a:gridCol>
                 <a:gridCol w="2890174">
                   <a:extLst>
                     <a:ext uri="{9D8B030D-6E8A-4147-A177-3AD203B41FA5}">
-                      <a16:colId xmlns:a16="http://schemas.microsoft.com/office/drawing/2014/main" val="20001"/>
+                      <a16:colId xmlns:a16="http://schemas.microsoft.com/office/drawing/2014/main" xmlns="" val="20001"/>
                     </a:ext>
                   </a:extLst>
                 </a:gridCol>
@@ -25567,7 +25626,7 @@
                 </a:tc>
                 <a:extLst>
                   <a:ext uri="{0D108BD9-81ED-4DB2-BD59-A6C34878D82A}">
-                    <a16:rowId xmlns:a16="http://schemas.microsoft.com/office/drawing/2014/main" val="2452905565"/>
+                    <a16:rowId xmlns:a16="http://schemas.microsoft.com/office/drawing/2014/main" xmlns="" val="2452905565"/>
                   </a:ext>
                 </a:extLst>
               </a:tr>
@@ -25727,7 +25786,7 @@
                 </a:tc>
                 <a:extLst>
                   <a:ext uri="{0D108BD9-81ED-4DB2-BD59-A6C34878D82A}">
-                    <a16:rowId xmlns:a16="http://schemas.microsoft.com/office/drawing/2014/main" val="3551452526"/>
+                    <a16:rowId xmlns:a16="http://schemas.microsoft.com/office/drawing/2014/main" xmlns="" val="3551452526"/>
                   </a:ext>
                 </a:extLst>
               </a:tr>
@@ -25887,7 +25946,7 @@
                 </a:tc>
                 <a:extLst>
                   <a:ext uri="{0D108BD9-81ED-4DB2-BD59-A6C34878D82A}">
-                    <a16:rowId xmlns:a16="http://schemas.microsoft.com/office/drawing/2014/main" val="10002"/>
+                    <a16:rowId xmlns:a16="http://schemas.microsoft.com/office/drawing/2014/main" xmlns="" val="10002"/>
                   </a:ext>
                 </a:extLst>
               </a:tr>
@@ -26031,7 +26090,7 @@
                 </a:tc>
                 <a:extLst>
                   <a:ext uri="{0D108BD9-81ED-4DB2-BD59-A6C34878D82A}">
-                    <a16:rowId xmlns:a16="http://schemas.microsoft.com/office/drawing/2014/main" val="10003"/>
+                    <a16:rowId xmlns:a16="http://schemas.microsoft.com/office/drawing/2014/main" xmlns="" val="10003"/>
                   </a:ext>
                 </a:extLst>
               </a:tr>
@@ -26175,7 +26234,7 @@
                 </a:tc>
                 <a:extLst>
                   <a:ext uri="{0D108BD9-81ED-4DB2-BD59-A6C34878D82A}">
-                    <a16:rowId xmlns:a16="http://schemas.microsoft.com/office/drawing/2014/main" val="2488866604"/>
+                    <a16:rowId xmlns:a16="http://schemas.microsoft.com/office/drawing/2014/main" xmlns="" val="2488866604"/>
                   </a:ext>
                 </a:extLst>
               </a:tr>
@@ -26259,7 +26318,7 @@
           <p:cNvPr id="4" name="TextBox 3">
             <a:extLst>
               <a:ext uri="{FF2B5EF4-FFF2-40B4-BE49-F238E27FC236}">
-                <a16:creationId xmlns:a16="http://schemas.microsoft.com/office/drawing/2014/main" id="{7229BEA6-121E-9056-D07F-2B3BB1795F76}"/>
+                <a16:creationId xmlns:a16="http://schemas.microsoft.com/office/drawing/2014/main" xmlns="" id="{7229BEA6-121E-9056-D07F-2B3BB1795F76}"/>
               </a:ext>
             </a:extLst>
           </p:cNvPr>
@@ -26307,7 +26366,7 @@
           <p:cNvPr id="5" name="TextBox 4">
             <a:extLst>
               <a:ext uri="{FF2B5EF4-FFF2-40B4-BE49-F238E27FC236}">
-                <a16:creationId xmlns:a16="http://schemas.microsoft.com/office/drawing/2014/main" id="{5ADC00B6-990A-40DC-3CEA-505258F5E8DA}"/>
+                <a16:creationId xmlns:a16="http://schemas.microsoft.com/office/drawing/2014/main" xmlns="" id="{5ADC00B6-990A-40DC-3CEA-505258F5E8DA}"/>
               </a:ext>
             </a:extLst>
           </p:cNvPr>
@@ -26405,7 +26464,7 @@
               <p:cNvPr id="6" name="TextBox 5">
                 <a:extLst>
                   <a:ext uri="{FF2B5EF4-FFF2-40B4-BE49-F238E27FC236}">
-                    <a16:creationId xmlns:a16="http://schemas.microsoft.com/office/drawing/2014/main" id="{5ADC00B6-990A-40DC-3CEA-505258F5E8DA}"/>
+                    <a16:creationId xmlns:a16="http://schemas.microsoft.com/office/drawing/2014/main" xmlns="" id="{5ADC00B6-990A-40DC-3CEA-505258F5E8DA}"/>
                   </a:ext>
                 </a:extLst>
               </p:cNvPr>
@@ -26618,7 +26677,7 @@
           <p:cNvPr id="7" name="직선 화살표 연결선 6">
             <a:extLst>
               <a:ext uri="{FF2B5EF4-FFF2-40B4-BE49-F238E27FC236}">
-                <a16:creationId xmlns:a16="http://schemas.microsoft.com/office/drawing/2014/main" id="{299DF5EC-9DF4-5255-06AC-0A7CE4FF58C3}"/>
+                <a16:creationId xmlns:a16="http://schemas.microsoft.com/office/drawing/2014/main" xmlns="" id="{299DF5EC-9DF4-5255-06AC-0A7CE4FF58C3}"/>
               </a:ext>
             </a:extLst>
           </p:cNvPr>
@@ -26659,7 +26718,7 @@
           <p:cNvPr id="8" name="TextBox 7">
             <a:extLst>
               <a:ext uri="{FF2B5EF4-FFF2-40B4-BE49-F238E27FC236}">
-                <a16:creationId xmlns:a16="http://schemas.microsoft.com/office/drawing/2014/main" id="{C6D113C6-EA5C-788F-0C77-E7CE6EBB865F}"/>
+                <a16:creationId xmlns:a16="http://schemas.microsoft.com/office/drawing/2014/main" xmlns="" id="{C6D113C6-EA5C-788F-0C77-E7CE6EBB865F}"/>
               </a:ext>
             </a:extLst>
           </p:cNvPr>
@@ -26747,7 +26806,7 @@
           <p:cNvPr id="2" name="직사각형 1">
             <a:extLst>
               <a:ext uri="{FF2B5EF4-FFF2-40B4-BE49-F238E27FC236}">
-                <a16:creationId xmlns:a16="http://schemas.microsoft.com/office/drawing/2014/main" id="{54B05CCE-27DE-169F-4623-064F74065F15}"/>
+                <a16:creationId xmlns:a16="http://schemas.microsoft.com/office/drawing/2014/main" xmlns="" id="{54B05CCE-27DE-169F-4623-064F74065F15}"/>
               </a:ext>
             </a:extLst>
           </p:cNvPr>
@@ -27028,7 +27087,7 @@
           <p:cNvPr id="4" name="TextBox 3">
             <a:extLst>
               <a:ext uri="{FF2B5EF4-FFF2-40B4-BE49-F238E27FC236}">
-                <a16:creationId xmlns:a16="http://schemas.microsoft.com/office/drawing/2014/main" id="{7229BEA6-121E-9056-D07F-2B3BB1795F76}"/>
+                <a16:creationId xmlns:a16="http://schemas.microsoft.com/office/drawing/2014/main" xmlns="" id="{7229BEA6-121E-9056-D07F-2B3BB1795F76}"/>
               </a:ext>
             </a:extLst>
           </p:cNvPr>
@@ -27100,7 +27159,7 @@
           <p:cNvPr id="6" name="직사각형 5">
             <a:extLst>
               <a:ext uri="{FF2B5EF4-FFF2-40B4-BE49-F238E27FC236}">
-                <a16:creationId xmlns:a16="http://schemas.microsoft.com/office/drawing/2014/main" id="{FFF506F9-840A-0508-4CAF-3AC711D8D5CE}"/>
+                <a16:creationId xmlns:a16="http://schemas.microsoft.com/office/drawing/2014/main" xmlns="" id="{FFF506F9-840A-0508-4CAF-3AC711D8D5CE}"/>
               </a:ext>
             </a:extLst>
           </p:cNvPr>
@@ -27152,7 +27211,7 @@
           <p:cNvPr id="7" name="직선 화살표 연결선 6">
             <a:extLst>
               <a:ext uri="{FF2B5EF4-FFF2-40B4-BE49-F238E27FC236}">
-                <a16:creationId xmlns:a16="http://schemas.microsoft.com/office/drawing/2014/main" id="{299DF5EC-9DF4-5255-06AC-0A7CE4FF58C3}"/>
+                <a16:creationId xmlns:a16="http://schemas.microsoft.com/office/drawing/2014/main" xmlns="" id="{299DF5EC-9DF4-5255-06AC-0A7CE4FF58C3}"/>
               </a:ext>
             </a:extLst>
           </p:cNvPr>
@@ -27193,7 +27252,7 @@
           <p:cNvPr id="8" name="TextBox 7">
             <a:extLst>
               <a:ext uri="{FF2B5EF4-FFF2-40B4-BE49-F238E27FC236}">
-                <a16:creationId xmlns:a16="http://schemas.microsoft.com/office/drawing/2014/main" id="{C6D113C6-EA5C-788F-0C77-E7CE6EBB865F}"/>
+                <a16:creationId xmlns:a16="http://schemas.microsoft.com/office/drawing/2014/main" xmlns="" id="{C6D113C6-EA5C-788F-0C77-E7CE6EBB865F}"/>
               </a:ext>
             </a:extLst>
           </p:cNvPr>
@@ -27251,7 +27310,7 @@
           <p:cNvPr id="9" name="직사각형 8">
             <a:extLst>
               <a:ext uri="{FF2B5EF4-FFF2-40B4-BE49-F238E27FC236}">
-                <a16:creationId xmlns:a16="http://schemas.microsoft.com/office/drawing/2014/main" id="{FFF506F9-840A-0508-4CAF-3AC711D8D5CE}"/>
+                <a16:creationId xmlns:a16="http://schemas.microsoft.com/office/drawing/2014/main" xmlns="" id="{FFF506F9-840A-0508-4CAF-3AC711D8D5CE}"/>
               </a:ext>
             </a:extLst>
           </p:cNvPr>
@@ -27303,7 +27362,7 @@
           <p:cNvPr id="10" name="직선 화살표 연결선 9">
             <a:extLst>
               <a:ext uri="{FF2B5EF4-FFF2-40B4-BE49-F238E27FC236}">
-                <a16:creationId xmlns:a16="http://schemas.microsoft.com/office/drawing/2014/main" id="{299DF5EC-9DF4-5255-06AC-0A7CE4FF58C3}"/>
+                <a16:creationId xmlns:a16="http://schemas.microsoft.com/office/drawing/2014/main" xmlns="" id="{299DF5EC-9DF4-5255-06AC-0A7CE4FF58C3}"/>
               </a:ext>
             </a:extLst>
           </p:cNvPr>
@@ -27344,7 +27403,7 @@
           <p:cNvPr id="11" name="TextBox 10">
             <a:extLst>
               <a:ext uri="{FF2B5EF4-FFF2-40B4-BE49-F238E27FC236}">
-                <a16:creationId xmlns:a16="http://schemas.microsoft.com/office/drawing/2014/main" id="{C6D113C6-EA5C-788F-0C77-E7CE6EBB865F}"/>
+                <a16:creationId xmlns:a16="http://schemas.microsoft.com/office/drawing/2014/main" xmlns="" id="{C6D113C6-EA5C-788F-0C77-E7CE6EBB865F}"/>
               </a:ext>
             </a:extLst>
           </p:cNvPr>
@@ -27392,7 +27451,7 @@
           <p:cNvPr id="12" name="직사각형 11">
             <a:extLst>
               <a:ext uri="{FF2B5EF4-FFF2-40B4-BE49-F238E27FC236}">
-                <a16:creationId xmlns:a16="http://schemas.microsoft.com/office/drawing/2014/main" id="{FFF506F9-840A-0508-4CAF-3AC711D8D5CE}"/>
+                <a16:creationId xmlns:a16="http://schemas.microsoft.com/office/drawing/2014/main" xmlns="" id="{FFF506F9-840A-0508-4CAF-3AC711D8D5CE}"/>
               </a:ext>
             </a:extLst>
           </p:cNvPr>
@@ -27444,7 +27503,7 @@
           <p:cNvPr id="13" name="직선 화살표 연결선 12">
             <a:extLst>
               <a:ext uri="{FF2B5EF4-FFF2-40B4-BE49-F238E27FC236}">
-                <a16:creationId xmlns:a16="http://schemas.microsoft.com/office/drawing/2014/main" id="{299DF5EC-9DF4-5255-06AC-0A7CE4FF58C3}"/>
+                <a16:creationId xmlns:a16="http://schemas.microsoft.com/office/drawing/2014/main" xmlns="" id="{299DF5EC-9DF4-5255-06AC-0A7CE4FF58C3}"/>
               </a:ext>
             </a:extLst>
           </p:cNvPr>
@@ -27485,7 +27544,7 @@
           <p:cNvPr id="14" name="TextBox 13">
             <a:extLst>
               <a:ext uri="{FF2B5EF4-FFF2-40B4-BE49-F238E27FC236}">
-                <a16:creationId xmlns:a16="http://schemas.microsoft.com/office/drawing/2014/main" id="{C6D113C6-EA5C-788F-0C77-E7CE6EBB865F}"/>
+                <a16:creationId xmlns:a16="http://schemas.microsoft.com/office/drawing/2014/main" xmlns="" id="{C6D113C6-EA5C-788F-0C77-E7CE6EBB865F}"/>
               </a:ext>
             </a:extLst>
           </p:cNvPr>
@@ -27533,7 +27592,7 @@
           <p:cNvPr id="15" name="TextBox 14">
             <a:extLst>
               <a:ext uri="{FF2B5EF4-FFF2-40B4-BE49-F238E27FC236}">
-                <a16:creationId xmlns:a16="http://schemas.microsoft.com/office/drawing/2014/main" id="{5ADC00B6-990A-40DC-3CEA-505258F5E8DA}"/>
+                <a16:creationId xmlns:a16="http://schemas.microsoft.com/office/drawing/2014/main" xmlns="" id="{5ADC00B6-990A-40DC-3CEA-505258F5E8DA}"/>
               </a:ext>
             </a:extLst>
           </p:cNvPr>
@@ -27709,7 +27768,7 @@
           <p:cNvPr id="5" name="TextBox 4">
             <a:extLst>
               <a:ext uri="{FF2B5EF4-FFF2-40B4-BE49-F238E27FC236}">
-                <a16:creationId xmlns:a16="http://schemas.microsoft.com/office/drawing/2014/main" id="{7229BEA6-121E-9056-D07F-2B3BB1795F76}"/>
+                <a16:creationId xmlns:a16="http://schemas.microsoft.com/office/drawing/2014/main" xmlns="" id="{7229BEA6-121E-9056-D07F-2B3BB1795F76}"/>
               </a:ext>
             </a:extLst>
           </p:cNvPr>
@@ -27767,7 +27826,7 @@
           <p:cNvPr id="6" name="TextBox 5">
             <a:extLst>
               <a:ext uri="{FF2B5EF4-FFF2-40B4-BE49-F238E27FC236}">
-                <a16:creationId xmlns:a16="http://schemas.microsoft.com/office/drawing/2014/main" id="{5ADC00B6-990A-40DC-3CEA-505258F5E8DA}"/>
+                <a16:creationId xmlns:a16="http://schemas.microsoft.com/office/drawing/2014/main" xmlns="" id="{5ADC00B6-990A-40DC-3CEA-505258F5E8DA}"/>
               </a:ext>
             </a:extLst>
           </p:cNvPr>
@@ -27912,7 +27971,7 @@
           <p:cNvPr id="5" name="TextBox 4">
             <a:extLst>
               <a:ext uri="{FF2B5EF4-FFF2-40B4-BE49-F238E27FC236}">
-                <a16:creationId xmlns:a16="http://schemas.microsoft.com/office/drawing/2014/main" id="{7229BEA6-121E-9056-D07F-2B3BB1795F76}"/>
+                <a16:creationId xmlns:a16="http://schemas.microsoft.com/office/drawing/2014/main" xmlns="" id="{7229BEA6-121E-9056-D07F-2B3BB1795F76}"/>
               </a:ext>
             </a:extLst>
           </p:cNvPr>
@@ -28000,7 +28059,7 @@
           <p:cNvPr id="5" name="TextBox 4">
             <a:extLst>
               <a:ext uri="{FF2B5EF4-FFF2-40B4-BE49-F238E27FC236}">
-                <a16:creationId xmlns:a16="http://schemas.microsoft.com/office/drawing/2014/main" id="{7229BEA6-121E-9056-D07F-2B3BB1795F76}"/>
+                <a16:creationId xmlns:a16="http://schemas.microsoft.com/office/drawing/2014/main" xmlns="" id="{7229BEA6-121E-9056-D07F-2B3BB1795F76}"/>
               </a:ext>
             </a:extLst>
           </p:cNvPr>
@@ -28078,7 +28137,7 @@
           <p:cNvPr id="6" name="TextBox 5">
             <a:extLst>
               <a:ext uri="{FF2B5EF4-FFF2-40B4-BE49-F238E27FC236}">
-                <a16:creationId xmlns:a16="http://schemas.microsoft.com/office/drawing/2014/main" id="{5ADC00B6-990A-40DC-3CEA-505258F5E8DA}"/>
+                <a16:creationId xmlns:a16="http://schemas.microsoft.com/office/drawing/2014/main" xmlns="" id="{5ADC00B6-990A-40DC-3CEA-505258F5E8DA}"/>
               </a:ext>
             </a:extLst>
           </p:cNvPr>
@@ -28132,7 +28191,7 @@
           <p:cNvPr id="7" name="그룹 1018">
             <a:extLst>
               <a:ext uri="{FF2B5EF4-FFF2-40B4-BE49-F238E27FC236}">
-                <a16:creationId xmlns:a16="http://schemas.microsoft.com/office/drawing/2014/main" id="{BE4AAF13-A11B-7E60-33C1-D156A6926154}"/>
+                <a16:creationId xmlns:a16="http://schemas.microsoft.com/office/drawing/2014/main" xmlns="" id="{BE4AAF13-A11B-7E60-33C1-D156A6926154}"/>
               </a:ext>
             </a:extLst>
           </p:cNvPr>
@@ -28152,7 +28211,7 @@
             <p:cNvPr id="8" name="Object 61">
               <a:extLst>
                 <a:ext uri="{FF2B5EF4-FFF2-40B4-BE49-F238E27FC236}">
-                  <a16:creationId xmlns:a16="http://schemas.microsoft.com/office/drawing/2014/main" id="{125B2204-5CAB-AF42-4145-B61B7DFFDB21}"/>
+                  <a16:creationId xmlns:a16="http://schemas.microsoft.com/office/drawing/2014/main" xmlns="" id="{125B2204-5CAB-AF42-4145-B61B7DFFDB21}"/>
                 </a:ext>
               </a:extLst>
             </p:cNvPr>
@@ -28183,7 +28242,7 @@
           <p:cNvPr id="9" name="그룹 1021">
             <a:extLst>
               <a:ext uri="{FF2B5EF4-FFF2-40B4-BE49-F238E27FC236}">
-                <a16:creationId xmlns:a16="http://schemas.microsoft.com/office/drawing/2014/main" id="{DAE466EB-8914-A47B-444E-4C193B0D877A}"/>
+                <a16:creationId xmlns:a16="http://schemas.microsoft.com/office/drawing/2014/main" xmlns="" id="{DAE466EB-8914-A47B-444E-4C193B0D877A}"/>
               </a:ext>
             </a:extLst>
           </p:cNvPr>
@@ -28203,7 +28262,7 @@
             <p:cNvPr id="10" name="Object 71">
               <a:extLst>
                 <a:ext uri="{FF2B5EF4-FFF2-40B4-BE49-F238E27FC236}">
-                  <a16:creationId xmlns:a16="http://schemas.microsoft.com/office/drawing/2014/main" id="{44802802-8C0A-9B02-4940-D16EEB7C206A}"/>
+                  <a16:creationId xmlns:a16="http://schemas.microsoft.com/office/drawing/2014/main" xmlns="" id="{44802802-8C0A-9B02-4940-D16EEB7C206A}"/>
                 </a:ext>
               </a:extLst>
             </p:cNvPr>
@@ -28234,7 +28293,7 @@
           <p:cNvPr id="11" name="TextBox 10">
             <a:extLst>
               <a:ext uri="{FF2B5EF4-FFF2-40B4-BE49-F238E27FC236}">
-                <a16:creationId xmlns:a16="http://schemas.microsoft.com/office/drawing/2014/main" id="{4EDAA912-8FA0-0F11-119B-EA9F8B36A489}"/>
+                <a16:creationId xmlns:a16="http://schemas.microsoft.com/office/drawing/2014/main" xmlns="" id="{4EDAA912-8FA0-0F11-119B-EA9F8B36A489}"/>
               </a:ext>
             </a:extLst>
           </p:cNvPr>
@@ -28282,7 +28341,7 @@
           <p:cNvPr id="12" name="TextBox 11">
             <a:extLst>
               <a:ext uri="{FF2B5EF4-FFF2-40B4-BE49-F238E27FC236}">
-                <a16:creationId xmlns:a16="http://schemas.microsoft.com/office/drawing/2014/main" id="{50E9E326-9165-4EB7-F036-2D0C3593471A}"/>
+                <a16:creationId xmlns:a16="http://schemas.microsoft.com/office/drawing/2014/main" xmlns="" id="{50E9E326-9165-4EB7-F036-2D0C3593471A}"/>
               </a:ext>
             </a:extLst>
           </p:cNvPr>
@@ -28330,7 +28389,7 @@
           <p:cNvPr id="13" name="직선 화살표 연결선 12">
             <a:extLst>
               <a:ext uri="{FF2B5EF4-FFF2-40B4-BE49-F238E27FC236}">
-                <a16:creationId xmlns:a16="http://schemas.microsoft.com/office/drawing/2014/main" id="{6C0677B1-2150-0DB1-2BB2-EE13A87409E9}"/>
+                <a16:creationId xmlns:a16="http://schemas.microsoft.com/office/drawing/2014/main" xmlns="" id="{6C0677B1-2150-0DB1-2BB2-EE13A87409E9}"/>
               </a:ext>
             </a:extLst>
           </p:cNvPr>
@@ -28371,7 +28430,7 @@
           <p:cNvPr id="14" name="직선 화살표 연결선 13">
             <a:extLst>
               <a:ext uri="{FF2B5EF4-FFF2-40B4-BE49-F238E27FC236}">
-                <a16:creationId xmlns:a16="http://schemas.microsoft.com/office/drawing/2014/main" id="{B773A3B5-3F30-19DC-A062-3EA5F2503987}"/>
+                <a16:creationId xmlns:a16="http://schemas.microsoft.com/office/drawing/2014/main" xmlns="" id="{B773A3B5-3F30-19DC-A062-3EA5F2503987}"/>
               </a:ext>
             </a:extLst>
           </p:cNvPr>
@@ -28413,7 +28472,7 @@
           <p:cNvPr id="15" name="그룹 1024">
             <a:extLst>
               <a:ext uri="{FF2B5EF4-FFF2-40B4-BE49-F238E27FC236}">
-                <a16:creationId xmlns:a16="http://schemas.microsoft.com/office/drawing/2014/main" id="{48B1F9B2-501C-80B7-7C7B-CFA80857C34A}"/>
+                <a16:creationId xmlns:a16="http://schemas.microsoft.com/office/drawing/2014/main" xmlns="" id="{48B1F9B2-501C-80B7-7C7B-CFA80857C34A}"/>
               </a:ext>
             </a:extLst>
           </p:cNvPr>
@@ -28433,7 +28492,7 @@
             <p:cNvPr id="16" name="Object 81">
               <a:extLst>
                 <a:ext uri="{FF2B5EF4-FFF2-40B4-BE49-F238E27FC236}">
-                  <a16:creationId xmlns:a16="http://schemas.microsoft.com/office/drawing/2014/main" id="{A427AC54-6F46-2451-454E-795C016377BE}"/>
+                  <a16:creationId xmlns:a16="http://schemas.microsoft.com/office/drawing/2014/main" xmlns="" id="{A427AC54-6F46-2451-454E-795C016377BE}"/>
                 </a:ext>
               </a:extLst>
             </p:cNvPr>
@@ -28464,7 +28523,7 @@
           <p:cNvPr id="17" name="TextBox 16">
             <a:extLst>
               <a:ext uri="{FF2B5EF4-FFF2-40B4-BE49-F238E27FC236}">
-                <a16:creationId xmlns:a16="http://schemas.microsoft.com/office/drawing/2014/main" id="{A827F657-20B0-7A83-02DD-3C1A851412BF}"/>
+                <a16:creationId xmlns:a16="http://schemas.microsoft.com/office/drawing/2014/main" xmlns="" id="{A827F657-20B0-7A83-02DD-3C1A851412BF}"/>
               </a:ext>
             </a:extLst>
           </p:cNvPr>
@@ -28542,7 +28601,7 @@
           <p:cNvPr id="5" name="TextBox 4">
             <a:extLst>
               <a:ext uri="{FF2B5EF4-FFF2-40B4-BE49-F238E27FC236}">
-                <a16:creationId xmlns:a16="http://schemas.microsoft.com/office/drawing/2014/main" id="{7229BEA6-121E-9056-D07F-2B3BB1795F76}"/>
+                <a16:creationId xmlns:a16="http://schemas.microsoft.com/office/drawing/2014/main" xmlns="" id="{7229BEA6-121E-9056-D07F-2B3BB1795F76}"/>
               </a:ext>
             </a:extLst>
           </p:cNvPr>
@@ -28614,7 +28673,7 @@
           <p:cNvPr id="7" name="직사각형 6">
             <a:extLst>
               <a:ext uri="{FF2B5EF4-FFF2-40B4-BE49-F238E27FC236}">
-                <a16:creationId xmlns:a16="http://schemas.microsoft.com/office/drawing/2014/main" id="{FFF506F9-840A-0508-4CAF-3AC711D8D5CE}"/>
+                <a16:creationId xmlns:a16="http://schemas.microsoft.com/office/drawing/2014/main" xmlns="" id="{FFF506F9-840A-0508-4CAF-3AC711D8D5CE}"/>
               </a:ext>
             </a:extLst>
           </p:cNvPr>
@@ -28696,7 +28755,7 @@
           <p:cNvPr id="4" name="TextBox 3">
             <a:extLst>
               <a:ext uri="{FF2B5EF4-FFF2-40B4-BE49-F238E27FC236}">
-                <a16:creationId xmlns:a16="http://schemas.microsoft.com/office/drawing/2014/main" id="{7229BEA6-121E-9056-D07F-2B3BB1795F76}"/>
+                <a16:creationId xmlns:a16="http://schemas.microsoft.com/office/drawing/2014/main" xmlns="" id="{7229BEA6-121E-9056-D07F-2B3BB1795F76}"/>
               </a:ext>
             </a:extLst>
           </p:cNvPr>
@@ -28778,7 +28837,7 @@
           <p:cNvPr id="6" name="TextBox 5">
             <a:extLst>
               <a:ext uri="{FF2B5EF4-FFF2-40B4-BE49-F238E27FC236}">
-                <a16:creationId xmlns:a16="http://schemas.microsoft.com/office/drawing/2014/main" id="{5ADC00B6-990A-40DC-3CEA-505258F5E8DA}"/>
+                <a16:creationId xmlns:a16="http://schemas.microsoft.com/office/drawing/2014/main" xmlns="" id="{5ADC00B6-990A-40DC-3CEA-505258F5E8DA}"/>
               </a:ext>
             </a:extLst>
           </p:cNvPr>
@@ -28892,6 +28951,13 @@
   <p:clrMapOvr>
     <a:masterClrMapping/>
   </p:clrMapOvr>
+  <p:timing>
+    <p:tnLst>
+      <p:par>
+        <p:cTn id="1" dur="indefinite" restart="never" nodeType="tmRoot"/>
+      </p:par>
+    </p:tnLst>
+  </p:timing>
 </p:sld>
 </file>
 
@@ -28917,7 +28983,7 @@
           <p:cNvPr id="4" name="TextBox 3">
             <a:extLst>
               <a:ext uri="{FF2B5EF4-FFF2-40B4-BE49-F238E27FC236}">
-                <a16:creationId xmlns:a16="http://schemas.microsoft.com/office/drawing/2014/main" id="{7229BEA6-121E-9056-D07F-2B3BB1795F76}"/>
+                <a16:creationId xmlns:a16="http://schemas.microsoft.com/office/drawing/2014/main" xmlns="" id="{7229BEA6-121E-9056-D07F-2B3BB1795F76}"/>
               </a:ext>
             </a:extLst>
           </p:cNvPr>
@@ -28965,7 +29031,7 @@
           <p:cNvPr id="6" name="TextBox 5">
             <a:extLst>
               <a:ext uri="{FF2B5EF4-FFF2-40B4-BE49-F238E27FC236}">
-                <a16:creationId xmlns:a16="http://schemas.microsoft.com/office/drawing/2014/main" id="{7229BEA6-121E-9056-D07F-2B3BB1795F76}"/>
+                <a16:creationId xmlns:a16="http://schemas.microsoft.com/office/drawing/2014/main" xmlns="" id="{7229BEA6-121E-9056-D07F-2B3BB1795F76}"/>
               </a:ext>
             </a:extLst>
           </p:cNvPr>
@@ -29205,7 +29271,7 @@
           <p:cNvPr id="11" name="직사각형 10">
             <a:extLst>
               <a:ext uri="{FF2B5EF4-FFF2-40B4-BE49-F238E27FC236}">
-                <a16:creationId xmlns:a16="http://schemas.microsoft.com/office/drawing/2014/main" id="{FFF506F9-840A-0508-4CAF-3AC711D8D5CE}"/>
+                <a16:creationId xmlns:a16="http://schemas.microsoft.com/office/drawing/2014/main" xmlns="" id="{FFF506F9-840A-0508-4CAF-3AC711D8D5CE}"/>
               </a:ext>
             </a:extLst>
           </p:cNvPr>
@@ -29257,7 +29323,7 @@
           <p:cNvPr id="12" name="직선 화살표 연결선 11">
             <a:extLst>
               <a:ext uri="{FF2B5EF4-FFF2-40B4-BE49-F238E27FC236}">
-                <a16:creationId xmlns:a16="http://schemas.microsoft.com/office/drawing/2014/main" id="{299DF5EC-9DF4-5255-06AC-0A7CE4FF58C3}"/>
+                <a16:creationId xmlns:a16="http://schemas.microsoft.com/office/drawing/2014/main" xmlns="" id="{299DF5EC-9DF4-5255-06AC-0A7CE4FF58C3}"/>
               </a:ext>
             </a:extLst>
           </p:cNvPr>
@@ -29298,7 +29364,7 @@
           <p:cNvPr id="13" name="TextBox 12">
             <a:extLst>
               <a:ext uri="{FF2B5EF4-FFF2-40B4-BE49-F238E27FC236}">
-                <a16:creationId xmlns:a16="http://schemas.microsoft.com/office/drawing/2014/main" id="{C6D113C6-EA5C-788F-0C77-E7CE6EBB865F}"/>
+                <a16:creationId xmlns:a16="http://schemas.microsoft.com/office/drawing/2014/main" xmlns="" id="{C6D113C6-EA5C-788F-0C77-E7CE6EBB865F}"/>
               </a:ext>
             </a:extLst>
           </p:cNvPr>
@@ -29376,7 +29442,7 @@
           <p:cNvPr id="14" name="TextBox 13">
             <a:extLst>
               <a:ext uri="{FF2B5EF4-FFF2-40B4-BE49-F238E27FC236}">
-                <a16:creationId xmlns:a16="http://schemas.microsoft.com/office/drawing/2014/main" id="{7229BEA6-121E-9056-D07F-2B3BB1795F76}"/>
+                <a16:creationId xmlns:a16="http://schemas.microsoft.com/office/drawing/2014/main" xmlns="" id="{7229BEA6-121E-9056-D07F-2B3BB1795F76}"/>
               </a:ext>
             </a:extLst>
           </p:cNvPr>
@@ -29449,6 +29515,13 @@
   <p:clrMapOvr>
     <a:masterClrMapping/>
   </p:clrMapOvr>
+  <p:timing>
+    <p:tnLst>
+      <p:par>
+        <p:cTn id="1" dur="indefinite" restart="never" nodeType="tmRoot"/>
+      </p:par>
+    </p:tnLst>
+  </p:timing>
 </p:sld>
 </file>
 
@@ -29474,7 +29547,7 @@
           <p:cNvPr id="1026" name="Picture 2" descr="JAVA] 클래스">
             <a:extLst>
               <a:ext uri="{FF2B5EF4-FFF2-40B4-BE49-F238E27FC236}">
-                <a16:creationId xmlns:a16="http://schemas.microsoft.com/office/drawing/2014/main" id="{C98504CF-E130-400B-2AB2-CDC3D3F85586}"/>
+                <a16:creationId xmlns:a16="http://schemas.microsoft.com/office/drawing/2014/main" xmlns="" id="{C98504CF-E130-400B-2AB2-CDC3D3F85586}"/>
               </a:ext>
             </a:extLst>
           </p:cNvPr>
@@ -29521,7 +29594,7 @@
           <p:cNvPr id="43" name="그룹 1019">
             <a:extLst>
               <a:ext uri="{FF2B5EF4-FFF2-40B4-BE49-F238E27FC236}">
-                <a16:creationId xmlns:a16="http://schemas.microsoft.com/office/drawing/2014/main" id="{BE153265-6A9F-E799-B03C-DE8B7B48963A}"/>
+                <a16:creationId xmlns:a16="http://schemas.microsoft.com/office/drawing/2014/main" xmlns="" id="{BE153265-6A9F-E799-B03C-DE8B7B48963A}"/>
               </a:ext>
             </a:extLst>
           </p:cNvPr>
@@ -29541,7 +29614,7 @@
             <p:cNvPr id="44" name="Object 61">
               <a:extLst>
                 <a:ext uri="{FF2B5EF4-FFF2-40B4-BE49-F238E27FC236}">
-                  <a16:creationId xmlns:a16="http://schemas.microsoft.com/office/drawing/2014/main" id="{BFFD0001-40B5-D488-4D8D-923880BBC6A4}"/>
+                  <a16:creationId xmlns:a16="http://schemas.microsoft.com/office/drawing/2014/main" xmlns="" id="{BFFD0001-40B5-D488-4D8D-923880BBC6A4}"/>
                 </a:ext>
               </a:extLst>
             </p:cNvPr>
@@ -29572,7 +29645,7 @@
           <p:cNvPr id="51" name="그룹 1023">
             <a:extLst>
               <a:ext uri="{FF2B5EF4-FFF2-40B4-BE49-F238E27FC236}">
-                <a16:creationId xmlns:a16="http://schemas.microsoft.com/office/drawing/2014/main" id="{97F4CE17-A0DE-52A7-4FB3-3E2ECBDD3AA2}"/>
+                <a16:creationId xmlns:a16="http://schemas.microsoft.com/office/drawing/2014/main" xmlns="" id="{97F4CE17-A0DE-52A7-4FB3-3E2ECBDD3AA2}"/>
               </a:ext>
             </a:extLst>
           </p:cNvPr>
@@ -29592,7 +29665,7 @@
             <p:cNvPr id="52" name="Object 73">
               <a:extLst>
                 <a:ext uri="{FF2B5EF4-FFF2-40B4-BE49-F238E27FC236}">
-                  <a16:creationId xmlns:a16="http://schemas.microsoft.com/office/drawing/2014/main" id="{75D4274C-546B-A0F1-77E9-1B14FAD45428}"/>
+                  <a16:creationId xmlns:a16="http://schemas.microsoft.com/office/drawing/2014/main" xmlns="" id="{75D4274C-546B-A0F1-77E9-1B14FAD45428}"/>
                 </a:ext>
               </a:extLst>
             </p:cNvPr>
@@ -29623,7 +29696,7 @@
           <p:cNvPr id="55" name="그룹 1025">
             <a:extLst>
               <a:ext uri="{FF2B5EF4-FFF2-40B4-BE49-F238E27FC236}">
-                <a16:creationId xmlns:a16="http://schemas.microsoft.com/office/drawing/2014/main" id="{9E19FF57-9A08-CED5-87AD-18A65C6B842C}"/>
+                <a16:creationId xmlns:a16="http://schemas.microsoft.com/office/drawing/2014/main" xmlns="" id="{9E19FF57-9A08-CED5-87AD-18A65C6B842C}"/>
               </a:ext>
             </a:extLst>
           </p:cNvPr>
@@ -29643,7 +29716,7 @@
             <p:cNvPr id="56" name="Object 79">
               <a:extLst>
                 <a:ext uri="{FF2B5EF4-FFF2-40B4-BE49-F238E27FC236}">
-                  <a16:creationId xmlns:a16="http://schemas.microsoft.com/office/drawing/2014/main" id="{E25B6956-9214-92AD-E3BE-76BD8004A290}"/>
+                  <a16:creationId xmlns:a16="http://schemas.microsoft.com/office/drawing/2014/main" xmlns="" id="{E25B6956-9214-92AD-E3BE-76BD8004A290}"/>
                 </a:ext>
               </a:extLst>
             </p:cNvPr>
@@ -29674,7 +29747,7 @@
           <p:cNvPr id="1035" name="그룹 1033">
             <a:extLst>
               <a:ext uri="{FF2B5EF4-FFF2-40B4-BE49-F238E27FC236}">
-                <a16:creationId xmlns:a16="http://schemas.microsoft.com/office/drawing/2014/main" id="{D73E3025-F115-E55E-EF23-4D6797E7FB36}"/>
+                <a16:creationId xmlns:a16="http://schemas.microsoft.com/office/drawing/2014/main" xmlns="" id="{D73E3025-F115-E55E-EF23-4D6797E7FB36}"/>
               </a:ext>
             </a:extLst>
           </p:cNvPr>
@@ -29694,7 +29767,7 @@
             <p:cNvPr id="1036" name="Object 106">
               <a:extLst>
                 <a:ext uri="{FF2B5EF4-FFF2-40B4-BE49-F238E27FC236}">
-                  <a16:creationId xmlns:a16="http://schemas.microsoft.com/office/drawing/2014/main" id="{8520A7AC-F815-28A4-BBEF-DE7D5864E765}"/>
+                  <a16:creationId xmlns:a16="http://schemas.microsoft.com/office/drawing/2014/main" xmlns="" id="{8520A7AC-F815-28A4-BBEF-DE7D5864E765}"/>
                 </a:ext>
               </a:extLst>
             </p:cNvPr>
@@ -29724,7 +29797,7 @@
             <p:cNvPr id="1037" name="Object 107">
               <a:extLst>
                 <a:ext uri="{FF2B5EF4-FFF2-40B4-BE49-F238E27FC236}">
-                  <a16:creationId xmlns:a16="http://schemas.microsoft.com/office/drawing/2014/main" id="{C851393C-134A-FA66-1D11-2E2CCD59942B}"/>
+                  <a16:creationId xmlns:a16="http://schemas.microsoft.com/office/drawing/2014/main" xmlns="" id="{C851393C-134A-FA66-1D11-2E2CCD59942B}"/>
                 </a:ext>
               </a:extLst>
             </p:cNvPr>
@@ -29755,7 +29828,7 @@
           <p:cNvPr id="1038" name="그룹 1034">
             <a:extLst>
               <a:ext uri="{FF2B5EF4-FFF2-40B4-BE49-F238E27FC236}">
-                <a16:creationId xmlns:a16="http://schemas.microsoft.com/office/drawing/2014/main" id="{67E1244D-9E54-082C-A2CE-3B504AD8CEF0}"/>
+                <a16:creationId xmlns:a16="http://schemas.microsoft.com/office/drawing/2014/main" xmlns="" id="{67E1244D-9E54-082C-A2CE-3B504AD8CEF0}"/>
               </a:ext>
             </a:extLst>
           </p:cNvPr>
@@ -29775,7 +29848,7 @@
             <p:cNvPr id="1039" name="Object 110">
               <a:extLst>
                 <a:ext uri="{FF2B5EF4-FFF2-40B4-BE49-F238E27FC236}">
-                  <a16:creationId xmlns:a16="http://schemas.microsoft.com/office/drawing/2014/main" id="{39916F35-38F4-36A0-54AB-00C44489D473}"/>
+                  <a16:creationId xmlns:a16="http://schemas.microsoft.com/office/drawing/2014/main" xmlns="" id="{39916F35-38F4-36A0-54AB-00C44489D473}"/>
                 </a:ext>
               </a:extLst>
             </p:cNvPr>
@@ -29806,7 +29879,7 @@
           <p:cNvPr id="1042" name="Picture 8" descr="파이썬(Python)] list.index() 란? (numpy.where() 포함) : 네이버 블로그">
             <a:extLst>
               <a:ext uri="{FF2B5EF4-FFF2-40B4-BE49-F238E27FC236}">
-                <a16:creationId xmlns:a16="http://schemas.microsoft.com/office/drawing/2014/main" id="{AEF8CB8F-7296-BB55-F1DA-9F2148886EEB}"/>
+                <a16:creationId xmlns:a16="http://schemas.microsoft.com/office/drawing/2014/main" xmlns="" id="{AEF8CB8F-7296-BB55-F1DA-9F2148886EEB}"/>
               </a:ext>
             </a:extLst>
           </p:cNvPr>
@@ -29853,7 +29926,7 @@
           <p:cNvPr id="1043" name="TextBox 1042">
             <a:extLst>
               <a:ext uri="{FF2B5EF4-FFF2-40B4-BE49-F238E27FC236}">
-                <a16:creationId xmlns:a16="http://schemas.microsoft.com/office/drawing/2014/main" id="{27B64C9D-E65D-96F4-B34A-A3CB8B8780C5}"/>
+                <a16:creationId xmlns:a16="http://schemas.microsoft.com/office/drawing/2014/main" xmlns="" id="{27B64C9D-E65D-96F4-B34A-A3CB8B8780C5}"/>
               </a:ext>
             </a:extLst>
           </p:cNvPr>
@@ -29907,7 +29980,7 @@
           <p:cNvPr id="1044" name="TextBox 1043">
             <a:extLst>
               <a:ext uri="{FF2B5EF4-FFF2-40B4-BE49-F238E27FC236}">
-                <a16:creationId xmlns:a16="http://schemas.microsoft.com/office/drawing/2014/main" id="{C4599B3E-CC08-57FF-08E5-A3FBEA865095}"/>
+                <a16:creationId xmlns:a16="http://schemas.microsoft.com/office/drawing/2014/main" xmlns="" id="{C4599B3E-CC08-57FF-08E5-A3FBEA865095}"/>
               </a:ext>
             </a:extLst>
           </p:cNvPr>
@@ -29961,7 +30034,7 @@
           <p:cNvPr id="1045" name="TextBox 1044">
             <a:extLst>
               <a:ext uri="{FF2B5EF4-FFF2-40B4-BE49-F238E27FC236}">
-                <a16:creationId xmlns:a16="http://schemas.microsoft.com/office/drawing/2014/main" id="{7A3057D0-D484-808B-CC5E-1410F7218D4D}"/>
+                <a16:creationId xmlns:a16="http://schemas.microsoft.com/office/drawing/2014/main" xmlns="" id="{7A3057D0-D484-808B-CC5E-1410F7218D4D}"/>
               </a:ext>
             </a:extLst>
           </p:cNvPr>
@@ -30009,7 +30082,7 @@
           <p:cNvPr id="1046" name="TextBox 1045">
             <a:extLst>
               <a:ext uri="{FF2B5EF4-FFF2-40B4-BE49-F238E27FC236}">
-                <a16:creationId xmlns:a16="http://schemas.microsoft.com/office/drawing/2014/main" id="{91B5D623-8251-9879-E6BD-280C865D97B2}"/>
+                <a16:creationId xmlns:a16="http://schemas.microsoft.com/office/drawing/2014/main" xmlns="" id="{91B5D623-8251-9879-E6BD-280C865D97B2}"/>
               </a:ext>
             </a:extLst>
           </p:cNvPr>
@@ -30057,7 +30130,7 @@
           <p:cNvPr id="1047" name="TextBox 1046">
             <a:extLst>
               <a:ext uri="{FF2B5EF4-FFF2-40B4-BE49-F238E27FC236}">
-                <a16:creationId xmlns:a16="http://schemas.microsoft.com/office/drawing/2014/main" id="{FBF4B2FE-7788-29F2-717D-1FDCBCCFE7C4}"/>
+                <a16:creationId xmlns:a16="http://schemas.microsoft.com/office/drawing/2014/main" xmlns="" id="{FBF4B2FE-7788-29F2-717D-1FDCBCCFE7C4}"/>
               </a:ext>
             </a:extLst>
           </p:cNvPr>
@@ -30105,7 +30178,7 @@
           <p:cNvPr id="1048" name="TextBox 1047">
             <a:extLst>
               <a:ext uri="{FF2B5EF4-FFF2-40B4-BE49-F238E27FC236}">
-                <a16:creationId xmlns:a16="http://schemas.microsoft.com/office/drawing/2014/main" id="{E832C0FB-BB90-DEFF-CCF0-4536A06CE6C0}"/>
+                <a16:creationId xmlns:a16="http://schemas.microsoft.com/office/drawing/2014/main" xmlns="" id="{E832C0FB-BB90-DEFF-CCF0-4536A06CE6C0}"/>
               </a:ext>
             </a:extLst>
           </p:cNvPr>
@@ -30159,7 +30232,7 @@
           <p:cNvPr id="1049" name="TextBox 1048">
             <a:extLst>
               <a:ext uri="{FF2B5EF4-FFF2-40B4-BE49-F238E27FC236}">
-                <a16:creationId xmlns:a16="http://schemas.microsoft.com/office/drawing/2014/main" id="{593E617E-FB1F-51C8-8A73-13A7548F0A0E}"/>
+                <a16:creationId xmlns:a16="http://schemas.microsoft.com/office/drawing/2014/main" xmlns="" id="{593E617E-FB1F-51C8-8A73-13A7548F0A0E}"/>
               </a:ext>
             </a:extLst>
           </p:cNvPr>
@@ -30213,7 +30286,7 @@
           <p:cNvPr id="1050" name="TextBox 1049">
             <a:extLst>
               <a:ext uri="{FF2B5EF4-FFF2-40B4-BE49-F238E27FC236}">
-                <a16:creationId xmlns:a16="http://schemas.microsoft.com/office/drawing/2014/main" id="{5186B090-78BE-5F53-49F6-B41D706C210C}"/>
+                <a16:creationId xmlns:a16="http://schemas.microsoft.com/office/drawing/2014/main" xmlns="" id="{5186B090-78BE-5F53-49F6-B41D706C210C}"/>
               </a:ext>
             </a:extLst>
           </p:cNvPr>
@@ -30261,7 +30334,7 @@
           <p:cNvPr id="1051" name="TextBox 1050">
             <a:extLst>
               <a:ext uri="{FF2B5EF4-FFF2-40B4-BE49-F238E27FC236}">
-                <a16:creationId xmlns:a16="http://schemas.microsoft.com/office/drawing/2014/main" id="{4AD5A51B-11C4-F9B4-D184-DB43D71FCCBA}"/>
+                <a16:creationId xmlns:a16="http://schemas.microsoft.com/office/drawing/2014/main" xmlns="" id="{4AD5A51B-11C4-F9B4-D184-DB43D71FCCBA}"/>
               </a:ext>
             </a:extLst>
           </p:cNvPr>
@@ -30354,7 +30427,7 @@
           <p:cNvPr id="1052" name="TextBox 1051">
             <a:extLst>
               <a:ext uri="{FF2B5EF4-FFF2-40B4-BE49-F238E27FC236}">
-                <a16:creationId xmlns:a16="http://schemas.microsoft.com/office/drawing/2014/main" id="{68134F56-0A3C-8844-7041-3297CCA224F2}"/>
+                <a16:creationId xmlns:a16="http://schemas.microsoft.com/office/drawing/2014/main" xmlns="" id="{68134F56-0A3C-8844-7041-3297CCA224F2}"/>
               </a:ext>
             </a:extLst>
           </p:cNvPr>
@@ -30460,7 +30533,7 @@
           <p:cNvPr id="1053" name="TextBox 1052">
             <a:extLst>
               <a:ext uri="{FF2B5EF4-FFF2-40B4-BE49-F238E27FC236}">
-                <a16:creationId xmlns:a16="http://schemas.microsoft.com/office/drawing/2014/main" id="{61CA651E-FA07-5796-3FBA-2BEDE69DAF28}"/>
+                <a16:creationId xmlns:a16="http://schemas.microsoft.com/office/drawing/2014/main" xmlns="" id="{61CA651E-FA07-5796-3FBA-2BEDE69DAF28}"/>
               </a:ext>
             </a:extLst>
           </p:cNvPr>
@@ -30504,7 +30577,7 @@
           <p:cNvPr id="1054" name="TextBox 1053">
             <a:extLst>
               <a:ext uri="{FF2B5EF4-FFF2-40B4-BE49-F238E27FC236}">
-                <a16:creationId xmlns:a16="http://schemas.microsoft.com/office/drawing/2014/main" id="{487AD9CF-790F-DE24-8B85-386D4F11FE54}"/>
+                <a16:creationId xmlns:a16="http://schemas.microsoft.com/office/drawing/2014/main" xmlns="" id="{487AD9CF-790F-DE24-8B85-386D4F11FE54}"/>
               </a:ext>
             </a:extLst>
           </p:cNvPr>
@@ -30930,7 +31003,7 @@
           <p:cNvPr id="5" name="직사각형 4">
             <a:extLst>
               <a:ext uri="{FF2B5EF4-FFF2-40B4-BE49-F238E27FC236}">
-                <a16:creationId xmlns:a16="http://schemas.microsoft.com/office/drawing/2014/main" id="{FFF506F9-840A-0508-4CAF-3AC711D8D5CE}"/>
+                <a16:creationId xmlns:a16="http://schemas.microsoft.com/office/drawing/2014/main" xmlns="" id="{FFF506F9-840A-0508-4CAF-3AC711D8D5CE}"/>
               </a:ext>
             </a:extLst>
           </p:cNvPr>
@@ -30982,7 +31055,7 @@
           <p:cNvPr id="6" name="직선 화살표 연결선 5">
             <a:extLst>
               <a:ext uri="{FF2B5EF4-FFF2-40B4-BE49-F238E27FC236}">
-                <a16:creationId xmlns:a16="http://schemas.microsoft.com/office/drawing/2014/main" id="{299DF5EC-9DF4-5255-06AC-0A7CE4FF58C3}"/>
+                <a16:creationId xmlns:a16="http://schemas.microsoft.com/office/drawing/2014/main" xmlns="" id="{299DF5EC-9DF4-5255-06AC-0A7CE4FF58C3}"/>
               </a:ext>
             </a:extLst>
           </p:cNvPr>
@@ -31023,7 +31096,7 @@
           <p:cNvPr id="7" name="TextBox 6">
             <a:extLst>
               <a:ext uri="{FF2B5EF4-FFF2-40B4-BE49-F238E27FC236}">
-                <a16:creationId xmlns:a16="http://schemas.microsoft.com/office/drawing/2014/main" id="{C6D113C6-EA5C-788F-0C77-E7CE6EBB865F}"/>
+                <a16:creationId xmlns:a16="http://schemas.microsoft.com/office/drawing/2014/main" xmlns="" id="{C6D113C6-EA5C-788F-0C77-E7CE6EBB865F}"/>
               </a:ext>
             </a:extLst>
           </p:cNvPr>
@@ -31081,7 +31154,7 @@
           <p:cNvPr id="9" name="직사각형 8">
             <a:extLst>
               <a:ext uri="{FF2B5EF4-FFF2-40B4-BE49-F238E27FC236}">
-                <a16:creationId xmlns:a16="http://schemas.microsoft.com/office/drawing/2014/main" id="{FFF506F9-840A-0508-4CAF-3AC711D8D5CE}"/>
+                <a16:creationId xmlns:a16="http://schemas.microsoft.com/office/drawing/2014/main" xmlns="" id="{FFF506F9-840A-0508-4CAF-3AC711D8D5CE}"/>
               </a:ext>
             </a:extLst>
           </p:cNvPr>
@@ -31133,7 +31206,7 @@
           <p:cNvPr id="10" name="직선 화살표 연결선 9">
             <a:extLst>
               <a:ext uri="{FF2B5EF4-FFF2-40B4-BE49-F238E27FC236}">
-                <a16:creationId xmlns:a16="http://schemas.microsoft.com/office/drawing/2014/main" id="{299DF5EC-9DF4-5255-06AC-0A7CE4FF58C3}"/>
+                <a16:creationId xmlns:a16="http://schemas.microsoft.com/office/drawing/2014/main" xmlns="" id="{299DF5EC-9DF4-5255-06AC-0A7CE4FF58C3}"/>
               </a:ext>
             </a:extLst>
           </p:cNvPr>
@@ -31174,7 +31247,7 @@
           <p:cNvPr id="11" name="TextBox 10">
             <a:extLst>
               <a:ext uri="{FF2B5EF4-FFF2-40B4-BE49-F238E27FC236}">
-                <a16:creationId xmlns:a16="http://schemas.microsoft.com/office/drawing/2014/main" id="{C6D113C6-EA5C-788F-0C77-E7CE6EBB865F}"/>
+                <a16:creationId xmlns:a16="http://schemas.microsoft.com/office/drawing/2014/main" xmlns="" id="{C6D113C6-EA5C-788F-0C77-E7CE6EBB865F}"/>
               </a:ext>
             </a:extLst>
           </p:cNvPr>
@@ -31276,7 +31349,7 @@
           <p:cNvPr id="4" name="TextBox 3">
             <a:extLst>
               <a:ext uri="{FF2B5EF4-FFF2-40B4-BE49-F238E27FC236}">
-                <a16:creationId xmlns:a16="http://schemas.microsoft.com/office/drawing/2014/main" id="{7229BEA6-121E-9056-D07F-2B3BB1795F76}"/>
+                <a16:creationId xmlns:a16="http://schemas.microsoft.com/office/drawing/2014/main" xmlns="" id="{7229BEA6-121E-9056-D07F-2B3BB1795F76}"/>
               </a:ext>
             </a:extLst>
           </p:cNvPr>
@@ -31324,7 +31397,7 @@
           <p:cNvPr id="8" name="직선 화살표 연결선 7">
             <a:extLst>
               <a:ext uri="{FF2B5EF4-FFF2-40B4-BE49-F238E27FC236}">
-                <a16:creationId xmlns:a16="http://schemas.microsoft.com/office/drawing/2014/main" id="{299DF5EC-9DF4-5255-06AC-0A7CE4FF58C3}"/>
+                <a16:creationId xmlns:a16="http://schemas.microsoft.com/office/drawing/2014/main" xmlns="" id="{299DF5EC-9DF4-5255-06AC-0A7CE4FF58C3}"/>
               </a:ext>
             </a:extLst>
           </p:cNvPr>
@@ -31365,7 +31438,7 @@
           <p:cNvPr id="9" name="TextBox 8">
             <a:extLst>
               <a:ext uri="{FF2B5EF4-FFF2-40B4-BE49-F238E27FC236}">
-                <a16:creationId xmlns:a16="http://schemas.microsoft.com/office/drawing/2014/main" id="{C6D113C6-EA5C-788F-0C77-E7CE6EBB865F}"/>
+                <a16:creationId xmlns:a16="http://schemas.microsoft.com/office/drawing/2014/main" xmlns="" id="{C6D113C6-EA5C-788F-0C77-E7CE6EBB865F}"/>
               </a:ext>
             </a:extLst>
           </p:cNvPr>
@@ -31423,7 +31496,7 @@
           <p:cNvPr id="11" name="직선 화살표 연결선 10">
             <a:extLst>
               <a:ext uri="{FF2B5EF4-FFF2-40B4-BE49-F238E27FC236}">
-                <a16:creationId xmlns:a16="http://schemas.microsoft.com/office/drawing/2014/main" id="{299DF5EC-9DF4-5255-06AC-0A7CE4FF58C3}"/>
+                <a16:creationId xmlns:a16="http://schemas.microsoft.com/office/drawing/2014/main" xmlns="" id="{299DF5EC-9DF4-5255-06AC-0A7CE4FF58C3}"/>
               </a:ext>
             </a:extLst>
           </p:cNvPr>
@@ -31464,7 +31537,7 @@
           <p:cNvPr id="12" name="TextBox 11">
             <a:extLst>
               <a:ext uri="{FF2B5EF4-FFF2-40B4-BE49-F238E27FC236}">
-                <a16:creationId xmlns:a16="http://schemas.microsoft.com/office/drawing/2014/main" id="{C6D113C6-EA5C-788F-0C77-E7CE6EBB865F}"/>
+                <a16:creationId xmlns:a16="http://schemas.microsoft.com/office/drawing/2014/main" xmlns="" id="{C6D113C6-EA5C-788F-0C77-E7CE6EBB865F}"/>
               </a:ext>
             </a:extLst>
           </p:cNvPr>
@@ -31582,7 +31655,7 @@
           <p:cNvPr id="13" name="직선 화살표 연결선 12">
             <a:extLst>
               <a:ext uri="{FF2B5EF4-FFF2-40B4-BE49-F238E27FC236}">
-                <a16:creationId xmlns:a16="http://schemas.microsoft.com/office/drawing/2014/main" id="{299DF5EC-9DF4-5255-06AC-0A7CE4FF58C3}"/>
+                <a16:creationId xmlns:a16="http://schemas.microsoft.com/office/drawing/2014/main" xmlns="" id="{299DF5EC-9DF4-5255-06AC-0A7CE4FF58C3}"/>
               </a:ext>
             </a:extLst>
           </p:cNvPr>
@@ -31623,7 +31696,7 @@
           <p:cNvPr id="14" name="TextBox 13">
             <a:extLst>
               <a:ext uri="{FF2B5EF4-FFF2-40B4-BE49-F238E27FC236}">
-                <a16:creationId xmlns:a16="http://schemas.microsoft.com/office/drawing/2014/main" id="{C6D113C6-EA5C-788F-0C77-E7CE6EBB865F}"/>
+                <a16:creationId xmlns:a16="http://schemas.microsoft.com/office/drawing/2014/main" xmlns="" id="{C6D113C6-EA5C-788F-0C77-E7CE6EBB865F}"/>
               </a:ext>
             </a:extLst>
           </p:cNvPr>
@@ -31701,7 +31774,7 @@
           <p:cNvPr id="16" name="직선 화살표 연결선 15">
             <a:extLst>
               <a:ext uri="{FF2B5EF4-FFF2-40B4-BE49-F238E27FC236}">
-                <a16:creationId xmlns:a16="http://schemas.microsoft.com/office/drawing/2014/main" id="{299DF5EC-9DF4-5255-06AC-0A7CE4FF58C3}"/>
+                <a16:creationId xmlns:a16="http://schemas.microsoft.com/office/drawing/2014/main" xmlns="" id="{299DF5EC-9DF4-5255-06AC-0A7CE4FF58C3}"/>
               </a:ext>
             </a:extLst>
           </p:cNvPr>
@@ -31742,7 +31815,7 @@
           <p:cNvPr id="17" name="TextBox 16">
             <a:extLst>
               <a:ext uri="{FF2B5EF4-FFF2-40B4-BE49-F238E27FC236}">
-                <a16:creationId xmlns:a16="http://schemas.microsoft.com/office/drawing/2014/main" id="{C6D113C6-EA5C-788F-0C77-E7CE6EBB865F}"/>
+                <a16:creationId xmlns:a16="http://schemas.microsoft.com/office/drawing/2014/main" xmlns="" id="{C6D113C6-EA5C-788F-0C77-E7CE6EBB865F}"/>
               </a:ext>
             </a:extLst>
           </p:cNvPr>
@@ -31790,7 +31863,7 @@
           <p:cNvPr id="18" name="직선 화살표 연결선 17">
             <a:extLst>
               <a:ext uri="{FF2B5EF4-FFF2-40B4-BE49-F238E27FC236}">
-                <a16:creationId xmlns:a16="http://schemas.microsoft.com/office/drawing/2014/main" id="{299DF5EC-9DF4-5255-06AC-0A7CE4FF58C3}"/>
+                <a16:creationId xmlns:a16="http://schemas.microsoft.com/office/drawing/2014/main" xmlns="" id="{299DF5EC-9DF4-5255-06AC-0A7CE4FF58C3}"/>
               </a:ext>
             </a:extLst>
           </p:cNvPr>
@@ -31831,7 +31904,7 @@
           <p:cNvPr id="19" name="TextBox 18">
             <a:extLst>
               <a:ext uri="{FF2B5EF4-FFF2-40B4-BE49-F238E27FC236}">
-                <a16:creationId xmlns:a16="http://schemas.microsoft.com/office/drawing/2014/main" id="{C6D113C6-EA5C-788F-0C77-E7CE6EBB865F}"/>
+                <a16:creationId xmlns:a16="http://schemas.microsoft.com/office/drawing/2014/main" xmlns="" id="{C6D113C6-EA5C-788F-0C77-E7CE6EBB865F}"/>
               </a:ext>
             </a:extLst>
           </p:cNvPr>
@@ -32326,7 +32399,7 @@
           <p:cNvPr id="4" name="그룹 1018">
             <a:extLst>
               <a:ext uri="{FF2B5EF4-FFF2-40B4-BE49-F238E27FC236}">
-                <a16:creationId xmlns:a16="http://schemas.microsoft.com/office/drawing/2014/main" id="{BE4AAF13-A11B-7E60-33C1-D156A6926154}"/>
+                <a16:creationId xmlns:a16="http://schemas.microsoft.com/office/drawing/2014/main" xmlns="" id="{BE4AAF13-A11B-7E60-33C1-D156A6926154}"/>
               </a:ext>
             </a:extLst>
           </p:cNvPr>
@@ -32346,7 +32419,7 @@
             <p:cNvPr id="5" name="Object 61">
               <a:extLst>
                 <a:ext uri="{FF2B5EF4-FFF2-40B4-BE49-F238E27FC236}">
-                  <a16:creationId xmlns:a16="http://schemas.microsoft.com/office/drawing/2014/main" id="{125B2204-5CAB-AF42-4145-B61B7DFFDB21}"/>
+                  <a16:creationId xmlns:a16="http://schemas.microsoft.com/office/drawing/2014/main" xmlns="" id="{125B2204-5CAB-AF42-4145-B61B7DFFDB21}"/>
                 </a:ext>
               </a:extLst>
             </p:cNvPr>
@@ -32377,7 +32450,7 @@
           <p:cNvPr id="6" name="그룹 1021">
             <a:extLst>
               <a:ext uri="{FF2B5EF4-FFF2-40B4-BE49-F238E27FC236}">
-                <a16:creationId xmlns:a16="http://schemas.microsoft.com/office/drawing/2014/main" id="{DAE466EB-8914-A47B-444E-4C193B0D877A}"/>
+                <a16:creationId xmlns:a16="http://schemas.microsoft.com/office/drawing/2014/main" xmlns="" id="{DAE466EB-8914-A47B-444E-4C193B0D877A}"/>
               </a:ext>
             </a:extLst>
           </p:cNvPr>
@@ -32397,7 +32470,7 @@
             <p:cNvPr id="7" name="Object 71">
               <a:extLst>
                 <a:ext uri="{FF2B5EF4-FFF2-40B4-BE49-F238E27FC236}">
-                  <a16:creationId xmlns:a16="http://schemas.microsoft.com/office/drawing/2014/main" id="{44802802-8C0A-9B02-4940-D16EEB7C206A}"/>
+                  <a16:creationId xmlns:a16="http://schemas.microsoft.com/office/drawing/2014/main" xmlns="" id="{44802802-8C0A-9B02-4940-D16EEB7C206A}"/>
                 </a:ext>
               </a:extLst>
             </p:cNvPr>
@@ -32428,7 +32501,7 @@
           <p:cNvPr id="8" name="TextBox 7">
             <a:extLst>
               <a:ext uri="{FF2B5EF4-FFF2-40B4-BE49-F238E27FC236}">
-                <a16:creationId xmlns:a16="http://schemas.microsoft.com/office/drawing/2014/main" id="{4EDAA912-8FA0-0F11-119B-EA9F8B36A489}"/>
+                <a16:creationId xmlns:a16="http://schemas.microsoft.com/office/drawing/2014/main" xmlns="" id="{4EDAA912-8FA0-0F11-119B-EA9F8B36A489}"/>
               </a:ext>
             </a:extLst>
           </p:cNvPr>
@@ -32476,7 +32549,7 @@
           <p:cNvPr id="9" name="TextBox 8">
             <a:extLst>
               <a:ext uri="{FF2B5EF4-FFF2-40B4-BE49-F238E27FC236}">
-                <a16:creationId xmlns:a16="http://schemas.microsoft.com/office/drawing/2014/main" id="{50E9E326-9165-4EB7-F036-2D0C3593471A}"/>
+                <a16:creationId xmlns:a16="http://schemas.microsoft.com/office/drawing/2014/main" xmlns="" id="{50E9E326-9165-4EB7-F036-2D0C3593471A}"/>
               </a:ext>
             </a:extLst>
           </p:cNvPr>
@@ -32524,7 +32597,7 @@
           <p:cNvPr id="10" name="직선 화살표 연결선 9">
             <a:extLst>
               <a:ext uri="{FF2B5EF4-FFF2-40B4-BE49-F238E27FC236}">
-                <a16:creationId xmlns:a16="http://schemas.microsoft.com/office/drawing/2014/main" id="{6C0677B1-2150-0DB1-2BB2-EE13A87409E9}"/>
+                <a16:creationId xmlns:a16="http://schemas.microsoft.com/office/drawing/2014/main" xmlns="" id="{6C0677B1-2150-0DB1-2BB2-EE13A87409E9}"/>
               </a:ext>
             </a:extLst>
           </p:cNvPr>
@@ -32567,7 +32640,7 @@
           <p:cNvPr id="12" name="그룹 1024">
             <a:extLst>
               <a:ext uri="{FF2B5EF4-FFF2-40B4-BE49-F238E27FC236}">
-                <a16:creationId xmlns:a16="http://schemas.microsoft.com/office/drawing/2014/main" id="{48B1F9B2-501C-80B7-7C7B-CFA80857C34A}"/>
+                <a16:creationId xmlns:a16="http://schemas.microsoft.com/office/drawing/2014/main" xmlns="" id="{48B1F9B2-501C-80B7-7C7B-CFA80857C34A}"/>
               </a:ext>
             </a:extLst>
           </p:cNvPr>
@@ -32587,7 +32660,7 @@
             <p:cNvPr id="13" name="Object 81">
               <a:extLst>
                 <a:ext uri="{FF2B5EF4-FFF2-40B4-BE49-F238E27FC236}">
-                  <a16:creationId xmlns:a16="http://schemas.microsoft.com/office/drawing/2014/main" id="{A427AC54-6F46-2451-454E-795C016377BE}"/>
+                  <a16:creationId xmlns:a16="http://schemas.microsoft.com/office/drawing/2014/main" xmlns="" id="{A427AC54-6F46-2451-454E-795C016377BE}"/>
                 </a:ext>
               </a:extLst>
             </p:cNvPr>
@@ -32618,7 +32691,7 @@
           <p:cNvPr id="14" name="TextBox 13">
             <a:extLst>
               <a:ext uri="{FF2B5EF4-FFF2-40B4-BE49-F238E27FC236}">
-                <a16:creationId xmlns:a16="http://schemas.microsoft.com/office/drawing/2014/main" id="{A827F657-20B0-7A83-02DD-3C1A851412BF}"/>
+                <a16:creationId xmlns:a16="http://schemas.microsoft.com/office/drawing/2014/main" xmlns="" id="{A827F657-20B0-7A83-02DD-3C1A851412BF}"/>
               </a:ext>
             </a:extLst>
           </p:cNvPr>
@@ -32666,7 +32739,7 @@
           <p:cNvPr id="19" name="직선 화살표 연결선 18">
             <a:extLst>
               <a:ext uri="{FF2B5EF4-FFF2-40B4-BE49-F238E27FC236}">
-                <a16:creationId xmlns:a16="http://schemas.microsoft.com/office/drawing/2014/main" id="{6C0677B1-2150-0DB1-2BB2-EE13A87409E9}"/>
+                <a16:creationId xmlns:a16="http://schemas.microsoft.com/office/drawing/2014/main" xmlns="" id="{6C0677B1-2150-0DB1-2BB2-EE13A87409E9}"/>
               </a:ext>
             </a:extLst>
           </p:cNvPr>
@@ -32707,7 +32780,7 @@
           <p:cNvPr id="20" name="그룹 1021">
             <a:extLst>
               <a:ext uri="{FF2B5EF4-FFF2-40B4-BE49-F238E27FC236}">
-                <a16:creationId xmlns:a16="http://schemas.microsoft.com/office/drawing/2014/main" id="{DAE466EB-8914-A47B-444E-4C193B0D877A}"/>
+                <a16:creationId xmlns:a16="http://schemas.microsoft.com/office/drawing/2014/main" xmlns="" id="{DAE466EB-8914-A47B-444E-4C193B0D877A}"/>
               </a:ext>
             </a:extLst>
           </p:cNvPr>
@@ -32727,7 +32800,7 @@
             <p:cNvPr id="21" name="Object 71">
               <a:extLst>
                 <a:ext uri="{FF2B5EF4-FFF2-40B4-BE49-F238E27FC236}">
-                  <a16:creationId xmlns:a16="http://schemas.microsoft.com/office/drawing/2014/main" id="{44802802-8C0A-9B02-4940-D16EEB7C206A}"/>
+                  <a16:creationId xmlns:a16="http://schemas.microsoft.com/office/drawing/2014/main" xmlns="" id="{44802802-8C0A-9B02-4940-D16EEB7C206A}"/>
                 </a:ext>
               </a:extLst>
             </p:cNvPr>
@@ -32758,7 +32831,7 @@
           <p:cNvPr id="22" name="TextBox 21">
             <a:extLst>
               <a:ext uri="{FF2B5EF4-FFF2-40B4-BE49-F238E27FC236}">
-                <a16:creationId xmlns:a16="http://schemas.microsoft.com/office/drawing/2014/main" id="{50E9E326-9165-4EB7-F036-2D0C3593471A}"/>
+                <a16:creationId xmlns:a16="http://schemas.microsoft.com/office/drawing/2014/main" xmlns="" id="{50E9E326-9165-4EB7-F036-2D0C3593471A}"/>
               </a:ext>
             </a:extLst>
           </p:cNvPr>
@@ -32806,7 +32879,7 @@
           <p:cNvPr id="23" name="그룹 1024">
             <a:extLst>
               <a:ext uri="{FF2B5EF4-FFF2-40B4-BE49-F238E27FC236}">
-                <a16:creationId xmlns:a16="http://schemas.microsoft.com/office/drawing/2014/main" id="{48B1F9B2-501C-80B7-7C7B-CFA80857C34A}"/>
+                <a16:creationId xmlns:a16="http://schemas.microsoft.com/office/drawing/2014/main" xmlns="" id="{48B1F9B2-501C-80B7-7C7B-CFA80857C34A}"/>
               </a:ext>
             </a:extLst>
           </p:cNvPr>
@@ -32826,7 +32899,7 @@
             <p:cNvPr id="24" name="Object 81">
               <a:extLst>
                 <a:ext uri="{FF2B5EF4-FFF2-40B4-BE49-F238E27FC236}">
-                  <a16:creationId xmlns:a16="http://schemas.microsoft.com/office/drawing/2014/main" id="{A427AC54-6F46-2451-454E-795C016377BE}"/>
+                  <a16:creationId xmlns:a16="http://schemas.microsoft.com/office/drawing/2014/main" xmlns="" id="{A427AC54-6F46-2451-454E-795C016377BE}"/>
                 </a:ext>
               </a:extLst>
             </p:cNvPr>
@@ -32857,7 +32930,7 @@
           <p:cNvPr id="25" name="TextBox 24">
             <a:extLst>
               <a:ext uri="{FF2B5EF4-FFF2-40B4-BE49-F238E27FC236}">
-                <a16:creationId xmlns:a16="http://schemas.microsoft.com/office/drawing/2014/main" id="{A827F657-20B0-7A83-02DD-3C1A851412BF}"/>
+                <a16:creationId xmlns:a16="http://schemas.microsoft.com/office/drawing/2014/main" xmlns="" id="{A827F657-20B0-7A83-02DD-3C1A851412BF}"/>
               </a:ext>
             </a:extLst>
           </p:cNvPr>
@@ -32905,7 +32978,7 @@
           <p:cNvPr id="26" name="직선 화살표 연결선 25">
             <a:extLst>
               <a:ext uri="{FF2B5EF4-FFF2-40B4-BE49-F238E27FC236}">
-                <a16:creationId xmlns:a16="http://schemas.microsoft.com/office/drawing/2014/main" id="{6C0677B1-2150-0DB1-2BB2-EE13A87409E9}"/>
+                <a16:creationId xmlns:a16="http://schemas.microsoft.com/office/drawing/2014/main" xmlns="" id="{6C0677B1-2150-0DB1-2BB2-EE13A87409E9}"/>
               </a:ext>
             </a:extLst>
           </p:cNvPr>
@@ -32946,7 +33019,7 @@
           <p:cNvPr id="27" name="그룹 1024">
             <a:extLst>
               <a:ext uri="{FF2B5EF4-FFF2-40B4-BE49-F238E27FC236}">
-                <a16:creationId xmlns:a16="http://schemas.microsoft.com/office/drawing/2014/main" id="{48B1F9B2-501C-80B7-7C7B-CFA80857C34A}"/>
+                <a16:creationId xmlns:a16="http://schemas.microsoft.com/office/drawing/2014/main" xmlns="" id="{48B1F9B2-501C-80B7-7C7B-CFA80857C34A}"/>
               </a:ext>
             </a:extLst>
           </p:cNvPr>
@@ -32966,7 +33039,7 @@
             <p:cNvPr id="28" name="Object 81">
               <a:extLst>
                 <a:ext uri="{FF2B5EF4-FFF2-40B4-BE49-F238E27FC236}">
-                  <a16:creationId xmlns:a16="http://schemas.microsoft.com/office/drawing/2014/main" id="{A427AC54-6F46-2451-454E-795C016377BE}"/>
+                  <a16:creationId xmlns:a16="http://schemas.microsoft.com/office/drawing/2014/main" xmlns="" id="{A427AC54-6F46-2451-454E-795C016377BE}"/>
                 </a:ext>
               </a:extLst>
             </p:cNvPr>
@@ -32997,7 +33070,7 @@
           <p:cNvPr id="29" name="TextBox 28">
             <a:extLst>
               <a:ext uri="{FF2B5EF4-FFF2-40B4-BE49-F238E27FC236}">
-                <a16:creationId xmlns:a16="http://schemas.microsoft.com/office/drawing/2014/main" id="{A827F657-20B0-7A83-02DD-3C1A851412BF}"/>
+                <a16:creationId xmlns:a16="http://schemas.microsoft.com/office/drawing/2014/main" xmlns="" id="{A827F657-20B0-7A83-02DD-3C1A851412BF}"/>
               </a:ext>
             </a:extLst>
           </p:cNvPr>
@@ -33045,7 +33118,7 @@
           <p:cNvPr id="30" name="직선 화살표 연결선 29">
             <a:extLst>
               <a:ext uri="{FF2B5EF4-FFF2-40B4-BE49-F238E27FC236}">
-                <a16:creationId xmlns:a16="http://schemas.microsoft.com/office/drawing/2014/main" id="{6C0677B1-2150-0DB1-2BB2-EE13A87409E9}"/>
+                <a16:creationId xmlns:a16="http://schemas.microsoft.com/office/drawing/2014/main" xmlns="" id="{6C0677B1-2150-0DB1-2BB2-EE13A87409E9}"/>
               </a:ext>
             </a:extLst>
           </p:cNvPr>
@@ -33086,7 +33159,7 @@
           <p:cNvPr id="31" name="그룹 1024">
             <a:extLst>
               <a:ext uri="{FF2B5EF4-FFF2-40B4-BE49-F238E27FC236}">
-                <a16:creationId xmlns:a16="http://schemas.microsoft.com/office/drawing/2014/main" id="{48B1F9B2-501C-80B7-7C7B-CFA80857C34A}"/>
+                <a16:creationId xmlns:a16="http://schemas.microsoft.com/office/drawing/2014/main" xmlns="" id="{48B1F9B2-501C-80B7-7C7B-CFA80857C34A}"/>
               </a:ext>
             </a:extLst>
           </p:cNvPr>
@@ -33106,7 +33179,7 @@
             <p:cNvPr id="32" name="Object 81">
               <a:extLst>
                 <a:ext uri="{FF2B5EF4-FFF2-40B4-BE49-F238E27FC236}">
-                  <a16:creationId xmlns:a16="http://schemas.microsoft.com/office/drawing/2014/main" id="{A427AC54-6F46-2451-454E-795C016377BE}"/>
+                  <a16:creationId xmlns:a16="http://schemas.microsoft.com/office/drawing/2014/main" xmlns="" id="{A427AC54-6F46-2451-454E-795C016377BE}"/>
                 </a:ext>
               </a:extLst>
             </p:cNvPr>
@@ -33137,7 +33210,7 @@
           <p:cNvPr id="33" name="TextBox 32">
             <a:extLst>
               <a:ext uri="{FF2B5EF4-FFF2-40B4-BE49-F238E27FC236}">
-                <a16:creationId xmlns:a16="http://schemas.microsoft.com/office/drawing/2014/main" id="{A827F657-20B0-7A83-02DD-3C1A851412BF}"/>
+                <a16:creationId xmlns:a16="http://schemas.microsoft.com/office/drawing/2014/main" xmlns="" id="{A827F657-20B0-7A83-02DD-3C1A851412BF}"/>
               </a:ext>
             </a:extLst>
           </p:cNvPr>
@@ -33185,7 +33258,7 @@
           <p:cNvPr id="34" name="직선 화살표 연결선 33">
             <a:extLst>
               <a:ext uri="{FF2B5EF4-FFF2-40B4-BE49-F238E27FC236}">
-                <a16:creationId xmlns:a16="http://schemas.microsoft.com/office/drawing/2014/main" id="{6C0677B1-2150-0DB1-2BB2-EE13A87409E9}"/>
+                <a16:creationId xmlns:a16="http://schemas.microsoft.com/office/drawing/2014/main" xmlns="" id="{6C0677B1-2150-0DB1-2BB2-EE13A87409E9}"/>
               </a:ext>
             </a:extLst>
           </p:cNvPr>
@@ -33227,7 +33300,7 @@
           <p:cNvPr id="36" name="TextBox 35">
             <a:extLst>
               <a:ext uri="{FF2B5EF4-FFF2-40B4-BE49-F238E27FC236}">
-                <a16:creationId xmlns:a16="http://schemas.microsoft.com/office/drawing/2014/main" id="{7229BEA6-121E-9056-D07F-2B3BB1795F76}"/>
+                <a16:creationId xmlns:a16="http://schemas.microsoft.com/office/drawing/2014/main" xmlns="" id="{7229BEA6-121E-9056-D07F-2B3BB1795F76}"/>
               </a:ext>
             </a:extLst>
           </p:cNvPr>
@@ -33315,7 +33388,7 @@
           <p:cNvPr id="4" name="TextBox 3">
             <a:extLst>
               <a:ext uri="{FF2B5EF4-FFF2-40B4-BE49-F238E27FC236}">
-                <a16:creationId xmlns:a16="http://schemas.microsoft.com/office/drawing/2014/main" id="{DD7B902F-76B9-E86A-E03A-A71A34B95CCB}"/>
+                <a16:creationId xmlns:a16="http://schemas.microsoft.com/office/drawing/2014/main" xmlns="" id="{DD7B902F-76B9-E86A-E03A-A71A34B95CCB}"/>
               </a:ext>
             </a:extLst>
           </p:cNvPr>
@@ -33387,7 +33460,7 @@
           <p:cNvPr id="6" name="직선 화살표 연결선 5">
             <a:extLst>
               <a:ext uri="{FF2B5EF4-FFF2-40B4-BE49-F238E27FC236}">
-                <a16:creationId xmlns:a16="http://schemas.microsoft.com/office/drawing/2014/main" id="{299DF5EC-9DF4-5255-06AC-0A7CE4FF58C3}"/>
+                <a16:creationId xmlns:a16="http://schemas.microsoft.com/office/drawing/2014/main" xmlns="" id="{299DF5EC-9DF4-5255-06AC-0A7CE4FF58C3}"/>
               </a:ext>
             </a:extLst>
           </p:cNvPr>
@@ -33428,7 +33501,7 @@
           <p:cNvPr id="7" name="TextBox 6">
             <a:extLst>
               <a:ext uri="{FF2B5EF4-FFF2-40B4-BE49-F238E27FC236}">
-                <a16:creationId xmlns:a16="http://schemas.microsoft.com/office/drawing/2014/main" id="{C6D113C6-EA5C-788F-0C77-E7CE6EBB865F}"/>
+                <a16:creationId xmlns:a16="http://schemas.microsoft.com/office/drawing/2014/main" xmlns="" id="{C6D113C6-EA5C-788F-0C77-E7CE6EBB865F}"/>
               </a:ext>
             </a:extLst>
           </p:cNvPr>
@@ -33506,7 +33579,7 @@
           <p:cNvPr id="10" name="직선 화살표 연결선 9">
             <a:extLst>
               <a:ext uri="{FF2B5EF4-FFF2-40B4-BE49-F238E27FC236}">
-                <a16:creationId xmlns:a16="http://schemas.microsoft.com/office/drawing/2014/main" id="{299DF5EC-9DF4-5255-06AC-0A7CE4FF58C3}"/>
+                <a16:creationId xmlns:a16="http://schemas.microsoft.com/office/drawing/2014/main" xmlns="" id="{299DF5EC-9DF4-5255-06AC-0A7CE4FF58C3}"/>
               </a:ext>
             </a:extLst>
           </p:cNvPr>
@@ -33547,7 +33620,7 @@
           <p:cNvPr id="12" name="TextBox 11">
             <a:extLst>
               <a:ext uri="{FF2B5EF4-FFF2-40B4-BE49-F238E27FC236}">
-                <a16:creationId xmlns:a16="http://schemas.microsoft.com/office/drawing/2014/main" id="{C6D113C6-EA5C-788F-0C77-E7CE6EBB865F}"/>
+                <a16:creationId xmlns:a16="http://schemas.microsoft.com/office/drawing/2014/main" xmlns="" id="{C6D113C6-EA5C-788F-0C77-E7CE6EBB865F}"/>
               </a:ext>
             </a:extLst>
           </p:cNvPr>
@@ -33635,7 +33708,7 @@
           <p:cNvPr id="45" name="그룹 1027">
             <a:extLst>
               <a:ext uri="{FF2B5EF4-FFF2-40B4-BE49-F238E27FC236}">
-                <a16:creationId xmlns:a16="http://schemas.microsoft.com/office/drawing/2014/main" id="{53A07A13-51E4-791C-645F-34BBD288D7ED}"/>
+                <a16:creationId xmlns:a16="http://schemas.microsoft.com/office/drawing/2014/main" xmlns="" id="{53A07A13-51E4-791C-645F-34BBD288D7ED}"/>
               </a:ext>
             </a:extLst>
           </p:cNvPr>
@@ -33655,7 +33728,7 @@
             <p:cNvPr id="46" name="Object 83">
               <a:extLst>
                 <a:ext uri="{FF2B5EF4-FFF2-40B4-BE49-F238E27FC236}">
-                  <a16:creationId xmlns:a16="http://schemas.microsoft.com/office/drawing/2014/main" id="{3DBE6752-F010-0F4C-781A-C4A0DAB7A9B1}"/>
+                  <a16:creationId xmlns:a16="http://schemas.microsoft.com/office/drawing/2014/main" xmlns="" id="{3DBE6752-F010-0F4C-781A-C4A0DAB7A9B1}"/>
                 </a:ext>
               </a:extLst>
             </p:cNvPr>
@@ -33686,7 +33759,7 @@
           <p:cNvPr id="47" name="그룹 1028">
             <a:extLst>
               <a:ext uri="{FF2B5EF4-FFF2-40B4-BE49-F238E27FC236}">
-                <a16:creationId xmlns:a16="http://schemas.microsoft.com/office/drawing/2014/main" id="{43963B35-0F8B-AD4E-B531-152C907A13D0}"/>
+                <a16:creationId xmlns:a16="http://schemas.microsoft.com/office/drawing/2014/main" xmlns="" id="{43963B35-0F8B-AD4E-B531-152C907A13D0}"/>
               </a:ext>
             </a:extLst>
           </p:cNvPr>
@@ -33706,7 +33779,7 @@
             <p:cNvPr id="48" name="Object 86">
               <a:extLst>
                 <a:ext uri="{FF2B5EF4-FFF2-40B4-BE49-F238E27FC236}">
-                  <a16:creationId xmlns:a16="http://schemas.microsoft.com/office/drawing/2014/main" id="{895E819F-2FF5-761E-C42C-446A1FFA37F6}"/>
+                  <a16:creationId xmlns:a16="http://schemas.microsoft.com/office/drawing/2014/main" xmlns="" id="{895E819F-2FF5-761E-C42C-446A1FFA37F6}"/>
                 </a:ext>
               </a:extLst>
             </p:cNvPr>
@@ -33737,7 +33810,7 @@
           <p:cNvPr id="52" name="Picture 2">
             <a:extLst>
               <a:ext uri="{FF2B5EF4-FFF2-40B4-BE49-F238E27FC236}">
-                <a16:creationId xmlns:a16="http://schemas.microsoft.com/office/drawing/2014/main" id="{264F7433-F762-5F04-9791-0A2A5847EEF6}"/>
+                <a16:creationId xmlns:a16="http://schemas.microsoft.com/office/drawing/2014/main" xmlns="" id="{264F7433-F762-5F04-9791-0A2A5847EEF6}"/>
               </a:ext>
             </a:extLst>
           </p:cNvPr>
@@ -33784,7 +33857,7 @@
           <p:cNvPr id="53" name="TextBox 52">
             <a:extLst>
               <a:ext uri="{FF2B5EF4-FFF2-40B4-BE49-F238E27FC236}">
-                <a16:creationId xmlns:a16="http://schemas.microsoft.com/office/drawing/2014/main" id="{DD7B902F-76B9-E86A-E03A-A71A34B95CCB}"/>
+                <a16:creationId xmlns:a16="http://schemas.microsoft.com/office/drawing/2014/main" xmlns="" id="{DD7B902F-76B9-E86A-E03A-A71A34B95CCB}"/>
               </a:ext>
             </a:extLst>
           </p:cNvPr>
@@ -33832,7 +33905,7 @@
           <p:cNvPr id="54" name="그룹 1023">
             <a:extLst>
               <a:ext uri="{FF2B5EF4-FFF2-40B4-BE49-F238E27FC236}">
-                <a16:creationId xmlns:a16="http://schemas.microsoft.com/office/drawing/2014/main" id="{7B3AE4B7-AA92-B842-0129-30BDA4750021}"/>
+                <a16:creationId xmlns:a16="http://schemas.microsoft.com/office/drawing/2014/main" xmlns="" id="{7B3AE4B7-AA92-B842-0129-30BDA4750021}"/>
               </a:ext>
             </a:extLst>
           </p:cNvPr>
@@ -33852,7 +33925,7 @@
             <p:cNvPr id="55" name="그룹 1024">
               <a:extLst>
                 <a:ext uri="{FF2B5EF4-FFF2-40B4-BE49-F238E27FC236}">
-                  <a16:creationId xmlns:a16="http://schemas.microsoft.com/office/drawing/2014/main" id="{FABD9141-2A1D-DCF3-062F-0246A9B1E6E6}"/>
+                  <a16:creationId xmlns:a16="http://schemas.microsoft.com/office/drawing/2014/main" xmlns="" id="{FABD9141-2A1D-DCF3-062F-0246A9B1E6E6}"/>
                 </a:ext>
               </a:extLst>
             </p:cNvPr>
@@ -33872,7 +33945,7 @@
               <p:cNvPr id="60" name="Object 73">
                 <a:extLst>
                   <a:ext uri="{FF2B5EF4-FFF2-40B4-BE49-F238E27FC236}">
-                    <a16:creationId xmlns:a16="http://schemas.microsoft.com/office/drawing/2014/main" id="{3C1951DA-5095-C0AB-F4A4-E58E11E043EF}"/>
+                    <a16:creationId xmlns:a16="http://schemas.microsoft.com/office/drawing/2014/main" xmlns="" id="{3C1951DA-5095-C0AB-F4A4-E58E11E043EF}"/>
                   </a:ext>
                 </a:extLst>
               </p:cNvPr>
@@ -33903,7 +33976,7 @@
             <p:cNvPr id="56" name="그룹 1025">
               <a:extLst>
                 <a:ext uri="{FF2B5EF4-FFF2-40B4-BE49-F238E27FC236}">
-                  <a16:creationId xmlns:a16="http://schemas.microsoft.com/office/drawing/2014/main" id="{8376E6B2-787B-0FA1-8E7F-A1748DC09174}"/>
+                  <a16:creationId xmlns:a16="http://schemas.microsoft.com/office/drawing/2014/main" xmlns="" id="{8376E6B2-787B-0FA1-8E7F-A1748DC09174}"/>
                 </a:ext>
               </a:extLst>
             </p:cNvPr>
@@ -33923,7 +33996,7 @@
               <p:cNvPr id="59" name="Object 76">
                 <a:extLst>
                   <a:ext uri="{FF2B5EF4-FFF2-40B4-BE49-F238E27FC236}">
-                    <a16:creationId xmlns:a16="http://schemas.microsoft.com/office/drawing/2014/main" id="{7EE6727F-824B-E75D-3E48-40542D35F579}"/>
+                    <a16:creationId xmlns:a16="http://schemas.microsoft.com/office/drawing/2014/main" xmlns="" id="{7EE6727F-824B-E75D-3E48-40542D35F579}"/>
                   </a:ext>
                 </a:extLst>
               </p:cNvPr>
@@ -33954,7 +34027,7 @@
             <p:cNvPr id="57" name="그룹 1026">
               <a:extLst>
                 <a:ext uri="{FF2B5EF4-FFF2-40B4-BE49-F238E27FC236}">
-                  <a16:creationId xmlns:a16="http://schemas.microsoft.com/office/drawing/2014/main" id="{D1EEC863-BAEA-5802-CFB8-29AB9901A4B6}"/>
+                  <a16:creationId xmlns:a16="http://schemas.microsoft.com/office/drawing/2014/main" xmlns="" id="{D1EEC863-BAEA-5802-CFB8-29AB9901A4B6}"/>
                 </a:ext>
               </a:extLst>
             </p:cNvPr>
@@ -33974,7 +34047,7 @@
               <p:cNvPr id="58" name="Object 79">
                 <a:extLst>
                   <a:ext uri="{FF2B5EF4-FFF2-40B4-BE49-F238E27FC236}">
-                    <a16:creationId xmlns:a16="http://schemas.microsoft.com/office/drawing/2014/main" id="{C07D47FA-EC33-F079-E4F5-581EA89BA43B}"/>
+                    <a16:creationId xmlns:a16="http://schemas.microsoft.com/office/drawing/2014/main" xmlns="" id="{C07D47FA-EC33-F079-E4F5-581EA89BA43B}"/>
                   </a:ext>
                 </a:extLst>
               </p:cNvPr>
@@ -34006,7 +34079,7 @@
           <p:cNvPr id="61" name="Picture 4">
             <a:extLst>
               <a:ext uri="{FF2B5EF4-FFF2-40B4-BE49-F238E27FC236}">
-                <a16:creationId xmlns:a16="http://schemas.microsoft.com/office/drawing/2014/main" id="{2AC74C57-4CF3-2F8E-AE8C-C9410451DBAD}"/>
+                <a16:creationId xmlns:a16="http://schemas.microsoft.com/office/drawing/2014/main" xmlns="" id="{2AC74C57-4CF3-2F8E-AE8C-C9410451DBAD}"/>
               </a:ext>
             </a:extLst>
           </p:cNvPr>
@@ -34053,7 +34126,7 @@
           <p:cNvPr id="62" name="TextBox 61">
             <a:extLst>
               <a:ext uri="{FF2B5EF4-FFF2-40B4-BE49-F238E27FC236}">
-                <a16:creationId xmlns:a16="http://schemas.microsoft.com/office/drawing/2014/main" id="{B7907019-CD86-FA9C-C7CB-940835BEDCB4}"/>
+                <a16:creationId xmlns:a16="http://schemas.microsoft.com/office/drawing/2014/main" xmlns="" id="{B7907019-CD86-FA9C-C7CB-940835BEDCB4}"/>
               </a:ext>
             </a:extLst>
           </p:cNvPr>
@@ -34178,7 +34251,7 @@
           <p:cNvPr id="5" name="직사각형 4">
             <a:extLst>
               <a:ext uri="{FF2B5EF4-FFF2-40B4-BE49-F238E27FC236}">
-                <a16:creationId xmlns:a16="http://schemas.microsoft.com/office/drawing/2014/main" id="{FFF506F9-840A-0508-4CAF-3AC711D8D5CE}"/>
+                <a16:creationId xmlns:a16="http://schemas.microsoft.com/office/drawing/2014/main" xmlns="" id="{FFF506F9-840A-0508-4CAF-3AC711D8D5CE}"/>
               </a:ext>
             </a:extLst>
           </p:cNvPr>
@@ -34230,7 +34303,7 @@
           <p:cNvPr id="6" name="직선 화살표 연결선 5">
             <a:extLst>
               <a:ext uri="{FF2B5EF4-FFF2-40B4-BE49-F238E27FC236}">
-                <a16:creationId xmlns:a16="http://schemas.microsoft.com/office/drawing/2014/main" id="{299DF5EC-9DF4-5255-06AC-0A7CE4FF58C3}"/>
+                <a16:creationId xmlns:a16="http://schemas.microsoft.com/office/drawing/2014/main" xmlns="" id="{299DF5EC-9DF4-5255-06AC-0A7CE4FF58C3}"/>
               </a:ext>
             </a:extLst>
           </p:cNvPr>
@@ -34271,7 +34344,7 @@
           <p:cNvPr id="8" name="TextBox 7">
             <a:extLst>
               <a:ext uri="{FF2B5EF4-FFF2-40B4-BE49-F238E27FC236}">
-                <a16:creationId xmlns:a16="http://schemas.microsoft.com/office/drawing/2014/main" id="{C6D113C6-EA5C-788F-0C77-E7CE6EBB865F}"/>
+                <a16:creationId xmlns:a16="http://schemas.microsoft.com/office/drawing/2014/main" xmlns="" id="{C6D113C6-EA5C-788F-0C77-E7CE6EBB865F}"/>
               </a:ext>
             </a:extLst>
           </p:cNvPr>
@@ -34319,7 +34392,7 @@
           <p:cNvPr id="9" name="직사각형 8">
             <a:extLst>
               <a:ext uri="{FF2B5EF4-FFF2-40B4-BE49-F238E27FC236}">
-                <a16:creationId xmlns:a16="http://schemas.microsoft.com/office/drawing/2014/main" id="{FFF506F9-840A-0508-4CAF-3AC711D8D5CE}"/>
+                <a16:creationId xmlns:a16="http://schemas.microsoft.com/office/drawing/2014/main" xmlns="" id="{FFF506F9-840A-0508-4CAF-3AC711D8D5CE}"/>
               </a:ext>
             </a:extLst>
           </p:cNvPr>
@@ -34371,7 +34444,7 @@
           <p:cNvPr id="10" name="직선 화살표 연결선 9">
             <a:extLst>
               <a:ext uri="{FF2B5EF4-FFF2-40B4-BE49-F238E27FC236}">
-                <a16:creationId xmlns:a16="http://schemas.microsoft.com/office/drawing/2014/main" id="{299DF5EC-9DF4-5255-06AC-0A7CE4FF58C3}"/>
+                <a16:creationId xmlns:a16="http://schemas.microsoft.com/office/drawing/2014/main" xmlns="" id="{299DF5EC-9DF4-5255-06AC-0A7CE4FF58C3}"/>
               </a:ext>
             </a:extLst>
           </p:cNvPr>
@@ -34412,7 +34485,7 @@
           <p:cNvPr id="11" name="TextBox 10">
             <a:extLst>
               <a:ext uri="{FF2B5EF4-FFF2-40B4-BE49-F238E27FC236}">
-                <a16:creationId xmlns:a16="http://schemas.microsoft.com/office/drawing/2014/main" id="{C6D113C6-EA5C-788F-0C77-E7CE6EBB865F}"/>
+                <a16:creationId xmlns:a16="http://schemas.microsoft.com/office/drawing/2014/main" xmlns="" id="{C6D113C6-EA5C-788F-0C77-E7CE6EBB865F}"/>
               </a:ext>
             </a:extLst>
           </p:cNvPr>
@@ -34484,7 +34557,7 @@
           <p:cNvPr id="13" name="직사각형 12">
             <a:extLst>
               <a:ext uri="{FF2B5EF4-FFF2-40B4-BE49-F238E27FC236}">
-                <a16:creationId xmlns:a16="http://schemas.microsoft.com/office/drawing/2014/main" id="{FFF506F9-840A-0508-4CAF-3AC711D8D5CE}"/>
+                <a16:creationId xmlns:a16="http://schemas.microsoft.com/office/drawing/2014/main" xmlns="" id="{FFF506F9-840A-0508-4CAF-3AC711D8D5CE}"/>
               </a:ext>
             </a:extLst>
           </p:cNvPr>
@@ -34536,7 +34609,7 @@
           <p:cNvPr id="14" name="직선 화살표 연결선 13">
             <a:extLst>
               <a:ext uri="{FF2B5EF4-FFF2-40B4-BE49-F238E27FC236}">
-                <a16:creationId xmlns:a16="http://schemas.microsoft.com/office/drawing/2014/main" id="{299DF5EC-9DF4-5255-06AC-0A7CE4FF58C3}"/>
+                <a16:creationId xmlns:a16="http://schemas.microsoft.com/office/drawing/2014/main" xmlns="" id="{299DF5EC-9DF4-5255-06AC-0A7CE4FF58C3}"/>
               </a:ext>
             </a:extLst>
           </p:cNvPr>
@@ -34577,7 +34650,7 @@
           <p:cNvPr id="15" name="TextBox 14">
             <a:extLst>
               <a:ext uri="{FF2B5EF4-FFF2-40B4-BE49-F238E27FC236}">
-                <a16:creationId xmlns:a16="http://schemas.microsoft.com/office/drawing/2014/main" id="{C6D113C6-EA5C-788F-0C77-E7CE6EBB865F}"/>
+                <a16:creationId xmlns:a16="http://schemas.microsoft.com/office/drawing/2014/main" xmlns="" id="{C6D113C6-EA5C-788F-0C77-E7CE6EBB865F}"/>
               </a:ext>
             </a:extLst>
           </p:cNvPr>
@@ -34625,7 +34698,7 @@
           <p:cNvPr id="16" name="직사각형 15">
             <a:extLst>
               <a:ext uri="{FF2B5EF4-FFF2-40B4-BE49-F238E27FC236}">
-                <a16:creationId xmlns:a16="http://schemas.microsoft.com/office/drawing/2014/main" id="{FFF506F9-840A-0508-4CAF-3AC711D8D5CE}"/>
+                <a16:creationId xmlns:a16="http://schemas.microsoft.com/office/drawing/2014/main" xmlns="" id="{FFF506F9-840A-0508-4CAF-3AC711D8D5CE}"/>
               </a:ext>
             </a:extLst>
           </p:cNvPr>
@@ -34677,7 +34750,7 @@
           <p:cNvPr id="17" name="직선 화살표 연결선 16">
             <a:extLst>
               <a:ext uri="{FF2B5EF4-FFF2-40B4-BE49-F238E27FC236}">
-                <a16:creationId xmlns:a16="http://schemas.microsoft.com/office/drawing/2014/main" id="{299DF5EC-9DF4-5255-06AC-0A7CE4FF58C3}"/>
+                <a16:creationId xmlns:a16="http://schemas.microsoft.com/office/drawing/2014/main" xmlns="" id="{299DF5EC-9DF4-5255-06AC-0A7CE4FF58C3}"/>
               </a:ext>
             </a:extLst>
           </p:cNvPr>
@@ -34718,7 +34791,7 @@
           <p:cNvPr id="18" name="TextBox 17">
             <a:extLst>
               <a:ext uri="{FF2B5EF4-FFF2-40B4-BE49-F238E27FC236}">
-                <a16:creationId xmlns:a16="http://schemas.microsoft.com/office/drawing/2014/main" id="{C6D113C6-EA5C-788F-0C77-E7CE6EBB865F}"/>
+                <a16:creationId xmlns:a16="http://schemas.microsoft.com/office/drawing/2014/main" xmlns="" id="{C6D113C6-EA5C-788F-0C77-E7CE6EBB865F}"/>
               </a:ext>
             </a:extLst>
           </p:cNvPr>
@@ -35089,7 +35162,7 @@
           <p:cNvPr id="4" name="TextBox 3">
             <a:extLst>
               <a:ext uri="{FF2B5EF4-FFF2-40B4-BE49-F238E27FC236}">
-                <a16:creationId xmlns:a16="http://schemas.microsoft.com/office/drawing/2014/main" id="{7229BEA6-121E-9056-D07F-2B3BB1795F76}"/>
+                <a16:creationId xmlns:a16="http://schemas.microsoft.com/office/drawing/2014/main" xmlns="" id="{7229BEA6-121E-9056-D07F-2B3BB1795F76}"/>
               </a:ext>
             </a:extLst>
           </p:cNvPr>
@@ -35147,7 +35220,7 @@
           <p:cNvPr id="5" name="TextBox 4">
             <a:extLst>
               <a:ext uri="{FF2B5EF4-FFF2-40B4-BE49-F238E27FC236}">
-                <a16:creationId xmlns:a16="http://schemas.microsoft.com/office/drawing/2014/main" id="{5ADC00B6-990A-40DC-3CEA-505258F5E8DA}"/>
+                <a16:creationId xmlns:a16="http://schemas.microsoft.com/office/drawing/2014/main" xmlns="" id="{5ADC00B6-990A-40DC-3CEA-505258F5E8DA}"/>
               </a:ext>
             </a:extLst>
           </p:cNvPr>
@@ -35248,7 +35321,7 @@
           <p:cNvPr id="6" name="TextBox 5">
             <a:extLst>
               <a:ext uri="{FF2B5EF4-FFF2-40B4-BE49-F238E27FC236}">
-                <a16:creationId xmlns:a16="http://schemas.microsoft.com/office/drawing/2014/main" id="{5ADC00B6-990A-40DC-3CEA-505258F5E8DA}"/>
+                <a16:creationId xmlns:a16="http://schemas.microsoft.com/office/drawing/2014/main" xmlns="" id="{5ADC00B6-990A-40DC-3CEA-505258F5E8DA}"/>
               </a:ext>
             </a:extLst>
           </p:cNvPr>
@@ -35480,7 +35553,7 @@
           <p:cNvPr id="4" name="TextBox 3">
             <a:extLst>
               <a:ext uri="{FF2B5EF4-FFF2-40B4-BE49-F238E27FC236}">
-                <a16:creationId xmlns:a16="http://schemas.microsoft.com/office/drawing/2014/main" id="{5ADC00B6-990A-40DC-3CEA-505258F5E8DA}"/>
+                <a16:creationId xmlns:a16="http://schemas.microsoft.com/office/drawing/2014/main" xmlns="" id="{5ADC00B6-990A-40DC-3CEA-505258F5E8DA}"/>
               </a:ext>
             </a:extLst>
           </p:cNvPr>
@@ -35588,7 +35661,7 @@
           <p:cNvPr id="5" name="TextBox 4">
             <a:extLst>
               <a:ext uri="{FF2B5EF4-FFF2-40B4-BE49-F238E27FC236}">
-                <a16:creationId xmlns:a16="http://schemas.microsoft.com/office/drawing/2014/main" id="{5ADC00B6-990A-40DC-3CEA-505258F5E8DA}"/>
+                <a16:creationId xmlns:a16="http://schemas.microsoft.com/office/drawing/2014/main" xmlns="" id="{5ADC00B6-990A-40DC-3CEA-505258F5E8DA}"/>
               </a:ext>
             </a:extLst>
           </p:cNvPr>
@@ -35760,7 +35833,7 @@
           <p:cNvPr id="8" name="직사각형 7">
             <a:extLst>
               <a:ext uri="{FF2B5EF4-FFF2-40B4-BE49-F238E27FC236}">
-                <a16:creationId xmlns:a16="http://schemas.microsoft.com/office/drawing/2014/main" id="{FFF506F9-840A-0508-4CAF-3AC711D8D5CE}"/>
+                <a16:creationId xmlns:a16="http://schemas.microsoft.com/office/drawing/2014/main" xmlns="" id="{FFF506F9-840A-0508-4CAF-3AC711D8D5CE}"/>
               </a:ext>
             </a:extLst>
           </p:cNvPr>
@@ -35817,6 +35890,13 @@
   <p:clrMapOvr>
     <a:masterClrMapping/>
   </p:clrMapOvr>
+  <p:timing>
+    <p:tnLst>
+      <p:par>
+        <p:cTn id="1" dur="indefinite" restart="never" nodeType="tmRoot"/>
+      </p:par>
+    </p:tnLst>
+  </p:timing>
 </p:sld>
 </file>
 
@@ -35842,7 +35922,7 @@
           <p:cNvPr id="4" name="TextBox 3">
             <a:extLst>
               <a:ext uri="{FF2B5EF4-FFF2-40B4-BE49-F238E27FC236}">
-                <a16:creationId xmlns:a16="http://schemas.microsoft.com/office/drawing/2014/main" id="{5ADC00B6-990A-40DC-3CEA-505258F5E8DA}"/>
+                <a16:creationId xmlns:a16="http://schemas.microsoft.com/office/drawing/2014/main" xmlns="" id="{5ADC00B6-990A-40DC-3CEA-505258F5E8DA}"/>
               </a:ext>
             </a:extLst>
           </p:cNvPr>
@@ -36023,7 +36103,7 @@
           <p:cNvPr id="8" name="TextBox 7">
             <a:extLst>
               <a:ext uri="{FF2B5EF4-FFF2-40B4-BE49-F238E27FC236}">
-                <a16:creationId xmlns:a16="http://schemas.microsoft.com/office/drawing/2014/main" id="{5ADC00B6-990A-40DC-3CEA-505258F5E8DA}"/>
+                <a16:creationId xmlns:a16="http://schemas.microsoft.com/office/drawing/2014/main" xmlns="" id="{5ADC00B6-990A-40DC-3CEA-505258F5E8DA}"/>
               </a:ext>
             </a:extLst>
           </p:cNvPr>
@@ -36347,7 +36427,7 @@
           <p:cNvPr id="2" name="TextBox 1">
             <a:extLst>
               <a:ext uri="{FF2B5EF4-FFF2-40B4-BE49-F238E27FC236}">
-                <a16:creationId xmlns:a16="http://schemas.microsoft.com/office/drawing/2014/main" id="{5ADC00B6-990A-40DC-3CEA-505258F5E8DA}"/>
+                <a16:creationId xmlns:a16="http://schemas.microsoft.com/office/drawing/2014/main" xmlns="" id="{5ADC00B6-990A-40DC-3CEA-505258F5E8DA}"/>
               </a:ext>
             </a:extLst>
           </p:cNvPr>
@@ -36405,7 +36485,7 @@
           <p:cNvPr id="3" name="TextBox 2">
             <a:extLst>
               <a:ext uri="{FF2B5EF4-FFF2-40B4-BE49-F238E27FC236}">
-                <a16:creationId xmlns:a16="http://schemas.microsoft.com/office/drawing/2014/main" id="{5ADC00B6-990A-40DC-3CEA-505258F5E8DA}"/>
+                <a16:creationId xmlns:a16="http://schemas.microsoft.com/office/drawing/2014/main" xmlns="" id="{5ADC00B6-990A-40DC-3CEA-505258F5E8DA}"/>
               </a:ext>
             </a:extLst>
           </p:cNvPr>
@@ -36822,7 +36902,7 @@
           <p:cNvPr id="27" name="TextBox 26">
             <a:extLst>
               <a:ext uri="{FF2B5EF4-FFF2-40B4-BE49-F238E27FC236}">
-                <a16:creationId xmlns:a16="http://schemas.microsoft.com/office/drawing/2014/main" id="{7229BEA6-121E-9056-D07F-2B3BB1795F76}"/>
+                <a16:creationId xmlns:a16="http://schemas.microsoft.com/office/drawing/2014/main" xmlns="" id="{7229BEA6-121E-9056-D07F-2B3BB1795F76}"/>
               </a:ext>
             </a:extLst>
           </p:cNvPr>
@@ -36890,7 +36970,7 @@
           <p:cNvPr id="28" name="TextBox 27">
             <a:extLst>
               <a:ext uri="{FF2B5EF4-FFF2-40B4-BE49-F238E27FC236}">
-                <a16:creationId xmlns:a16="http://schemas.microsoft.com/office/drawing/2014/main" id="{5ADC00B6-990A-40DC-3CEA-505258F5E8DA}"/>
+                <a16:creationId xmlns:a16="http://schemas.microsoft.com/office/drawing/2014/main" xmlns="" id="{5ADC00B6-990A-40DC-3CEA-505258F5E8DA}"/>
               </a:ext>
             </a:extLst>
           </p:cNvPr>
@@ -37137,7 +37217,7 @@
           <p:cNvPr id="2" name="TextBox 1">
             <a:extLst>
               <a:ext uri="{FF2B5EF4-FFF2-40B4-BE49-F238E27FC236}">
-                <a16:creationId xmlns:a16="http://schemas.microsoft.com/office/drawing/2014/main" id="{5ADC00B6-990A-40DC-3CEA-505258F5E8DA}"/>
+                <a16:creationId xmlns:a16="http://schemas.microsoft.com/office/drawing/2014/main" xmlns="" id="{5ADC00B6-990A-40DC-3CEA-505258F5E8DA}"/>
               </a:ext>
             </a:extLst>
           </p:cNvPr>
@@ -37198,7 +37278,7 @@
           <p:cNvPr id="3" name="TextBox 2">
             <a:extLst>
               <a:ext uri="{FF2B5EF4-FFF2-40B4-BE49-F238E27FC236}">
-                <a16:creationId xmlns:a16="http://schemas.microsoft.com/office/drawing/2014/main" id="{5ADC00B6-990A-40DC-3CEA-505258F5E8DA}"/>
+                <a16:creationId xmlns:a16="http://schemas.microsoft.com/office/drawing/2014/main" xmlns="" id="{5ADC00B6-990A-40DC-3CEA-505258F5E8DA}"/>
               </a:ext>
             </a:extLst>
           </p:cNvPr>
@@ -37477,7 +37557,7 @@
           <p:cNvPr id="2" name="TextBox 1">
             <a:extLst>
               <a:ext uri="{FF2B5EF4-FFF2-40B4-BE49-F238E27FC236}">
-                <a16:creationId xmlns:a16="http://schemas.microsoft.com/office/drawing/2014/main" id="{5ADC00B6-990A-40DC-3CEA-505258F5E8DA}"/>
+                <a16:creationId xmlns:a16="http://schemas.microsoft.com/office/drawing/2014/main" xmlns="" id="{5ADC00B6-990A-40DC-3CEA-505258F5E8DA}"/>
               </a:ext>
             </a:extLst>
           </p:cNvPr>
@@ -37535,7 +37615,7 @@
           <p:cNvPr id="3" name="TextBox 2">
             <a:extLst>
               <a:ext uri="{FF2B5EF4-FFF2-40B4-BE49-F238E27FC236}">
-                <a16:creationId xmlns:a16="http://schemas.microsoft.com/office/drawing/2014/main" id="{5ADC00B6-990A-40DC-3CEA-505258F5E8DA}"/>
+                <a16:creationId xmlns:a16="http://schemas.microsoft.com/office/drawing/2014/main" xmlns="" id="{5ADC00B6-990A-40DC-3CEA-505258F5E8DA}"/>
               </a:ext>
             </a:extLst>
           </p:cNvPr>
@@ -37865,7 +37945,7 @@
           <p:cNvPr id="2" name="TextBox 1">
             <a:extLst>
               <a:ext uri="{FF2B5EF4-FFF2-40B4-BE49-F238E27FC236}">
-                <a16:creationId xmlns:a16="http://schemas.microsoft.com/office/drawing/2014/main" id="{9C367921-5498-0637-0936-59199E2F892B}"/>
+                <a16:creationId xmlns:a16="http://schemas.microsoft.com/office/drawing/2014/main" xmlns="" id="{9C367921-5498-0637-0936-59199E2F892B}"/>
               </a:ext>
             </a:extLst>
           </p:cNvPr>
@@ -37928,6 +38008,66 @@
           </a:p>
         </p:txBody>
       </p:sp>
+      <p:pic>
+        <p:nvPicPr>
+          <p:cNvPr id="4" name="그림 3"/>
+          <p:cNvPicPr>
+            <a:picLocks noChangeAspect="1"/>
+          </p:cNvPicPr>
+          <p:nvPr/>
+        </p:nvPicPr>
+        <p:blipFill>
+          <a:blip r:embed="rId2"/>
+          <a:stretch>
+            <a:fillRect/>
+          </a:stretch>
+        </p:blipFill>
+        <p:spPr>
+          <a:xfrm>
+            <a:off x="457200" y="2324100"/>
+            <a:ext cx="17314933" cy="2057400"/>
+          </a:xfrm>
+          <a:prstGeom prst="rect">
+            <a:avLst/>
+          </a:prstGeom>
+        </p:spPr>
+      </p:pic>
+      <p:pic>
+        <p:nvPicPr>
+          <p:cNvPr id="6" name="그림 5"/>
+          <p:cNvPicPr>
+            <a:picLocks noChangeAspect="1"/>
+          </p:cNvPicPr>
+          <p:nvPr/>
+        </p:nvPicPr>
+        <p:blipFill>
+          <a:blip r:embed="rId3">
+            <a:extLst>
+              <a:ext uri="{BEBA8EAE-BF5A-486C-A8C5-ECC9F3942E4B}">
+                <a14:imgProps xmlns:a14="http://schemas.microsoft.com/office/drawing/2010/main">
+                  <a14:imgLayer r:embed="rId4">
+                    <a14:imgEffect>
+                      <a14:artisticBlur/>
+                    </a14:imgEffect>
+                  </a14:imgLayer>
+                </a14:imgProps>
+              </a:ext>
+            </a:extLst>
+          </a:blip>
+          <a:stretch>
+            <a:fillRect/>
+          </a:stretch>
+        </p:blipFill>
+        <p:spPr>
+          <a:xfrm>
+            <a:off x="457200" y="2324100"/>
+            <a:ext cx="17314933" cy="2057400"/>
+          </a:xfrm>
+          <a:prstGeom prst="rect">
+            <a:avLst/>
+          </a:prstGeom>
+        </p:spPr>
+      </p:pic>
     </p:spTree>
     <p:extLst>
       <p:ext uri="{BB962C8B-B14F-4D97-AF65-F5344CB8AC3E}">
@@ -37938,6 +38078,81 @@
   <p:clrMapOvr>
     <a:masterClrMapping/>
   </p:clrMapOvr>
+  <p:timing>
+    <p:tnLst>
+      <p:par>
+        <p:cTn id="1" dur="indefinite" restart="never" nodeType="tmRoot">
+          <p:childTnLst>
+            <p:seq concurrent="1" nextAc="seek">
+              <p:cTn id="2" dur="indefinite" nodeType="mainSeq">
+                <p:childTnLst>
+                  <p:par>
+                    <p:cTn id="3" fill="hold">
+                      <p:stCondLst>
+                        <p:cond delay="indefinite"/>
+                      </p:stCondLst>
+                      <p:childTnLst>
+                        <p:par>
+                          <p:cTn id="4" fill="hold">
+                            <p:stCondLst>
+                              <p:cond delay="0"/>
+                            </p:stCondLst>
+                            <p:childTnLst>
+                              <p:par>
+                                <p:cTn id="5" presetID="1" presetClass="exit" presetSubtype="0" fill="hold" nodeType="clickEffect">
+                                  <p:stCondLst>
+                                    <p:cond delay="0"/>
+                                  </p:stCondLst>
+                                  <p:childTnLst>
+                                    <p:set>
+                                      <p:cBhvr>
+                                        <p:cTn id="6" dur="1" fill="hold">
+                                          <p:stCondLst>
+                                            <p:cond delay="0"/>
+                                          </p:stCondLst>
+                                        </p:cTn>
+                                        <p:tgtEl>
+                                          <p:spTgt spid="6"/>
+                                        </p:tgtEl>
+                                        <p:attrNameLst>
+                                          <p:attrName>style.visibility</p:attrName>
+                                        </p:attrNameLst>
+                                      </p:cBhvr>
+                                      <p:to>
+                                        <p:strVal val="hidden"/>
+                                      </p:to>
+                                    </p:set>
+                                  </p:childTnLst>
+                                </p:cTn>
+                              </p:par>
+                            </p:childTnLst>
+                          </p:cTn>
+                        </p:par>
+                      </p:childTnLst>
+                    </p:cTn>
+                  </p:par>
+                </p:childTnLst>
+              </p:cTn>
+              <p:prevCondLst>
+                <p:cond evt="onPrev" delay="0">
+                  <p:tgtEl>
+                    <p:sldTgt/>
+                  </p:tgtEl>
+                </p:cond>
+              </p:prevCondLst>
+              <p:nextCondLst>
+                <p:cond evt="onNext" delay="0">
+                  <p:tgtEl>
+                    <p:sldTgt/>
+                  </p:tgtEl>
+                </p:cond>
+              </p:nextCondLst>
+            </p:seq>
+          </p:childTnLst>
+        </p:cTn>
+      </p:par>
+    </p:tnLst>
+  </p:timing>
 </p:sld>
 </file>
 
@@ -38229,7 +38444,7 @@
           <p:cNvPr id="2" name="TextBox 1">
             <a:extLst>
               <a:ext uri="{FF2B5EF4-FFF2-40B4-BE49-F238E27FC236}">
-                <a16:creationId xmlns:a16="http://schemas.microsoft.com/office/drawing/2014/main" id="{715D88A2-BD52-978B-A00A-540446126E3D}"/>
+                <a16:creationId xmlns:a16="http://schemas.microsoft.com/office/drawing/2014/main" xmlns="" id="{715D88A2-BD52-978B-A00A-540446126E3D}"/>
               </a:ext>
             </a:extLst>
           </p:cNvPr>
@@ -38302,7 +38517,7 @@
           <p:cNvPr id="4" name="TextBox 3">
             <a:extLst>
               <a:ext uri="{FF2B5EF4-FFF2-40B4-BE49-F238E27FC236}">
-                <a16:creationId xmlns:a16="http://schemas.microsoft.com/office/drawing/2014/main" id="{7229BEA6-121E-9056-D07F-2B3BB1795F76}"/>
+                <a16:creationId xmlns:a16="http://schemas.microsoft.com/office/drawing/2014/main" xmlns="" id="{7229BEA6-121E-9056-D07F-2B3BB1795F76}"/>
               </a:ext>
             </a:extLst>
           </p:cNvPr>
@@ -38496,7 +38711,7 @@
           <p:cNvPr id="4" name="TextBox 3">
             <a:extLst>
               <a:ext uri="{FF2B5EF4-FFF2-40B4-BE49-F238E27FC236}">
-                <a16:creationId xmlns:a16="http://schemas.microsoft.com/office/drawing/2014/main" id="{7229BEA6-121E-9056-D07F-2B3BB1795F76}"/>
+                <a16:creationId xmlns:a16="http://schemas.microsoft.com/office/drawing/2014/main" xmlns="" id="{7229BEA6-121E-9056-D07F-2B3BB1795F76}"/>
               </a:ext>
             </a:extLst>
           </p:cNvPr>
@@ -38595,7 +38810,7 @@
           <p:cNvPr id="6" name="TextBox 5">
             <a:extLst>
               <a:ext uri="{FF2B5EF4-FFF2-40B4-BE49-F238E27FC236}">
-                <a16:creationId xmlns:a16="http://schemas.microsoft.com/office/drawing/2014/main" id="{7229BEA6-121E-9056-D07F-2B3BB1795F76}"/>
+                <a16:creationId xmlns:a16="http://schemas.microsoft.com/office/drawing/2014/main" xmlns="" id="{7229BEA6-121E-9056-D07F-2B3BB1795F76}"/>
               </a:ext>
             </a:extLst>
           </p:cNvPr>
@@ -38643,7 +38858,7 @@
           <p:cNvPr id="7" name="그룹 1008">
             <a:extLst>
               <a:ext uri="{FF2B5EF4-FFF2-40B4-BE49-F238E27FC236}">
-                <a16:creationId xmlns:a16="http://schemas.microsoft.com/office/drawing/2014/main" id="{E395BDE3-2EDE-065D-70E8-56E348228ACF}"/>
+                <a16:creationId xmlns:a16="http://schemas.microsoft.com/office/drawing/2014/main" xmlns="" id="{E395BDE3-2EDE-065D-70E8-56E348228ACF}"/>
               </a:ext>
             </a:extLst>
           </p:cNvPr>
@@ -38663,7 +38878,7 @@
             <p:cNvPr id="8" name="그룹 1009">
               <a:extLst>
                 <a:ext uri="{FF2B5EF4-FFF2-40B4-BE49-F238E27FC236}">
-                  <a16:creationId xmlns:a16="http://schemas.microsoft.com/office/drawing/2014/main" id="{852F4DEB-DB33-DB3F-9E9F-52A46CD0B10A}"/>
+                  <a16:creationId xmlns:a16="http://schemas.microsoft.com/office/drawing/2014/main" xmlns="" id="{852F4DEB-DB33-DB3F-9E9F-52A46CD0B10A}"/>
                 </a:ext>
               </a:extLst>
             </p:cNvPr>
@@ -38683,7 +38898,7 @@
               <p:cNvPr id="13" name="Object 29">
                 <a:extLst>
                   <a:ext uri="{FF2B5EF4-FFF2-40B4-BE49-F238E27FC236}">
-                    <a16:creationId xmlns:a16="http://schemas.microsoft.com/office/drawing/2014/main" id="{7E353D3B-14D4-8A64-5888-3F0C062C2CDD}"/>
+                    <a16:creationId xmlns:a16="http://schemas.microsoft.com/office/drawing/2014/main" xmlns="" id="{7E353D3B-14D4-8A64-5888-3F0C062C2CDD}"/>
                   </a:ext>
                 </a:extLst>
               </p:cNvPr>
@@ -38714,7 +38929,7 @@
             <p:cNvPr id="9" name="그룹 1010">
               <a:extLst>
                 <a:ext uri="{FF2B5EF4-FFF2-40B4-BE49-F238E27FC236}">
-                  <a16:creationId xmlns:a16="http://schemas.microsoft.com/office/drawing/2014/main" id="{001E38AB-1390-ABD0-BE01-9727136FEAEE}"/>
+                  <a16:creationId xmlns:a16="http://schemas.microsoft.com/office/drawing/2014/main" xmlns="" id="{001E38AB-1390-ABD0-BE01-9727136FEAEE}"/>
                 </a:ext>
               </a:extLst>
             </p:cNvPr>
@@ -38734,7 +38949,7 @@
               <p:cNvPr id="12" name="Object 32">
                 <a:extLst>
                   <a:ext uri="{FF2B5EF4-FFF2-40B4-BE49-F238E27FC236}">
-                    <a16:creationId xmlns:a16="http://schemas.microsoft.com/office/drawing/2014/main" id="{2ED1C30F-0D0B-F86C-8215-2598D332B5A3}"/>
+                    <a16:creationId xmlns:a16="http://schemas.microsoft.com/office/drawing/2014/main" xmlns="" id="{2ED1C30F-0D0B-F86C-8215-2598D332B5A3}"/>
                   </a:ext>
                 </a:extLst>
               </p:cNvPr>
@@ -38765,7 +38980,7 @@
             <p:cNvPr id="10" name="그룹 1011">
               <a:extLst>
                 <a:ext uri="{FF2B5EF4-FFF2-40B4-BE49-F238E27FC236}">
-                  <a16:creationId xmlns:a16="http://schemas.microsoft.com/office/drawing/2014/main" id="{1BCB8DE5-ABAF-4198-BC16-85BB76F2DB24}"/>
+                  <a16:creationId xmlns:a16="http://schemas.microsoft.com/office/drawing/2014/main" xmlns="" id="{1BCB8DE5-ABAF-4198-BC16-85BB76F2DB24}"/>
                 </a:ext>
               </a:extLst>
             </p:cNvPr>
@@ -38785,7 +39000,7 @@
               <p:cNvPr id="11" name="Object 35">
                 <a:extLst>
                   <a:ext uri="{FF2B5EF4-FFF2-40B4-BE49-F238E27FC236}">
-                    <a16:creationId xmlns:a16="http://schemas.microsoft.com/office/drawing/2014/main" id="{86E7BA23-0A1E-B581-CADC-06AB269DB2BD}"/>
+                    <a16:creationId xmlns:a16="http://schemas.microsoft.com/office/drawing/2014/main" xmlns="" id="{86E7BA23-0A1E-B581-CADC-06AB269DB2BD}"/>
                   </a:ext>
                 </a:extLst>
               </p:cNvPr>
@@ -38817,7 +39032,7 @@
           <p:cNvPr id="14" name="그룹 1008">
             <a:extLst>
               <a:ext uri="{FF2B5EF4-FFF2-40B4-BE49-F238E27FC236}">
-                <a16:creationId xmlns:a16="http://schemas.microsoft.com/office/drawing/2014/main" id="{E395BDE3-2EDE-065D-70E8-56E348228ACF}"/>
+                <a16:creationId xmlns:a16="http://schemas.microsoft.com/office/drawing/2014/main" xmlns="" id="{E395BDE3-2EDE-065D-70E8-56E348228ACF}"/>
               </a:ext>
             </a:extLst>
           </p:cNvPr>
@@ -38837,7 +39052,7 @@
             <p:cNvPr id="15" name="그룹 1009">
               <a:extLst>
                 <a:ext uri="{FF2B5EF4-FFF2-40B4-BE49-F238E27FC236}">
-                  <a16:creationId xmlns:a16="http://schemas.microsoft.com/office/drawing/2014/main" id="{852F4DEB-DB33-DB3F-9E9F-52A46CD0B10A}"/>
+                  <a16:creationId xmlns:a16="http://schemas.microsoft.com/office/drawing/2014/main" xmlns="" id="{852F4DEB-DB33-DB3F-9E9F-52A46CD0B10A}"/>
                 </a:ext>
               </a:extLst>
             </p:cNvPr>
@@ -38857,7 +39072,7 @@
               <p:cNvPr id="20" name="Object 29">
                 <a:extLst>
                   <a:ext uri="{FF2B5EF4-FFF2-40B4-BE49-F238E27FC236}">
-                    <a16:creationId xmlns:a16="http://schemas.microsoft.com/office/drawing/2014/main" id="{7E353D3B-14D4-8A64-5888-3F0C062C2CDD}"/>
+                    <a16:creationId xmlns:a16="http://schemas.microsoft.com/office/drawing/2014/main" xmlns="" id="{7E353D3B-14D4-8A64-5888-3F0C062C2CDD}"/>
                   </a:ext>
                 </a:extLst>
               </p:cNvPr>
@@ -38888,7 +39103,7 @@
             <p:cNvPr id="16" name="그룹 1010">
               <a:extLst>
                 <a:ext uri="{FF2B5EF4-FFF2-40B4-BE49-F238E27FC236}">
-                  <a16:creationId xmlns:a16="http://schemas.microsoft.com/office/drawing/2014/main" id="{001E38AB-1390-ABD0-BE01-9727136FEAEE}"/>
+                  <a16:creationId xmlns:a16="http://schemas.microsoft.com/office/drawing/2014/main" xmlns="" id="{001E38AB-1390-ABD0-BE01-9727136FEAEE}"/>
                 </a:ext>
               </a:extLst>
             </p:cNvPr>
@@ -38908,7 +39123,7 @@
               <p:cNvPr id="19" name="Object 32">
                 <a:extLst>
                   <a:ext uri="{FF2B5EF4-FFF2-40B4-BE49-F238E27FC236}">
-                    <a16:creationId xmlns:a16="http://schemas.microsoft.com/office/drawing/2014/main" id="{2ED1C30F-0D0B-F86C-8215-2598D332B5A3}"/>
+                    <a16:creationId xmlns:a16="http://schemas.microsoft.com/office/drawing/2014/main" xmlns="" id="{2ED1C30F-0D0B-F86C-8215-2598D332B5A3}"/>
                   </a:ext>
                 </a:extLst>
               </p:cNvPr>
@@ -38939,7 +39154,7 @@
             <p:cNvPr id="17" name="그룹 1011">
               <a:extLst>
                 <a:ext uri="{FF2B5EF4-FFF2-40B4-BE49-F238E27FC236}">
-                  <a16:creationId xmlns:a16="http://schemas.microsoft.com/office/drawing/2014/main" id="{1BCB8DE5-ABAF-4198-BC16-85BB76F2DB24}"/>
+                  <a16:creationId xmlns:a16="http://schemas.microsoft.com/office/drawing/2014/main" xmlns="" id="{1BCB8DE5-ABAF-4198-BC16-85BB76F2DB24}"/>
                 </a:ext>
               </a:extLst>
             </p:cNvPr>
@@ -38959,7 +39174,7 @@
               <p:cNvPr id="18" name="Object 35">
                 <a:extLst>
                   <a:ext uri="{FF2B5EF4-FFF2-40B4-BE49-F238E27FC236}">
-                    <a16:creationId xmlns:a16="http://schemas.microsoft.com/office/drawing/2014/main" id="{86E7BA23-0A1E-B581-CADC-06AB269DB2BD}"/>
+                    <a16:creationId xmlns:a16="http://schemas.microsoft.com/office/drawing/2014/main" xmlns="" id="{86E7BA23-0A1E-B581-CADC-06AB269DB2BD}"/>
                   </a:ext>
                 </a:extLst>
               </p:cNvPr>
@@ -38991,7 +39206,7 @@
           <p:cNvPr id="21" name="TextBox 20">
             <a:extLst>
               <a:ext uri="{FF2B5EF4-FFF2-40B4-BE49-F238E27FC236}">
-                <a16:creationId xmlns:a16="http://schemas.microsoft.com/office/drawing/2014/main" id="{7229BEA6-121E-9056-D07F-2B3BB1795F76}"/>
+                <a16:creationId xmlns:a16="http://schemas.microsoft.com/office/drawing/2014/main" xmlns="" id="{7229BEA6-121E-9056-D07F-2B3BB1795F76}"/>
               </a:ext>
             </a:extLst>
           </p:cNvPr>
@@ -39080,7 +39295,7 @@
           <p:cNvPr id="24" name="그룹 1008">
             <a:extLst>
               <a:ext uri="{FF2B5EF4-FFF2-40B4-BE49-F238E27FC236}">
-                <a16:creationId xmlns:a16="http://schemas.microsoft.com/office/drawing/2014/main" id="{E395BDE3-2EDE-065D-70E8-56E348228ACF}"/>
+                <a16:creationId xmlns:a16="http://schemas.microsoft.com/office/drawing/2014/main" xmlns="" id="{E395BDE3-2EDE-065D-70E8-56E348228ACF}"/>
               </a:ext>
             </a:extLst>
           </p:cNvPr>
@@ -39100,7 +39315,7 @@
             <p:cNvPr id="25" name="그룹 1009">
               <a:extLst>
                 <a:ext uri="{FF2B5EF4-FFF2-40B4-BE49-F238E27FC236}">
-                  <a16:creationId xmlns:a16="http://schemas.microsoft.com/office/drawing/2014/main" id="{852F4DEB-DB33-DB3F-9E9F-52A46CD0B10A}"/>
+                  <a16:creationId xmlns:a16="http://schemas.microsoft.com/office/drawing/2014/main" xmlns="" id="{852F4DEB-DB33-DB3F-9E9F-52A46CD0B10A}"/>
                 </a:ext>
               </a:extLst>
             </p:cNvPr>
@@ -39120,7 +39335,7 @@
               <p:cNvPr id="30" name="Object 29">
                 <a:extLst>
                   <a:ext uri="{FF2B5EF4-FFF2-40B4-BE49-F238E27FC236}">
-                    <a16:creationId xmlns:a16="http://schemas.microsoft.com/office/drawing/2014/main" id="{7E353D3B-14D4-8A64-5888-3F0C062C2CDD}"/>
+                    <a16:creationId xmlns:a16="http://schemas.microsoft.com/office/drawing/2014/main" xmlns="" id="{7E353D3B-14D4-8A64-5888-3F0C062C2CDD}"/>
                   </a:ext>
                 </a:extLst>
               </p:cNvPr>
@@ -39151,7 +39366,7 @@
             <p:cNvPr id="26" name="그룹 1010">
               <a:extLst>
                 <a:ext uri="{FF2B5EF4-FFF2-40B4-BE49-F238E27FC236}">
-                  <a16:creationId xmlns:a16="http://schemas.microsoft.com/office/drawing/2014/main" id="{001E38AB-1390-ABD0-BE01-9727136FEAEE}"/>
+                  <a16:creationId xmlns:a16="http://schemas.microsoft.com/office/drawing/2014/main" xmlns="" id="{001E38AB-1390-ABD0-BE01-9727136FEAEE}"/>
                 </a:ext>
               </a:extLst>
             </p:cNvPr>
@@ -39171,7 +39386,7 @@
               <p:cNvPr id="29" name="Object 32">
                 <a:extLst>
                   <a:ext uri="{FF2B5EF4-FFF2-40B4-BE49-F238E27FC236}">
-                    <a16:creationId xmlns:a16="http://schemas.microsoft.com/office/drawing/2014/main" id="{2ED1C30F-0D0B-F86C-8215-2598D332B5A3}"/>
+                    <a16:creationId xmlns:a16="http://schemas.microsoft.com/office/drawing/2014/main" xmlns="" id="{2ED1C30F-0D0B-F86C-8215-2598D332B5A3}"/>
                   </a:ext>
                 </a:extLst>
               </p:cNvPr>
@@ -39202,7 +39417,7 @@
             <p:cNvPr id="27" name="그룹 1011">
               <a:extLst>
                 <a:ext uri="{FF2B5EF4-FFF2-40B4-BE49-F238E27FC236}">
-                  <a16:creationId xmlns:a16="http://schemas.microsoft.com/office/drawing/2014/main" id="{1BCB8DE5-ABAF-4198-BC16-85BB76F2DB24}"/>
+                  <a16:creationId xmlns:a16="http://schemas.microsoft.com/office/drawing/2014/main" xmlns="" id="{1BCB8DE5-ABAF-4198-BC16-85BB76F2DB24}"/>
                 </a:ext>
               </a:extLst>
             </p:cNvPr>
@@ -39222,7 +39437,7 @@
               <p:cNvPr id="28" name="Object 35">
                 <a:extLst>
                   <a:ext uri="{FF2B5EF4-FFF2-40B4-BE49-F238E27FC236}">
-                    <a16:creationId xmlns:a16="http://schemas.microsoft.com/office/drawing/2014/main" id="{86E7BA23-0A1E-B581-CADC-06AB269DB2BD}"/>
+                    <a16:creationId xmlns:a16="http://schemas.microsoft.com/office/drawing/2014/main" xmlns="" id="{86E7BA23-0A1E-B581-CADC-06AB269DB2BD}"/>
                   </a:ext>
                 </a:extLst>
               </p:cNvPr>

--- a/JavaLecture/LectureFile/java 1강 변수.pptx
+++ b/JavaLecture/LectureFile/java 1강 변수.pptx
@@ -3987,7 +3987,7 @@
           <p:cNvPr id="2" name="TextBox 1">
             <a:extLst>
               <a:ext uri="{FF2B5EF4-FFF2-40B4-BE49-F238E27FC236}">
-                <a16:creationId xmlns:a16="http://schemas.microsoft.com/office/drawing/2014/main" xmlns="" id="{E9A453A8-9968-67AB-7B4A-83EEB4662AA6}"/>
+                <a16:creationId xmlns:a16="http://schemas.microsoft.com/office/drawing/2014/main" id="{E9A453A8-9968-67AB-7B4A-83EEB4662AA6}"/>
               </a:ext>
             </a:extLst>
           </p:cNvPr>
@@ -4035,7 +4035,7 @@
           <p:cNvPr id="4" name="TextBox 3">
             <a:extLst>
               <a:ext uri="{FF2B5EF4-FFF2-40B4-BE49-F238E27FC236}">
-                <a16:creationId xmlns:a16="http://schemas.microsoft.com/office/drawing/2014/main" xmlns="" id="{F4B7A35A-8AAC-4622-64BC-CAD1472D4115}"/>
+                <a16:creationId xmlns:a16="http://schemas.microsoft.com/office/drawing/2014/main" id="{F4B7A35A-8AAC-4622-64BC-CAD1472D4115}"/>
               </a:ext>
             </a:extLst>
           </p:cNvPr>
@@ -4107,7 +4107,7 @@
           <p:cNvPr id="7" name="TextBox 6">
             <a:extLst>
               <a:ext uri="{FF2B5EF4-FFF2-40B4-BE49-F238E27FC236}">
-                <a16:creationId xmlns:a16="http://schemas.microsoft.com/office/drawing/2014/main" xmlns="" id="{3ACE900A-D779-4343-6623-8588B376F0A1}"/>
+                <a16:creationId xmlns:a16="http://schemas.microsoft.com/office/drawing/2014/main" id="{3ACE900A-D779-4343-6623-8588B376F0A1}"/>
               </a:ext>
             </a:extLst>
           </p:cNvPr>
@@ -4178,7 +4178,7 @@
           <p:cNvPr id="4" name="TextBox 3">
             <a:extLst>
               <a:ext uri="{FF2B5EF4-FFF2-40B4-BE49-F238E27FC236}">
-                <a16:creationId xmlns:a16="http://schemas.microsoft.com/office/drawing/2014/main" xmlns="" id="{7229BEA6-121E-9056-D07F-2B3BB1795F76}"/>
+                <a16:creationId xmlns:a16="http://schemas.microsoft.com/office/drawing/2014/main" id="{7229BEA6-121E-9056-D07F-2B3BB1795F76}"/>
               </a:ext>
             </a:extLst>
           </p:cNvPr>
@@ -4226,7 +4226,7 @@
           <p:cNvPr id="5" name="TextBox 4">
             <a:extLst>
               <a:ext uri="{FF2B5EF4-FFF2-40B4-BE49-F238E27FC236}">
-                <a16:creationId xmlns:a16="http://schemas.microsoft.com/office/drawing/2014/main" xmlns="" id="{5ADC00B6-990A-40DC-3CEA-505258F5E8DA}"/>
+                <a16:creationId xmlns:a16="http://schemas.microsoft.com/office/drawing/2014/main" id="{5ADC00B6-990A-40DC-3CEA-505258F5E8DA}"/>
               </a:ext>
             </a:extLst>
           </p:cNvPr>
@@ -4407,6 +4407,13 @@
   <p:clrMapOvr>
     <a:masterClrMapping/>
   </p:clrMapOvr>
+  <p:timing>
+    <p:tnLst>
+      <p:par>
+        <p:cTn id="1" dur="indefinite" restart="never" nodeType="tmRoot"/>
+      </p:par>
+    </p:tnLst>
+  </p:timing>
 </p:sld>
 </file>
 
@@ -4432,7 +4439,7 @@
           <p:cNvPr id="4" name="TextBox 3">
             <a:extLst>
               <a:ext uri="{FF2B5EF4-FFF2-40B4-BE49-F238E27FC236}">
-                <a16:creationId xmlns:a16="http://schemas.microsoft.com/office/drawing/2014/main" xmlns="" id="{7229BEA6-121E-9056-D07F-2B3BB1795F76}"/>
+                <a16:creationId xmlns:a16="http://schemas.microsoft.com/office/drawing/2014/main" id="{7229BEA6-121E-9056-D07F-2B3BB1795F76}"/>
               </a:ext>
             </a:extLst>
           </p:cNvPr>
@@ -4490,7 +4497,7 @@
           <p:cNvPr id="5" name="TextBox 4">
             <a:extLst>
               <a:ext uri="{FF2B5EF4-FFF2-40B4-BE49-F238E27FC236}">
-                <a16:creationId xmlns:a16="http://schemas.microsoft.com/office/drawing/2014/main" xmlns="" id="{5ADC00B6-990A-40DC-3CEA-505258F5E8DA}"/>
+                <a16:creationId xmlns:a16="http://schemas.microsoft.com/office/drawing/2014/main" id="{5ADC00B6-990A-40DC-3CEA-505258F5E8DA}"/>
               </a:ext>
             </a:extLst>
           </p:cNvPr>
@@ -4614,6 +4621,13 @@
   <p:clrMapOvr>
     <a:masterClrMapping/>
   </p:clrMapOvr>
+  <p:timing>
+    <p:tnLst>
+      <p:par>
+        <p:cTn id="1" dur="indefinite" restart="never" nodeType="tmRoot"/>
+      </p:par>
+    </p:tnLst>
+  </p:timing>
 </p:sld>
 </file>
 
@@ -4639,7 +4653,7 @@
           <p:cNvPr id="4" name="TextBox 3">
             <a:extLst>
               <a:ext uri="{FF2B5EF4-FFF2-40B4-BE49-F238E27FC236}">
-                <a16:creationId xmlns:a16="http://schemas.microsoft.com/office/drawing/2014/main" xmlns="" id="{7229BEA6-121E-9056-D07F-2B3BB1795F76}"/>
+                <a16:creationId xmlns:a16="http://schemas.microsoft.com/office/drawing/2014/main" id="{7229BEA6-121E-9056-D07F-2B3BB1795F76}"/>
               </a:ext>
             </a:extLst>
           </p:cNvPr>
@@ -4687,7 +4701,7 @@
           <p:cNvPr id="5" name="그룹 1008">
             <a:extLst>
               <a:ext uri="{FF2B5EF4-FFF2-40B4-BE49-F238E27FC236}">
-                <a16:creationId xmlns:a16="http://schemas.microsoft.com/office/drawing/2014/main" xmlns="" id="{678F6342-C505-E8AD-ADA4-022CB2C2088E}"/>
+                <a16:creationId xmlns:a16="http://schemas.microsoft.com/office/drawing/2014/main" id="{678F6342-C505-E8AD-ADA4-022CB2C2088E}"/>
               </a:ext>
             </a:extLst>
           </p:cNvPr>
@@ -4707,7 +4721,7 @@
             <p:cNvPr id="6" name="그룹 1009">
               <a:extLst>
                 <a:ext uri="{FF2B5EF4-FFF2-40B4-BE49-F238E27FC236}">
-                  <a16:creationId xmlns:a16="http://schemas.microsoft.com/office/drawing/2014/main" xmlns="" id="{4E1F1FED-812B-9BBB-925A-84B54A077414}"/>
+                  <a16:creationId xmlns:a16="http://schemas.microsoft.com/office/drawing/2014/main" id="{4E1F1FED-812B-9BBB-925A-84B54A077414}"/>
                 </a:ext>
               </a:extLst>
             </p:cNvPr>
@@ -4727,7 +4741,7 @@
               <p:cNvPr id="11" name="Object 29">
                 <a:extLst>
                   <a:ext uri="{FF2B5EF4-FFF2-40B4-BE49-F238E27FC236}">
-                    <a16:creationId xmlns:a16="http://schemas.microsoft.com/office/drawing/2014/main" xmlns="" id="{7B078609-4286-7B00-51EB-809C8E2DE289}"/>
+                    <a16:creationId xmlns:a16="http://schemas.microsoft.com/office/drawing/2014/main" id="{7B078609-4286-7B00-51EB-809C8E2DE289}"/>
                   </a:ext>
                 </a:extLst>
               </p:cNvPr>
@@ -4758,7 +4772,7 @@
             <p:cNvPr id="7" name="그룹 1010">
               <a:extLst>
                 <a:ext uri="{FF2B5EF4-FFF2-40B4-BE49-F238E27FC236}">
-                  <a16:creationId xmlns:a16="http://schemas.microsoft.com/office/drawing/2014/main" xmlns="" id="{02A649BF-B5B5-FBAF-7DFD-E118A4DF8907}"/>
+                  <a16:creationId xmlns:a16="http://schemas.microsoft.com/office/drawing/2014/main" id="{02A649BF-B5B5-FBAF-7DFD-E118A4DF8907}"/>
                 </a:ext>
               </a:extLst>
             </p:cNvPr>
@@ -4778,7 +4792,7 @@
               <p:cNvPr id="10" name="Object 32">
                 <a:extLst>
                   <a:ext uri="{FF2B5EF4-FFF2-40B4-BE49-F238E27FC236}">
-                    <a16:creationId xmlns:a16="http://schemas.microsoft.com/office/drawing/2014/main" xmlns="" id="{2A0FFF23-B3C9-3EA0-1C1B-A87D4FF098AE}"/>
+                    <a16:creationId xmlns:a16="http://schemas.microsoft.com/office/drawing/2014/main" id="{2A0FFF23-B3C9-3EA0-1C1B-A87D4FF098AE}"/>
                   </a:ext>
                 </a:extLst>
               </p:cNvPr>
@@ -4809,7 +4823,7 @@
             <p:cNvPr id="8" name="그룹 1011">
               <a:extLst>
                 <a:ext uri="{FF2B5EF4-FFF2-40B4-BE49-F238E27FC236}">
-                  <a16:creationId xmlns:a16="http://schemas.microsoft.com/office/drawing/2014/main" xmlns="" id="{881F5410-F7FB-F261-A584-707359BAC593}"/>
+                  <a16:creationId xmlns:a16="http://schemas.microsoft.com/office/drawing/2014/main" id="{881F5410-F7FB-F261-A584-707359BAC593}"/>
                 </a:ext>
               </a:extLst>
             </p:cNvPr>
@@ -4829,7 +4843,7 @@
               <p:cNvPr id="9" name="Object 35">
                 <a:extLst>
                   <a:ext uri="{FF2B5EF4-FFF2-40B4-BE49-F238E27FC236}">
-                    <a16:creationId xmlns:a16="http://schemas.microsoft.com/office/drawing/2014/main" xmlns="" id="{4E99E669-73EB-F9F4-EFE8-DC107035C265}"/>
+                    <a16:creationId xmlns:a16="http://schemas.microsoft.com/office/drawing/2014/main" id="{4E99E669-73EB-F9F4-EFE8-DC107035C265}"/>
                   </a:ext>
                 </a:extLst>
               </p:cNvPr>
@@ -4861,7 +4875,7 @@
           <p:cNvPr id="12" name="TextBox 11">
             <a:extLst>
               <a:ext uri="{FF2B5EF4-FFF2-40B4-BE49-F238E27FC236}">
-                <a16:creationId xmlns:a16="http://schemas.microsoft.com/office/drawing/2014/main" xmlns="" id="{7229BEA6-121E-9056-D07F-2B3BB1795F76}"/>
+                <a16:creationId xmlns:a16="http://schemas.microsoft.com/office/drawing/2014/main" id="{7229BEA6-121E-9056-D07F-2B3BB1795F76}"/>
               </a:ext>
             </a:extLst>
           </p:cNvPr>
@@ -4909,7 +4923,7 @@
           <p:cNvPr id="13" name="TextBox 12">
             <a:extLst>
               <a:ext uri="{FF2B5EF4-FFF2-40B4-BE49-F238E27FC236}">
-                <a16:creationId xmlns:a16="http://schemas.microsoft.com/office/drawing/2014/main" xmlns="" id="{7229BEA6-121E-9056-D07F-2B3BB1795F76}"/>
+                <a16:creationId xmlns:a16="http://schemas.microsoft.com/office/drawing/2014/main" id="{7229BEA6-121E-9056-D07F-2B3BB1795F76}"/>
               </a:ext>
             </a:extLst>
           </p:cNvPr>
@@ -4976,7 +4990,7 @@
           <p:cNvPr id="14" name="그룹 1008">
             <a:extLst>
               <a:ext uri="{FF2B5EF4-FFF2-40B4-BE49-F238E27FC236}">
-                <a16:creationId xmlns:a16="http://schemas.microsoft.com/office/drawing/2014/main" xmlns="" id="{678F6342-C505-E8AD-ADA4-022CB2C2088E}"/>
+                <a16:creationId xmlns:a16="http://schemas.microsoft.com/office/drawing/2014/main" id="{678F6342-C505-E8AD-ADA4-022CB2C2088E}"/>
               </a:ext>
             </a:extLst>
           </p:cNvPr>
@@ -4996,7 +5010,7 @@
             <p:cNvPr id="15" name="그룹 1009">
               <a:extLst>
                 <a:ext uri="{FF2B5EF4-FFF2-40B4-BE49-F238E27FC236}">
-                  <a16:creationId xmlns:a16="http://schemas.microsoft.com/office/drawing/2014/main" xmlns="" id="{4E1F1FED-812B-9BBB-925A-84B54A077414}"/>
+                  <a16:creationId xmlns:a16="http://schemas.microsoft.com/office/drawing/2014/main" id="{4E1F1FED-812B-9BBB-925A-84B54A077414}"/>
                 </a:ext>
               </a:extLst>
             </p:cNvPr>
@@ -5016,7 +5030,7 @@
               <p:cNvPr id="20" name="Object 29">
                 <a:extLst>
                   <a:ext uri="{FF2B5EF4-FFF2-40B4-BE49-F238E27FC236}">
-                    <a16:creationId xmlns:a16="http://schemas.microsoft.com/office/drawing/2014/main" xmlns="" id="{7B078609-4286-7B00-51EB-809C8E2DE289}"/>
+                    <a16:creationId xmlns:a16="http://schemas.microsoft.com/office/drawing/2014/main" id="{7B078609-4286-7B00-51EB-809C8E2DE289}"/>
                   </a:ext>
                 </a:extLst>
               </p:cNvPr>
@@ -5047,7 +5061,7 @@
             <p:cNvPr id="16" name="그룹 1010">
               <a:extLst>
                 <a:ext uri="{FF2B5EF4-FFF2-40B4-BE49-F238E27FC236}">
-                  <a16:creationId xmlns:a16="http://schemas.microsoft.com/office/drawing/2014/main" xmlns="" id="{02A649BF-B5B5-FBAF-7DFD-E118A4DF8907}"/>
+                  <a16:creationId xmlns:a16="http://schemas.microsoft.com/office/drawing/2014/main" id="{02A649BF-B5B5-FBAF-7DFD-E118A4DF8907}"/>
                 </a:ext>
               </a:extLst>
             </p:cNvPr>
@@ -5067,7 +5081,7 @@
               <p:cNvPr id="19" name="Object 32">
                 <a:extLst>
                   <a:ext uri="{FF2B5EF4-FFF2-40B4-BE49-F238E27FC236}">
-                    <a16:creationId xmlns:a16="http://schemas.microsoft.com/office/drawing/2014/main" xmlns="" id="{2A0FFF23-B3C9-3EA0-1C1B-A87D4FF098AE}"/>
+                    <a16:creationId xmlns:a16="http://schemas.microsoft.com/office/drawing/2014/main" id="{2A0FFF23-B3C9-3EA0-1C1B-A87D4FF098AE}"/>
                   </a:ext>
                 </a:extLst>
               </p:cNvPr>
@@ -5098,7 +5112,7 @@
             <p:cNvPr id="17" name="그룹 1011">
               <a:extLst>
                 <a:ext uri="{FF2B5EF4-FFF2-40B4-BE49-F238E27FC236}">
-                  <a16:creationId xmlns:a16="http://schemas.microsoft.com/office/drawing/2014/main" xmlns="" id="{881F5410-F7FB-F261-A584-707359BAC593}"/>
+                  <a16:creationId xmlns:a16="http://schemas.microsoft.com/office/drawing/2014/main" id="{881F5410-F7FB-F261-A584-707359BAC593}"/>
                 </a:ext>
               </a:extLst>
             </p:cNvPr>
@@ -5118,7 +5132,7 @@
               <p:cNvPr id="18" name="Object 35">
                 <a:extLst>
                   <a:ext uri="{FF2B5EF4-FFF2-40B4-BE49-F238E27FC236}">
-                    <a16:creationId xmlns:a16="http://schemas.microsoft.com/office/drawing/2014/main" xmlns="" id="{4E99E669-73EB-F9F4-EFE8-DC107035C265}"/>
+                    <a16:creationId xmlns:a16="http://schemas.microsoft.com/office/drawing/2014/main" id="{4E99E669-73EB-F9F4-EFE8-DC107035C265}"/>
                   </a:ext>
                 </a:extLst>
               </p:cNvPr>
@@ -5150,7 +5164,7 @@
           <p:cNvPr id="21" name="TextBox 20">
             <a:extLst>
               <a:ext uri="{FF2B5EF4-FFF2-40B4-BE49-F238E27FC236}">
-                <a16:creationId xmlns:a16="http://schemas.microsoft.com/office/drawing/2014/main" xmlns="" id="{7229BEA6-121E-9056-D07F-2B3BB1795F76}"/>
+                <a16:creationId xmlns:a16="http://schemas.microsoft.com/office/drawing/2014/main" id="{7229BEA6-121E-9056-D07F-2B3BB1795F76}"/>
               </a:ext>
             </a:extLst>
           </p:cNvPr>
@@ -5217,7 +5231,7 @@
           <p:cNvPr id="22" name="TextBox 21">
             <a:extLst>
               <a:ext uri="{FF2B5EF4-FFF2-40B4-BE49-F238E27FC236}">
-                <a16:creationId xmlns:a16="http://schemas.microsoft.com/office/drawing/2014/main" xmlns="" id="{7229BEA6-121E-9056-D07F-2B3BB1795F76}"/>
+                <a16:creationId xmlns:a16="http://schemas.microsoft.com/office/drawing/2014/main" id="{7229BEA6-121E-9056-D07F-2B3BB1795F76}"/>
               </a:ext>
             </a:extLst>
           </p:cNvPr>
@@ -5270,6 +5284,13 @@
   <p:clrMapOvr>
     <a:masterClrMapping/>
   </p:clrMapOvr>
+  <p:timing>
+    <p:tnLst>
+      <p:par>
+        <p:cTn id="1" dur="indefinite" restart="never" nodeType="tmRoot"/>
+      </p:par>
+    </p:tnLst>
+  </p:timing>
 </p:sld>
 </file>
 
@@ -5483,7 +5504,7 @@
           <p:cNvPr id="2" name="TextBox 1">
             <a:extLst>
               <a:ext uri="{FF2B5EF4-FFF2-40B4-BE49-F238E27FC236}">
-                <a16:creationId xmlns:a16="http://schemas.microsoft.com/office/drawing/2014/main" xmlns="" id="{76F36AE5-79B5-0B9F-E510-1C27AAC4B649}"/>
+                <a16:creationId xmlns:a16="http://schemas.microsoft.com/office/drawing/2014/main" id="{76F36AE5-79B5-0B9F-E510-1C27AAC4B649}"/>
               </a:ext>
             </a:extLst>
           </p:cNvPr>
@@ -5536,6 +5557,13 @@
   <p:clrMapOvr>
     <a:masterClrMapping/>
   </p:clrMapOvr>
+  <p:timing>
+    <p:tnLst>
+      <p:par>
+        <p:cTn id="1" dur="indefinite" restart="never" nodeType="tmRoot"/>
+      </p:par>
+    </p:tnLst>
+  </p:timing>
 </p:sld>
 </file>
 
@@ -5561,7 +5589,7 @@
           <p:cNvPr id="2" name="TextBox 1">
             <a:extLst>
               <a:ext uri="{FF2B5EF4-FFF2-40B4-BE49-F238E27FC236}">
-                <a16:creationId xmlns:a16="http://schemas.microsoft.com/office/drawing/2014/main" xmlns="" id="{15714054-88B7-D8BA-BA3F-32FCC23E1935}"/>
+                <a16:creationId xmlns:a16="http://schemas.microsoft.com/office/drawing/2014/main" id="{15714054-88B7-D8BA-BA3F-32FCC23E1935}"/>
               </a:ext>
             </a:extLst>
           </p:cNvPr>
@@ -5570,8 +5598,8 @@
         </p:nvSpPr>
         <p:spPr>
           <a:xfrm>
-            <a:off x="3429000" y="2857500"/>
-            <a:ext cx="11887200" cy="1200329"/>
+            <a:off x="2438400" y="2775971"/>
+            <a:ext cx="14630400" cy="1200329"/>
           </a:xfrm>
           <a:prstGeom prst="rect">
             <a:avLst/>
@@ -5609,7 +5637,7 @@
           <p:cNvPr id="3" name="TextBox 2">
             <a:extLst>
               <a:ext uri="{FF2B5EF4-FFF2-40B4-BE49-F238E27FC236}">
-                <a16:creationId xmlns:a16="http://schemas.microsoft.com/office/drawing/2014/main" xmlns="" id="{7DF4E266-6098-6902-8C1D-0A3B4EA1D43F}"/>
+                <a16:creationId xmlns:a16="http://schemas.microsoft.com/office/drawing/2014/main" id="{7DF4E266-6098-6902-8C1D-0A3B4EA1D43F}"/>
               </a:ext>
             </a:extLst>
           </p:cNvPr>
@@ -5677,7 +5705,7 @@
           <p:cNvPr id="15" name="그림 14">
             <a:extLst>
               <a:ext uri="{FF2B5EF4-FFF2-40B4-BE49-F238E27FC236}">
-                <a16:creationId xmlns:a16="http://schemas.microsoft.com/office/drawing/2014/main" xmlns="" id="{3251587C-3457-9F31-1F8E-B7F12DE8C41B}"/>
+                <a16:creationId xmlns:a16="http://schemas.microsoft.com/office/drawing/2014/main" id="{3251587C-3457-9F31-1F8E-B7F12DE8C41B}"/>
               </a:ext>
             </a:extLst>
           </p:cNvPr>
@@ -5707,7 +5735,7 @@
           <p:cNvPr id="16" name="직선 화살표 연결선 15">
             <a:extLst>
               <a:ext uri="{FF2B5EF4-FFF2-40B4-BE49-F238E27FC236}">
-                <a16:creationId xmlns:a16="http://schemas.microsoft.com/office/drawing/2014/main" xmlns="" id="{DF24D8FF-CD94-31C6-1714-F4E40ED7016A}"/>
+                <a16:creationId xmlns:a16="http://schemas.microsoft.com/office/drawing/2014/main" id="{DF24D8FF-CD94-31C6-1714-F4E40ED7016A}"/>
               </a:ext>
             </a:extLst>
           </p:cNvPr>
@@ -5748,7 +5776,7 @@
           <p:cNvPr id="17" name="TextBox 16">
             <a:extLst>
               <a:ext uri="{FF2B5EF4-FFF2-40B4-BE49-F238E27FC236}">
-                <a16:creationId xmlns:a16="http://schemas.microsoft.com/office/drawing/2014/main" xmlns="" id="{09494743-FD7E-9061-F524-BED2D57EDAD2}"/>
+                <a16:creationId xmlns:a16="http://schemas.microsoft.com/office/drawing/2014/main" id="{09494743-FD7E-9061-F524-BED2D57EDAD2}"/>
               </a:ext>
             </a:extLst>
           </p:cNvPr>
@@ -5758,7 +5786,7 @@
         <p:spPr>
           <a:xfrm>
             <a:off x="6934200" y="6229172"/>
-            <a:ext cx="4343400" cy="646331"/>
+            <a:ext cx="7010400" cy="646331"/>
           </a:xfrm>
           <a:prstGeom prst="rect">
             <a:avLst/>
@@ -5801,6 +5829,13 @@
   <p:clrMapOvr>
     <a:masterClrMapping/>
   </p:clrMapOvr>
+  <p:timing>
+    <p:tnLst>
+      <p:par>
+        <p:cTn id="1" dur="indefinite" restart="never" nodeType="tmRoot"/>
+      </p:par>
+    </p:tnLst>
+  </p:timing>
 </p:sld>
 </file>
 
@@ -5826,7 +5861,7 @@
           <p:cNvPr id="7" name="그림 6">
             <a:extLst>
               <a:ext uri="{FF2B5EF4-FFF2-40B4-BE49-F238E27FC236}">
-                <a16:creationId xmlns:a16="http://schemas.microsoft.com/office/drawing/2014/main" xmlns="" id="{8034EABB-889D-8528-A2F9-D6B5FDBADD77}"/>
+                <a16:creationId xmlns:a16="http://schemas.microsoft.com/office/drawing/2014/main" id="{8034EABB-889D-8528-A2F9-D6B5FDBADD77}"/>
               </a:ext>
             </a:extLst>
           </p:cNvPr>
@@ -5856,7 +5891,7 @@
           <p:cNvPr id="11" name="그림 10">
             <a:extLst>
               <a:ext uri="{FF2B5EF4-FFF2-40B4-BE49-F238E27FC236}">
-                <a16:creationId xmlns:a16="http://schemas.microsoft.com/office/drawing/2014/main" xmlns="" id="{19E753A8-B9EA-F050-64D9-834E1FD20D19}"/>
+                <a16:creationId xmlns:a16="http://schemas.microsoft.com/office/drawing/2014/main" id="{19E753A8-B9EA-F050-64D9-834E1FD20D19}"/>
               </a:ext>
             </a:extLst>
           </p:cNvPr>
@@ -5886,7 +5921,7 @@
           <p:cNvPr id="4" name="직사각형 3">
             <a:extLst>
               <a:ext uri="{FF2B5EF4-FFF2-40B4-BE49-F238E27FC236}">
-                <a16:creationId xmlns:a16="http://schemas.microsoft.com/office/drawing/2014/main" xmlns="" id="{FFF506F9-840A-0508-4CAF-3AC711D8D5CE}"/>
+                <a16:creationId xmlns:a16="http://schemas.microsoft.com/office/drawing/2014/main" id="{FFF506F9-840A-0508-4CAF-3AC711D8D5CE}"/>
               </a:ext>
             </a:extLst>
           </p:cNvPr>
@@ -5938,7 +5973,7 @@
           <p:cNvPr id="5" name="직사각형 4">
             <a:extLst>
               <a:ext uri="{FF2B5EF4-FFF2-40B4-BE49-F238E27FC236}">
-                <a16:creationId xmlns:a16="http://schemas.microsoft.com/office/drawing/2014/main" xmlns="" id="{FFF506F9-840A-0508-4CAF-3AC711D8D5CE}"/>
+                <a16:creationId xmlns:a16="http://schemas.microsoft.com/office/drawing/2014/main" id="{FFF506F9-840A-0508-4CAF-3AC711D8D5CE}"/>
               </a:ext>
             </a:extLst>
           </p:cNvPr>
@@ -5990,7 +6025,7 @@
           <p:cNvPr id="2" name="그룹 1008">
             <a:extLst>
               <a:ext uri="{FF2B5EF4-FFF2-40B4-BE49-F238E27FC236}">
-                <a16:creationId xmlns:a16="http://schemas.microsoft.com/office/drawing/2014/main" xmlns="" id="{7B631D43-3504-F5FE-87A1-F651047C62B0}"/>
+                <a16:creationId xmlns:a16="http://schemas.microsoft.com/office/drawing/2014/main" id="{7B631D43-3504-F5FE-87A1-F651047C62B0}"/>
               </a:ext>
             </a:extLst>
           </p:cNvPr>
@@ -6010,7 +6045,7 @@
             <p:cNvPr id="3" name="그룹 1009">
               <a:extLst>
                 <a:ext uri="{FF2B5EF4-FFF2-40B4-BE49-F238E27FC236}">
-                  <a16:creationId xmlns:a16="http://schemas.microsoft.com/office/drawing/2014/main" xmlns="" id="{65D1E403-9A1D-DD06-2F95-DBCBD4C2564C}"/>
+                  <a16:creationId xmlns:a16="http://schemas.microsoft.com/office/drawing/2014/main" id="{65D1E403-9A1D-DD06-2F95-DBCBD4C2564C}"/>
                 </a:ext>
               </a:extLst>
             </p:cNvPr>
@@ -6030,7 +6065,7 @@
               <p:cNvPr id="12" name="Object 29">
                 <a:extLst>
                   <a:ext uri="{FF2B5EF4-FFF2-40B4-BE49-F238E27FC236}">
-                    <a16:creationId xmlns:a16="http://schemas.microsoft.com/office/drawing/2014/main" xmlns="" id="{6BA9FE91-C8B3-DB49-097E-41DE49921026}"/>
+                    <a16:creationId xmlns:a16="http://schemas.microsoft.com/office/drawing/2014/main" id="{6BA9FE91-C8B3-DB49-097E-41DE49921026}"/>
                   </a:ext>
                 </a:extLst>
               </p:cNvPr>
@@ -6061,7 +6096,7 @@
             <p:cNvPr id="6" name="그룹 1010">
               <a:extLst>
                 <a:ext uri="{FF2B5EF4-FFF2-40B4-BE49-F238E27FC236}">
-                  <a16:creationId xmlns:a16="http://schemas.microsoft.com/office/drawing/2014/main" xmlns="" id="{DDF51DED-D5B6-9128-CAFA-528BA22BC068}"/>
+                  <a16:creationId xmlns:a16="http://schemas.microsoft.com/office/drawing/2014/main" id="{DDF51DED-D5B6-9128-CAFA-528BA22BC068}"/>
                 </a:ext>
               </a:extLst>
             </p:cNvPr>
@@ -6081,7 +6116,7 @@
               <p:cNvPr id="10" name="Object 32">
                 <a:extLst>
                   <a:ext uri="{FF2B5EF4-FFF2-40B4-BE49-F238E27FC236}">
-                    <a16:creationId xmlns:a16="http://schemas.microsoft.com/office/drawing/2014/main" xmlns="" id="{D18C7777-9FB4-4F3A-484F-C754704DC2DA}"/>
+                    <a16:creationId xmlns:a16="http://schemas.microsoft.com/office/drawing/2014/main" id="{D18C7777-9FB4-4F3A-484F-C754704DC2DA}"/>
                   </a:ext>
                 </a:extLst>
               </p:cNvPr>
@@ -6112,7 +6147,7 @@
             <p:cNvPr id="8" name="그룹 1011">
               <a:extLst>
                 <a:ext uri="{FF2B5EF4-FFF2-40B4-BE49-F238E27FC236}">
-                  <a16:creationId xmlns:a16="http://schemas.microsoft.com/office/drawing/2014/main" xmlns="" id="{324248BD-C8F9-AAFD-57D1-C6D83ACD99E5}"/>
+                  <a16:creationId xmlns:a16="http://schemas.microsoft.com/office/drawing/2014/main" id="{324248BD-C8F9-AAFD-57D1-C6D83ACD99E5}"/>
                 </a:ext>
               </a:extLst>
             </p:cNvPr>
@@ -6132,7 +6167,7 @@
               <p:cNvPr id="9" name="Object 35">
                 <a:extLst>
                   <a:ext uri="{FF2B5EF4-FFF2-40B4-BE49-F238E27FC236}">
-                    <a16:creationId xmlns:a16="http://schemas.microsoft.com/office/drawing/2014/main" xmlns="" id="{D656F0D0-28FE-664D-FC72-4A23A8264AE6}"/>
+                    <a16:creationId xmlns:a16="http://schemas.microsoft.com/office/drawing/2014/main" id="{D656F0D0-28FE-664D-FC72-4A23A8264AE6}"/>
                   </a:ext>
                 </a:extLst>
               </p:cNvPr>
@@ -6169,6 +6204,13 @@
   <p:clrMapOvr>
     <a:masterClrMapping/>
   </p:clrMapOvr>
+  <p:timing>
+    <p:tnLst>
+      <p:par>
+        <p:cTn id="1" dur="indefinite" restart="never" nodeType="tmRoot"/>
+      </p:par>
+    </p:tnLst>
+  </p:timing>
 </p:sld>
 </file>
 
@@ -6194,7 +6236,7 @@
           <p:cNvPr id="5" name="그림 4">
             <a:extLst>
               <a:ext uri="{FF2B5EF4-FFF2-40B4-BE49-F238E27FC236}">
-                <a16:creationId xmlns:a16="http://schemas.microsoft.com/office/drawing/2014/main" xmlns="" id="{B3280BF9-66F2-3D60-3CAF-80EF3F018627}"/>
+                <a16:creationId xmlns:a16="http://schemas.microsoft.com/office/drawing/2014/main" id="{B3280BF9-66F2-3D60-3CAF-80EF3F018627}"/>
               </a:ext>
             </a:extLst>
           </p:cNvPr>
@@ -6224,7 +6266,7 @@
           <p:cNvPr id="3" name="직사각형 2">
             <a:extLst>
               <a:ext uri="{FF2B5EF4-FFF2-40B4-BE49-F238E27FC236}">
-                <a16:creationId xmlns:a16="http://schemas.microsoft.com/office/drawing/2014/main" xmlns="" id="{FFF506F9-840A-0508-4CAF-3AC711D8D5CE}"/>
+                <a16:creationId xmlns:a16="http://schemas.microsoft.com/office/drawing/2014/main" id="{FFF506F9-840A-0508-4CAF-3AC711D8D5CE}"/>
               </a:ext>
             </a:extLst>
           </p:cNvPr>
@@ -6281,6 +6323,13 @@
   <p:clrMapOvr>
     <a:masterClrMapping/>
   </p:clrMapOvr>
+  <p:timing>
+    <p:tnLst>
+      <p:par>
+        <p:cTn id="1" dur="indefinite" restart="never" nodeType="tmRoot"/>
+      </p:par>
+    </p:tnLst>
+  </p:timing>
 </p:sld>
 </file>
 
@@ -6306,7 +6355,7 @@
           <p:cNvPr id="5" name="그림 4">
             <a:extLst>
               <a:ext uri="{FF2B5EF4-FFF2-40B4-BE49-F238E27FC236}">
-                <a16:creationId xmlns:a16="http://schemas.microsoft.com/office/drawing/2014/main" xmlns="" id="{0B2E0D05-33A7-02FD-9213-883D4B7AD312}"/>
+                <a16:creationId xmlns:a16="http://schemas.microsoft.com/office/drawing/2014/main" id="{0B2E0D05-33A7-02FD-9213-883D4B7AD312}"/>
               </a:ext>
             </a:extLst>
           </p:cNvPr>
@@ -6336,7 +6385,7 @@
           <p:cNvPr id="7" name="그림 6">
             <a:extLst>
               <a:ext uri="{FF2B5EF4-FFF2-40B4-BE49-F238E27FC236}">
-                <a16:creationId xmlns:a16="http://schemas.microsoft.com/office/drawing/2014/main" xmlns="" id="{4FA74B91-A930-D26C-4562-75DEA658A572}"/>
+                <a16:creationId xmlns:a16="http://schemas.microsoft.com/office/drawing/2014/main" id="{4FA74B91-A930-D26C-4562-75DEA658A572}"/>
               </a:ext>
             </a:extLst>
           </p:cNvPr>
@@ -6366,7 +6415,7 @@
           <p:cNvPr id="2" name="직사각형 1">
             <a:extLst>
               <a:ext uri="{FF2B5EF4-FFF2-40B4-BE49-F238E27FC236}">
-                <a16:creationId xmlns:a16="http://schemas.microsoft.com/office/drawing/2014/main" xmlns="" id="{662983EC-8269-0F0C-F185-0A702293378B}"/>
+                <a16:creationId xmlns:a16="http://schemas.microsoft.com/office/drawing/2014/main" id="{662983EC-8269-0F0C-F185-0A702293378B}"/>
               </a:ext>
             </a:extLst>
           </p:cNvPr>
@@ -6418,7 +6467,7 @@
           <p:cNvPr id="3" name="직사각형 2">
             <a:extLst>
               <a:ext uri="{FF2B5EF4-FFF2-40B4-BE49-F238E27FC236}">
-                <a16:creationId xmlns:a16="http://schemas.microsoft.com/office/drawing/2014/main" xmlns="" id="{12568087-8243-5037-0076-36D11A4AC948}"/>
+                <a16:creationId xmlns:a16="http://schemas.microsoft.com/office/drawing/2014/main" id="{12568087-8243-5037-0076-36D11A4AC948}"/>
               </a:ext>
             </a:extLst>
           </p:cNvPr>
@@ -6470,7 +6519,7 @@
           <p:cNvPr id="4" name="직선 화살표 연결선 3">
             <a:extLst>
               <a:ext uri="{FF2B5EF4-FFF2-40B4-BE49-F238E27FC236}">
-                <a16:creationId xmlns:a16="http://schemas.microsoft.com/office/drawing/2014/main" xmlns="" id="{A7B19F88-8290-39BE-A4F3-31A39361941E}"/>
+                <a16:creationId xmlns:a16="http://schemas.microsoft.com/office/drawing/2014/main" id="{A7B19F88-8290-39BE-A4F3-31A39361941E}"/>
               </a:ext>
             </a:extLst>
           </p:cNvPr>
@@ -6511,7 +6560,7 @@
           <p:cNvPr id="6" name="TextBox 5">
             <a:extLst>
               <a:ext uri="{FF2B5EF4-FFF2-40B4-BE49-F238E27FC236}">
-                <a16:creationId xmlns:a16="http://schemas.microsoft.com/office/drawing/2014/main" xmlns="" id="{37D9FEE4-C522-CCBF-4238-12E1F41A4CC1}"/>
+                <a16:creationId xmlns:a16="http://schemas.microsoft.com/office/drawing/2014/main" id="{37D9FEE4-C522-CCBF-4238-12E1F41A4CC1}"/>
               </a:ext>
             </a:extLst>
           </p:cNvPr>
@@ -6584,6 +6633,13 @@
   <p:clrMapOvr>
     <a:masterClrMapping/>
   </p:clrMapOvr>
+  <p:timing>
+    <p:tnLst>
+      <p:par>
+        <p:cTn id="1" dur="indefinite" restart="never" nodeType="tmRoot"/>
+      </p:par>
+    </p:tnLst>
+  </p:timing>
 </p:sld>
 </file>
 
@@ -6633,7 +6689,7 @@
           <p:cNvPr id="5" name="직사각형 4">
             <a:extLst>
               <a:ext uri="{FF2B5EF4-FFF2-40B4-BE49-F238E27FC236}">
-                <a16:creationId xmlns:a16="http://schemas.microsoft.com/office/drawing/2014/main" xmlns="" id="{FFF506F9-840A-0508-4CAF-3AC711D8D5CE}"/>
+                <a16:creationId xmlns:a16="http://schemas.microsoft.com/office/drawing/2014/main" id="{FFF506F9-840A-0508-4CAF-3AC711D8D5CE}"/>
               </a:ext>
             </a:extLst>
           </p:cNvPr>
@@ -6685,7 +6741,7 @@
           <p:cNvPr id="6" name="직사각형 5">
             <a:extLst>
               <a:ext uri="{FF2B5EF4-FFF2-40B4-BE49-F238E27FC236}">
-                <a16:creationId xmlns:a16="http://schemas.microsoft.com/office/drawing/2014/main" xmlns="" id="{FFF506F9-840A-0508-4CAF-3AC711D8D5CE}"/>
+                <a16:creationId xmlns:a16="http://schemas.microsoft.com/office/drawing/2014/main" id="{FFF506F9-840A-0508-4CAF-3AC711D8D5CE}"/>
               </a:ext>
             </a:extLst>
           </p:cNvPr>
@@ -6761,7 +6817,7 @@
           <p:cNvPr id="8" name="직사각형 7">
             <a:extLst>
               <a:ext uri="{FF2B5EF4-FFF2-40B4-BE49-F238E27FC236}">
-                <a16:creationId xmlns:a16="http://schemas.microsoft.com/office/drawing/2014/main" xmlns="" id="{FFF506F9-840A-0508-4CAF-3AC711D8D5CE}"/>
+                <a16:creationId xmlns:a16="http://schemas.microsoft.com/office/drawing/2014/main" id="{FFF506F9-840A-0508-4CAF-3AC711D8D5CE}"/>
               </a:ext>
             </a:extLst>
           </p:cNvPr>
@@ -6813,7 +6869,7 @@
           <p:cNvPr id="2" name="직사각형 1">
             <a:extLst>
               <a:ext uri="{FF2B5EF4-FFF2-40B4-BE49-F238E27FC236}">
-                <a16:creationId xmlns:a16="http://schemas.microsoft.com/office/drawing/2014/main" xmlns="" id="{1E82723F-490D-873B-F2DC-E88C00B576E7}"/>
+                <a16:creationId xmlns:a16="http://schemas.microsoft.com/office/drawing/2014/main" id="{1E82723F-490D-873B-F2DC-E88C00B576E7}"/>
               </a:ext>
             </a:extLst>
           </p:cNvPr>
@@ -6865,7 +6921,7 @@
           <p:cNvPr id="3" name="TextBox 2">
             <a:extLst>
               <a:ext uri="{FF2B5EF4-FFF2-40B4-BE49-F238E27FC236}">
-                <a16:creationId xmlns:a16="http://schemas.microsoft.com/office/drawing/2014/main" xmlns="" id="{5F595596-BCE7-BB47-DC4A-ECC7E88D9E21}"/>
+                <a16:creationId xmlns:a16="http://schemas.microsoft.com/office/drawing/2014/main" id="{5F595596-BCE7-BB47-DC4A-ECC7E88D9E21}"/>
               </a:ext>
             </a:extLst>
           </p:cNvPr>
@@ -6913,7 +6969,7 @@
           <p:cNvPr id="9" name="직사각형 8">
             <a:extLst>
               <a:ext uri="{FF2B5EF4-FFF2-40B4-BE49-F238E27FC236}">
-                <a16:creationId xmlns:a16="http://schemas.microsoft.com/office/drawing/2014/main" xmlns="" id="{E8860763-2FD2-7061-3B5D-12B52D97BF17}"/>
+                <a16:creationId xmlns:a16="http://schemas.microsoft.com/office/drawing/2014/main" id="{E8860763-2FD2-7061-3B5D-12B52D97BF17}"/>
               </a:ext>
             </a:extLst>
           </p:cNvPr>
@@ -6965,7 +7021,7 @@
           <p:cNvPr id="10" name="TextBox 9">
             <a:extLst>
               <a:ext uri="{FF2B5EF4-FFF2-40B4-BE49-F238E27FC236}">
-                <a16:creationId xmlns:a16="http://schemas.microsoft.com/office/drawing/2014/main" xmlns="" id="{BD681665-F5E3-D7DB-247D-9571A45B273E}"/>
+                <a16:creationId xmlns:a16="http://schemas.microsoft.com/office/drawing/2014/main" id="{BD681665-F5E3-D7DB-247D-9571A45B273E}"/>
               </a:ext>
             </a:extLst>
           </p:cNvPr>
@@ -7023,7 +7079,7 @@
           <p:cNvPr id="11" name="직선 화살표 연결선 10">
             <a:extLst>
               <a:ext uri="{FF2B5EF4-FFF2-40B4-BE49-F238E27FC236}">
-                <a16:creationId xmlns:a16="http://schemas.microsoft.com/office/drawing/2014/main" xmlns="" id="{B12E7AEB-1C69-9FFB-1882-0924C06A3660}"/>
+                <a16:creationId xmlns:a16="http://schemas.microsoft.com/office/drawing/2014/main" id="{B12E7AEB-1C69-9FFB-1882-0924C06A3660}"/>
               </a:ext>
             </a:extLst>
           </p:cNvPr>
@@ -7069,6 +7125,13 @@
   <p:clrMapOvr>
     <a:masterClrMapping/>
   </p:clrMapOvr>
+  <p:timing>
+    <p:tnLst>
+      <p:par>
+        <p:cTn id="1" dur="indefinite" restart="never" nodeType="tmRoot"/>
+      </p:par>
+    </p:tnLst>
+  </p:timing>
 </p:sld>
 </file>
 
@@ -7094,7 +7157,7 @@
           <p:cNvPr id="48" name="그림 47">
             <a:extLst>
               <a:ext uri="{FF2B5EF4-FFF2-40B4-BE49-F238E27FC236}">
-                <a16:creationId xmlns:a16="http://schemas.microsoft.com/office/drawing/2014/main" xmlns="" id="{D334DBCF-B3EE-6D13-1FC6-7FBAC353AB0D}"/>
+                <a16:creationId xmlns:a16="http://schemas.microsoft.com/office/drawing/2014/main" id="{D334DBCF-B3EE-6D13-1FC6-7FBAC353AB0D}"/>
               </a:ext>
             </a:extLst>
           </p:cNvPr>
@@ -7148,7 +7211,7 @@
           <p:cNvPr id="8" name="직사각형 7">
             <a:extLst>
               <a:ext uri="{FF2B5EF4-FFF2-40B4-BE49-F238E27FC236}">
-                <a16:creationId xmlns:a16="http://schemas.microsoft.com/office/drawing/2014/main" xmlns="" id="{FFF506F9-840A-0508-4CAF-3AC711D8D5CE}"/>
+                <a16:creationId xmlns:a16="http://schemas.microsoft.com/office/drawing/2014/main" id="{FFF506F9-840A-0508-4CAF-3AC711D8D5CE}"/>
               </a:ext>
             </a:extLst>
           </p:cNvPr>
@@ -7200,7 +7263,7 @@
           <p:cNvPr id="9" name="직선 화살표 연결선 8">
             <a:extLst>
               <a:ext uri="{FF2B5EF4-FFF2-40B4-BE49-F238E27FC236}">
-                <a16:creationId xmlns:a16="http://schemas.microsoft.com/office/drawing/2014/main" xmlns="" id="{299DF5EC-9DF4-5255-06AC-0A7CE4FF58C3}"/>
+                <a16:creationId xmlns:a16="http://schemas.microsoft.com/office/drawing/2014/main" id="{299DF5EC-9DF4-5255-06AC-0A7CE4FF58C3}"/>
               </a:ext>
             </a:extLst>
           </p:cNvPr>
@@ -7241,7 +7304,7 @@
           <p:cNvPr id="11" name="TextBox 10">
             <a:extLst>
               <a:ext uri="{FF2B5EF4-FFF2-40B4-BE49-F238E27FC236}">
-                <a16:creationId xmlns:a16="http://schemas.microsoft.com/office/drawing/2014/main" xmlns="" id="{C6D113C6-EA5C-788F-0C77-E7CE6EBB865F}"/>
+                <a16:creationId xmlns:a16="http://schemas.microsoft.com/office/drawing/2014/main" id="{C6D113C6-EA5C-788F-0C77-E7CE6EBB865F}"/>
               </a:ext>
             </a:extLst>
           </p:cNvPr>
@@ -7292,7 +7355,7 @@
           <p:cNvPr id="12" name="직사각형 11">
             <a:extLst>
               <a:ext uri="{FF2B5EF4-FFF2-40B4-BE49-F238E27FC236}">
-                <a16:creationId xmlns:a16="http://schemas.microsoft.com/office/drawing/2014/main" xmlns="" id="{FFF506F9-840A-0508-4CAF-3AC711D8D5CE}"/>
+                <a16:creationId xmlns:a16="http://schemas.microsoft.com/office/drawing/2014/main" id="{FFF506F9-840A-0508-4CAF-3AC711D8D5CE}"/>
               </a:ext>
             </a:extLst>
           </p:cNvPr>
@@ -7344,7 +7407,7 @@
           <p:cNvPr id="13" name="직선 화살표 연결선 12">
             <a:extLst>
               <a:ext uri="{FF2B5EF4-FFF2-40B4-BE49-F238E27FC236}">
-                <a16:creationId xmlns:a16="http://schemas.microsoft.com/office/drawing/2014/main" xmlns="" id="{299DF5EC-9DF4-5255-06AC-0A7CE4FF58C3}"/>
+                <a16:creationId xmlns:a16="http://schemas.microsoft.com/office/drawing/2014/main" id="{299DF5EC-9DF4-5255-06AC-0A7CE4FF58C3}"/>
               </a:ext>
             </a:extLst>
           </p:cNvPr>
@@ -7385,7 +7448,7 @@
           <p:cNvPr id="14" name="TextBox 13">
             <a:extLst>
               <a:ext uri="{FF2B5EF4-FFF2-40B4-BE49-F238E27FC236}">
-                <a16:creationId xmlns:a16="http://schemas.microsoft.com/office/drawing/2014/main" xmlns="" id="{C6D113C6-EA5C-788F-0C77-E7CE6EBB865F}"/>
+                <a16:creationId xmlns:a16="http://schemas.microsoft.com/office/drawing/2014/main" id="{C6D113C6-EA5C-788F-0C77-E7CE6EBB865F}"/>
               </a:ext>
             </a:extLst>
           </p:cNvPr>
@@ -7395,7 +7458,7 @@
         <p:spPr>
           <a:xfrm>
             <a:off x="13666520" y="6743700"/>
-            <a:ext cx="4421326" cy="1200329"/>
+            <a:ext cx="4621480" cy="1200329"/>
           </a:xfrm>
           <a:prstGeom prst="rect">
             <a:avLst/>
@@ -7455,7 +7518,7 @@
           <p:cNvPr id="15" name="직사각형 14">
             <a:extLst>
               <a:ext uri="{FF2B5EF4-FFF2-40B4-BE49-F238E27FC236}">
-                <a16:creationId xmlns:a16="http://schemas.microsoft.com/office/drawing/2014/main" xmlns="" id="{FFF506F9-840A-0508-4CAF-3AC711D8D5CE}"/>
+                <a16:creationId xmlns:a16="http://schemas.microsoft.com/office/drawing/2014/main" id="{FFF506F9-840A-0508-4CAF-3AC711D8D5CE}"/>
               </a:ext>
             </a:extLst>
           </p:cNvPr>
@@ -7507,7 +7570,7 @@
           <p:cNvPr id="16" name="직선 화살표 연결선 15">
             <a:extLst>
               <a:ext uri="{FF2B5EF4-FFF2-40B4-BE49-F238E27FC236}">
-                <a16:creationId xmlns:a16="http://schemas.microsoft.com/office/drawing/2014/main" xmlns="" id="{299DF5EC-9DF4-5255-06AC-0A7CE4FF58C3}"/>
+                <a16:creationId xmlns:a16="http://schemas.microsoft.com/office/drawing/2014/main" id="{299DF5EC-9DF4-5255-06AC-0A7CE4FF58C3}"/>
               </a:ext>
             </a:extLst>
           </p:cNvPr>
@@ -7548,7 +7611,7 @@
           <p:cNvPr id="17" name="TextBox 16">
             <a:extLst>
               <a:ext uri="{FF2B5EF4-FFF2-40B4-BE49-F238E27FC236}">
-                <a16:creationId xmlns:a16="http://schemas.microsoft.com/office/drawing/2014/main" xmlns="" id="{C6D113C6-EA5C-788F-0C77-E7CE6EBB865F}"/>
+                <a16:creationId xmlns:a16="http://schemas.microsoft.com/office/drawing/2014/main" id="{C6D113C6-EA5C-788F-0C77-E7CE6EBB865F}"/>
               </a:ext>
             </a:extLst>
           </p:cNvPr>
@@ -7558,7 +7621,7 @@
         <p:spPr>
           <a:xfrm>
             <a:off x="13666520" y="3086100"/>
-            <a:ext cx="3544252" cy="646331"/>
+            <a:ext cx="4544820" cy="646331"/>
           </a:xfrm>
           <a:prstGeom prst="rect">
             <a:avLst/>
@@ -7626,7 +7689,7 @@
           <p:cNvPr id="2" name="TextBox 1">
             <a:extLst>
               <a:ext uri="{FF2B5EF4-FFF2-40B4-BE49-F238E27FC236}">
-                <a16:creationId xmlns:a16="http://schemas.microsoft.com/office/drawing/2014/main" xmlns="" id="{B4A999D3-9EFF-EF8D-0F7B-C0D43AC45A90}"/>
+                <a16:creationId xmlns:a16="http://schemas.microsoft.com/office/drawing/2014/main" id="{B4A999D3-9EFF-EF8D-0F7B-C0D43AC45A90}"/>
               </a:ext>
             </a:extLst>
           </p:cNvPr>
@@ -7674,7 +7737,7 @@
           <p:cNvPr id="20" name="그림 19">
             <a:extLst>
               <a:ext uri="{FF2B5EF4-FFF2-40B4-BE49-F238E27FC236}">
-                <a16:creationId xmlns:a16="http://schemas.microsoft.com/office/drawing/2014/main" xmlns="" id="{A6A24036-E674-B68D-A8BE-91231F46DADF}"/>
+                <a16:creationId xmlns:a16="http://schemas.microsoft.com/office/drawing/2014/main" id="{A6A24036-E674-B68D-A8BE-91231F46DADF}"/>
               </a:ext>
             </a:extLst>
           </p:cNvPr>
@@ -7704,7 +7767,7 @@
           <p:cNvPr id="23" name="그림 22">
             <a:extLst>
               <a:ext uri="{FF2B5EF4-FFF2-40B4-BE49-F238E27FC236}">
-                <a16:creationId xmlns:a16="http://schemas.microsoft.com/office/drawing/2014/main" xmlns="" id="{19E5ACE5-2CD2-C2BA-7D90-5F2929987B15}"/>
+                <a16:creationId xmlns:a16="http://schemas.microsoft.com/office/drawing/2014/main" id="{19E5ACE5-2CD2-C2BA-7D90-5F2929987B15}"/>
               </a:ext>
             </a:extLst>
           </p:cNvPr>
@@ -7734,7 +7797,7 @@
           <p:cNvPr id="24" name="직사각형 23">
             <a:extLst>
               <a:ext uri="{FF2B5EF4-FFF2-40B4-BE49-F238E27FC236}">
-                <a16:creationId xmlns:a16="http://schemas.microsoft.com/office/drawing/2014/main" xmlns="" id="{47A1FDE9-EDCD-46B9-0D00-4C715E8923D9}"/>
+                <a16:creationId xmlns:a16="http://schemas.microsoft.com/office/drawing/2014/main" id="{47A1FDE9-EDCD-46B9-0D00-4C715E8923D9}"/>
               </a:ext>
             </a:extLst>
           </p:cNvPr>
@@ -7786,7 +7849,7 @@
           <p:cNvPr id="25" name="직사각형 24">
             <a:extLst>
               <a:ext uri="{FF2B5EF4-FFF2-40B4-BE49-F238E27FC236}">
-                <a16:creationId xmlns:a16="http://schemas.microsoft.com/office/drawing/2014/main" xmlns="" id="{2A825EE6-2E5A-3ED0-D5DD-2C483E7969BB}"/>
+                <a16:creationId xmlns:a16="http://schemas.microsoft.com/office/drawing/2014/main" id="{2A825EE6-2E5A-3ED0-D5DD-2C483E7969BB}"/>
               </a:ext>
             </a:extLst>
           </p:cNvPr>
@@ -7838,7 +7901,7 @@
           <p:cNvPr id="26" name="직선 화살표 연결선 25">
             <a:extLst>
               <a:ext uri="{FF2B5EF4-FFF2-40B4-BE49-F238E27FC236}">
-                <a16:creationId xmlns:a16="http://schemas.microsoft.com/office/drawing/2014/main" xmlns="" id="{58F9C53D-7E6D-84B7-5CA1-4F1CF5D33B69}"/>
+                <a16:creationId xmlns:a16="http://schemas.microsoft.com/office/drawing/2014/main" id="{58F9C53D-7E6D-84B7-5CA1-4F1CF5D33B69}"/>
               </a:ext>
             </a:extLst>
           </p:cNvPr>
@@ -7879,7 +7942,7 @@
           <p:cNvPr id="27" name="TextBox 26">
             <a:extLst>
               <a:ext uri="{FF2B5EF4-FFF2-40B4-BE49-F238E27FC236}">
-                <a16:creationId xmlns:a16="http://schemas.microsoft.com/office/drawing/2014/main" xmlns="" id="{F4D02CF6-4E5D-E122-CFCB-18322F555447}"/>
+                <a16:creationId xmlns:a16="http://schemas.microsoft.com/office/drawing/2014/main" id="{F4D02CF6-4E5D-E122-CFCB-18322F555447}"/>
               </a:ext>
             </a:extLst>
           </p:cNvPr>
@@ -7927,7 +7990,7 @@
           <p:cNvPr id="28" name="그룹 1008">
             <a:extLst>
               <a:ext uri="{FF2B5EF4-FFF2-40B4-BE49-F238E27FC236}">
-                <a16:creationId xmlns:a16="http://schemas.microsoft.com/office/drawing/2014/main" xmlns="" id="{2E37EE38-CE48-4B67-9290-DE1FA6624765}"/>
+                <a16:creationId xmlns:a16="http://schemas.microsoft.com/office/drawing/2014/main" id="{2E37EE38-CE48-4B67-9290-DE1FA6624765}"/>
               </a:ext>
             </a:extLst>
           </p:cNvPr>
@@ -7947,7 +8010,7 @@
             <p:cNvPr id="29" name="그룹 1009">
               <a:extLst>
                 <a:ext uri="{FF2B5EF4-FFF2-40B4-BE49-F238E27FC236}">
-                  <a16:creationId xmlns:a16="http://schemas.microsoft.com/office/drawing/2014/main" xmlns="" id="{A1B966DC-3D06-1B4A-E6CA-CA5CB9D70AF3}"/>
+                  <a16:creationId xmlns:a16="http://schemas.microsoft.com/office/drawing/2014/main" id="{A1B966DC-3D06-1B4A-E6CA-CA5CB9D70AF3}"/>
                 </a:ext>
               </a:extLst>
             </p:cNvPr>
@@ -7967,7 +8030,7 @@
               <p:cNvPr id="34" name="Object 29">
                 <a:extLst>
                   <a:ext uri="{FF2B5EF4-FFF2-40B4-BE49-F238E27FC236}">
-                    <a16:creationId xmlns:a16="http://schemas.microsoft.com/office/drawing/2014/main" xmlns="" id="{A3E72A61-4358-1B11-CEAA-87B877119FCF}"/>
+                    <a16:creationId xmlns:a16="http://schemas.microsoft.com/office/drawing/2014/main" id="{A3E72A61-4358-1B11-CEAA-87B877119FCF}"/>
                   </a:ext>
                 </a:extLst>
               </p:cNvPr>
@@ -7998,7 +8061,7 @@
             <p:cNvPr id="30" name="그룹 1010">
               <a:extLst>
                 <a:ext uri="{FF2B5EF4-FFF2-40B4-BE49-F238E27FC236}">
-                  <a16:creationId xmlns:a16="http://schemas.microsoft.com/office/drawing/2014/main" xmlns="" id="{8AB12718-8E92-A2F2-8DAB-315E18551696}"/>
+                  <a16:creationId xmlns:a16="http://schemas.microsoft.com/office/drawing/2014/main" id="{8AB12718-8E92-A2F2-8DAB-315E18551696}"/>
                 </a:ext>
               </a:extLst>
             </p:cNvPr>
@@ -8018,7 +8081,7 @@
               <p:cNvPr id="33" name="Object 32">
                 <a:extLst>
                   <a:ext uri="{FF2B5EF4-FFF2-40B4-BE49-F238E27FC236}">
-                    <a16:creationId xmlns:a16="http://schemas.microsoft.com/office/drawing/2014/main" xmlns="" id="{A89DF5CE-0F28-F130-671B-F5046161943B}"/>
+                    <a16:creationId xmlns:a16="http://schemas.microsoft.com/office/drawing/2014/main" id="{A89DF5CE-0F28-F130-671B-F5046161943B}"/>
                   </a:ext>
                 </a:extLst>
               </p:cNvPr>
@@ -8049,7 +8112,7 @@
             <p:cNvPr id="31" name="그룹 1011">
               <a:extLst>
                 <a:ext uri="{FF2B5EF4-FFF2-40B4-BE49-F238E27FC236}">
-                  <a16:creationId xmlns:a16="http://schemas.microsoft.com/office/drawing/2014/main" xmlns="" id="{7EF26E15-5EE9-FE3F-102D-CB0C19DF8147}"/>
+                  <a16:creationId xmlns:a16="http://schemas.microsoft.com/office/drawing/2014/main" id="{7EF26E15-5EE9-FE3F-102D-CB0C19DF8147}"/>
                 </a:ext>
               </a:extLst>
             </p:cNvPr>
@@ -8069,7 +8132,7 @@
               <p:cNvPr id="32" name="Object 35">
                 <a:extLst>
                   <a:ext uri="{FF2B5EF4-FFF2-40B4-BE49-F238E27FC236}">
-                    <a16:creationId xmlns:a16="http://schemas.microsoft.com/office/drawing/2014/main" xmlns="" id="{9F64116F-AAD6-1633-A9D6-CAB22114EFC4}"/>
+                    <a16:creationId xmlns:a16="http://schemas.microsoft.com/office/drawing/2014/main" id="{9F64116F-AAD6-1633-A9D6-CAB22114EFC4}"/>
                   </a:ext>
                 </a:extLst>
               </p:cNvPr>
@@ -8101,7 +8164,7 @@
           <p:cNvPr id="35" name="직사각형 34">
             <a:extLst>
               <a:ext uri="{FF2B5EF4-FFF2-40B4-BE49-F238E27FC236}">
-                <a16:creationId xmlns:a16="http://schemas.microsoft.com/office/drawing/2014/main" xmlns="" id="{1CE068C1-E00D-59A2-3395-C0AF31BB0DED}"/>
+                <a16:creationId xmlns:a16="http://schemas.microsoft.com/office/drawing/2014/main" id="{1CE068C1-E00D-59A2-3395-C0AF31BB0DED}"/>
               </a:ext>
             </a:extLst>
           </p:cNvPr>
@@ -8153,7 +8216,7 @@
           <p:cNvPr id="36" name="직사각형 35">
             <a:extLst>
               <a:ext uri="{FF2B5EF4-FFF2-40B4-BE49-F238E27FC236}">
-                <a16:creationId xmlns:a16="http://schemas.microsoft.com/office/drawing/2014/main" xmlns="" id="{B329B329-739A-3D37-405E-5506C997D89C}"/>
+                <a16:creationId xmlns:a16="http://schemas.microsoft.com/office/drawing/2014/main" id="{B329B329-739A-3D37-405E-5506C997D89C}"/>
               </a:ext>
             </a:extLst>
           </p:cNvPr>
@@ -8205,7 +8268,7 @@
           <p:cNvPr id="40" name="그룹 1008">
             <a:extLst>
               <a:ext uri="{FF2B5EF4-FFF2-40B4-BE49-F238E27FC236}">
-                <a16:creationId xmlns:a16="http://schemas.microsoft.com/office/drawing/2014/main" xmlns="" id="{3C20BE20-060F-0BDF-F19B-7CDF7E439771}"/>
+                <a16:creationId xmlns:a16="http://schemas.microsoft.com/office/drawing/2014/main" id="{3C20BE20-060F-0BDF-F19B-7CDF7E439771}"/>
               </a:ext>
             </a:extLst>
           </p:cNvPr>
@@ -8225,7 +8288,7 @@
             <p:cNvPr id="41" name="그룹 1009">
               <a:extLst>
                 <a:ext uri="{FF2B5EF4-FFF2-40B4-BE49-F238E27FC236}">
-                  <a16:creationId xmlns:a16="http://schemas.microsoft.com/office/drawing/2014/main" xmlns="" id="{E8D5245C-1E8E-F52B-5348-5A85B1F94BBF}"/>
+                  <a16:creationId xmlns:a16="http://schemas.microsoft.com/office/drawing/2014/main" id="{E8D5245C-1E8E-F52B-5348-5A85B1F94BBF}"/>
                 </a:ext>
               </a:extLst>
             </p:cNvPr>
@@ -8245,7 +8308,7 @@
               <p:cNvPr id="46" name="Object 29">
                 <a:extLst>
                   <a:ext uri="{FF2B5EF4-FFF2-40B4-BE49-F238E27FC236}">
-                    <a16:creationId xmlns:a16="http://schemas.microsoft.com/office/drawing/2014/main" xmlns="" id="{D7F88395-680B-04D9-DB67-C9D4E03ED619}"/>
+                    <a16:creationId xmlns:a16="http://schemas.microsoft.com/office/drawing/2014/main" id="{D7F88395-680B-04D9-DB67-C9D4E03ED619}"/>
                   </a:ext>
                 </a:extLst>
               </p:cNvPr>
@@ -8276,7 +8339,7 @@
             <p:cNvPr id="42" name="그룹 1010">
               <a:extLst>
                 <a:ext uri="{FF2B5EF4-FFF2-40B4-BE49-F238E27FC236}">
-                  <a16:creationId xmlns:a16="http://schemas.microsoft.com/office/drawing/2014/main" xmlns="" id="{9E1CF57E-8143-38B7-02A0-0DF97826DB3E}"/>
+                  <a16:creationId xmlns:a16="http://schemas.microsoft.com/office/drawing/2014/main" id="{9E1CF57E-8143-38B7-02A0-0DF97826DB3E}"/>
                 </a:ext>
               </a:extLst>
             </p:cNvPr>
@@ -8296,7 +8359,7 @@
               <p:cNvPr id="45" name="Object 32">
                 <a:extLst>
                   <a:ext uri="{FF2B5EF4-FFF2-40B4-BE49-F238E27FC236}">
-                    <a16:creationId xmlns:a16="http://schemas.microsoft.com/office/drawing/2014/main" xmlns="" id="{61F16FF3-6DB9-4A6F-790E-76A2A8CF6B9C}"/>
+                    <a16:creationId xmlns:a16="http://schemas.microsoft.com/office/drawing/2014/main" id="{61F16FF3-6DB9-4A6F-790E-76A2A8CF6B9C}"/>
                   </a:ext>
                 </a:extLst>
               </p:cNvPr>
@@ -8327,7 +8390,7 @@
             <p:cNvPr id="43" name="그룹 1011">
               <a:extLst>
                 <a:ext uri="{FF2B5EF4-FFF2-40B4-BE49-F238E27FC236}">
-                  <a16:creationId xmlns:a16="http://schemas.microsoft.com/office/drawing/2014/main" xmlns="" id="{608F04BC-C861-5E0E-B79B-4DC776918B31}"/>
+                  <a16:creationId xmlns:a16="http://schemas.microsoft.com/office/drawing/2014/main" id="{608F04BC-C861-5E0E-B79B-4DC776918B31}"/>
                 </a:ext>
               </a:extLst>
             </p:cNvPr>
@@ -8347,7 +8410,7 @@
               <p:cNvPr id="44" name="Object 35">
                 <a:extLst>
                   <a:ext uri="{FF2B5EF4-FFF2-40B4-BE49-F238E27FC236}">
-                    <a16:creationId xmlns:a16="http://schemas.microsoft.com/office/drawing/2014/main" xmlns="" id="{6285D94D-31E8-D15B-8427-9CF3D4F1CA5F}"/>
+                    <a16:creationId xmlns:a16="http://schemas.microsoft.com/office/drawing/2014/main" id="{6285D94D-31E8-D15B-8427-9CF3D4F1CA5F}"/>
                   </a:ext>
                 </a:extLst>
               </p:cNvPr>
@@ -8379,7 +8442,7 @@
           <p:cNvPr id="49" name="직사각형 48">
             <a:extLst>
               <a:ext uri="{FF2B5EF4-FFF2-40B4-BE49-F238E27FC236}">
-                <a16:creationId xmlns:a16="http://schemas.microsoft.com/office/drawing/2014/main" xmlns="" id="{AF71F2AB-49BB-F622-681A-2E14639CFE13}"/>
+                <a16:creationId xmlns:a16="http://schemas.microsoft.com/office/drawing/2014/main" id="{AF71F2AB-49BB-F622-681A-2E14639CFE13}"/>
               </a:ext>
             </a:extLst>
           </p:cNvPr>
@@ -8436,6 +8499,13 @@
   <p:clrMapOvr>
     <a:masterClrMapping/>
   </p:clrMapOvr>
+  <p:timing>
+    <p:tnLst>
+      <p:par>
+        <p:cTn id="1" dur="indefinite" restart="never" nodeType="tmRoot"/>
+      </p:par>
+    </p:tnLst>
+  </p:timing>
 </p:sld>
 </file>
 
@@ -8634,7 +8704,7 @@
           <p:cNvPr id="11" name="TextBox 10">
             <a:extLst>
               <a:ext uri="{FF2B5EF4-FFF2-40B4-BE49-F238E27FC236}">
-                <a16:creationId xmlns:a16="http://schemas.microsoft.com/office/drawing/2014/main" xmlns="" id="{9F88F580-08BE-88C2-D640-13F0026591CB}"/>
+                <a16:creationId xmlns:a16="http://schemas.microsoft.com/office/drawing/2014/main" id="{9F88F580-08BE-88C2-D640-13F0026591CB}"/>
               </a:ext>
             </a:extLst>
           </p:cNvPr>
@@ -8692,7 +8762,7 @@
           <p:cNvPr id="13" name="TextBox 12">
             <a:extLst>
               <a:ext uri="{FF2B5EF4-FFF2-40B4-BE49-F238E27FC236}">
-                <a16:creationId xmlns:a16="http://schemas.microsoft.com/office/drawing/2014/main" xmlns="" id="{72769C28-9BB6-DE9C-7B6F-264B77B8DD0E}"/>
+                <a16:creationId xmlns:a16="http://schemas.microsoft.com/office/drawing/2014/main" id="{72769C28-9BB6-DE9C-7B6F-264B77B8DD0E}"/>
               </a:ext>
             </a:extLst>
           </p:cNvPr>
@@ -8740,7 +8810,7 @@
           <p:cNvPr id="14" name="TextBox 13">
             <a:extLst>
               <a:ext uri="{FF2B5EF4-FFF2-40B4-BE49-F238E27FC236}">
-                <a16:creationId xmlns:a16="http://schemas.microsoft.com/office/drawing/2014/main" xmlns="" id="{270FBB6A-01CE-5637-78DA-58F0C974145C}"/>
+                <a16:creationId xmlns:a16="http://schemas.microsoft.com/office/drawing/2014/main" id="{270FBB6A-01CE-5637-78DA-58F0C974145C}"/>
               </a:ext>
             </a:extLst>
           </p:cNvPr>
@@ -8788,7 +8858,7 @@
           <p:cNvPr id="2" name="Object 17">
             <a:extLst>
               <a:ext uri="{FF2B5EF4-FFF2-40B4-BE49-F238E27FC236}">
-                <a16:creationId xmlns:a16="http://schemas.microsoft.com/office/drawing/2014/main" xmlns="" id="{140B283D-FE58-FA6F-6F7C-E0F1DBB62A65}"/>
+                <a16:creationId xmlns:a16="http://schemas.microsoft.com/office/drawing/2014/main" id="{140B283D-FE58-FA6F-6F7C-E0F1DBB62A65}"/>
               </a:ext>
             </a:extLst>
           </p:cNvPr>
@@ -8818,7 +8888,7 @@
           <p:cNvPr id="4" name="TextBox 3">
             <a:extLst>
               <a:ext uri="{FF2B5EF4-FFF2-40B4-BE49-F238E27FC236}">
-                <a16:creationId xmlns:a16="http://schemas.microsoft.com/office/drawing/2014/main" xmlns="" id="{2C8D0998-79BC-6FD2-59D9-8052B4A25F65}"/>
+                <a16:creationId xmlns:a16="http://schemas.microsoft.com/office/drawing/2014/main" id="{2C8D0998-79BC-6FD2-59D9-8052B4A25F65}"/>
               </a:ext>
             </a:extLst>
           </p:cNvPr>
@@ -8866,7 +8936,7 @@
           <p:cNvPr id="5" name="Object 18">
             <a:extLst>
               <a:ext uri="{FF2B5EF4-FFF2-40B4-BE49-F238E27FC236}">
-                <a16:creationId xmlns:a16="http://schemas.microsoft.com/office/drawing/2014/main" xmlns="" id="{3F58EA3E-1018-64D3-FAB2-4F6B9618FA56}"/>
+                <a16:creationId xmlns:a16="http://schemas.microsoft.com/office/drawing/2014/main" id="{3F58EA3E-1018-64D3-FAB2-4F6B9618FA56}"/>
               </a:ext>
             </a:extLst>
           </p:cNvPr>
@@ -8896,7 +8966,7 @@
           <p:cNvPr id="8" name="TextBox 7">
             <a:extLst>
               <a:ext uri="{FF2B5EF4-FFF2-40B4-BE49-F238E27FC236}">
-                <a16:creationId xmlns:a16="http://schemas.microsoft.com/office/drawing/2014/main" xmlns="" id="{681D3F16-7DCF-41AD-F5F1-0558C78C0E4D}"/>
+                <a16:creationId xmlns:a16="http://schemas.microsoft.com/office/drawing/2014/main" id="{681D3F16-7DCF-41AD-F5F1-0558C78C0E4D}"/>
               </a:ext>
             </a:extLst>
           </p:cNvPr>
@@ -9024,7 +9094,7 @@
           <p:cNvPr id="8" name="TextBox 7">
             <a:extLst>
               <a:ext uri="{FF2B5EF4-FFF2-40B4-BE49-F238E27FC236}">
-                <a16:creationId xmlns:a16="http://schemas.microsoft.com/office/drawing/2014/main" xmlns="" id="{5ADC00B6-990A-40DC-3CEA-505258F5E8DA}"/>
+                <a16:creationId xmlns:a16="http://schemas.microsoft.com/office/drawing/2014/main" id="{5ADC00B6-990A-40DC-3CEA-505258F5E8DA}"/>
               </a:ext>
             </a:extLst>
           </p:cNvPr>
@@ -9075,7 +9145,7 @@
           <p:cNvPr id="9" name="그룹 1008">
             <a:extLst>
               <a:ext uri="{FF2B5EF4-FFF2-40B4-BE49-F238E27FC236}">
-                <a16:creationId xmlns:a16="http://schemas.microsoft.com/office/drawing/2014/main" xmlns="" id="{E395BDE3-2EDE-065D-70E8-56E348228ACF}"/>
+                <a16:creationId xmlns:a16="http://schemas.microsoft.com/office/drawing/2014/main" id="{E395BDE3-2EDE-065D-70E8-56E348228ACF}"/>
               </a:ext>
             </a:extLst>
           </p:cNvPr>
@@ -9095,7 +9165,7 @@
             <p:cNvPr id="10" name="그룹 1009">
               <a:extLst>
                 <a:ext uri="{FF2B5EF4-FFF2-40B4-BE49-F238E27FC236}">
-                  <a16:creationId xmlns:a16="http://schemas.microsoft.com/office/drawing/2014/main" xmlns="" id="{852F4DEB-DB33-DB3F-9E9F-52A46CD0B10A}"/>
+                  <a16:creationId xmlns:a16="http://schemas.microsoft.com/office/drawing/2014/main" id="{852F4DEB-DB33-DB3F-9E9F-52A46CD0B10A}"/>
                 </a:ext>
               </a:extLst>
             </p:cNvPr>
@@ -9115,7 +9185,7 @@
               <p:cNvPr id="15" name="Object 29">
                 <a:extLst>
                   <a:ext uri="{FF2B5EF4-FFF2-40B4-BE49-F238E27FC236}">
-                    <a16:creationId xmlns:a16="http://schemas.microsoft.com/office/drawing/2014/main" xmlns="" id="{7E353D3B-14D4-8A64-5888-3F0C062C2CDD}"/>
+                    <a16:creationId xmlns:a16="http://schemas.microsoft.com/office/drawing/2014/main" id="{7E353D3B-14D4-8A64-5888-3F0C062C2CDD}"/>
                   </a:ext>
                 </a:extLst>
               </p:cNvPr>
@@ -9146,7 +9216,7 @@
             <p:cNvPr id="11" name="그룹 1010">
               <a:extLst>
                 <a:ext uri="{FF2B5EF4-FFF2-40B4-BE49-F238E27FC236}">
-                  <a16:creationId xmlns:a16="http://schemas.microsoft.com/office/drawing/2014/main" xmlns="" id="{001E38AB-1390-ABD0-BE01-9727136FEAEE}"/>
+                  <a16:creationId xmlns:a16="http://schemas.microsoft.com/office/drawing/2014/main" id="{001E38AB-1390-ABD0-BE01-9727136FEAEE}"/>
                 </a:ext>
               </a:extLst>
             </p:cNvPr>
@@ -9166,7 +9236,7 @@
               <p:cNvPr id="14" name="Object 32">
                 <a:extLst>
                   <a:ext uri="{FF2B5EF4-FFF2-40B4-BE49-F238E27FC236}">
-                    <a16:creationId xmlns:a16="http://schemas.microsoft.com/office/drawing/2014/main" xmlns="" id="{2ED1C30F-0D0B-F86C-8215-2598D332B5A3}"/>
+                    <a16:creationId xmlns:a16="http://schemas.microsoft.com/office/drawing/2014/main" id="{2ED1C30F-0D0B-F86C-8215-2598D332B5A3}"/>
                   </a:ext>
                 </a:extLst>
               </p:cNvPr>
@@ -9197,7 +9267,7 @@
             <p:cNvPr id="12" name="그룹 1011">
               <a:extLst>
                 <a:ext uri="{FF2B5EF4-FFF2-40B4-BE49-F238E27FC236}">
-                  <a16:creationId xmlns:a16="http://schemas.microsoft.com/office/drawing/2014/main" xmlns="" id="{1BCB8DE5-ABAF-4198-BC16-85BB76F2DB24}"/>
+                  <a16:creationId xmlns:a16="http://schemas.microsoft.com/office/drawing/2014/main" id="{1BCB8DE5-ABAF-4198-BC16-85BB76F2DB24}"/>
                 </a:ext>
               </a:extLst>
             </p:cNvPr>
@@ -9217,7 +9287,7 @@
               <p:cNvPr id="13" name="Object 35">
                 <a:extLst>
                   <a:ext uri="{FF2B5EF4-FFF2-40B4-BE49-F238E27FC236}">
-                    <a16:creationId xmlns:a16="http://schemas.microsoft.com/office/drawing/2014/main" xmlns="" id="{86E7BA23-0A1E-B581-CADC-06AB269DB2BD}"/>
+                    <a16:creationId xmlns:a16="http://schemas.microsoft.com/office/drawing/2014/main" id="{86E7BA23-0A1E-B581-CADC-06AB269DB2BD}"/>
                   </a:ext>
                 </a:extLst>
               </p:cNvPr>
@@ -9249,7 +9319,7 @@
           <p:cNvPr id="2" name="직선 화살표 연결선 1">
             <a:extLst>
               <a:ext uri="{FF2B5EF4-FFF2-40B4-BE49-F238E27FC236}">
-                <a16:creationId xmlns:a16="http://schemas.microsoft.com/office/drawing/2014/main" xmlns="" id="{C9EB7A84-73DB-31DE-D215-CA53814F8158}"/>
+                <a16:creationId xmlns:a16="http://schemas.microsoft.com/office/drawing/2014/main" id="{C9EB7A84-73DB-31DE-D215-CA53814F8158}"/>
               </a:ext>
             </a:extLst>
           </p:cNvPr>
@@ -9290,7 +9360,7 @@
           <p:cNvPr id="3" name="직사각형 2">
             <a:extLst>
               <a:ext uri="{FF2B5EF4-FFF2-40B4-BE49-F238E27FC236}">
-                <a16:creationId xmlns:a16="http://schemas.microsoft.com/office/drawing/2014/main" xmlns="" id="{B2A5B5B4-A958-625A-C3A5-A9A63F35FBDC}"/>
+                <a16:creationId xmlns:a16="http://schemas.microsoft.com/office/drawing/2014/main" id="{B2A5B5B4-A958-625A-C3A5-A9A63F35FBDC}"/>
               </a:ext>
             </a:extLst>
           </p:cNvPr>
@@ -9342,7 +9412,7 @@
           <p:cNvPr id="4" name="TextBox 3">
             <a:extLst>
               <a:ext uri="{FF2B5EF4-FFF2-40B4-BE49-F238E27FC236}">
-                <a16:creationId xmlns:a16="http://schemas.microsoft.com/office/drawing/2014/main" xmlns="" id="{D3B320C6-B1AB-26FD-91E9-7E941EC674D1}"/>
+                <a16:creationId xmlns:a16="http://schemas.microsoft.com/office/drawing/2014/main" id="{D3B320C6-B1AB-26FD-91E9-7E941EC674D1}"/>
               </a:ext>
             </a:extLst>
           </p:cNvPr>
@@ -9410,7 +9480,7 @@
           <p:cNvPr id="16" name="그림 15">
             <a:extLst>
               <a:ext uri="{FF2B5EF4-FFF2-40B4-BE49-F238E27FC236}">
-                <a16:creationId xmlns:a16="http://schemas.microsoft.com/office/drawing/2014/main" xmlns="" id="{D7817794-4722-832A-9FDB-21FFF355F2E9}"/>
+                <a16:creationId xmlns:a16="http://schemas.microsoft.com/office/drawing/2014/main" id="{D7817794-4722-832A-9FDB-21FFF355F2E9}"/>
               </a:ext>
             </a:extLst>
           </p:cNvPr>
@@ -9439,7 +9509,7 @@
           <p:cNvPr id="17" name="직선 화살표 연결선 16">
             <a:extLst>
               <a:ext uri="{FF2B5EF4-FFF2-40B4-BE49-F238E27FC236}">
-                <a16:creationId xmlns:a16="http://schemas.microsoft.com/office/drawing/2014/main" xmlns="" id="{353F29CF-3817-7945-4582-966B6DD7FB70}"/>
+                <a16:creationId xmlns:a16="http://schemas.microsoft.com/office/drawing/2014/main" id="{353F29CF-3817-7945-4582-966B6DD7FB70}"/>
               </a:ext>
             </a:extLst>
           </p:cNvPr>
@@ -9480,7 +9550,7 @@
           <p:cNvPr id="18" name="직사각형 17">
             <a:extLst>
               <a:ext uri="{FF2B5EF4-FFF2-40B4-BE49-F238E27FC236}">
-                <a16:creationId xmlns:a16="http://schemas.microsoft.com/office/drawing/2014/main" xmlns="" id="{F9245045-9207-4AEE-8666-CA7A6CE09F43}"/>
+                <a16:creationId xmlns:a16="http://schemas.microsoft.com/office/drawing/2014/main" id="{F9245045-9207-4AEE-8666-CA7A6CE09F43}"/>
               </a:ext>
             </a:extLst>
           </p:cNvPr>
@@ -9532,7 +9602,7 @@
           <p:cNvPr id="19" name="TextBox 18">
             <a:extLst>
               <a:ext uri="{FF2B5EF4-FFF2-40B4-BE49-F238E27FC236}">
-                <a16:creationId xmlns:a16="http://schemas.microsoft.com/office/drawing/2014/main" xmlns="" id="{10D15F05-A816-4EB7-C301-A80EE2D59038}"/>
+                <a16:creationId xmlns:a16="http://schemas.microsoft.com/office/drawing/2014/main" id="{10D15F05-A816-4EB7-C301-A80EE2D59038}"/>
               </a:ext>
             </a:extLst>
           </p:cNvPr>
@@ -9583,7 +9653,7 @@
           <p:cNvPr id="20" name="TextBox 19">
             <a:extLst>
               <a:ext uri="{FF2B5EF4-FFF2-40B4-BE49-F238E27FC236}">
-                <a16:creationId xmlns:a16="http://schemas.microsoft.com/office/drawing/2014/main" xmlns="" id="{8BD0AC06-EC12-AC01-C4C7-764F9F8940B5}"/>
+                <a16:creationId xmlns:a16="http://schemas.microsoft.com/office/drawing/2014/main" id="{8BD0AC06-EC12-AC01-C4C7-764F9F8940B5}"/>
               </a:ext>
             </a:extLst>
           </p:cNvPr>
@@ -9636,6 +9706,13 @@
   <p:clrMapOvr>
     <a:masterClrMapping/>
   </p:clrMapOvr>
+  <p:timing>
+    <p:tnLst>
+      <p:par>
+        <p:cTn id="1" dur="indefinite" restart="never" nodeType="tmRoot"/>
+      </p:par>
+    </p:tnLst>
+  </p:timing>
 </p:sld>
 </file>
 
@@ -9685,7 +9762,7 @@
           <p:cNvPr id="5" name="직사각형 4">
             <a:extLst>
               <a:ext uri="{FF2B5EF4-FFF2-40B4-BE49-F238E27FC236}">
-                <a16:creationId xmlns:a16="http://schemas.microsoft.com/office/drawing/2014/main" xmlns="" id="{FFF506F9-840A-0508-4CAF-3AC711D8D5CE}"/>
+                <a16:creationId xmlns:a16="http://schemas.microsoft.com/office/drawing/2014/main" id="{FFF506F9-840A-0508-4CAF-3AC711D8D5CE}"/>
               </a:ext>
             </a:extLst>
           </p:cNvPr>
@@ -9737,7 +9814,7 @@
           <p:cNvPr id="6" name="직선 화살표 연결선 5">
             <a:extLst>
               <a:ext uri="{FF2B5EF4-FFF2-40B4-BE49-F238E27FC236}">
-                <a16:creationId xmlns:a16="http://schemas.microsoft.com/office/drawing/2014/main" xmlns="" id="{299DF5EC-9DF4-5255-06AC-0A7CE4FF58C3}"/>
+                <a16:creationId xmlns:a16="http://schemas.microsoft.com/office/drawing/2014/main" id="{299DF5EC-9DF4-5255-06AC-0A7CE4FF58C3}"/>
               </a:ext>
             </a:extLst>
           </p:cNvPr>
@@ -9778,7 +9855,7 @@
           <p:cNvPr id="7" name="TextBox 6">
             <a:extLst>
               <a:ext uri="{FF2B5EF4-FFF2-40B4-BE49-F238E27FC236}">
-                <a16:creationId xmlns:a16="http://schemas.microsoft.com/office/drawing/2014/main" xmlns="" id="{C6D113C6-EA5C-788F-0C77-E7CE6EBB865F}"/>
+                <a16:creationId xmlns:a16="http://schemas.microsoft.com/office/drawing/2014/main" id="{C6D113C6-EA5C-788F-0C77-E7CE6EBB865F}"/>
               </a:ext>
             </a:extLst>
           </p:cNvPr>
@@ -9849,7 +9926,7 @@
           <p:cNvPr id="8" name="직사각형 7">
             <a:extLst>
               <a:ext uri="{FF2B5EF4-FFF2-40B4-BE49-F238E27FC236}">
-                <a16:creationId xmlns:a16="http://schemas.microsoft.com/office/drawing/2014/main" xmlns="" id="{FFF506F9-840A-0508-4CAF-3AC711D8D5CE}"/>
+                <a16:creationId xmlns:a16="http://schemas.microsoft.com/office/drawing/2014/main" id="{FFF506F9-840A-0508-4CAF-3AC711D8D5CE}"/>
               </a:ext>
             </a:extLst>
           </p:cNvPr>
@@ -9901,7 +9978,7 @@
           <p:cNvPr id="9" name="직선 화살표 연결선 8">
             <a:extLst>
               <a:ext uri="{FF2B5EF4-FFF2-40B4-BE49-F238E27FC236}">
-                <a16:creationId xmlns:a16="http://schemas.microsoft.com/office/drawing/2014/main" xmlns="" id="{299DF5EC-9DF4-5255-06AC-0A7CE4FF58C3}"/>
+                <a16:creationId xmlns:a16="http://schemas.microsoft.com/office/drawing/2014/main" id="{299DF5EC-9DF4-5255-06AC-0A7CE4FF58C3}"/>
               </a:ext>
             </a:extLst>
           </p:cNvPr>
@@ -9942,7 +10019,7 @@
           <p:cNvPr id="10" name="TextBox 9">
             <a:extLst>
               <a:ext uri="{FF2B5EF4-FFF2-40B4-BE49-F238E27FC236}">
-                <a16:creationId xmlns:a16="http://schemas.microsoft.com/office/drawing/2014/main" xmlns="" id="{C6D113C6-EA5C-788F-0C77-E7CE6EBB865F}"/>
+                <a16:creationId xmlns:a16="http://schemas.microsoft.com/office/drawing/2014/main" id="{C6D113C6-EA5C-788F-0C77-E7CE6EBB865F}"/>
               </a:ext>
             </a:extLst>
           </p:cNvPr>
@@ -10043,7 +10120,7 @@
           <p:cNvPr id="11" name="직사각형 10">
             <a:extLst>
               <a:ext uri="{FF2B5EF4-FFF2-40B4-BE49-F238E27FC236}">
-                <a16:creationId xmlns:a16="http://schemas.microsoft.com/office/drawing/2014/main" xmlns="" id="{FFF506F9-840A-0508-4CAF-3AC711D8D5CE}"/>
+                <a16:creationId xmlns:a16="http://schemas.microsoft.com/office/drawing/2014/main" id="{FFF506F9-840A-0508-4CAF-3AC711D8D5CE}"/>
               </a:ext>
             </a:extLst>
           </p:cNvPr>
@@ -10095,7 +10172,7 @@
           <p:cNvPr id="12" name="직선 화살표 연결선 11">
             <a:extLst>
               <a:ext uri="{FF2B5EF4-FFF2-40B4-BE49-F238E27FC236}">
-                <a16:creationId xmlns:a16="http://schemas.microsoft.com/office/drawing/2014/main" xmlns="" id="{299DF5EC-9DF4-5255-06AC-0A7CE4FF58C3}"/>
+                <a16:creationId xmlns:a16="http://schemas.microsoft.com/office/drawing/2014/main" id="{299DF5EC-9DF4-5255-06AC-0A7CE4FF58C3}"/>
               </a:ext>
             </a:extLst>
           </p:cNvPr>
@@ -10137,7 +10214,7 @@
           <p:cNvPr id="13" name="TextBox 12">
             <a:extLst>
               <a:ext uri="{FF2B5EF4-FFF2-40B4-BE49-F238E27FC236}">
-                <a16:creationId xmlns:a16="http://schemas.microsoft.com/office/drawing/2014/main" xmlns="" id="{C6D113C6-EA5C-788F-0C77-E7CE6EBB865F}"/>
+                <a16:creationId xmlns:a16="http://schemas.microsoft.com/office/drawing/2014/main" id="{C6D113C6-EA5C-788F-0C77-E7CE6EBB865F}"/>
               </a:ext>
             </a:extLst>
           </p:cNvPr>
@@ -10205,7 +10282,7 @@
           <p:cNvPr id="16" name="직사각형 15">
             <a:extLst>
               <a:ext uri="{FF2B5EF4-FFF2-40B4-BE49-F238E27FC236}">
-                <a16:creationId xmlns:a16="http://schemas.microsoft.com/office/drawing/2014/main" xmlns="" id="{FFF506F9-840A-0508-4CAF-3AC711D8D5CE}"/>
+                <a16:creationId xmlns:a16="http://schemas.microsoft.com/office/drawing/2014/main" id="{FFF506F9-840A-0508-4CAF-3AC711D8D5CE}"/>
               </a:ext>
             </a:extLst>
           </p:cNvPr>
@@ -10257,7 +10334,7 @@
           <p:cNvPr id="17" name="직선 화살표 연결선 16">
             <a:extLst>
               <a:ext uri="{FF2B5EF4-FFF2-40B4-BE49-F238E27FC236}">
-                <a16:creationId xmlns:a16="http://schemas.microsoft.com/office/drawing/2014/main" xmlns="" id="{299DF5EC-9DF4-5255-06AC-0A7CE4FF58C3}"/>
+                <a16:creationId xmlns:a16="http://schemas.microsoft.com/office/drawing/2014/main" id="{299DF5EC-9DF4-5255-06AC-0A7CE4FF58C3}"/>
               </a:ext>
             </a:extLst>
           </p:cNvPr>
@@ -10298,7 +10375,7 @@
           <p:cNvPr id="19" name="TextBox 18">
             <a:extLst>
               <a:ext uri="{FF2B5EF4-FFF2-40B4-BE49-F238E27FC236}">
-                <a16:creationId xmlns:a16="http://schemas.microsoft.com/office/drawing/2014/main" xmlns="" id="{C6D113C6-EA5C-788F-0C77-E7CE6EBB865F}"/>
+                <a16:creationId xmlns:a16="http://schemas.microsoft.com/office/drawing/2014/main" id="{C6D113C6-EA5C-788F-0C77-E7CE6EBB865F}"/>
               </a:ext>
             </a:extLst>
           </p:cNvPr>
@@ -10361,6 +10438,13 @@
   <p:clrMapOvr>
     <a:masterClrMapping/>
   </p:clrMapOvr>
+  <p:timing>
+    <p:tnLst>
+      <p:par>
+        <p:cTn id="1" dur="indefinite" restart="never" nodeType="tmRoot"/>
+      </p:par>
+    </p:tnLst>
+  </p:timing>
 </p:sld>
 </file>
 
@@ -10386,7 +10470,7 @@
           <p:cNvPr id="4" name="그림 3">
             <a:extLst>
               <a:ext uri="{FF2B5EF4-FFF2-40B4-BE49-F238E27FC236}">
-                <a16:creationId xmlns:a16="http://schemas.microsoft.com/office/drawing/2014/main" xmlns="" id="{4D3B8D8D-2BA1-0979-BBFA-952034496677}"/>
+                <a16:creationId xmlns:a16="http://schemas.microsoft.com/office/drawing/2014/main" id="{4D3B8D8D-2BA1-0979-BBFA-952034496677}"/>
               </a:ext>
             </a:extLst>
           </p:cNvPr>
@@ -10416,7 +10500,7 @@
           <p:cNvPr id="2" name="TextBox 1">
             <a:extLst>
               <a:ext uri="{FF2B5EF4-FFF2-40B4-BE49-F238E27FC236}">
-                <a16:creationId xmlns:a16="http://schemas.microsoft.com/office/drawing/2014/main" xmlns="" id="{351DDB3B-0A0B-8285-ADF5-7EF5AA984AA7}"/>
+                <a16:creationId xmlns:a16="http://schemas.microsoft.com/office/drawing/2014/main" id="{351DDB3B-0A0B-8285-ADF5-7EF5AA984AA7}"/>
               </a:ext>
             </a:extLst>
           </p:cNvPr>
@@ -10474,7 +10558,7 @@
           <p:cNvPr id="10" name="직사각형 9">
             <a:extLst>
               <a:ext uri="{FF2B5EF4-FFF2-40B4-BE49-F238E27FC236}">
-                <a16:creationId xmlns:a16="http://schemas.microsoft.com/office/drawing/2014/main" xmlns="" id="{0937CA4E-3AC9-5957-2789-C0F51D9D9C60}"/>
+                <a16:creationId xmlns:a16="http://schemas.microsoft.com/office/drawing/2014/main" id="{0937CA4E-3AC9-5957-2789-C0F51D9D9C60}"/>
               </a:ext>
             </a:extLst>
           </p:cNvPr>
@@ -10526,7 +10610,7 @@
           <p:cNvPr id="11" name="직사각형 10">
             <a:extLst>
               <a:ext uri="{FF2B5EF4-FFF2-40B4-BE49-F238E27FC236}">
-                <a16:creationId xmlns:a16="http://schemas.microsoft.com/office/drawing/2014/main" xmlns="" id="{98339DF2-A247-2BDB-AEAA-73CF94865D40}"/>
+                <a16:creationId xmlns:a16="http://schemas.microsoft.com/office/drawing/2014/main" id="{98339DF2-A247-2BDB-AEAA-73CF94865D40}"/>
               </a:ext>
             </a:extLst>
           </p:cNvPr>
@@ -10578,7 +10662,7 @@
           <p:cNvPr id="12" name="TextBox 11">
             <a:extLst>
               <a:ext uri="{FF2B5EF4-FFF2-40B4-BE49-F238E27FC236}">
-                <a16:creationId xmlns:a16="http://schemas.microsoft.com/office/drawing/2014/main" xmlns="" id="{8C95DB6E-92A0-8D08-AE63-B2415C3CC7C7}"/>
+                <a16:creationId xmlns:a16="http://schemas.microsoft.com/office/drawing/2014/main" id="{8C95DB6E-92A0-8D08-AE63-B2415C3CC7C7}"/>
               </a:ext>
             </a:extLst>
           </p:cNvPr>
@@ -10626,7 +10710,7 @@
           <p:cNvPr id="13" name="TextBox 12">
             <a:extLst>
               <a:ext uri="{FF2B5EF4-FFF2-40B4-BE49-F238E27FC236}">
-                <a16:creationId xmlns:a16="http://schemas.microsoft.com/office/drawing/2014/main" xmlns="" id="{351D22FF-5552-0380-95DE-95A2973701F8}"/>
+                <a16:creationId xmlns:a16="http://schemas.microsoft.com/office/drawing/2014/main" id="{351D22FF-5552-0380-95DE-95A2973701F8}"/>
               </a:ext>
             </a:extLst>
           </p:cNvPr>
@@ -10636,7 +10720,7 @@
         <p:spPr>
           <a:xfrm>
             <a:off x="4646385" y="2419739"/>
-            <a:ext cx="2209800" cy="646331"/>
+            <a:ext cx="4040416" cy="646331"/>
           </a:xfrm>
           <a:prstGeom prst="rect">
             <a:avLst/>
@@ -10674,7 +10758,7 @@
           <p:cNvPr id="14" name="직사각형 13">
             <a:extLst>
               <a:ext uri="{FF2B5EF4-FFF2-40B4-BE49-F238E27FC236}">
-                <a16:creationId xmlns:a16="http://schemas.microsoft.com/office/drawing/2014/main" xmlns="" id="{575219D7-42DA-4B5E-9290-AEEC3B44FDC9}"/>
+                <a16:creationId xmlns:a16="http://schemas.microsoft.com/office/drawing/2014/main" id="{575219D7-42DA-4B5E-9290-AEEC3B44FDC9}"/>
               </a:ext>
             </a:extLst>
           </p:cNvPr>
@@ -10726,7 +10810,7 @@
           <p:cNvPr id="15" name="TextBox 14">
             <a:extLst>
               <a:ext uri="{FF2B5EF4-FFF2-40B4-BE49-F238E27FC236}">
-                <a16:creationId xmlns:a16="http://schemas.microsoft.com/office/drawing/2014/main" xmlns="" id="{718EDD7C-3379-2604-C449-5A748C8B7191}"/>
+                <a16:creationId xmlns:a16="http://schemas.microsoft.com/office/drawing/2014/main" id="{718EDD7C-3379-2604-C449-5A748C8B7191}"/>
               </a:ext>
             </a:extLst>
           </p:cNvPr>
@@ -10774,7 +10858,7 @@
           <p:cNvPr id="16" name="직사각형 15">
             <a:extLst>
               <a:ext uri="{FF2B5EF4-FFF2-40B4-BE49-F238E27FC236}">
-                <a16:creationId xmlns:a16="http://schemas.microsoft.com/office/drawing/2014/main" xmlns="" id="{73AC14CE-0FF6-9C80-F7E8-01F5906ADDC8}"/>
+                <a16:creationId xmlns:a16="http://schemas.microsoft.com/office/drawing/2014/main" id="{73AC14CE-0FF6-9C80-F7E8-01F5906ADDC8}"/>
               </a:ext>
             </a:extLst>
           </p:cNvPr>
@@ -10826,7 +10910,7 @@
           <p:cNvPr id="17" name="TextBox 16">
             <a:extLst>
               <a:ext uri="{FF2B5EF4-FFF2-40B4-BE49-F238E27FC236}">
-                <a16:creationId xmlns:a16="http://schemas.microsoft.com/office/drawing/2014/main" xmlns="" id="{61B9E1D7-9E04-18CB-5038-3CEC4447DE23}"/>
+                <a16:creationId xmlns:a16="http://schemas.microsoft.com/office/drawing/2014/main" id="{61B9E1D7-9E04-18CB-5038-3CEC4447DE23}"/>
               </a:ext>
             </a:extLst>
           </p:cNvPr>
@@ -10874,7 +10958,7 @@
           <p:cNvPr id="5" name="직선 화살표 연결선 4">
             <a:extLst>
               <a:ext uri="{FF2B5EF4-FFF2-40B4-BE49-F238E27FC236}">
-                <a16:creationId xmlns:a16="http://schemas.microsoft.com/office/drawing/2014/main" xmlns="" id="{4B6C615B-5026-F384-013F-91BB179E3908}"/>
+                <a16:creationId xmlns:a16="http://schemas.microsoft.com/office/drawing/2014/main" id="{4B6C615B-5026-F384-013F-91BB179E3908}"/>
               </a:ext>
             </a:extLst>
           </p:cNvPr>
@@ -10915,7 +10999,7 @@
           <p:cNvPr id="7" name="직선 화살표 연결선 6">
             <a:extLst>
               <a:ext uri="{FF2B5EF4-FFF2-40B4-BE49-F238E27FC236}">
-                <a16:creationId xmlns:a16="http://schemas.microsoft.com/office/drawing/2014/main" xmlns="" id="{42FA9B6C-1677-F862-2AD1-FB353E24DA42}"/>
+                <a16:creationId xmlns:a16="http://schemas.microsoft.com/office/drawing/2014/main" id="{42FA9B6C-1677-F862-2AD1-FB353E24DA42}"/>
               </a:ext>
             </a:extLst>
           </p:cNvPr>
@@ -10957,7 +11041,7 @@
           <p:cNvPr id="21" name="직선 화살표 연결선 20">
             <a:extLst>
               <a:ext uri="{FF2B5EF4-FFF2-40B4-BE49-F238E27FC236}">
-                <a16:creationId xmlns:a16="http://schemas.microsoft.com/office/drawing/2014/main" xmlns="" id="{154B4415-91F1-4977-70D1-1C5E4A9DED21}"/>
+                <a16:creationId xmlns:a16="http://schemas.microsoft.com/office/drawing/2014/main" id="{154B4415-91F1-4977-70D1-1C5E4A9DED21}"/>
               </a:ext>
             </a:extLst>
           </p:cNvPr>
@@ -11003,6 +11087,13 @@
   <p:clrMapOvr>
     <a:masterClrMapping/>
   </p:clrMapOvr>
+  <p:timing>
+    <p:tnLst>
+      <p:par>
+        <p:cTn id="1" dur="indefinite" restart="never" nodeType="tmRoot"/>
+      </p:par>
+    </p:tnLst>
+  </p:timing>
 </p:sld>
 </file>
 
@@ -11028,7 +11119,7 @@
           <p:cNvPr id="3" name="TextBox 2">
             <a:extLst>
               <a:ext uri="{FF2B5EF4-FFF2-40B4-BE49-F238E27FC236}">
-                <a16:creationId xmlns:a16="http://schemas.microsoft.com/office/drawing/2014/main" xmlns="" id="{612C8FEB-1251-BDA2-24F6-FF85CEB0861D}"/>
+                <a16:creationId xmlns:a16="http://schemas.microsoft.com/office/drawing/2014/main" id="{612C8FEB-1251-BDA2-24F6-FF85CEB0861D}"/>
               </a:ext>
             </a:extLst>
           </p:cNvPr>
@@ -11076,7 +11167,7 @@
           <p:cNvPr id="5" name="그림 4">
             <a:extLst>
               <a:ext uri="{FF2B5EF4-FFF2-40B4-BE49-F238E27FC236}">
-                <a16:creationId xmlns:a16="http://schemas.microsoft.com/office/drawing/2014/main" xmlns="" id="{E049D3DC-6E36-9A9F-A57C-5547C0E60671}"/>
+                <a16:creationId xmlns:a16="http://schemas.microsoft.com/office/drawing/2014/main" id="{E049D3DC-6E36-9A9F-A57C-5547C0E60671}"/>
               </a:ext>
             </a:extLst>
           </p:cNvPr>
@@ -11106,7 +11197,7 @@
           <p:cNvPr id="6" name="직선 화살표 연결선 5">
             <a:extLst>
               <a:ext uri="{FF2B5EF4-FFF2-40B4-BE49-F238E27FC236}">
-                <a16:creationId xmlns:a16="http://schemas.microsoft.com/office/drawing/2014/main" xmlns="" id="{44A84B4C-F23B-2608-CC3B-EF8E80A29E4C}"/>
+                <a16:creationId xmlns:a16="http://schemas.microsoft.com/office/drawing/2014/main" id="{44A84B4C-F23B-2608-CC3B-EF8E80A29E4C}"/>
               </a:ext>
             </a:extLst>
           </p:cNvPr>
@@ -11147,7 +11238,7 @@
           <p:cNvPr id="7" name="직사각형 6">
             <a:extLst>
               <a:ext uri="{FF2B5EF4-FFF2-40B4-BE49-F238E27FC236}">
-                <a16:creationId xmlns:a16="http://schemas.microsoft.com/office/drawing/2014/main" xmlns="" id="{4F9FA318-4AFE-BA48-02EA-F9F630E60AC6}"/>
+                <a16:creationId xmlns:a16="http://schemas.microsoft.com/office/drawing/2014/main" id="{4F9FA318-4AFE-BA48-02EA-F9F630E60AC6}"/>
               </a:ext>
             </a:extLst>
           </p:cNvPr>
@@ -11199,7 +11290,7 @@
           <p:cNvPr id="8" name="TextBox 7">
             <a:extLst>
               <a:ext uri="{FF2B5EF4-FFF2-40B4-BE49-F238E27FC236}">
-                <a16:creationId xmlns:a16="http://schemas.microsoft.com/office/drawing/2014/main" xmlns="" id="{773CE4AC-0CE4-65A6-4687-3D821C8A41C5}"/>
+                <a16:creationId xmlns:a16="http://schemas.microsoft.com/office/drawing/2014/main" id="{773CE4AC-0CE4-65A6-4687-3D821C8A41C5}"/>
               </a:ext>
             </a:extLst>
           </p:cNvPr>
@@ -11267,7 +11358,7 @@
           <p:cNvPr id="9" name="직사각형 8">
             <a:extLst>
               <a:ext uri="{FF2B5EF4-FFF2-40B4-BE49-F238E27FC236}">
-                <a16:creationId xmlns:a16="http://schemas.microsoft.com/office/drawing/2014/main" xmlns="" id="{5DB43343-A934-02F6-DF20-D848EB39CA3A}"/>
+                <a16:creationId xmlns:a16="http://schemas.microsoft.com/office/drawing/2014/main" id="{5DB43343-A934-02F6-DF20-D848EB39CA3A}"/>
               </a:ext>
             </a:extLst>
           </p:cNvPr>
@@ -11319,7 +11410,7 @@
           <p:cNvPr id="10" name="직사각형 9">
             <a:extLst>
               <a:ext uri="{FF2B5EF4-FFF2-40B4-BE49-F238E27FC236}">
-                <a16:creationId xmlns:a16="http://schemas.microsoft.com/office/drawing/2014/main" xmlns="" id="{4867BBFF-36F1-2AA3-89D6-FE779B226F27}"/>
+                <a16:creationId xmlns:a16="http://schemas.microsoft.com/office/drawing/2014/main" id="{4867BBFF-36F1-2AA3-89D6-FE779B226F27}"/>
               </a:ext>
             </a:extLst>
           </p:cNvPr>
@@ -11371,7 +11462,7 @@
           <p:cNvPr id="13" name="TextBox 12">
             <a:extLst>
               <a:ext uri="{FF2B5EF4-FFF2-40B4-BE49-F238E27FC236}">
-                <a16:creationId xmlns:a16="http://schemas.microsoft.com/office/drawing/2014/main" xmlns="" id="{5A6CBBEE-D942-96DA-18FC-82E2EDC47A0C}"/>
+                <a16:creationId xmlns:a16="http://schemas.microsoft.com/office/drawing/2014/main" id="{5A6CBBEE-D942-96DA-18FC-82E2EDC47A0C}"/>
               </a:ext>
             </a:extLst>
           </p:cNvPr>
@@ -11521,7 +11612,7 @@
           <p:cNvPr id="2" name="그림 1">
             <a:extLst>
               <a:ext uri="{FF2B5EF4-FFF2-40B4-BE49-F238E27FC236}">
-                <a16:creationId xmlns:a16="http://schemas.microsoft.com/office/drawing/2014/main" xmlns="" id="{E388FC9B-049C-75EA-2EE6-019568A6DDBF}"/>
+                <a16:creationId xmlns:a16="http://schemas.microsoft.com/office/drawing/2014/main" id="{E388FC9B-049C-75EA-2EE6-019568A6DDBF}"/>
               </a:ext>
             </a:extLst>
           </p:cNvPr>
@@ -11550,7 +11641,7 @@
           <p:cNvPr id="3" name="직선 화살표 연결선 2">
             <a:extLst>
               <a:ext uri="{FF2B5EF4-FFF2-40B4-BE49-F238E27FC236}">
-                <a16:creationId xmlns:a16="http://schemas.microsoft.com/office/drawing/2014/main" xmlns="" id="{F790270D-1F2B-7378-9C33-807DED9844B8}"/>
+                <a16:creationId xmlns:a16="http://schemas.microsoft.com/office/drawing/2014/main" id="{F790270D-1F2B-7378-9C33-807DED9844B8}"/>
               </a:ext>
             </a:extLst>
           </p:cNvPr>
@@ -11591,7 +11682,7 @@
           <p:cNvPr id="4" name="직사각형 3">
             <a:extLst>
               <a:ext uri="{FF2B5EF4-FFF2-40B4-BE49-F238E27FC236}">
-                <a16:creationId xmlns:a16="http://schemas.microsoft.com/office/drawing/2014/main" xmlns="" id="{F82B5998-FCD0-6AC9-EAEB-679030406548}"/>
+                <a16:creationId xmlns:a16="http://schemas.microsoft.com/office/drawing/2014/main" id="{F82B5998-FCD0-6AC9-EAEB-679030406548}"/>
               </a:ext>
             </a:extLst>
           </p:cNvPr>
@@ -11643,7 +11734,7 @@
           <p:cNvPr id="5" name="TextBox 4">
             <a:extLst>
               <a:ext uri="{FF2B5EF4-FFF2-40B4-BE49-F238E27FC236}">
-                <a16:creationId xmlns:a16="http://schemas.microsoft.com/office/drawing/2014/main" xmlns="" id="{1C4EF837-DFA0-1610-B642-4A026121164B}"/>
+                <a16:creationId xmlns:a16="http://schemas.microsoft.com/office/drawing/2014/main" id="{1C4EF837-DFA0-1610-B642-4A026121164B}"/>
               </a:ext>
             </a:extLst>
           </p:cNvPr>
@@ -11786,7 +11877,7 @@
           <p:cNvPr id="2" name="TextBox 1">
             <a:extLst>
               <a:ext uri="{FF2B5EF4-FFF2-40B4-BE49-F238E27FC236}">
-                <a16:creationId xmlns:a16="http://schemas.microsoft.com/office/drawing/2014/main" xmlns="" id="{644A5C41-C09C-1E7F-AE3E-85891B18F28A}"/>
+                <a16:creationId xmlns:a16="http://schemas.microsoft.com/office/drawing/2014/main" id="{644A5C41-C09C-1E7F-AE3E-85891B18F28A}"/>
               </a:ext>
             </a:extLst>
           </p:cNvPr>
@@ -11883,7 +11974,7 @@
           <p:cNvPr id="4" name="그림 3">
             <a:extLst>
               <a:ext uri="{FF2B5EF4-FFF2-40B4-BE49-F238E27FC236}">
-                <a16:creationId xmlns:a16="http://schemas.microsoft.com/office/drawing/2014/main" xmlns="" id="{120F2F32-3014-B0DB-C6F3-B805DEAC05D3}"/>
+                <a16:creationId xmlns:a16="http://schemas.microsoft.com/office/drawing/2014/main" id="{120F2F32-3014-B0DB-C6F3-B805DEAC05D3}"/>
               </a:ext>
             </a:extLst>
           </p:cNvPr>
@@ -11913,7 +12004,7 @@
           <p:cNvPr id="5" name="직선 화살표 연결선 4">
             <a:extLst>
               <a:ext uri="{FF2B5EF4-FFF2-40B4-BE49-F238E27FC236}">
-                <a16:creationId xmlns:a16="http://schemas.microsoft.com/office/drawing/2014/main" xmlns="" id="{ADB1F339-AD25-2411-FC56-743C887248A0}"/>
+                <a16:creationId xmlns:a16="http://schemas.microsoft.com/office/drawing/2014/main" id="{ADB1F339-AD25-2411-FC56-743C887248A0}"/>
               </a:ext>
             </a:extLst>
           </p:cNvPr>
@@ -11955,7 +12046,7 @@
           <p:cNvPr id="6" name="직사각형 5">
             <a:extLst>
               <a:ext uri="{FF2B5EF4-FFF2-40B4-BE49-F238E27FC236}">
-                <a16:creationId xmlns:a16="http://schemas.microsoft.com/office/drawing/2014/main" xmlns="" id="{B6C730BB-7773-A78C-A120-55770E288E9C}"/>
+                <a16:creationId xmlns:a16="http://schemas.microsoft.com/office/drawing/2014/main" id="{B6C730BB-7773-A78C-A120-55770E288E9C}"/>
               </a:ext>
             </a:extLst>
           </p:cNvPr>
@@ -12007,7 +12098,7 @@
           <p:cNvPr id="7" name="TextBox 6">
             <a:extLst>
               <a:ext uri="{FF2B5EF4-FFF2-40B4-BE49-F238E27FC236}">
-                <a16:creationId xmlns:a16="http://schemas.microsoft.com/office/drawing/2014/main" xmlns="" id="{C34B4FEC-C6CE-CDE2-5AB9-06BED1BFA487}"/>
+                <a16:creationId xmlns:a16="http://schemas.microsoft.com/office/drawing/2014/main" id="{C34B4FEC-C6CE-CDE2-5AB9-06BED1BFA487}"/>
               </a:ext>
             </a:extLst>
           </p:cNvPr>
@@ -12108,7 +12199,7 @@
           <p:cNvPr id="3" name="그림 2">
             <a:extLst>
               <a:ext uri="{FF2B5EF4-FFF2-40B4-BE49-F238E27FC236}">
-                <a16:creationId xmlns:a16="http://schemas.microsoft.com/office/drawing/2014/main" xmlns="" id="{560F1D18-10D5-15AD-8139-B82168D92003}"/>
+                <a16:creationId xmlns:a16="http://schemas.microsoft.com/office/drawing/2014/main" id="{560F1D18-10D5-15AD-8139-B82168D92003}"/>
               </a:ext>
             </a:extLst>
           </p:cNvPr>
@@ -12138,7 +12229,7 @@
           <p:cNvPr id="4" name="직선 화살표 연결선 3">
             <a:extLst>
               <a:ext uri="{FF2B5EF4-FFF2-40B4-BE49-F238E27FC236}">
-                <a16:creationId xmlns:a16="http://schemas.microsoft.com/office/drawing/2014/main" xmlns="" id="{30678143-0133-2AC5-3D8D-3A7A317DAD70}"/>
+                <a16:creationId xmlns:a16="http://schemas.microsoft.com/office/drawing/2014/main" id="{30678143-0133-2AC5-3D8D-3A7A317DAD70}"/>
               </a:ext>
             </a:extLst>
           </p:cNvPr>
@@ -12179,7 +12270,7 @@
           <p:cNvPr id="5" name="직사각형 4">
             <a:extLst>
               <a:ext uri="{FF2B5EF4-FFF2-40B4-BE49-F238E27FC236}">
-                <a16:creationId xmlns:a16="http://schemas.microsoft.com/office/drawing/2014/main" xmlns="" id="{9A5C2D18-E7A4-083E-5F33-538845A3B57C}"/>
+                <a16:creationId xmlns:a16="http://schemas.microsoft.com/office/drawing/2014/main" id="{9A5C2D18-E7A4-083E-5F33-538845A3B57C}"/>
               </a:ext>
             </a:extLst>
           </p:cNvPr>
@@ -12231,7 +12322,7 @@
           <p:cNvPr id="6" name="TextBox 5">
             <a:extLst>
               <a:ext uri="{FF2B5EF4-FFF2-40B4-BE49-F238E27FC236}">
-                <a16:creationId xmlns:a16="http://schemas.microsoft.com/office/drawing/2014/main" xmlns="" id="{3DF09E6D-B304-FCB3-EDA5-72C95E2C1C30}"/>
+                <a16:creationId xmlns:a16="http://schemas.microsoft.com/office/drawing/2014/main" id="{3DF09E6D-B304-FCB3-EDA5-72C95E2C1C30}"/>
               </a:ext>
             </a:extLst>
           </p:cNvPr>
@@ -12402,7 +12493,7 @@
           <p:cNvPr id="2" name="TextBox 1">
             <a:extLst>
               <a:ext uri="{FF2B5EF4-FFF2-40B4-BE49-F238E27FC236}">
-                <a16:creationId xmlns:a16="http://schemas.microsoft.com/office/drawing/2014/main" xmlns="" id="{E74A3BF9-B62B-1424-FA47-05026A8CCA3A}"/>
+                <a16:creationId xmlns:a16="http://schemas.microsoft.com/office/drawing/2014/main" id="{E74A3BF9-B62B-1424-FA47-05026A8CCA3A}"/>
               </a:ext>
             </a:extLst>
           </p:cNvPr>
@@ -12602,7 +12693,7 @@
           <p:cNvPr id="2" name="TextBox 1">
             <a:extLst>
               <a:ext uri="{FF2B5EF4-FFF2-40B4-BE49-F238E27FC236}">
-                <a16:creationId xmlns:a16="http://schemas.microsoft.com/office/drawing/2014/main" xmlns="" id="{7229BEA6-121E-9056-D07F-2B3BB1795F76}"/>
+                <a16:creationId xmlns:a16="http://schemas.microsoft.com/office/drawing/2014/main" id="{7229BEA6-121E-9056-D07F-2B3BB1795F76}"/>
               </a:ext>
             </a:extLst>
           </p:cNvPr>
@@ -12663,7 +12754,7 @@
           <p:cNvPr id="3" name="TextBox 2">
             <a:extLst>
               <a:ext uri="{FF2B5EF4-FFF2-40B4-BE49-F238E27FC236}">
-                <a16:creationId xmlns:a16="http://schemas.microsoft.com/office/drawing/2014/main" xmlns="" id="{7229BEA6-121E-9056-D07F-2B3BB1795F76}"/>
+                <a16:creationId xmlns:a16="http://schemas.microsoft.com/office/drawing/2014/main" id="{7229BEA6-121E-9056-D07F-2B3BB1795F76}"/>
               </a:ext>
             </a:extLst>
           </p:cNvPr>
@@ -12721,7 +12812,7 @@
           <p:cNvPr id="4" name="TextBox 3">
             <a:extLst>
               <a:ext uri="{FF2B5EF4-FFF2-40B4-BE49-F238E27FC236}">
-                <a16:creationId xmlns:a16="http://schemas.microsoft.com/office/drawing/2014/main" xmlns="" id="{7229BEA6-121E-9056-D07F-2B3BB1795F76}"/>
+                <a16:creationId xmlns:a16="http://schemas.microsoft.com/office/drawing/2014/main" id="{7229BEA6-121E-9056-D07F-2B3BB1795F76}"/>
               </a:ext>
             </a:extLst>
           </p:cNvPr>
@@ -13049,7 +13140,7 @@
           <p:cNvPr id="3" name="그림 2">
             <a:extLst>
               <a:ext uri="{FF2B5EF4-FFF2-40B4-BE49-F238E27FC236}">
-                <a16:creationId xmlns:a16="http://schemas.microsoft.com/office/drawing/2014/main" xmlns="" id="{85719509-90AA-E8C1-9118-98F3A12019C0}"/>
+                <a16:creationId xmlns:a16="http://schemas.microsoft.com/office/drawing/2014/main" id="{85719509-90AA-E8C1-9118-98F3A12019C0}"/>
               </a:ext>
             </a:extLst>
           </p:cNvPr>
@@ -13079,7 +13170,7 @@
           <p:cNvPr id="4" name="직선 화살표 연결선 3">
             <a:extLst>
               <a:ext uri="{FF2B5EF4-FFF2-40B4-BE49-F238E27FC236}">
-                <a16:creationId xmlns:a16="http://schemas.microsoft.com/office/drawing/2014/main" xmlns="" id="{7772EA17-45AA-79E8-35C4-5A7327B327B9}"/>
+                <a16:creationId xmlns:a16="http://schemas.microsoft.com/office/drawing/2014/main" id="{7772EA17-45AA-79E8-35C4-5A7327B327B9}"/>
               </a:ext>
             </a:extLst>
           </p:cNvPr>
@@ -13120,7 +13211,7 @@
           <p:cNvPr id="5" name="직사각형 4">
             <a:extLst>
               <a:ext uri="{FF2B5EF4-FFF2-40B4-BE49-F238E27FC236}">
-                <a16:creationId xmlns:a16="http://schemas.microsoft.com/office/drawing/2014/main" xmlns="" id="{112194DC-9395-543E-BA2C-CAC4DA5F5980}"/>
+                <a16:creationId xmlns:a16="http://schemas.microsoft.com/office/drawing/2014/main" id="{112194DC-9395-543E-BA2C-CAC4DA5F5980}"/>
               </a:ext>
             </a:extLst>
           </p:cNvPr>
@@ -13172,7 +13263,7 @@
           <p:cNvPr id="6" name="TextBox 5">
             <a:extLst>
               <a:ext uri="{FF2B5EF4-FFF2-40B4-BE49-F238E27FC236}">
-                <a16:creationId xmlns:a16="http://schemas.microsoft.com/office/drawing/2014/main" xmlns="" id="{D7170BE2-B561-64C3-078B-3E8210C80E7C}"/>
+                <a16:creationId xmlns:a16="http://schemas.microsoft.com/office/drawing/2014/main" id="{D7170BE2-B561-64C3-078B-3E8210C80E7C}"/>
               </a:ext>
             </a:extLst>
           </p:cNvPr>
@@ -13253,7 +13344,7 @@
           <p:cNvPr id="7" name="TextBox 6">
             <a:extLst>
               <a:ext uri="{FF2B5EF4-FFF2-40B4-BE49-F238E27FC236}">
-                <a16:creationId xmlns:a16="http://schemas.microsoft.com/office/drawing/2014/main" xmlns="" id="{B3AFD027-DD4E-EB19-7446-78E13291D488}"/>
+                <a16:creationId xmlns:a16="http://schemas.microsoft.com/office/drawing/2014/main" id="{B3AFD027-DD4E-EB19-7446-78E13291D488}"/>
               </a:ext>
             </a:extLst>
           </p:cNvPr>
@@ -13301,7 +13392,7 @@
           <p:cNvPr id="8" name="그룹 1008">
             <a:extLst>
               <a:ext uri="{FF2B5EF4-FFF2-40B4-BE49-F238E27FC236}">
-                <a16:creationId xmlns:a16="http://schemas.microsoft.com/office/drawing/2014/main" xmlns="" id="{DCB9AD7E-02DA-A791-5035-1B989BA75E67}"/>
+                <a16:creationId xmlns:a16="http://schemas.microsoft.com/office/drawing/2014/main" id="{DCB9AD7E-02DA-A791-5035-1B989BA75E67}"/>
               </a:ext>
             </a:extLst>
           </p:cNvPr>
@@ -13321,7 +13412,7 @@
             <p:cNvPr id="9" name="그룹 1009">
               <a:extLst>
                 <a:ext uri="{FF2B5EF4-FFF2-40B4-BE49-F238E27FC236}">
-                  <a16:creationId xmlns:a16="http://schemas.microsoft.com/office/drawing/2014/main" xmlns="" id="{179D12D8-CE1E-E0E1-3B90-BE31485BC896}"/>
+                  <a16:creationId xmlns:a16="http://schemas.microsoft.com/office/drawing/2014/main" id="{179D12D8-CE1E-E0E1-3B90-BE31485BC896}"/>
                 </a:ext>
               </a:extLst>
             </p:cNvPr>
@@ -13341,7 +13432,7 @@
               <p:cNvPr id="14" name="Object 29">
                 <a:extLst>
                   <a:ext uri="{FF2B5EF4-FFF2-40B4-BE49-F238E27FC236}">
-                    <a16:creationId xmlns:a16="http://schemas.microsoft.com/office/drawing/2014/main" xmlns="" id="{7E91FAD9-BD7A-80D7-75F5-519FFAF0F9F0}"/>
+                    <a16:creationId xmlns:a16="http://schemas.microsoft.com/office/drawing/2014/main" id="{7E91FAD9-BD7A-80D7-75F5-519FFAF0F9F0}"/>
                   </a:ext>
                 </a:extLst>
               </p:cNvPr>
@@ -13372,7 +13463,7 @@
             <p:cNvPr id="10" name="그룹 1010">
               <a:extLst>
                 <a:ext uri="{FF2B5EF4-FFF2-40B4-BE49-F238E27FC236}">
-                  <a16:creationId xmlns:a16="http://schemas.microsoft.com/office/drawing/2014/main" xmlns="" id="{A2599EB1-8541-C58A-B004-071C3282FD2D}"/>
+                  <a16:creationId xmlns:a16="http://schemas.microsoft.com/office/drawing/2014/main" id="{A2599EB1-8541-C58A-B004-071C3282FD2D}"/>
                 </a:ext>
               </a:extLst>
             </p:cNvPr>
@@ -13392,7 +13483,7 @@
               <p:cNvPr id="13" name="Object 32">
                 <a:extLst>
                   <a:ext uri="{FF2B5EF4-FFF2-40B4-BE49-F238E27FC236}">
-                    <a16:creationId xmlns:a16="http://schemas.microsoft.com/office/drawing/2014/main" xmlns="" id="{6EE09AB9-679D-3475-C130-72E67E2F587A}"/>
+                    <a16:creationId xmlns:a16="http://schemas.microsoft.com/office/drawing/2014/main" id="{6EE09AB9-679D-3475-C130-72E67E2F587A}"/>
                   </a:ext>
                 </a:extLst>
               </p:cNvPr>
@@ -13423,7 +13514,7 @@
             <p:cNvPr id="11" name="그룹 1011">
               <a:extLst>
                 <a:ext uri="{FF2B5EF4-FFF2-40B4-BE49-F238E27FC236}">
-                  <a16:creationId xmlns:a16="http://schemas.microsoft.com/office/drawing/2014/main" xmlns="" id="{239EE2FF-9CA7-620F-2BEF-6958C2BAAC5E}"/>
+                  <a16:creationId xmlns:a16="http://schemas.microsoft.com/office/drawing/2014/main" id="{239EE2FF-9CA7-620F-2BEF-6958C2BAAC5E}"/>
                 </a:ext>
               </a:extLst>
             </p:cNvPr>
@@ -13443,7 +13534,7 @@
               <p:cNvPr id="12" name="Object 35">
                 <a:extLst>
                   <a:ext uri="{FF2B5EF4-FFF2-40B4-BE49-F238E27FC236}">
-                    <a16:creationId xmlns:a16="http://schemas.microsoft.com/office/drawing/2014/main" xmlns="" id="{22411BE5-3BAE-1828-0E24-EC8C86630DAE}"/>
+                    <a16:creationId xmlns:a16="http://schemas.microsoft.com/office/drawing/2014/main" id="{22411BE5-3BAE-1828-0E24-EC8C86630DAE}"/>
                   </a:ext>
                 </a:extLst>
               </p:cNvPr>
@@ -13475,7 +13566,7 @@
           <p:cNvPr id="16" name="그림 15">
             <a:extLst>
               <a:ext uri="{FF2B5EF4-FFF2-40B4-BE49-F238E27FC236}">
-                <a16:creationId xmlns:a16="http://schemas.microsoft.com/office/drawing/2014/main" xmlns="" id="{117F6936-8CCA-3E0C-C28D-C8C59EC6F32F}"/>
+                <a16:creationId xmlns:a16="http://schemas.microsoft.com/office/drawing/2014/main" id="{117F6936-8CCA-3E0C-C28D-C8C59EC6F32F}"/>
               </a:ext>
             </a:extLst>
           </p:cNvPr>
@@ -13723,7 +13814,7 @@
           <p:cNvPr id="2" name="TextBox 1">
             <a:extLst>
               <a:ext uri="{FF2B5EF4-FFF2-40B4-BE49-F238E27FC236}">
-                <a16:creationId xmlns:a16="http://schemas.microsoft.com/office/drawing/2014/main" xmlns="" id="{8D19D88B-9541-32D7-90F1-0C45C993E21C}"/>
+                <a16:creationId xmlns:a16="http://schemas.microsoft.com/office/drawing/2014/main" id="{8D19D88B-9541-32D7-90F1-0C45C993E21C}"/>
               </a:ext>
             </a:extLst>
           </p:cNvPr>
@@ -13811,7 +13902,7 @@
           <p:cNvPr id="4" name="Object 1">
             <a:extLst>
               <a:ext uri="{FF2B5EF4-FFF2-40B4-BE49-F238E27FC236}">
-                <a16:creationId xmlns:a16="http://schemas.microsoft.com/office/drawing/2014/main" xmlns="" id="{B0329035-BE76-33A8-0F2E-44624FCC1DED}"/>
+                <a16:creationId xmlns:a16="http://schemas.microsoft.com/office/drawing/2014/main" id="{B0329035-BE76-33A8-0F2E-44624FCC1DED}"/>
               </a:ext>
             </a:extLst>
           </p:cNvPr>
@@ -13841,7 +13932,7 @@
           <p:cNvPr id="7" name="그룹 1001">
             <a:extLst>
               <a:ext uri="{FF2B5EF4-FFF2-40B4-BE49-F238E27FC236}">
-                <a16:creationId xmlns:a16="http://schemas.microsoft.com/office/drawing/2014/main" xmlns="" id="{CD24CE9D-AC18-B6CD-F397-7E8E03D6FE26}"/>
+                <a16:creationId xmlns:a16="http://schemas.microsoft.com/office/drawing/2014/main" id="{CD24CE9D-AC18-B6CD-F397-7E8E03D6FE26}"/>
               </a:ext>
             </a:extLst>
           </p:cNvPr>
@@ -13861,7 +13952,7 @@
             <p:cNvPr id="8" name="Object 5">
               <a:extLst>
                 <a:ext uri="{FF2B5EF4-FFF2-40B4-BE49-F238E27FC236}">
-                  <a16:creationId xmlns:a16="http://schemas.microsoft.com/office/drawing/2014/main" xmlns="" id="{0EEF25E8-3BA8-EBAA-6DC2-66D70C3F9F4D}"/>
+                  <a16:creationId xmlns:a16="http://schemas.microsoft.com/office/drawing/2014/main" id="{0EEF25E8-3BA8-EBAA-6DC2-66D70C3F9F4D}"/>
                 </a:ext>
               </a:extLst>
             </p:cNvPr>
@@ -13892,7 +13983,7 @@
           <p:cNvPr id="9" name="그룹 1002">
             <a:extLst>
               <a:ext uri="{FF2B5EF4-FFF2-40B4-BE49-F238E27FC236}">
-                <a16:creationId xmlns:a16="http://schemas.microsoft.com/office/drawing/2014/main" xmlns="" id="{0F281BC9-DE1F-D1FE-E64C-C4640398F00C}"/>
+                <a16:creationId xmlns:a16="http://schemas.microsoft.com/office/drawing/2014/main" id="{0F281BC9-DE1F-D1FE-E64C-C4640398F00C}"/>
               </a:ext>
             </a:extLst>
           </p:cNvPr>
@@ -13912,7 +14003,7 @@
             <p:cNvPr id="10" name="Object 8">
               <a:extLst>
                 <a:ext uri="{FF2B5EF4-FFF2-40B4-BE49-F238E27FC236}">
-                  <a16:creationId xmlns:a16="http://schemas.microsoft.com/office/drawing/2014/main" xmlns="" id="{F669DCEF-04BB-7046-3F7F-5B513213556E}"/>
+                  <a16:creationId xmlns:a16="http://schemas.microsoft.com/office/drawing/2014/main" id="{F669DCEF-04BB-7046-3F7F-5B513213556E}"/>
                 </a:ext>
               </a:extLst>
             </p:cNvPr>
@@ -13943,7 +14034,7 @@
           <p:cNvPr id="11" name="그룹 1003">
             <a:extLst>
               <a:ext uri="{FF2B5EF4-FFF2-40B4-BE49-F238E27FC236}">
-                <a16:creationId xmlns:a16="http://schemas.microsoft.com/office/drawing/2014/main" xmlns="" id="{1F91EEF9-13EA-BB7F-B056-D35E7DB989AC}"/>
+                <a16:creationId xmlns:a16="http://schemas.microsoft.com/office/drawing/2014/main" id="{1F91EEF9-13EA-BB7F-B056-D35E7DB989AC}"/>
               </a:ext>
             </a:extLst>
           </p:cNvPr>
@@ -13963,7 +14054,7 @@
             <p:cNvPr id="12" name="Object 11">
               <a:extLst>
                 <a:ext uri="{FF2B5EF4-FFF2-40B4-BE49-F238E27FC236}">
-                  <a16:creationId xmlns:a16="http://schemas.microsoft.com/office/drawing/2014/main" xmlns="" id="{2CFFB217-AEFB-2C9E-5F86-6EE19510FFC6}"/>
+                  <a16:creationId xmlns:a16="http://schemas.microsoft.com/office/drawing/2014/main" id="{2CFFB217-AEFB-2C9E-5F86-6EE19510FFC6}"/>
                 </a:ext>
               </a:extLst>
             </p:cNvPr>
@@ -13994,7 +14085,7 @@
           <p:cNvPr id="13" name="그룹 1004">
             <a:extLst>
               <a:ext uri="{FF2B5EF4-FFF2-40B4-BE49-F238E27FC236}">
-                <a16:creationId xmlns:a16="http://schemas.microsoft.com/office/drawing/2014/main" xmlns="" id="{123B9C7E-94E8-E7E1-81BE-D59EA0299187}"/>
+                <a16:creationId xmlns:a16="http://schemas.microsoft.com/office/drawing/2014/main" id="{123B9C7E-94E8-E7E1-81BE-D59EA0299187}"/>
               </a:ext>
             </a:extLst>
           </p:cNvPr>
@@ -14014,7 +14105,7 @@
             <p:cNvPr id="14" name="Object 14">
               <a:extLst>
                 <a:ext uri="{FF2B5EF4-FFF2-40B4-BE49-F238E27FC236}">
-                  <a16:creationId xmlns:a16="http://schemas.microsoft.com/office/drawing/2014/main" xmlns="" id="{B6291552-2D89-A79F-7ACD-EA0EF9A4C389}"/>
+                  <a16:creationId xmlns:a16="http://schemas.microsoft.com/office/drawing/2014/main" id="{B6291552-2D89-A79F-7ACD-EA0EF9A4C389}"/>
                 </a:ext>
               </a:extLst>
             </p:cNvPr>
@@ -14045,7 +14136,7 @@
           <p:cNvPr id="15" name="TextBox 14">
             <a:extLst>
               <a:ext uri="{FF2B5EF4-FFF2-40B4-BE49-F238E27FC236}">
-                <a16:creationId xmlns:a16="http://schemas.microsoft.com/office/drawing/2014/main" xmlns="" id="{7D99763A-FC24-23F5-5BA9-D7B042E0F323}"/>
+                <a16:creationId xmlns:a16="http://schemas.microsoft.com/office/drawing/2014/main" id="{7D99763A-FC24-23F5-5BA9-D7B042E0F323}"/>
               </a:ext>
             </a:extLst>
           </p:cNvPr>
@@ -14123,7 +14214,7 @@
           <p:cNvPr id="4" name="TextBox 3">
             <a:extLst>
               <a:ext uri="{FF2B5EF4-FFF2-40B4-BE49-F238E27FC236}">
-                <a16:creationId xmlns:a16="http://schemas.microsoft.com/office/drawing/2014/main" xmlns="" id="{C6D113C6-EA5C-788F-0C77-E7CE6EBB865F}"/>
+                <a16:creationId xmlns:a16="http://schemas.microsoft.com/office/drawing/2014/main" id="{C6D113C6-EA5C-788F-0C77-E7CE6EBB865F}"/>
               </a:ext>
             </a:extLst>
           </p:cNvPr>
@@ -14171,7 +14262,7 @@
           <p:cNvPr id="5" name="TextBox 4">
             <a:extLst>
               <a:ext uri="{FF2B5EF4-FFF2-40B4-BE49-F238E27FC236}">
-                <a16:creationId xmlns:a16="http://schemas.microsoft.com/office/drawing/2014/main" xmlns="" id="{C6D113C6-EA5C-788F-0C77-E7CE6EBB865F}"/>
+                <a16:creationId xmlns:a16="http://schemas.microsoft.com/office/drawing/2014/main" id="{C6D113C6-EA5C-788F-0C77-E7CE6EBB865F}"/>
               </a:ext>
             </a:extLst>
           </p:cNvPr>
@@ -14347,7 +14438,7 @@
           <p:cNvPr id="33" name="그림 32">
             <a:extLst>
               <a:ext uri="{FF2B5EF4-FFF2-40B4-BE49-F238E27FC236}">
-                <a16:creationId xmlns:a16="http://schemas.microsoft.com/office/drawing/2014/main" xmlns="" id="{F803B35D-6B21-A72B-8A51-0233BA1BAEFC}"/>
+                <a16:creationId xmlns:a16="http://schemas.microsoft.com/office/drawing/2014/main" id="{F803B35D-6B21-A72B-8A51-0233BA1BAEFC}"/>
               </a:ext>
             </a:extLst>
           </p:cNvPr>
@@ -14377,7 +14468,7 @@
           <p:cNvPr id="6" name="직사각형 5">
             <a:extLst>
               <a:ext uri="{FF2B5EF4-FFF2-40B4-BE49-F238E27FC236}">
-                <a16:creationId xmlns:a16="http://schemas.microsoft.com/office/drawing/2014/main" xmlns="" id="{FFF506F9-840A-0508-4CAF-3AC711D8D5CE}"/>
+                <a16:creationId xmlns:a16="http://schemas.microsoft.com/office/drawing/2014/main" id="{FFF506F9-840A-0508-4CAF-3AC711D8D5CE}"/>
               </a:ext>
             </a:extLst>
           </p:cNvPr>
@@ -14429,7 +14520,7 @@
           <p:cNvPr id="7" name="직선 화살표 연결선 6">
             <a:extLst>
               <a:ext uri="{FF2B5EF4-FFF2-40B4-BE49-F238E27FC236}">
-                <a16:creationId xmlns:a16="http://schemas.microsoft.com/office/drawing/2014/main" xmlns="" id="{299DF5EC-9DF4-5255-06AC-0A7CE4FF58C3}"/>
+                <a16:creationId xmlns:a16="http://schemas.microsoft.com/office/drawing/2014/main" id="{299DF5EC-9DF4-5255-06AC-0A7CE4FF58C3}"/>
               </a:ext>
             </a:extLst>
           </p:cNvPr>
@@ -14470,7 +14561,7 @@
           <p:cNvPr id="8" name="TextBox 7">
             <a:extLst>
               <a:ext uri="{FF2B5EF4-FFF2-40B4-BE49-F238E27FC236}">
-                <a16:creationId xmlns:a16="http://schemas.microsoft.com/office/drawing/2014/main" xmlns="" id="{C6D113C6-EA5C-788F-0C77-E7CE6EBB865F}"/>
+                <a16:creationId xmlns:a16="http://schemas.microsoft.com/office/drawing/2014/main" id="{C6D113C6-EA5C-788F-0C77-E7CE6EBB865F}"/>
               </a:ext>
             </a:extLst>
           </p:cNvPr>
@@ -14518,7 +14609,7 @@
           <p:cNvPr id="11" name="직사각형 10">
             <a:extLst>
               <a:ext uri="{FF2B5EF4-FFF2-40B4-BE49-F238E27FC236}">
-                <a16:creationId xmlns:a16="http://schemas.microsoft.com/office/drawing/2014/main" xmlns="" id="{FFF506F9-840A-0508-4CAF-3AC711D8D5CE}"/>
+                <a16:creationId xmlns:a16="http://schemas.microsoft.com/office/drawing/2014/main" id="{FFF506F9-840A-0508-4CAF-3AC711D8D5CE}"/>
               </a:ext>
             </a:extLst>
           </p:cNvPr>
@@ -14570,7 +14661,7 @@
           <p:cNvPr id="15" name="TextBox 14">
             <a:extLst>
               <a:ext uri="{FF2B5EF4-FFF2-40B4-BE49-F238E27FC236}">
-                <a16:creationId xmlns:a16="http://schemas.microsoft.com/office/drawing/2014/main" xmlns="" id="{C6D113C6-EA5C-788F-0C77-E7CE6EBB865F}"/>
+                <a16:creationId xmlns:a16="http://schemas.microsoft.com/office/drawing/2014/main" id="{C6D113C6-EA5C-788F-0C77-E7CE6EBB865F}"/>
               </a:ext>
             </a:extLst>
           </p:cNvPr>
@@ -14618,7 +14709,7 @@
           <p:cNvPr id="16" name="직선 화살표 연결선 15">
             <a:extLst>
               <a:ext uri="{FF2B5EF4-FFF2-40B4-BE49-F238E27FC236}">
-                <a16:creationId xmlns:a16="http://schemas.microsoft.com/office/drawing/2014/main" xmlns="" id="{299DF5EC-9DF4-5255-06AC-0A7CE4FF58C3}"/>
+                <a16:creationId xmlns:a16="http://schemas.microsoft.com/office/drawing/2014/main" id="{299DF5EC-9DF4-5255-06AC-0A7CE4FF58C3}"/>
               </a:ext>
             </a:extLst>
           </p:cNvPr>
@@ -14659,7 +14750,7 @@
           <p:cNvPr id="25" name="직사각형 24">
             <a:extLst>
               <a:ext uri="{FF2B5EF4-FFF2-40B4-BE49-F238E27FC236}">
-                <a16:creationId xmlns:a16="http://schemas.microsoft.com/office/drawing/2014/main" xmlns="" id="{FFF506F9-840A-0508-4CAF-3AC711D8D5CE}"/>
+                <a16:creationId xmlns:a16="http://schemas.microsoft.com/office/drawing/2014/main" id="{FFF506F9-840A-0508-4CAF-3AC711D8D5CE}"/>
               </a:ext>
             </a:extLst>
           </p:cNvPr>
@@ -14711,7 +14802,7 @@
           <p:cNvPr id="26" name="TextBox 25">
             <a:extLst>
               <a:ext uri="{FF2B5EF4-FFF2-40B4-BE49-F238E27FC236}">
-                <a16:creationId xmlns:a16="http://schemas.microsoft.com/office/drawing/2014/main" xmlns="" id="{C6D113C6-EA5C-788F-0C77-E7CE6EBB865F}"/>
+                <a16:creationId xmlns:a16="http://schemas.microsoft.com/office/drawing/2014/main" id="{C6D113C6-EA5C-788F-0C77-E7CE6EBB865F}"/>
               </a:ext>
             </a:extLst>
           </p:cNvPr>
@@ -14779,7 +14870,7 @@
           <p:cNvPr id="27" name="직선 화살표 연결선 26">
             <a:extLst>
               <a:ext uri="{FF2B5EF4-FFF2-40B4-BE49-F238E27FC236}">
-                <a16:creationId xmlns:a16="http://schemas.microsoft.com/office/drawing/2014/main" xmlns="" id="{299DF5EC-9DF4-5255-06AC-0A7CE4FF58C3}"/>
+                <a16:creationId xmlns:a16="http://schemas.microsoft.com/office/drawing/2014/main" id="{299DF5EC-9DF4-5255-06AC-0A7CE4FF58C3}"/>
               </a:ext>
             </a:extLst>
           </p:cNvPr>
@@ -14821,7 +14912,7 @@
           <p:cNvPr id="2" name="TextBox 1">
             <a:extLst>
               <a:ext uri="{FF2B5EF4-FFF2-40B4-BE49-F238E27FC236}">
-                <a16:creationId xmlns:a16="http://schemas.microsoft.com/office/drawing/2014/main" xmlns="" id="{01A09916-460D-380C-915D-DBA9883007BB}"/>
+                <a16:creationId xmlns:a16="http://schemas.microsoft.com/office/drawing/2014/main" id="{01A09916-460D-380C-915D-DBA9883007BB}"/>
               </a:ext>
             </a:extLst>
           </p:cNvPr>
@@ -14869,7 +14960,7 @@
           <p:cNvPr id="3" name="TextBox 2">
             <a:extLst>
               <a:ext uri="{FF2B5EF4-FFF2-40B4-BE49-F238E27FC236}">
-                <a16:creationId xmlns:a16="http://schemas.microsoft.com/office/drawing/2014/main" xmlns="" id="{87409279-D478-FA9B-F3E9-4AE27B795740}"/>
+                <a16:creationId xmlns:a16="http://schemas.microsoft.com/office/drawing/2014/main" id="{87409279-D478-FA9B-F3E9-4AE27B795740}"/>
               </a:ext>
             </a:extLst>
           </p:cNvPr>
@@ -14913,7 +15004,7 @@
           <p:cNvPr id="9" name="그룹 8">
             <a:extLst>
               <a:ext uri="{FF2B5EF4-FFF2-40B4-BE49-F238E27FC236}">
-                <a16:creationId xmlns:a16="http://schemas.microsoft.com/office/drawing/2014/main" xmlns="" id="{7EDF892E-8135-44F1-F3D0-2A0AB93D1252}"/>
+                <a16:creationId xmlns:a16="http://schemas.microsoft.com/office/drawing/2014/main" id="{7EDF892E-8135-44F1-F3D0-2A0AB93D1252}"/>
               </a:ext>
             </a:extLst>
           </p:cNvPr>
@@ -14933,7 +15024,7 @@
             <p:cNvPr id="10" name="직선 연결선 9">
               <a:extLst>
                 <a:ext uri="{FF2B5EF4-FFF2-40B4-BE49-F238E27FC236}">
-                  <a16:creationId xmlns:a16="http://schemas.microsoft.com/office/drawing/2014/main" xmlns="" id="{A17BD081-1C00-032C-AB14-284370E67645}"/>
+                  <a16:creationId xmlns:a16="http://schemas.microsoft.com/office/drawing/2014/main" id="{A17BD081-1C00-032C-AB14-284370E67645}"/>
                 </a:ext>
               </a:extLst>
             </p:cNvPr>
@@ -14976,7 +15067,7 @@
             <p:cNvPr id="12" name="직선 연결선 11">
               <a:extLst>
                 <a:ext uri="{FF2B5EF4-FFF2-40B4-BE49-F238E27FC236}">
-                  <a16:creationId xmlns:a16="http://schemas.microsoft.com/office/drawing/2014/main" xmlns="" id="{DF6E92A1-913E-FAAC-D630-67FC3C43E6DB}"/>
+                  <a16:creationId xmlns:a16="http://schemas.microsoft.com/office/drawing/2014/main" id="{DF6E92A1-913E-FAAC-D630-67FC3C43E6DB}"/>
                 </a:ext>
               </a:extLst>
             </p:cNvPr>
@@ -15019,7 +15110,7 @@
             <p:cNvPr id="17" name="직선 연결선 16">
               <a:extLst>
                 <a:ext uri="{FF2B5EF4-FFF2-40B4-BE49-F238E27FC236}">
-                  <a16:creationId xmlns:a16="http://schemas.microsoft.com/office/drawing/2014/main" xmlns="" id="{741B80D9-B190-5249-D7F9-40E3B282BF8A}"/>
+                  <a16:creationId xmlns:a16="http://schemas.microsoft.com/office/drawing/2014/main" id="{741B80D9-B190-5249-D7F9-40E3B282BF8A}"/>
                 </a:ext>
               </a:extLst>
             </p:cNvPr>
@@ -15062,7 +15153,7 @@
             <p:cNvPr id="19" name="직선 연결선 18">
               <a:extLst>
                 <a:ext uri="{FF2B5EF4-FFF2-40B4-BE49-F238E27FC236}">
-                  <a16:creationId xmlns:a16="http://schemas.microsoft.com/office/drawing/2014/main" xmlns="" id="{0B2D818E-E454-1D09-3ED1-AE1F97759E3E}"/>
+                  <a16:creationId xmlns:a16="http://schemas.microsoft.com/office/drawing/2014/main" id="{0B2D818E-E454-1D09-3ED1-AE1F97759E3E}"/>
                 </a:ext>
               </a:extLst>
             </p:cNvPr>
@@ -15136,7 +15227,7 @@
           <p:cNvPr id="2" name="TextBox 1">
             <a:extLst>
               <a:ext uri="{FF2B5EF4-FFF2-40B4-BE49-F238E27FC236}">
-                <a16:creationId xmlns:a16="http://schemas.microsoft.com/office/drawing/2014/main" xmlns="" id="{2FBA857E-6B70-3593-96FB-9FB6B1088F4E}"/>
+                <a16:creationId xmlns:a16="http://schemas.microsoft.com/office/drawing/2014/main" id="{2FBA857E-6B70-3593-96FB-9FB6B1088F4E}"/>
               </a:ext>
             </a:extLst>
           </p:cNvPr>
@@ -15184,7 +15275,7 @@
           <p:cNvPr id="4" name="그림 3">
             <a:extLst>
               <a:ext uri="{FF2B5EF4-FFF2-40B4-BE49-F238E27FC236}">
-                <a16:creationId xmlns:a16="http://schemas.microsoft.com/office/drawing/2014/main" xmlns="" id="{DFDAD6F5-94F9-A97D-5C9E-EEEF750EBF1B}"/>
+                <a16:creationId xmlns:a16="http://schemas.microsoft.com/office/drawing/2014/main" id="{DFDAD6F5-94F9-A97D-5C9E-EEEF750EBF1B}"/>
               </a:ext>
             </a:extLst>
           </p:cNvPr>
@@ -15214,7 +15305,7 @@
           <p:cNvPr id="5" name="직사각형 4">
             <a:extLst>
               <a:ext uri="{FF2B5EF4-FFF2-40B4-BE49-F238E27FC236}">
-                <a16:creationId xmlns:a16="http://schemas.microsoft.com/office/drawing/2014/main" xmlns="" id="{165BFD77-BA92-7505-6A46-6D7FCBB61F60}"/>
+                <a16:creationId xmlns:a16="http://schemas.microsoft.com/office/drawing/2014/main" id="{165BFD77-BA92-7505-6A46-6D7FCBB61F60}"/>
               </a:ext>
             </a:extLst>
           </p:cNvPr>
@@ -15266,7 +15357,7 @@
           <p:cNvPr id="6" name="직선 화살표 연결선 5">
             <a:extLst>
               <a:ext uri="{FF2B5EF4-FFF2-40B4-BE49-F238E27FC236}">
-                <a16:creationId xmlns:a16="http://schemas.microsoft.com/office/drawing/2014/main" xmlns="" id="{A88CB289-DDAA-22FC-E8C6-0869D599B2DD}"/>
+                <a16:creationId xmlns:a16="http://schemas.microsoft.com/office/drawing/2014/main" id="{A88CB289-DDAA-22FC-E8C6-0869D599B2DD}"/>
               </a:ext>
             </a:extLst>
           </p:cNvPr>
@@ -15307,7 +15398,7 @@
           <p:cNvPr id="7" name="TextBox 6">
             <a:extLst>
               <a:ext uri="{FF2B5EF4-FFF2-40B4-BE49-F238E27FC236}">
-                <a16:creationId xmlns:a16="http://schemas.microsoft.com/office/drawing/2014/main" xmlns="" id="{06699A87-47E2-152F-00D8-CB5259AC4A68}"/>
+                <a16:creationId xmlns:a16="http://schemas.microsoft.com/office/drawing/2014/main" id="{06699A87-47E2-152F-00D8-CB5259AC4A68}"/>
               </a:ext>
             </a:extLst>
           </p:cNvPr>
@@ -15388,7 +15479,7 @@
           <p:cNvPr id="10" name="직선 화살표 연결선 9">
             <a:extLst>
               <a:ext uri="{FF2B5EF4-FFF2-40B4-BE49-F238E27FC236}">
-                <a16:creationId xmlns:a16="http://schemas.microsoft.com/office/drawing/2014/main" xmlns="" id="{69EB56DD-C2F9-707A-4347-3CC5FE1FE642}"/>
+                <a16:creationId xmlns:a16="http://schemas.microsoft.com/office/drawing/2014/main" id="{69EB56DD-C2F9-707A-4347-3CC5FE1FE642}"/>
               </a:ext>
             </a:extLst>
           </p:cNvPr>
@@ -15429,7 +15520,7 @@
           <p:cNvPr id="11" name="TextBox 10">
             <a:extLst>
               <a:ext uri="{FF2B5EF4-FFF2-40B4-BE49-F238E27FC236}">
-                <a16:creationId xmlns:a16="http://schemas.microsoft.com/office/drawing/2014/main" xmlns="" id="{D91695E3-0452-BB71-343A-DB4D1DC08B6D}"/>
+                <a16:creationId xmlns:a16="http://schemas.microsoft.com/office/drawing/2014/main" id="{D91695E3-0452-BB71-343A-DB4D1DC08B6D}"/>
               </a:ext>
             </a:extLst>
           </p:cNvPr>
@@ -15477,7 +15568,7 @@
           <p:cNvPr id="12" name="TextBox 11">
             <a:extLst>
               <a:ext uri="{FF2B5EF4-FFF2-40B4-BE49-F238E27FC236}">
-                <a16:creationId xmlns:a16="http://schemas.microsoft.com/office/drawing/2014/main" xmlns="" id="{B598FC17-A586-1A29-2A54-6D19A2501E70}"/>
+                <a16:creationId xmlns:a16="http://schemas.microsoft.com/office/drawing/2014/main" id="{B598FC17-A586-1A29-2A54-6D19A2501E70}"/>
               </a:ext>
             </a:extLst>
           </p:cNvPr>
@@ -15528,7 +15619,7 @@
           <p:cNvPr id="13" name="직사각형 12">
             <a:extLst>
               <a:ext uri="{FF2B5EF4-FFF2-40B4-BE49-F238E27FC236}">
-                <a16:creationId xmlns:a16="http://schemas.microsoft.com/office/drawing/2014/main" xmlns="" id="{9279FE25-8ED4-5520-D06F-654DC8D9708A}"/>
+                <a16:creationId xmlns:a16="http://schemas.microsoft.com/office/drawing/2014/main" id="{9279FE25-8ED4-5520-D06F-654DC8D9708A}"/>
               </a:ext>
             </a:extLst>
           </p:cNvPr>
@@ -15580,7 +15671,7 @@
           <p:cNvPr id="14" name="직선 화살표 연결선 13">
             <a:extLst>
               <a:ext uri="{FF2B5EF4-FFF2-40B4-BE49-F238E27FC236}">
-                <a16:creationId xmlns:a16="http://schemas.microsoft.com/office/drawing/2014/main" xmlns="" id="{66AEDF87-B0E5-AFE9-2FB3-78927BC20BA1}"/>
+                <a16:creationId xmlns:a16="http://schemas.microsoft.com/office/drawing/2014/main" id="{66AEDF87-B0E5-AFE9-2FB3-78927BC20BA1}"/>
               </a:ext>
             </a:extLst>
           </p:cNvPr>
@@ -15621,7 +15712,7 @@
           <p:cNvPr id="15" name="TextBox 14">
             <a:extLst>
               <a:ext uri="{FF2B5EF4-FFF2-40B4-BE49-F238E27FC236}">
-                <a16:creationId xmlns:a16="http://schemas.microsoft.com/office/drawing/2014/main" xmlns="" id="{86BA8897-A5D2-2D30-7654-220FE413EF64}"/>
+                <a16:creationId xmlns:a16="http://schemas.microsoft.com/office/drawing/2014/main" id="{86BA8897-A5D2-2D30-7654-220FE413EF64}"/>
               </a:ext>
             </a:extLst>
           </p:cNvPr>
@@ -15669,7 +15760,7 @@
           <p:cNvPr id="17" name="TextBox 16">
             <a:extLst>
               <a:ext uri="{FF2B5EF4-FFF2-40B4-BE49-F238E27FC236}">
-                <a16:creationId xmlns:a16="http://schemas.microsoft.com/office/drawing/2014/main" xmlns="" id="{28DB48EE-3EA4-F113-8EDA-4C5662437888}"/>
+                <a16:creationId xmlns:a16="http://schemas.microsoft.com/office/drawing/2014/main" id="{28DB48EE-3EA4-F113-8EDA-4C5662437888}"/>
               </a:ext>
             </a:extLst>
           </p:cNvPr>
@@ -15713,7 +15804,7 @@
           <p:cNvPr id="18" name="그룹 17">
             <a:extLst>
               <a:ext uri="{FF2B5EF4-FFF2-40B4-BE49-F238E27FC236}">
-                <a16:creationId xmlns:a16="http://schemas.microsoft.com/office/drawing/2014/main" xmlns="" id="{B0CB7069-0A4B-0647-24DC-8C24391A1054}"/>
+                <a16:creationId xmlns:a16="http://schemas.microsoft.com/office/drawing/2014/main" id="{B0CB7069-0A4B-0647-24DC-8C24391A1054}"/>
               </a:ext>
             </a:extLst>
           </p:cNvPr>
@@ -15733,7 +15824,7 @@
             <p:cNvPr id="19" name="직선 연결선 18">
               <a:extLst>
                 <a:ext uri="{FF2B5EF4-FFF2-40B4-BE49-F238E27FC236}">
-                  <a16:creationId xmlns:a16="http://schemas.microsoft.com/office/drawing/2014/main" xmlns="" id="{0736F52C-72C0-CD81-DEF3-50F14DBE10A6}"/>
+                  <a16:creationId xmlns:a16="http://schemas.microsoft.com/office/drawing/2014/main" id="{0736F52C-72C0-CD81-DEF3-50F14DBE10A6}"/>
                 </a:ext>
               </a:extLst>
             </p:cNvPr>
@@ -15776,7 +15867,7 @@
             <p:cNvPr id="20" name="직선 연결선 19">
               <a:extLst>
                 <a:ext uri="{FF2B5EF4-FFF2-40B4-BE49-F238E27FC236}">
-                  <a16:creationId xmlns:a16="http://schemas.microsoft.com/office/drawing/2014/main" xmlns="" id="{626C3E59-8C70-EF66-9F9F-F3A950A600E1}"/>
+                  <a16:creationId xmlns:a16="http://schemas.microsoft.com/office/drawing/2014/main" id="{626C3E59-8C70-EF66-9F9F-F3A950A600E1}"/>
                 </a:ext>
               </a:extLst>
             </p:cNvPr>
@@ -15819,7 +15910,7 @@
             <p:cNvPr id="21" name="직선 연결선 20">
               <a:extLst>
                 <a:ext uri="{FF2B5EF4-FFF2-40B4-BE49-F238E27FC236}">
-                  <a16:creationId xmlns:a16="http://schemas.microsoft.com/office/drawing/2014/main" xmlns="" id="{6758750B-07C2-07CD-A503-C1272D27D2DF}"/>
+                  <a16:creationId xmlns:a16="http://schemas.microsoft.com/office/drawing/2014/main" id="{6758750B-07C2-07CD-A503-C1272D27D2DF}"/>
                 </a:ext>
               </a:extLst>
             </p:cNvPr>
@@ -15862,7 +15953,7 @@
             <p:cNvPr id="22" name="직선 연결선 21">
               <a:extLst>
                 <a:ext uri="{FF2B5EF4-FFF2-40B4-BE49-F238E27FC236}">
-                  <a16:creationId xmlns:a16="http://schemas.microsoft.com/office/drawing/2014/main" xmlns="" id="{D3BA9A44-4718-EE7D-F6BB-E4F78D35FAD8}"/>
+                  <a16:creationId xmlns:a16="http://schemas.microsoft.com/office/drawing/2014/main" id="{D3BA9A44-4718-EE7D-F6BB-E4F78D35FAD8}"/>
                 </a:ext>
               </a:extLst>
             </p:cNvPr>
@@ -15906,7 +15997,7 @@
           <p:cNvPr id="23" name="TextBox 22">
             <a:extLst>
               <a:ext uri="{FF2B5EF4-FFF2-40B4-BE49-F238E27FC236}">
-                <a16:creationId xmlns:a16="http://schemas.microsoft.com/office/drawing/2014/main" xmlns="" id="{78128421-6DFD-6CE2-8F8E-C33BABF6778F}"/>
+                <a16:creationId xmlns:a16="http://schemas.microsoft.com/office/drawing/2014/main" id="{78128421-6DFD-6CE2-8F8E-C33BABF6778F}"/>
               </a:ext>
             </a:extLst>
           </p:cNvPr>
@@ -16113,7 +16204,7 @@
           <p:cNvPr id="3" name="그림 2">
             <a:extLst>
               <a:ext uri="{FF2B5EF4-FFF2-40B4-BE49-F238E27FC236}">
-                <a16:creationId xmlns:a16="http://schemas.microsoft.com/office/drawing/2014/main" xmlns="" id="{2074BA09-8118-4DED-88A2-353114602BBF}"/>
+                <a16:creationId xmlns:a16="http://schemas.microsoft.com/office/drawing/2014/main" id="{2074BA09-8118-4DED-88A2-353114602BBF}"/>
               </a:ext>
             </a:extLst>
           </p:cNvPr>
@@ -16143,7 +16234,7 @@
           <p:cNvPr id="4" name="TextBox 3">
             <a:extLst>
               <a:ext uri="{FF2B5EF4-FFF2-40B4-BE49-F238E27FC236}">
-                <a16:creationId xmlns:a16="http://schemas.microsoft.com/office/drawing/2014/main" xmlns="" id="{1F80C1D2-81FE-8605-BEC2-50DF47D4A0EB}"/>
+                <a16:creationId xmlns:a16="http://schemas.microsoft.com/office/drawing/2014/main" id="{1F80C1D2-81FE-8605-BEC2-50DF47D4A0EB}"/>
               </a:ext>
             </a:extLst>
           </p:cNvPr>
@@ -16194,7 +16285,7 @@
           <p:cNvPr id="5" name="그림 4">
             <a:extLst>
               <a:ext uri="{FF2B5EF4-FFF2-40B4-BE49-F238E27FC236}">
-                <a16:creationId xmlns:a16="http://schemas.microsoft.com/office/drawing/2014/main" xmlns="" id="{B15AEB11-308F-D47D-853B-D347209742F9}"/>
+                <a16:creationId xmlns:a16="http://schemas.microsoft.com/office/drawing/2014/main" id="{B15AEB11-308F-D47D-853B-D347209742F9}"/>
               </a:ext>
             </a:extLst>
           </p:cNvPr>
@@ -16224,7 +16315,7 @@
           <p:cNvPr id="6" name="그룹 1008">
             <a:extLst>
               <a:ext uri="{FF2B5EF4-FFF2-40B4-BE49-F238E27FC236}">
-                <a16:creationId xmlns:a16="http://schemas.microsoft.com/office/drawing/2014/main" xmlns="" id="{D56AA39F-56E8-1169-2C07-E9277636D51E}"/>
+                <a16:creationId xmlns:a16="http://schemas.microsoft.com/office/drawing/2014/main" id="{D56AA39F-56E8-1169-2C07-E9277636D51E}"/>
               </a:ext>
             </a:extLst>
           </p:cNvPr>
@@ -16244,7 +16335,7 @@
             <p:cNvPr id="7" name="그룹 1009">
               <a:extLst>
                 <a:ext uri="{FF2B5EF4-FFF2-40B4-BE49-F238E27FC236}">
-                  <a16:creationId xmlns:a16="http://schemas.microsoft.com/office/drawing/2014/main" xmlns="" id="{BF0ACD51-5FB2-7A83-6FE1-A5EF7694142D}"/>
+                  <a16:creationId xmlns:a16="http://schemas.microsoft.com/office/drawing/2014/main" id="{BF0ACD51-5FB2-7A83-6FE1-A5EF7694142D}"/>
                 </a:ext>
               </a:extLst>
             </p:cNvPr>
@@ -16264,7 +16355,7 @@
               <p:cNvPr id="12" name="Object 29">
                 <a:extLst>
                   <a:ext uri="{FF2B5EF4-FFF2-40B4-BE49-F238E27FC236}">
-                    <a16:creationId xmlns:a16="http://schemas.microsoft.com/office/drawing/2014/main" xmlns="" id="{187773C8-EEF7-94E0-EB89-44D6E8527020}"/>
+                    <a16:creationId xmlns:a16="http://schemas.microsoft.com/office/drawing/2014/main" id="{187773C8-EEF7-94E0-EB89-44D6E8527020}"/>
                   </a:ext>
                 </a:extLst>
               </p:cNvPr>
@@ -16295,7 +16386,7 @@
             <p:cNvPr id="8" name="그룹 1010">
               <a:extLst>
                 <a:ext uri="{FF2B5EF4-FFF2-40B4-BE49-F238E27FC236}">
-                  <a16:creationId xmlns:a16="http://schemas.microsoft.com/office/drawing/2014/main" xmlns="" id="{8C7D3771-9A7C-C753-CD4D-612799EC6619}"/>
+                  <a16:creationId xmlns:a16="http://schemas.microsoft.com/office/drawing/2014/main" id="{8C7D3771-9A7C-C753-CD4D-612799EC6619}"/>
                 </a:ext>
               </a:extLst>
             </p:cNvPr>
@@ -16315,7 +16406,7 @@
               <p:cNvPr id="11" name="Object 32">
                 <a:extLst>
                   <a:ext uri="{FF2B5EF4-FFF2-40B4-BE49-F238E27FC236}">
-                    <a16:creationId xmlns:a16="http://schemas.microsoft.com/office/drawing/2014/main" xmlns="" id="{379299C3-0DA7-0355-BEC5-7116F275B240}"/>
+                    <a16:creationId xmlns:a16="http://schemas.microsoft.com/office/drawing/2014/main" id="{379299C3-0DA7-0355-BEC5-7116F275B240}"/>
                   </a:ext>
                 </a:extLst>
               </p:cNvPr>
@@ -16346,7 +16437,7 @@
             <p:cNvPr id="9" name="그룹 1011">
               <a:extLst>
                 <a:ext uri="{FF2B5EF4-FFF2-40B4-BE49-F238E27FC236}">
-                  <a16:creationId xmlns:a16="http://schemas.microsoft.com/office/drawing/2014/main" xmlns="" id="{C2D89C2E-D4AC-E832-8A73-F9F1C4388571}"/>
+                  <a16:creationId xmlns:a16="http://schemas.microsoft.com/office/drawing/2014/main" id="{C2D89C2E-D4AC-E832-8A73-F9F1C4388571}"/>
                 </a:ext>
               </a:extLst>
             </p:cNvPr>
@@ -16366,7 +16457,7 @@
               <p:cNvPr id="10" name="Object 35">
                 <a:extLst>
                   <a:ext uri="{FF2B5EF4-FFF2-40B4-BE49-F238E27FC236}">
-                    <a16:creationId xmlns:a16="http://schemas.microsoft.com/office/drawing/2014/main" xmlns="" id="{230C2E47-CF10-1448-B654-D5DAA0B71A69}"/>
+                    <a16:creationId xmlns:a16="http://schemas.microsoft.com/office/drawing/2014/main" id="{230C2E47-CF10-1448-B654-D5DAA0B71A69}"/>
                   </a:ext>
                 </a:extLst>
               </p:cNvPr>
@@ -16428,7 +16519,7 @@
           <p:cNvPr id="5" name="TextBox 4">
             <a:extLst>
               <a:ext uri="{FF2B5EF4-FFF2-40B4-BE49-F238E27FC236}">
-                <a16:creationId xmlns:a16="http://schemas.microsoft.com/office/drawing/2014/main" xmlns="" id="{C6D113C6-EA5C-788F-0C77-E7CE6EBB865F}"/>
+                <a16:creationId xmlns:a16="http://schemas.microsoft.com/office/drawing/2014/main" id="{C6D113C6-EA5C-788F-0C77-E7CE6EBB865F}"/>
               </a:ext>
             </a:extLst>
           </p:cNvPr>
@@ -16479,7 +16570,7 @@
           <p:cNvPr id="3" name="그림 2">
             <a:extLst>
               <a:ext uri="{FF2B5EF4-FFF2-40B4-BE49-F238E27FC236}">
-                <a16:creationId xmlns:a16="http://schemas.microsoft.com/office/drawing/2014/main" xmlns="" id="{7A44678E-1B46-093C-A3F7-54BE5C7B3693}"/>
+                <a16:creationId xmlns:a16="http://schemas.microsoft.com/office/drawing/2014/main" id="{7A44678E-1B46-093C-A3F7-54BE5C7B3693}"/>
               </a:ext>
             </a:extLst>
           </p:cNvPr>
@@ -16509,7 +16600,7 @@
           <p:cNvPr id="6" name="직선 화살표 연결선 5">
             <a:extLst>
               <a:ext uri="{FF2B5EF4-FFF2-40B4-BE49-F238E27FC236}">
-                <a16:creationId xmlns:a16="http://schemas.microsoft.com/office/drawing/2014/main" xmlns="" id="{7906AED2-AEE0-066A-2BE5-3D831F0FB285}"/>
+                <a16:creationId xmlns:a16="http://schemas.microsoft.com/office/drawing/2014/main" id="{7906AED2-AEE0-066A-2BE5-3D831F0FB285}"/>
               </a:ext>
             </a:extLst>
           </p:cNvPr>
@@ -16550,7 +16641,7 @@
           <p:cNvPr id="8" name="직선 화살표 연결선 7">
             <a:extLst>
               <a:ext uri="{FF2B5EF4-FFF2-40B4-BE49-F238E27FC236}">
-                <a16:creationId xmlns:a16="http://schemas.microsoft.com/office/drawing/2014/main" xmlns="" id="{90AF90D8-D69F-1E5E-F6DD-7D9D24AFBDDD}"/>
+                <a16:creationId xmlns:a16="http://schemas.microsoft.com/office/drawing/2014/main" id="{90AF90D8-D69F-1E5E-F6DD-7D9D24AFBDDD}"/>
               </a:ext>
             </a:extLst>
           </p:cNvPr>
@@ -16591,7 +16682,7 @@
           <p:cNvPr id="9" name="TextBox 8">
             <a:extLst>
               <a:ext uri="{FF2B5EF4-FFF2-40B4-BE49-F238E27FC236}">
-                <a16:creationId xmlns:a16="http://schemas.microsoft.com/office/drawing/2014/main" xmlns="" id="{3A550445-81B2-7A92-3F69-4185A0EF92EE}"/>
+                <a16:creationId xmlns:a16="http://schemas.microsoft.com/office/drawing/2014/main" id="{3A550445-81B2-7A92-3F69-4185A0EF92EE}"/>
               </a:ext>
             </a:extLst>
           </p:cNvPr>
@@ -16642,7 +16733,7 @@
           <p:cNvPr id="11" name="직선 화살표 연결선 10">
             <a:extLst>
               <a:ext uri="{FF2B5EF4-FFF2-40B4-BE49-F238E27FC236}">
-                <a16:creationId xmlns:a16="http://schemas.microsoft.com/office/drawing/2014/main" xmlns="" id="{DECABA5D-5538-AB3C-0C2E-6A75C6F7C593}"/>
+                <a16:creationId xmlns:a16="http://schemas.microsoft.com/office/drawing/2014/main" id="{DECABA5D-5538-AB3C-0C2E-6A75C6F7C593}"/>
               </a:ext>
             </a:extLst>
           </p:cNvPr>
@@ -16683,7 +16774,7 @@
           <p:cNvPr id="12" name="TextBox 11">
             <a:extLst>
               <a:ext uri="{FF2B5EF4-FFF2-40B4-BE49-F238E27FC236}">
-                <a16:creationId xmlns:a16="http://schemas.microsoft.com/office/drawing/2014/main" xmlns="" id="{66521DD1-50FC-3BB5-C21E-4CB11B5593BD}"/>
+                <a16:creationId xmlns:a16="http://schemas.microsoft.com/office/drawing/2014/main" id="{66521DD1-50FC-3BB5-C21E-4CB11B5593BD}"/>
               </a:ext>
             </a:extLst>
           </p:cNvPr>
@@ -16764,7 +16855,7 @@
           <p:cNvPr id="3" name="그림 2">
             <a:extLst>
               <a:ext uri="{FF2B5EF4-FFF2-40B4-BE49-F238E27FC236}">
-                <a16:creationId xmlns:a16="http://schemas.microsoft.com/office/drawing/2014/main" xmlns="" id="{3F61A687-AAAB-5961-4B1F-9BCB848F2071}"/>
+                <a16:creationId xmlns:a16="http://schemas.microsoft.com/office/drawing/2014/main" id="{3F61A687-AAAB-5961-4B1F-9BCB848F2071}"/>
               </a:ext>
             </a:extLst>
           </p:cNvPr>
@@ -16794,7 +16885,7 @@
           <p:cNvPr id="6" name="직선 화살표 연결선 5">
             <a:extLst>
               <a:ext uri="{FF2B5EF4-FFF2-40B4-BE49-F238E27FC236}">
-                <a16:creationId xmlns:a16="http://schemas.microsoft.com/office/drawing/2014/main" xmlns="" id="{F5091DC1-8E41-E907-5EC4-6242BA5FDF30}"/>
+                <a16:creationId xmlns:a16="http://schemas.microsoft.com/office/drawing/2014/main" id="{F5091DC1-8E41-E907-5EC4-6242BA5FDF30}"/>
               </a:ext>
             </a:extLst>
           </p:cNvPr>
@@ -16835,7 +16926,7 @@
           <p:cNvPr id="7" name="직사각형 6">
             <a:extLst>
               <a:ext uri="{FF2B5EF4-FFF2-40B4-BE49-F238E27FC236}">
-                <a16:creationId xmlns:a16="http://schemas.microsoft.com/office/drawing/2014/main" xmlns="" id="{A2D2206E-EC63-50D9-E570-9CEAF2B4C3FB}"/>
+                <a16:creationId xmlns:a16="http://schemas.microsoft.com/office/drawing/2014/main" id="{A2D2206E-EC63-50D9-E570-9CEAF2B4C3FB}"/>
               </a:ext>
             </a:extLst>
           </p:cNvPr>
@@ -16887,7 +16978,7 @@
           <p:cNvPr id="8" name="TextBox 7">
             <a:extLst>
               <a:ext uri="{FF2B5EF4-FFF2-40B4-BE49-F238E27FC236}">
-                <a16:creationId xmlns:a16="http://schemas.microsoft.com/office/drawing/2014/main" xmlns="" id="{C3325FA6-4BD3-B243-442C-671E245D8ABD}"/>
+                <a16:creationId xmlns:a16="http://schemas.microsoft.com/office/drawing/2014/main" id="{C3325FA6-4BD3-B243-442C-671E245D8ABD}"/>
               </a:ext>
             </a:extLst>
           </p:cNvPr>
@@ -16938,7 +17029,7 @@
           <p:cNvPr id="10" name="그림 9">
             <a:extLst>
               <a:ext uri="{FF2B5EF4-FFF2-40B4-BE49-F238E27FC236}">
-                <a16:creationId xmlns:a16="http://schemas.microsoft.com/office/drawing/2014/main" xmlns="" id="{E89A95C2-CEB2-8620-096E-277FEEDB25E4}"/>
+                <a16:creationId xmlns:a16="http://schemas.microsoft.com/office/drawing/2014/main" id="{E89A95C2-CEB2-8620-096E-277FEEDB25E4}"/>
               </a:ext>
             </a:extLst>
           </p:cNvPr>
@@ -17085,7 +17176,7 @@
           <p:cNvPr id="5" name="TextBox 4">
             <a:extLst>
               <a:ext uri="{FF2B5EF4-FFF2-40B4-BE49-F238E27FC236}">
-                <a16:creationId xmlns:a16="http://schemas.microsoft.com/office/drawing/2014/main" xmlns="" id="{C6D113C6-EA5C-788F-0C77-E7CE6EBB865F}"/>
+                <a16:creationId xmlns:a16="http://schemas.microsoft.com/office/drawing/2014/main" id="{C6D113C6-EA5C-788F-0C77-E7CE6EBB865F}"/>
               </a:ext>
             </a:extLst>
           </p:cNvPr>
@@ -17136,7 +17227,7 @@
           <p:cNvPr id="3" name="그림 2">
             <a:extLst>
               <a:ext uri="{FF2B5EF4-FFF2-40B4-BE49-F238E27FC236}">
-                <a16:creationId xmlns:a16="http://schemas.microsoft.com/office/drawing/2014/main" xmlns="" id="{A3879852-056C-87CE-CAA9-4174905D379C}"/>
+                <a16:creationId xmlns:a16="http://schemas.microsoft.com/office/drawing/2014/main" id="{A3879852-056C-87CE-CAA9-4174905D379C}"/>
               </a:ext>
             </a:extLst>
           </p:cNvPr>
@@ -17196,7 +17287,7 @@
           <p:cNvPr id="3" name="TextBox 2">
             <a:extLst>
               <a:ext uri="{FF2B5EF4-FFF2-40B4-BE49-F238E27FC236}">
-                <a16:creationId xmlns:a16="http://schemas.microsoft.com/office/drawing/2014/main" xmlns="" id="{D30B8E78-F72E-BE4F-6ED8-41E31F99B92C}"/>
+                <a16:creationId xmlns:a16="http://schemas.microsoft.com/office/drawing/2014/main" id="{D30B8E78-F72E-BE4F-6ED8-41E31F99B92C}"/>
               </a:ext>
             </a:extLst>
           </p:cNvPr>
@@ -17247,7 +17338,7 @@
           <p:cNvPr id="7" name="그림 6">
             <a:extLst>
               <a:ext uri="{FF2B5EF4-FFF2-40B4-BE49-F238E27FC236}">
-                <a16:creationId xmlns:a16="http://schemas.microsoft.com/office/drawing/2014/main" xmlns="" id="{B0CB3FC2-DE9D-9B00-998A-81D45730B1D3}"/>
+                <a16:creationId xmlns:a16="http://schemas.microsoft.com/office/drawing/2014/main" id="{B0CB3FC2-DE9D-9B00-998A-81D45730B1D3}"/>
               </a:ext>
             </a:extLst>
           </p:cNvPr>
@@ -17388,7 +17479,7 @@
           <p:cNvPr id="2" name="TextBox 1">
             <a:extLst>
               <a:ext uri="{FF2B5EF4-FFF2-40B4-BE49-F238E27FC236}">
-                <a16:creationId xmlns:a16="http://schemas.microsoft.com/office/drawing/2014/main" xmlns="" id="{C841A3DC-E1BB-5E37-09D3-129982FD8635}"/>
+                <a16:creationId xmlns:a16="http://schemas.microsoft.com/office/drawing/2014/main" id="{C841A3DC-E1BB-5E37-09D3-129982FD8635}"/>
               </a:ext>
             </a:extLst>
           </p:cNvPr>
@@ -17436,7 +17527,7 @@
           <p:cNvPr id="5" name="그림 4">
             <a:extLst>
               <a:ext uri="{FF2B5EF4-FFF2-40B4-BE49-F238E27FC236}">
-                <a16:creationId xmlns:a16="http://schemas.microsoft.com/office/drawing/2014/main" xmlns="" id="{E8B39727-C33D-61C9-CE05-AAAC214B543E}"/>
+                <a16:creationId xmlns:a16="http://schemas.microsoft.com/office/drawing/2014/main" id="{E8B39727-C33D-61C9-CE05-AAAC214B543E}"/>
               </a:ext>
             </a:extLst>
           </p:cNvPr>
@@ -17466,7 +17557,7 @@
           <p:cNvPr id="7" name="직선 화살표 연결선 6">
             <a:extLst>
               <a:ext uri="{FF2B5EF4-FFF2-40B4-BE49-F238E27FC236}">
-                <a16:creationId xmlns:a16="http://schemas.microsoft.com/office/drawing/2014/main" xmlns="" id="{5AF35C31-D077-C83E-8A0C-0327FB2F9CA4}"/>
+                <a16:creationId xmlns:a16="http://schemas.microsoft.com/office/drawing/2014/main" id="{5AF35C31-D077-C83E-8A0C-0327FB2F9CA4}"/>
               </a:ext>
             </a:extLst>
           </p:cNvPr>
@@ -17508,7 +17599,7 @@
           <p:cNvPr id="8" name="직사각형 7">
             <a:extLst>
               <a:ext uri="{FF2B5EF4-FFF2-40B4-BE49-F238E27FC236}">
-                <a16:creationId xmlns:a16="http://schemas.microsoft.com/office/drawing/2014/main" xmlns="" id="{9DBF0CA3-D5E4-1F82-5826-9750D8492129}"/>
+                <a16:creationId xmlns:a16="http://schemas.microsoft.com/office/drawing/2014/main" id="{9DBF0CA3-D5E4-1F82-5826-9750D8492129}"/>
               </a:ext>
             </a:extLst>
           </p:cNvPr>
@@ -17560,7 +17651,7 @@
           <p:cNvPr id="9" name="TextBox 8">
             <a:extLst>
               <a:ext uri="{FF2B5EF4-FFF2-40B4-BE49-F238E27FC236}">
-                <a16:creationId xmlns:a16="http://schemas.microsoft.com/office/drawing/2014/main" xmlns="" id="{57661BBE-796C-4398-72AC-F6D9AB82DC0C}"/>
+                <a16:creationId xmlns:a16="http://schemas.microsoft.com/office/drawing/2014/main" id="{57661BBE-796C-4398-72AC-F6D9AB82DC0C}"/>
               </a:ext>
             </a:extLst>
           </p:cNvPr>
@@ -17651,7 +17742,7 @@
           <p:cNvPr id="10" name="직사각형 9">
             <a:extLst>
               <a:ext uri="{FF2B5EF4-FFF2-40B4-BE49-F238E27FC236}">
-                <a16:creationId xmlns:a16="http://schemas.microsoft.com/office/drawing/2014/main" xmlns="" id="{3DAD0C84-A72B-4D2C-A768-9FB1667EA4A4}"/>
+                <a16:creationId xmlns:a16="http://schemas.microsoft.com/office/drawing/2014/main" id="{3DAD0C84-A72B-4D2C-A768-9FB1667EA4A4}"/>
               </a:ext>
             </a:extLst>
           </p:cNvPr>
@@ -17703,7 +17794,7 @@
           <p:cNvPr id="13" name="직선 화살표 연결선 12">
             <a:extLst>
               <a:ext uri="{FF2B5EF4-FFF2-40B4-BE49-F238E27FC236}">
-                <a16:creationId xmlns:a16="http://schemas.microsoft.com/office/drawing/2014/main" xmlns="" id="{EB84E4EF-A387-374F-AD6B-B5307BF2D4F0}"/>
+                <a16:creationId xmlns:a16="http://schemas.microsoft.com/office/drawing/2014/main" id="{EB84E4EF-A387-374F-AD6B-B5307BF2D4F0}"/>
               </a:ext>
             </a:extLst>
           </p:cNvPr>
@@ -17744,7 +17835,7 @@
           <p:cNvPr id="18" name="그림 17">
             <a:extLst>
               <a:ext uri="{FF2B5EF4-FFF2-40B4-BE49-F238E27FC236}">
-                <a16:creationId xmlns:a16="http://schemas.microsoft.com/office/drawing/2014/main" xmlns="" id="{E87CFC2B-53BB-D102-E50C-9531AB4F58B8}"/>
+                <a16:creationId xmlns:a16="http://schemas.microsoft.com/office/drawing/2014/main" id="{E87CFC2B-53BB-D102-E50C-9531AB4F58B8}"/>
               </a:ext>
             </a:extLst>
           </p:cNvPr>
@@ -17774,7 +17865,7 @@
           <p:cNvPr id="19" name="TextBox 18">
             <a:extLst>
               <a:ext uri="{FF2B5EF4-FFF2-40B4-BE49-F238E27FC236}">
-                <a16:creationId xmlns:a16="http://schemas.microsoft.com/office/drawing/2014/main" xmlns="" id="{63E21071-6E1D-F51C-B331-BEBF8C0CF843}"/>
+                <a16:creationId xmlns:a16="http://schemas.microsoft.com/office/drawing/2014/main" id="{63E21071-6E1D-F51C-B331-BEBF8C0CF843}"/>
               </a:ext>
             </a:extLst>
           </p:cNvPr>
@@ -18100,7 +18191,7 @@
           <p:cNvPr id="12" name="TextBox 11">
             <a:extLst>
               <a:ext uri="{FF2B5EF4-FFF2-40B4-BE49-F238E27FC236}">
-                <a16:creationId xmlns:a16="http://schemas.microsoft.com/office/drawing/2014/main" xmlns="" id="{DA1107BC-7D19-086F-4B10-F1B55BAA9708}"/>
+                <a16:creationId xmlns:a16="http://schemas.microsoft.com/office/drawing/2014/main" id="{DA1107BC-7D19-086F-4B10-F1B55BAA9708}"/>
               </a:ext>
             </a:extLst>
           </p:cNvPr>
@@ -18154,7 +18245,7 @@
           <p:cNvPr id="13" name="TextBox 12">
             <a:extLst>
               <a:ext uri="{FF2B5EF4-FFF2-40B4-BE49-F238E27FC236}">
-                <a16:creationId xmlns:a16="http://schemas.microsoft.com/office/drawing/2014/main" xmlns="" id="{872A91A3-756F-6221-8ED6-D3DF3F0569D4}"/>
+                <a16:creationId xmlns:a16="http://schemas.microsoft.com/office/drawing/2014/main" id="{872A91A3-756F-6221-8ED6-D3DF3F0569D4}"/>
               </a:ext>
             </a:extLst>
           </p:cNvPr>
@@ -18436,7 +18527,7 @@
           <p:cNvPr id="3" name="그림 2">
             <a:extLst>
               <a:ext uri="{FF2B5EF4-FFF2-40B4-BE49-F238E27FC236}">
-                <a16:creationId xmlns:a16="http://schemas.microsoft.com/office/drawing/2014/main" xmlns="" id="{AFD10EC0-0471-0AD5-3446-84120B723536}"/>
+                <a16:creationId xmlns:a16="http://schemas.microsoft.com/office/drawing/2014/main" id="{AFD10EC0-0471-0AD5-3446-84120B723536}"/>
               </a:ext>
             </a:extLst>
           </p:cNvPr>
@@ -18466,7 +18557,7 @@
           <p:cNvPr id="5" name="그림 4">
             <a:extLst>
               <a:ext uri="{FF2B5EF4-FFF2-40B4-BE49-F238E27FC236}">
-                <a16:creationId xmlns:a16="http://schemas.microsoft.com/office/drawing/2014/main" xmlns="" id="{EA24FF1B-2EBC-F5EF-04F6-D5A772159AA0}"/>
+                <a16:creationId xmlns:a16="http://schemas.microsoft.com/office/drawing/2014/main" id="{EA24FF1B-2EBC-F5EF-04F6-D5A772159AA0}"/>
               </a:ext>
             </a:extLst>
           </p:cNvPr>
@@ -18496,7 +18587,7 @@
           <p:cNvPr id="6" name="직선 화살표 연결선 5">
             <a:extLst>
               <a:ext uri="{FF2B5EF4-FFF2-40B4-BE49-F238E27FC236}">
-                <a16:creationId xmlns:a16="http://schemas.microsoft.com/office/drawing/2014/main" xmlns="" id="{43F40501-73A4-5FB0-76E7-0CA0B03CB55D}"/>
+                <a16:creationId xmlns:a16="http://schemas.microsoft.com/office/drawing/2014/main" id="{43F40501-73A4-5FB0-76E7-0CA0B03CB55D}"/>
               </a:ext>
             </a:extLst>
           </p:cNvPr>
@@ -18537,7 +18628,7 @@
           <p:cNvPr id="7" name="직사각형 6">
             <a:extLst>
               <a:ext uri="{FF2B5EF4-FFF2-40B4-BE49-F238E27FC236}">
-                <a16:creationId xmlns:a16="http://schemas.microsoft.com/office/drawing/2014/main" xmlns="" id="{C0E6CC79-979E-34F5-C331-C5487D405E46}"/>
+                <a16:creationId xmlns:a16="http://schemas.microsoft.com/office/drawing/2014/main" id="{C0E6CC79-979E-34F5-C331-C5487D405E46}"/>
               </a:ext>
             </a:extLst>
           </p:cNvPr>
@@ -18589,7 +18680,7 @@
           <p:cNvPr id="8" name="TextBox 7">
             <a:extLst>
               <a:ext uri="{FF2B5EF4-FFF2-40B4-BE49-F238E27FC236}">
-                <a16:creationId xmlns:a16="http://schemas.microsoft.com/office/drawing/2014/main" xmlns="" id="{19347CA7-A228-47B3-8ACC-894F8A697AEF}"/>
+                <a16:creationId xmlns:a16="http://schemas.microsoft.com/office/drawing/2014/main" id="{19347CA7-A228-47B3-8ACC-894F8A697AEF}"/>
               </a:ext>
             </a:extLst>
           </p:cNvPr>
@@ -18700,7 +18791,7 @@
           <p:cNvPr id="5" name="TextBox 4">
             <a:extLst>
               <a:ext uri="{FF2B5EF4-FFF2-40B4-BE49-F238E27FC236}">
-                <a16:creationId xmlns:a16="http://schemas.microsoft.com/office/drawing/2014/main" xmlns="" id="{7229BEA6-121E-9056-D07F-2B3BB1795F76}"/>
+                <a16:creationId xmlns:a16="http://schemas.microsoft.com/office/drawing/2014/main" id="{7229BEA6-121E-9056-D07F-2B3BB1795F76}"/>
               </a:ext>
             </a:extLst>
           </p:cNvPr>
@@ -18748,7 +18839,7 @@
           <p:cNvPr id="6" name="TextBox 5">
             <a:extLst>
               <a:ext uri="{FF2B5EF4-FFF2-40B4-BE49-F238E27FC236}">
-                <a16:creationId xmlns:a16="http://schemas.microsoft.com/office/drawing/2014/main" xmlns="" id="{5ADC00B6-990A-40DC-3CEA-505258F5E8DA}"/>
+                <a16:creationId xmlns:a16="http://schemas.microsoft.com/office/drawing/2014/main" id="{5ADC00B6-990A-40DC-3CEA-505258F5E8DA}"/>
               </a:ext>
             </a:extLst>
           </p:cNvPr>
@@ -19123,7 +19214,7 @@
           <p:cNvPr id="4" name="TextBox 3">
             <a:extLst>
               <a:ext uri="{FF2B5EF4-FFF2-40B4-BE49-F238E27FC236}">
-                <a16:creationId xmlns:a16="http://schemas.microsoft.com/office/drawing/2014/main" xmlns="" id="{7229BEA6-121E-9056-D07F-2B3BB1795F76}"/>
+                <a16:creationId xmlns:a16="http://schemas.microsoft.com/office/drawing/2014/main" id="{7229BEA6-121E-9056-D07F-2B3BB1795F76}"/>
               </a:ext>
             </a:extLst>
           </p:cNvPr>
@@ -19171,7 +19262,7 @@
           <p:cNvPr id="6" name="TextBox 5">
             <a:extLst>
               <a:ext uri="{FF2B5EF4-FFF2-40B4-BE49-F238E27FC236}">
-                <a16:creationId xmlns:a16="http://schemas.microsoft.com/office/drawing/2014/main" xmlns="" id="{5ADC00B6-990A-40DC-3CEA-505258F5E8DA}"/>
+                <a16:creationId xmlns:a16="http://schemas.microsoft.com/office/drawing/2014/main" id="{5ADC00B6-990A-40DC-3CEA-505258F5E8DA}"/>
               </a:ext>
             </a:extLst>
           </p:cNvPr>
@@ -19440,7 +19531,7 @@
           <p:cNvPr id="7" name="TextBox 6">
             <a:extLst>
               <a:ext uri="{FF2B5EF4-FFF2-40B4-BE49-F238E27FC236}">
-                <a16:creationId xmlns:a16="http://schemas.microsoft.com/office/drawing/2014/main" xmlns="" id="{5ADC00B6-990A-40DC-3CEA-505258F5E8DA}"/>
+                <a16:creationId xmlns:a16="http://schemas.microsoft.com/office/drawing/2014/main" id="{5ADC00B6-990A-40DC-3CEA-505258F5E8DA}"/>
               </a:ext>
             </a:extLst>
           </p:cNvPr>
@@ -19683,7 +19774,7 @@
           <p:cNvPr id="8" name="TextBox 7">
             <a:extLst>
               <a:ext uri="{FF2B5EF4-FFF2-40B4-BE49-F238E27FC236}">
-                <a16:creationId xmlns:a16="http://schemas.microsoft.com/office/drawing/2014/main" xmlns="" id="{5ADC00B6-990A-40DC-3CEA-505258F5E8DA}"/>
+                <a16:creationId xmlns:a16="http://schemas.microsoft.com/office/drawing/2014/main" id="{5ADC00B6-990A-40DC-3CEA-505258F5E8DA}"/>
               </a:ext>
             </a:extLst>
           </p:cNvPr>
@@ -19824,7 +19915,7 @@
           <p:cNvPr id="4" name="TextBox 3">
             <a:extLst>
               <a:ext uri="{FF2B5EF4-FFF2-40B4-BE49-F238E27FC236}">
-                <a16:creationId xmlns:a16="http://schemas.microsoft.com/office/drawing/2014/main" xmlns="" id="{7229BEA6-121E-9056-D07F-2B3BB1795F76}"/>
+                <a16:creationId xmlns:a16="http://schemas.microsoft.com/office/drawing/2014/main" id="{7229BEA6-121E-9056-D07F-2B3BB1795F76}"/>
               </a:ext>
             </a:extLst>
           </p:cNvPr>
@@ -19920,7 +20011,7 @@
           <p:cNvPr id="2" name="직사각형 1">
             <a:extLst>
               <a:ext uri="{FF2B5EF4-FFF2-40B4-BE49-F238E27FC236}">
-                <a16:creationId xmlns:a16="http://schemas.microsoft.com/office/drawing/2014/main" xmlns="" id="{12261C3C-8DCE-3194-3A16-361D15D39C27}"/>
+                <a16:creationId xmlns:a16="http://schemas.microsoft.com/office/drawing/2014/main" id="{12261C3C-8DCE-3194-3A16-361D15D39C27}"/>
               </a:ext>
             </a:extLst>
           </p:cNvPr>
@@ -19972,7 +20063,7 @@
           <p:cNvPr id="3" name="직선 화살표 연결선 2">
             <a:extLst>
               <a:ext uri="{FF2B5EF4-FFF2-40B4-BE49-F238E27FC236}">
-                <a16:creationId xmlns:a16="http://schemas.microsoft.com/office/drawing/2014/main" xmlns="" id="{74C996E1-09E4-F9A3-455F-287F2E3C3797}"/>
+                <a16:creationId xmlns:a16="http://schemas.microsoft.com/office/drawing/2014/main" id="{74C996E1-09E4-F9A3-455F-287F2E3C3797}"/>
               </a:ext>
             </a:extLst>
           </p:cNvPr>
@@ -20013,7 +20104,7 @@
           <p:cNvPr id="7" name="TextBox 6">
             <a:extLst>
               <a:ext uri="{FF2B5EF4-FFF2-40B4-BE49-F238E27FC236}">
-                <a16:creationId xmlns:a16="http://schemas.microsoft.com/office/drawing/2014/main" xmlns="" id="{0827B7E8-EC58-2D38-2A21-1D148A256683}"/>
+                <a16:creationId xmlns:a16="http://schemas.microsoft.com/office/drawing/2014/main" id="{0827B7E8-EC58-2D38-2A21-1D148A256683}"/>
               </a:ext>
             </a:extLst>
           </p:cNvPr>
@@ -20061,7 +20152,7 @@
           <p:cNvPr id="10" name="직사각형 9">
             <a:extLst>
               <a:ext uri="{FF2B5EF4-FFF2-40B4-BE49-F238E27FC236}">
-                <a16:creationId xmlns:a16="http://schemas.microsoft.com/office/drawing/2014/main" xmlns="" id="{BC08795F-5B05-8BDE-BF44-5CE0C516CEC1}"/>
+                <a16:creationId xmlns:a16="http://schemas.microsoft.com/office/drawing/2014/main" id="{BC08795F-5B05-8BDE-BF44-5CE0C516CEC1}"/>
               </a:ext>
             </a:extLst>
           </p:cNvPr>
@@ -20113,7 +20204,7 @@
           <p:cNvPr id="11" name="직선 화살표 연결선 10">
             <a:extLst>
               <a:ext uri="{FF2B5EF4-FFF2-40B4-BE49-F238E27FC236}">
-                <a16:creationId xmlns:a16="http://schemas.microsoft.com/office/drawing/2014/main" xmlns="" id="{F7AF1795-50E1-85FD-1DF9-B09FB96112FD}"/>
+                <a16:creationId xmlns:a16="http://schemas.microsoft.com/office/drawing/2014/main" id="{F7AF1795-50E1-85FD-1DF9-B09FB96112FD}"/>
               </a:ext>
             </a:extLst>
           </p:cNvPr>
@@ -20154,7 +20245,7 @@
           <p:cNvPr id="12" name="TextBox 11">
             <a:extLst>
               <a:ext uri="{FF2B5EF4-FFF2-40B4-BE49-F238E27FC236}">
-                <a16:creationId xmlns:a16="http://schemas.microsoft.com/office/drawing/2014/main" xmlns="" id="{2772731A-0D0D-D1B1-E3B7-DAAB8A7E31BF}"/>
+                <a16:creationId xmlns:a16="http://schemas.microsoft.com/office/drawing/2014/main" id="{2772731A-0D0D-D1B1-E3B7-DAAB8A7E31BF}"/>
               </a:ext>
             </a:extLst>
           </p:cNvPr>
@@ -20249,7 +20340,7 @@
           <p:cNvPr id="4" name="TextBox 3">
             <a:extLst>
               <a:ext uri="{FF2B5EF4-FFF2-40B4-BE49-F238E27FC236}">
-                <a16:creationId xmlns:a16="http://schemas.microsoft.com/office/drawing/2014/main" xmlns="" id="{C6D113C6-EA5C-788F-0C77-E7CE6EBB865F}"/>
+                <a16:creationId xmlns:a16="http://schemas.microsoft.com/office/drawing/2014/main" id="{C6D113C6-EA5C-788F-0C77-E7CE6EBB865F}"/>
               </a:ext>
             </a:extLst>
           </p:cNvPr>
@@ -20351,7 +20442,7 @@
           <p:cNvPr id="5" name="TextBox 4">
             <a:extLst>
               <a:ext uri="{FF2B5EF4-FFF2-40B4-BE49-F238E27FC236}">
-                <a16:creationId xmlns:a16="http://schemas.microsoft.com/office/drawing/2014/main" xmlns="" id="{7229BEA6-121E-9056-D07F-2B3BB1795F76}"/>
+                <a16:creationId xmlns:a16="http://schemas.microsoft.com/office/drawing/2014/main" id="{7229BEA6-121E-9056-D07F-2B3BB1795F76}"/>
               </a:ext>
             </a:extLst>
           </p:cNvPr>
@@ -20409,7 +20500,7 @@
           <p:cNvPr id="7" name="TextBox 6">
             <a:extLst>
               <a:ext uri="{FF2B5EF4-FFF2-40B4-BE49-F238E27FC236}">
-                <a16:creationId xmlns:a16="http://schemas.microsoft.com/office/drawing/2014/main" xmlns="" id="{C6D113C6-EA5C-788F-0C77-E7CE6EBB865F}"/>
+                <a16:creationId xmlns:a16="http://schemas.microsoft.com/office/drawing/2014/main" id="{C6D113C6-EA5C-788F-0C77-E7CE6EBB865F}"/>
               </a:ext>
             </a:extLst>
           </p:cNvPr>
@@ -20871,7 +20962,7 @@
           <p:cNvPr id="2" name="그림 1">
             <a:extLst>
               <a:ext uri="{FF2B5EF4-FFF2-40B4-BE49-F238E27FC236}">
-                <a16:creationId xmlns:a16="http://schemas.microsoft.com/office/drawing/2014/main" xmlns="" id="{ED6A655F-769A-F669-7BB3-B430DC1C611F}"/>
+                <a16:creationId xmlns:a16="http://schemas.microsoft.com/office/drawing/2014/main" id="{ED6A655F-769A-F669-7BB3-B430DC1C611F}"/>
               </a:ext>
             </a:extLst>
           </p:cNvPr>
@@ -21026,7 +21117,7 @@
           <p:cNvPr id="5" name="Object 2">
             <a:extLst>
               <a:ext uri="{FF2B5EF4-FFF2-40B4-BE49-F238E27FC236}">
-                <a16:creationId xmlns:a16="http://schemas.microsoft.com/office/drawing/2014/main" xmlns="" id="{EB9768FE-76B0-709F-3C4D-0ECBB41147CD}"/>
+                <a16:creationId xmlns:a16="http://schemas.microsoft.com/office/drawing/2014/main" id="{EB9768FE-76B0-709F-3C4D-0ECBB41147CD}"/>
               </a:ext>
             </a:extLst>
           </p:cNvPr>
@@ -21056,7 +21147,7 @@
           <p:cNvPr id="7" name="그룹 1001">
             <a:extLst>
               <a:ext uri="{FF2B5EF4-FFF2-40B4-BE49-F238E27FC236}">
-                <a16:creationId xmlns:a16="http://schemas.microsoft.com/office/drawing/2014/main" xmlns="" id="{0637F47C-891C-2B90-8647-32B84C264D42}"/>
+                <a16:creationId xmlns:a16="http://schemas.microsoft.com/office/drawing/2014/main" id="{0637F47C-891C-2B90-8647-32B84C264D42}"/>
               </a:ext>
             </a:extLst>
           </p:cNvPr>
@@ -21076,7 +21167,7 @@
             <p:cNvPr id="8" name="Object 5">
               <a:extLst>
                 <a:ext uri="{FF2B5EF4-FFF2-40B4-BE49-F238E27FC236}">
-                  <a16:creationId xmlns:a16="http://schemas.microsoft.com/office/drawing/2014/main" xmlns="" id="{710F969D-8259-9328-33C3-C6DB500C60D4}"/>
+                  <a16:creationId xmlns:a16="http://schemas.microsoft.com/office/drawing/2014/main" id="{710F969D-8259-9328-33C3-C6DB500C60D4}"/>
                 </a:ext>
               </a:extLst>
             </p:cNvPr>
@@ -21107,7 +21198,7 @@
           <p:cNvPr id="9" name="그룹 1002">
             <a:extLst>
               <a:ext uri="{FF2B5EF4-FFF2-40B4-BE49-F238E27FC236}">
-                <a16:creationId xmlns:a16="http://schemas.microsoft.com/office/drawing/2014/main" xmlns="" id="{A87796A8-251B-F38A-5AE9-11F8D847B25D}"/>
+                <a16:creationId xmlns:a16="http://schemas.microsoft.com/office/drawing/2014/main" id="{A87796A8-251B-F38A-5AE9-11F8D847B25D}"/>
               </a:ext>
             </a:extLst>
           </p:cNvPr>
@@ -21127,7 +21218,7 @@
             <p:cNvPr id="10" name="Object 8">
               <a:extLst>
                 <a:ext uri="{FF2B5EF4-FFF2-40B4-BE49-F238E27FC236}">
-                  <a16:creationId xmlns:a16="http://schemas.microsoft.com/office/drawing/2014/main" xmlns="" id="{9E806C19-D323-E705-F3B8-EEABB39F0993}"/>
+                  <a16:creationId xmlns:a16="http://schemas.microsoft.com/office/drawing/2014/main" id="{9E806C19-D323-E705-F3B8-EEABB39F0993}"/>
                 </a:ext>
               </a:extLst>
             </p:cNvPr>
@@ -21158,7 +21249,7 @@
           <p:cNvPr id="11" name="그룹 1003">
             <a:extLst>
               <a:ext uri="{FF2B5EF4-FFF2-40B4-BE49-F238E27FC236}">
-                <a16:creationId xmlns:a16="http://schemas.microsoft.com/office/drawing/2014/main" xmlns="" id="{701795E0-24B6-38E6-7308-FED7AD2B6900}"/>
+                <a16:creationId xmlns:a16="http://schemas.microsoft.com/office/drawing/2014/main" id="{701795E0-24B6-38E6-7308-FED7AD2B6900}"/>
               </a:ext>
             </a:extLst>
           </p:cNvPr>
@@ -21178,7 +21269,7 @@
             <p:cNvPr id="12" name="Object 11">
               <a:extLst>
                 <a:ext uri="{FF2B5EF4-FFF2-40B4-BE49-F238E27FC236}">
-                  <a16:creationId xmlns:a16="http://schemas.microsoft.com/office/drawing/2014/main" xmlns="" id="{D8C68167-7FB5-1F8E-D53C-DEA682F465F5}"/>
+                  <a16:creationId xmlns:a16="http://schemas.microsoft.com/office/drawing/2014/main" id="{D8C68167-7FB5-1F8E-D53C-DEA682F465F5}"/>
                 </a:ext>
               </a:extLst>
             </p:cNvPr>
@@ -21209,7 +21300,7 @@
           <p:cNvPr id="13" name="그룹 1004">
             <a:extLst>
               <a:ext uri="{FF2B5EF4-FFF2-40B4-BE49-F238E27FC236}">
-                <a16:creationId xmlns:a16="http://schemas.microsoft.com/office/drawing/2014/main" xmlns="" id="{03226A72-764D-99F3-A14F-47C351CB448B}"/>
+                <a16:creationId xmlns:a16="http://schemas.microsoft.com/office/drawing/2014/main" id="{03226A72-764D-99F3-A14F-47C351CB448B}"/>
               </a:ext>
             </a:extLst>
           </p:cNvPr>
@@ -21229,7 +21320,7 @@
             <p:cNvPr id="14" name="Object 14">
               <a:extLst>
                 <a:ext uri="{FF2B5EF4-FFF2-40B4-BE49-F238E27FC236}">
-                  <a16:creationId xmlns:a16="http://schemas.microsoft.com/office/drawing/2014/main" xmlns="" id="{77C5B9A8-AEBA-093B-4CD6-4F1ECF519068}"/>
+                  <a16:creationId xmlns:a16="http://schemas.microsoft.com/office/drawing/2014/main" id="{77C5B9A8-AEBA-093B-4CD6-4F1ECF519068}"/>
                 </a:ext>
               </a:extLst>
             </p:cNvPr>
@@ -21260,7 +21351,7 @@
           <p:cNvPr id="15" name="TextBox 14">
             <a:extLst>
               <a:ext uri="{FF2B5EF4-FFF2-40B4-BE49-F238E27FC236}">
-                <a16:creationId xmlns:a16="http://schemas.microsoft.com/office/drawing/2014/main" xmlns="" id="{E44AB10B-96D7-19D1-5C7A-D2761E62F16E}"/>
+                <a16:creationId xmlns:a16="http://schemas.microsoft.com/office/drawing/2014/main" id="{E44AB10B-96D7-19D1-5C7A-D2761E62F16E}"/>
               </a:ext>
             </a:extLst>
           </p:cNvPr>
@@ -21369,7 +21460,7 @@
           <p:cNvPr id="6" name="직사각형 5">
             <a:extLst>
               <a:ext uri="{FF2B5EF4-FFF2-40B4-BE49-F238E27FC236}">
-                <a16:creationId xmlns:a16="http://schemas.microsoft.com/office/drawing/2014/main" xmlns="" id="{FFF506F9-840A-0508-4CAF-3AC711D8D5CE}"/>
+                <a16:creationId xmlns:a16="http://schemas.microsoft.com/office/drawing/2014/main" id="{FFF506F9-840A-0508-4CAF-3AC711D8D5CE}"/>
               </a:ext>
             </a:extLst>
           </p:cNvPr>
@@ -21421,7 +21512,7 @@
           <p:cNvPr id="7" name="직선 화살표 연결선 6">
             <a:extLst>
               <a:ext uri="{FF2B5EF4-FFF2-40B4-BE49-F238E27FC236}">
-                <a16:creationId xmlns:a16="http://schemas.microsoft.com/office/drawing/2014/main" xmlns="" id="{299DF5EC-9DF4-5255-06AC-0A7CE4FF58C3}"/>
+                <a16:creationId xmlns:a16="http://schemas.microsoft.com/office/drawing/2014/main" id="{299DF5EC-9DF4-5255-06AC-0A7CE4FF58C3}"/>
               </a:ext>
             </a:extLst>
           </p:cNvPr>
@@ -21462,7 +21553,7 @@
           <p:cNvPr id="8" name="TextBox 7">
             <a:extLst>
               <a:ext uri="{FF2B5EF4-FFF2-40B4-BE49-F238E27FC236}">
-                <a16:creationId xmlns:a16="http://schemas.microsoft.com/office/drawing/2014/main" xmlns="" id="{C6D113C6-EA5C-788F-0C77-E7CE6EBB865F}"/>
+                <a16:creationId xmlns:a16="http://schemas.microsoft.com/office/drawing/2014/main" id="{C6D113C6-EA5C-788F-0C77-E7CE6EBB865F}"/>
               </a:ext>
             </a:extLst>
           </p:cNvPr>
@@ -21547,7 +21638,7 @@
           <p:cNvPr id="2" name="TextBox 1">
             <a:extLst>
               <a:ext uri="{FF2B5EF4-FFF2-40B4-BE49-F238E27FC236}">
-                <a16:creationId xmlns:a16="http://schemas.microsoft.com/office/drawing/2014/main" xmlns="" id="{7229BEA6-121E-9056-D07F-2B3BB1795F76}"/>
+                <a16:creationId xmlns:a16="http://schemas.microsoft.com/office/drawing/2014/main" id="{7229BEA6-121E-9056-D07F-2B3BB1795F76}"/>
               </a:ext>
             </a:extLst>
           </p:cNvPr>
@@ -21595,7 +21686,7 @@
           <p:cNvPr id="5" name="그룹 1018">
             <a:extLst>
               <a:ext uri="{FF2B5EF4-FFF2-40B4-BE49-F238E27FC236}">
-                <a16:creationId xmlns:a16="http://schemas.microsoft.com/office/drawing/2014/main" xmlns="" id="{BE4AAF13-A11B-7E60-33C1-D156A6926154}"/>
+                <a16:creationId xmlns:a16="http://schemas.microsoft.com/office/drawing/2014/main" id="{BE4AAF13-A11B-7E60-33C1-D156A6926154}"/>
               </a:ext>
             </a:extLst>
           </p:cNvPr>
@@ -21615,7 +21706,7 @@
             <p:cNvPr id="6" name="Object 61">
               <a:extLst>
                 <a:ext uri="{FF2B5EF4-FFF2-40B4-BE49-F238E27FC236}">
-                  <a16:creationId xmlns:a16="http://schemas.microsoft.com/office/drawing/2014/main" xmlns="" id="{125B2204-5CAB-AF42-4145-B61B7DFFDB21}"/>
+                  <a16:creationId xmlns:a16="http://schemas.microsoft.com/office/drawing/2014/main" id="{125B2204-5CAB-AF42-4145-B61B7DFFDB21}"/>
                 </a:ext>
               </a:extLst>
             </p:cNvPr>
@@ -21646,7 +21737,7 @@
           <p:cNvPr id="7" name="그룹 1021">
             <a:extLst>
               <a:ext uri="{FF2B5EF4-FFF2-40B4-BE49-F238E27FC236}">
-                <a16:creationId xmlns:a16="http://schemas.microsoft.com/office/drawing/2014/main" xmlns="" id="{DAE466EB-8914-A47B-444E-4C193B0D877A}"/>
+                <a16:creationId xmlns:a16="http://schemas.microsoft.com/office/drawing/2014/main" id="{DAE466EB-8914-A47B-444E-4C193B0D877A}"/>
               </a:ext>
             </a:extLst>
           </p:cNvPr>
@@ -21666,7 +21757,7 @@
             <p:cNvPr id="8" name="Object 71">
               <a:extLst>
                 <a:ext uri="{FF2B5EF4-FFF2-40B4-BE49-F238E27FC236}">
-                  <a16:creationId xmlns:a16="http://schemas.microsoft.com/office/drawing/2014/main" xmlns="" id="{44802802-8C0A-9B02-4940-D16EEB7C206A}"/>
+                  <a16:creationId xmlns:a16="http://schemas.microsoft.com/office/drawing/2014/main" id="{44802802-8C0A-9B02-4940-D16EEB7C206A}"/>
                 </a:ext>
               </a:extLst>
             </p:cNvPr>
@@ -21697,7 +21788,7 @@
           <p:cNvPr id="9" name="그룹 1024">
             <a:extLst>
               <a:ext uri="{FF2B5EF4-FFF2-40B4-BE49-F238E27FC236}">
-                <a16:creationId xmlns:a16="http://schemas.microsoft.com/office/drawing/2014/main" xmlns="" id="{48B1F9B2-501C-80B7-7C7B-CFA80857C34A}"/>
+                <a16:creationId xmlns:a16="http://schemas.microsoft.com/office/drawing/2014/main" id="{48B1F9B2-501C-80B7-7C7B-CFA80857C34A}"/>
               </a:ext>
             </a:extLst>
           </p:cNvPr>
@@ -21717,7 +21808,7 @@
             <p:cNvPr id="10" name="Object 81">
               <a:extLst>
                 <a:ext uri="{FF2B5EF4-FFF2-40B4-BE49-F238E27FC236}">
-                  <a16:creationId xmlns:a16="http://schemas.microsoft.com/office/drawing/2014/main" xmlns="" id="{A427AC54-6F46-2451-454E-795C016377BE}"/>
+                  <a16:creationId xmlns:a16="http://schemas.microsoft.com/office/drawing/2014/main" id="{A427AC54-6F46-2451-454E-795C016377BE}"/>
                 </a:ext>
               </a:extLst>
             </p:cNvPr>
@@ -21748,7 +21839,7 @@
           <p:cNvPr id="12" name="TextBox 11">
             <a:extLst>
               <a:ext uri="{FF2B5EF4-FFF2-40B4-BE49-F238E27FC236}">
-                <a16:creationId xmlns:a16="http://schemas.microsoft.com/office/drawing/2014/main" xmlns="" id="{4EDAA912-8FA0-0F11-119B-EA9F8B36A489}"/>
+                <a16:creationId xmlns:a16="http://schemas.microsoft.com/office/drawing/2014/main" id="{4EDAA912-8FA0-0F11-119B-EA9F8B36A489}"/>
               </a:ext>
             </a:extLst>
           </p:cNvPr>
@@ -21806,7 +21897,7 @@
           <p:cNvPr id="13" name="TextBox 12">
             <a:extLst>
               <a:ext uri="{FF2B5EF4-FFF2-40B4-BE49-F238E27FC236}">
-                <a16:creationId xmlns:a16="http://schemas.microsoft.com/office/drawing/2014/main" xmlns="" id="{50E9E326-9165-4EB7-F036-2D0C3593471A}"/>
+                <a16:creationId xmlns:a16="http://schemas.microsoft.com/office/drawing/2014/main" id="{50E9E326-9165-4EB7-F036-2D0C3593471A}"/>
               </a:ext>
             </a:extLst>
           </p:cNvPr>
@@ -21854,7 +21945,7 @@
           <p:cNvPr id="14" name="TextBox 13">
             <a:extLst>
               <a:ext uri="{FF2B5EF4-FFF2-40B4-BE49-F238E27FC236}">
-                <a16:creationId xmlns:a16="http://schemas.microsoft.com/office/drawing/2014/main" xmlns="" id="{A827F657-20B0-7A83-02DD-3C1A851412BF}"/>
+                <a16:creationId xmlns:a16="http://schemas.microsoft.com/office/drawing/2014/main" id="{A827F657-20B0-7A83-02DD-3C1A851412BF}"/>
               </a:ext>
             </a:extLst>
           </p:cNvPr>
@@ -21902,7 +21993,7 @@
           <p:cNvPr id="15" name="직선 화살표 연결선 14">
             <a:extLst>
               <a:ext uri="{FF2B5EF4-FFF2-40B4-BE49-F238E27FC236}">
-                <a16:creationId xmlns:a16="http://schemas.microsoft.com/office/drawing/2014/main" xmlns="" id="{6C0677B1-2150-0DB1-2BB2-EE13A87409E9}"/>
+                <a16:creationId xmlns:a16="http://schemas.microsoft.com/office/drawing/2014/main" id="{6C0677B1-2150-0DB1-2BB2-EE13A87409E9}"/>
               </a:ext>
             </a:extLst>
           </p:cNvPr>
@@ -21944,7 +22035,7 @@
           <p:cNvPr id="16" name="직선 화살표 연결선 15">
             <a:extLst>
               <a:ext uri="{FF2B5EF4-FFF2-40B4-BE49-F238E27FC236}">
-                <a16:creationId xmlns:a16="http://schemas.microsoft.com/office/drawing/2014/main" xmlns="" id="{B773A3B5-3F30-19DC-A062-3EA5F2503987}"/>
+                <a16:creationId xmlns:a16="http://schemas.microsoft.com/office/drawing/2014/main" id="{B773A3B5-3F30-19DC-A062-3EA5F2503987}"/>
               </a:ext>
             </a:extLst>
           </p:cNvPr>
@@ -21986,7 +22077,7 @@
           <p:cNvPr id="18" name="그룹 1024">
             <a:extLst>
               <a:ext uri="{FF2B5EF4-FFF2-40B4-BE49-F238E27FC236}">
-                <a16:creationId xmlns:a16="http://schemas.microsoft.com/office/drawing/2014/main" xmlns="" id="{48B1F9B2-501C-80B7-7C7B-CFA80857C34A}"/>
+                <a16:creationId xmlns:a16="http://schemas.microsoft.com/office/drawing/2014/main" id="{48B1F9B2-501C-80B7-7C7B-CFA80857C34A}"/>
               </a:ext>
             </a:extLst>
           </p:cNvPr>
@@ -22006,7 +22097,7 @@
             <p:cNvPr id="19" name="Object 81">
               <a:extLst>
                 <a:ext uri="{FF2B5EF4-FFF2-40B4-BE49-F238E27FC236}">
-                  <a16:creationId xmlns:a16="http://schemas.microsoft.com/office/drawing/2014/main" xmlns="" id="{A427AC54-6F46-2451-454E-795C016377BE}"/>
+                  <a16:creationId xmlns:a16="http://schemas.microsoft.com/office/drawing/2014/main" id="{A427AC54-6F46-2451-454E-795C016377BE}"/>
                 </a:ext>
               </a:extLst>
             </p:cNvPr>
@@ -22037,7 +22128,7 @@
           <p:cNvPr id="20" name="TextBox 19">
             <a:extLst>
               <a:ext uri="{FF2B5EF4-FFF2-40B4-BE49-F238E27FC236}">
-                <a16:creationId xmlns:a16="http://schemas.microsoft.com/office/drawing/2014/main" xmlns="" id="{A827F657-20B0-7A83-02DD-3C1A851412BF}"/>
+                <a16:creationId xmlns:a16="http://schemas.microsoft.com/office/drawing/2014/main" id="{A827F657-20B0-7A83-02DD-3C1A851412BF}"/>
               </a:ext>
             </a:extLst>
           </p:cNvPr>
@@ -22095,7 +22186,7 @@
           <p:cNvPr id="21" name="그룹 1024">
             <a:extLst>
               <a:ext uri="{FF2B5EF4-FFF2-40B4-BE49-F238E27FC236}">
-                <a16:creationId xmlns:a16="http://schemas.microsoft.com/office/drawing/2014/main" xmlns="" id="{48B1F9B2-501C-80B7-7C7B-CFA80857C34A}"/>
+                <a16:creationId xmlns:a16="http://schemas.microsoft.com/office/drawing/2014/main" id="{48B1F9B2-501C-80B7-7C7B-CFA80857C34A}"/>
               </a:ext>
             </a:extLst>
           </p:cNvPr>
@@ -22115,7 +22206,7 @@
             <p:cNvPr id="22" name="Object 81">
               <a:extLst>
                 <a:ext uri="{FF2B5EF4-FFF2-40B4-BE49-F238E27FC236}">
-                  <a16:creationId xmlns:a16="http://schemas.microsoft.com/office/drawing/2014/main" xmlns="" id="{A427AC54-6F46-2451-454E-795C016377BE}"/>
+                  <a16:creationId xmlns:a16="http://schemas.microsoft.com/office/drawing/2014/main" id="{A427AC54-6F46-2451-454E-795C016377BE}"/>
                 </a:ext>
               </a:extLst>
             </p:cNvPr>
@@ -22146,7 +22237,7 @@
           <p:cNvPr id="23" name="TextBox 22">
             <a:extLst>
               <a:ext uri="{FF2B5EF4-FFF2-40B4-BE49-F238E27FC236}">
-                <a16:creationId xmlns:a16="http://schemas.microsoft.com/office/drawing/2014/main" xmlns="" id="{A827F657-20B0-7A83-02DD-3C1A851412BF}"/>
+                <a16:creationId xmlns:a16="http://schemas.microsoft.com/office/drawing/2014/main" id="{A827F657-20B0-7A83-02DD-3C1A851412BF}"/>
               </a:ext>
             </a:extLst>
           </p:cNvPr>
@@ -22204,7 +22295,7 @@
           <p:cNvPr id="24" name="그룹 1024">
             <a:extLst>
               <a:ext uri="{FF2B5EF4-FFF2-40B4-BE49-F238E27FC236}">
-                <a16:creationId xmlns:a16="http://schemas.microsoft.com/office/drawing/2014/main" xmlns="" id="{48B1F9B2-501C-80B7-7C7B-CFA80857C34A}"/>
+                <a16:creationId xmlns:a16="http://schemas.microsoft.com/office/drawing/2014/main" id="{48B1F9B2-501C-80B7-7C7B-CFA80857C34A}"/>
               </a:ext>
             </a:extLst>
           </p:cNvPr>
@@ -22224,7 +22315,7 @@
             <p:cNvPr id="25" name="Object 81">
               <a:extLst>
                 <a:ext uri="{FF2B5EF4-FFF2-40B4-BE49-F238E27FC236}">
-                  <a16:creationId xmlns:a16="http://schemas.microsoft.com/office/drawing/2014/main" xmlns="" id="{A427AC54-6F46-2451-454E-795C016377BE}"/>
+                  <a16:creationId xmlns:a16="http://schemas.microsoft.com/office/drawing/2014/main" id="{A427AC54-6F46-2451-454E-795C016377BE}"/>
                 </a:ext>
               </a:extLst>
             </p:cNvPr>
@@ -22255,7 +22346,7 @@
           <p:cNvPr id="26" name="TextBox 25">
             <a:extLst>
               <a:ext uri="{FF2B5EF4-FFF2-40B4-BE49-F238E27FC236}">
-                <a16:creationId xmlns:a16="http://schemas.microsoft.com/office/drawing/2014/main" xmlns="" id="{A827F657-20B0-7A83-02DD-3C1A851412BF}"/>
+                <a16:creationId xmlns:a16="http://schemas.microsoft.com/office/drawing/2014/main" id="{A827F657-20B0-7A83-02DD-3C1A851412BF}"/>
               </a:ext>
             </a:extLst>
           </p:cNvPr>
@@ -22303,7 +22394,7 @@
           <p:cNvPr id="29" name="직선 화살표 연결선 28">
             <a:extLst>
               <a:ext uri="{FF2B5EF4-FFF2-40B4-BE49-F238E27FC236}">
-                <a16:creationId xmlns:a16="http://schemas.microsoft.com/office/drawing/2014/main" xmlns="" id="{6C0677B1-2150-0DB1-2BB2-EE13A87409E9}"/>
+                <a16:creationId xmlns:a16="http://schemas.microsoft.com/office/drawing/2014/main" id="{6C0677B1-2150-0DB1-2BB2-EE13A87409E9}"/>
               </a:ext>
             </a:extLst>
           </p:cNvPr>
@@ -22344,7 +22435,7 @@
           <p:cNvPr id="30" name="직선 화살표 연결선 29">
             <a:extLst>
               <a:ext uri="{FF2B5EF4-FFF2-40B4-BE49-F238E27FC236}">
-                <a16:creationId xmlns:a16="http://schemas.microsoft.com/office/drawing/2014/main" xmlns="" id="{B773A3B5-3F30-19DC-A062-3EA5F2503987}"/>
+                <a16:creationId xmlns:a16="http://schemas.microsoft.com/office/drawing/2014/main" id="{B773A3B5-3F30-19DC-A062-3EA5F2503987}"/>
               </a:ext>
             </a:extLst>
           </p:cNvPr>
@@ -22386,7 +22477,7 @@
           <p:cNvPr id="33" name="표 16">
             <a:extLst>
               <a:ext uri="{FF2B5EF4-FFF2-40B4-BE49-F238E27FC236}">
-                <a16:creationId xmlns:a16="http://schemas.microsoft.com/office/drawing/2014/main" xmlns="" id="{F03C45C7-6EB1-7871-F0F7-945F667135C4}"/>
+                <a16:creationId xmlns:a16="http://schemas.microsoft.com/office/drawing/2014/main" id="{F03C45C7-6EB1-7871-F0F7-945F667135C4}"/>
               </a:ext>
             </a:extLst>
           </p:cNvPr>
@@ -22415,14 +22506,14 @@
                 <a:gridCol w="1381760">
                   <a:extLst>
                     <a:ext uri="{9D8B030D-6E8A-4147-A177-3AD203B41FA5}">
-                      <a16:colId xmlns:a16="http://schemas.microsoft.com/office/drawing/2014/main" xmlns="" val="2433761377"/>
+                      <a16:colId xmlns:a16="http://schemas.microsoft.com/office/drawing/2014/main" val="2433761377"/>
                     </a:ext>
                   </a:extLst>
                 </a:gridCol>
                 <a:gridCol w="2275840">
                   <a:extLst>
                     <a:ext uri="{9D8B030D-6E8A-4147-A177-3AD203B41FA5}">
-                      <a16:colId xmlns:a16="http://schemas.microsoft.com/office/drawing/2014/main" xmlns="" val="926389809"/>
+                      <a16:colId xmlns:a16="http://schemas.microsoft.com/office/drawing/2014/main" val="926389809"/>
                     </a:ext>
                   </a:extLst>
                 </a:gridCol>
@@ -22548,7 +22639,7 @@
                 </a:tc>
                 <a:extLst>
                   <a:ext uri="{0D108BD9-81ED-4DB2-BD59-A6C34878D82A}">
-                    <a16:rowId xmlns:a16="http://schemas.microsoft.com/office/drawing/2014/main" xmlns="" val="2504948727"/>
+                    <a16:rowId xmlns:a16="http://schemas.microsoft.com/office/drawing/2014/main" val="2504948727"/>
                   </a:ext>
                 </a:extLst>
               </a:tr>
@@ -22677,7 +22768,7 @@
                 </a:tc>
                 <a:extLst>
                   <a:ext uri="{0D108BD9-81ED-4DB2-BD59-A6C34878D82A}">
-                    <a16:rowId xmlns:a16="http://schemas.microsoft.com/office/drawing/2014/main" xmlns="" val="3647525178"/>
+                    <a16:rowId xmlns:a16="http://schemas.microsoft.com/office/drawing/2014/main" val="3647525178"/>
                   </a:ext>
                 </a:extLst>
               </a:tr>
@@ -22790,7 +22881,7 @@
                 </a:tc>
                 <a:extLst>
                   <a:ext uri="{0D108BD9-81ED-4DB2-BD59-A6C34878D82A}">
-                    <a16:rowId xmlns:a16="http://schemas.microsoft.com/office/drawing/2014/main" xmlns="" val="2672623231"/>
+                    <a16:rowId xmlns:a16="http://schemas.microsoft.com/office/drawing/2014/main" val="2672623231"/>
                   </a:ext>
                 </a:extLst>
               </a:tr>
@@ -22899,7 +22990,7 @@
                 </a:tc>
                 <a:extLst>
                   <a:ext uri="{0D108BD9-81ED-4DB2-BD59-A6C34878D82A}">
-                    <a16:rowId xmlns:a16="http://schemas.microsoft.com/office/drawing/2014/main" xmlns="" val="2996999142"/>
+                    <a16:rowId xmlns:a16="http://schemas.microsoft.com/office/drawing/2014/main" val="2996999142"/>
                   </a:ext>
                 </a:extLst>
               </a:tr>
@@ -23008,7 +23099,7 @@
                 </a:tc>
                 <a:extLst>
                   <a:ext uri="{0D108BD9-81ED-4DB2-BD59-A6C34878D82A}">
-                    <a16:rowId xmlns:a16="http://schemas.microsoft.com/office/drawing/2014/main" xmlns="" val="2275222586"/>
+                    <a16:rowId xmlns:a16="http://schemas.microsoft.com/office/drawing/2014/main" val="2275222586"/>
                   </a:ext>
                 </a:extLst>
               </a:tr>
@@ -23121,7 +23212,7 @@
                 </a:tc>
                 <a:extLst>
                   <a:ext uri="{0D108BD9-81ED-4DB2-BD59-A6C34878D82A}">
-                    <a16:rowId xmlns:a16="http://schemas.microsoft.com/office/drawing/2014/main" xmlns="" val="1918467740"/>
+                    <a16:rowId xmlns:a16="http://schemas.microsoft.com/office/drawing/2014/main" val="1918467740"/>
                   </a:ext>
                 </a:extLst>
               </a:tr>
@@ -23234,7 +23325,7 @@
                 </a:tc>
                 <a:extLst>
                   <a:ext uri="{0D108BD9-81ED-4DB2-BD59-A6C34878D82A}">
-                    <a16:rowId xmlns:a16="http://schemas.microsoft.com/office/drawing/2014/main" xmlns="" val="168351104"/>
+                    <a16:rowId xmlns:a16="http://schemas.microsoft.com/office/drawing/2014/main" val="168351104"/>
                   </a:ext>
                 </a:extLst>
               </a:tr>
@@ -23367,7 +23458,7 @@
                 </a:tc>
                 <a:extLst>
                   <a:ext uri="{0D108BD9-81ED-4DB2-BD59-A6C34878D82A}">
-                    <a16:rowId xmlns:a16="http://schemas.microsoft.com/office/drawing/2014/main" xmlns="" val="1446898692"/>
+                    <a16:rowId xmlns:a16="http://schemas.microsoft.com/office/drawing/2014/main" val="1446898692"/>
                   </a:ext>
                 </a:extLst>
               </a:tr>
@@ -23492,7 +23583,7 @@
                 </a:tc>
                 <a:extLst>
                   <a:ext uri="{0D108BD9-81ED-4DB2-BD59-A6C34878D82A}">
-                    <a16:rowId xmlns:a16="http://schemas.microsoft.com/office/drawing/2014/main" xmlns="" val="2069871938"/>
+                    <a16:rowId xmlns:a16="http://schemas.microsoft.com/office/drawing/2014/main" val="2069871938"/>
                   </a:ext>
                 </a:extLst>
               </a:tr>
@@ -23505,7 +23596,7 @@
           <p:cNvPr id="34" name="직사각형 33">
             <a:extLst>
               <a:ext uri="{FF2B5EF4-FFF2-40B4-BE49-F238E27FC236}">
-                <a16:creationId xmlns:a16="http://schemas.microsoft.com/office/drawing/2014/main" xmlns="" id="{FFF506F9-840A-0508-4CAF-3AC711D8D5CE}"/>
+                <a16:creationId xmlns:a16="http://schemas.microsoft.com/office/drawing/2014/main" id="{FFF506F9-840A-0508-4CAF-3AC711D8D5CE}"/>
               </a:ext>
             </a:extLst>
           </p:cNvPr>
@@ -23557,7 +23648,7 @@
           <p:cNvPr id="35" name="그룹 1024">
             <a:extLst>
               <a:ext uri="{FF2B5EF4-FFF2-40B4-BE49-F238E27FC236}">
-                <a16:creationId xmlns:a16="http://schemas.microsoft.com/office/drawing/2014/main" xmlns="" id="{48B1F9B2-501C-80B7-7C7B-CFA80857C34A}"/>
+                <a16:creationId xmlns:a16="http://schemas.microsoft.com/office/drawing/2014/main" id="{48B1F9B2-501C-80B7-7C7B-CFA80857C34A}"/>
               </a:ext>
             </a:extLst>
           </p:cNvPr>
@@ -23577,7 +23668,7 @@
             <p:cNvPr id="36" name="Object 81">
               <a:extLst>
                 <a:ext uri="{FF2B5EF4-FFF2-40B4-BE49-F238E27FC236}">
-                  <a16:creationId xmlns:a16="http://schemas.microsoft.com/office/drawing/2014/main" xmlns="" id="{A427AC54-6F46-2451-454E-795C016377BE}"/>
+                  <a16:creationId xmlns:a16="http://schemas.microsoft.com/office/drawing/2014/main" id="{A427AC54-6F46-2451-454E-795C016377BE}"/>
                 </a:ext>
               </a:extLst>
             </p:cNvPr>
@@ -23608,7 +23699,7 @@
           <p:cNvPr id="37" name="TextBox 36">
             <a:extLst>
               <a:ext uri="{FF2B5EF4-FFF2-40B4-BE49-F238E27FC236}">
-                <a16:creationId xmlns:a16="http://schemas.microsoft.com/office/drawing/2014/main" xmlns="" id="{A827F657-20B0-7A83-02DD-3C1A851412BF}"/>
+                <a16:creationId xmlns:a16="http://schemas.microsoft.com/office/drawing/2014/main" id="{A827F657-20B0-7A83-02DD-3C1A851412BF}"/>
               </a:ext>
             </a:extLst>
           </p:cNvPr>
@@ -23656,7 +23747,7 @@
           <p:cNvPr id="38" name="직선 화살표 연결선 37">
             <a:extLst>
               <a:ext uri="{FF2B5EF4-FFF2-40B4-BE49-F238E27FC236}">
-                <a16:creationId xmlns:a16="http://schemas.microsoft.com/office/drawing/2014/main" xmlns="" id="{B773A3B5-3F30-19DC-A062-3EA5F2503987}"/>
+                <a16:creationId xmlns:a16="http://schemas.microsoft.com/office/drawing/2014/main" id="{B773A3B5-3F30-19DC-A062-3EA5F2503987}"/>
               </a:ext>
             </a:extLst>
           </p:cNvPr>
@@ -23697,7 +23788,7 @@
           <p:cNvPr id="31" name="직선 화살표 연결선 30">
             <a:extLst>
               <a:ext uri="{FF2B5EF4-FFF2-40B4-BE49-F238E27FC236}">
-                <a16:creationId xmlns:a16="http://schemas.microsoft.com/office/drawing/2014/main" xmlns="" id="{299DF5EC-9DF4-5255-06AC-0A7CE4FF58C3}"/>
+                <a16:creationId xmlns:a16="http://schemas.microsoft.com/office/drawing/2014/main" id="{299DF5EC-9DF4-5255-06AC-0A7CE4FF58C3}"/>
               </a:ext>
             </a:extLst>
           </p:cNvPr>
@@ -23738,7 +23829,7 @@
           <p:cNvPr id="32" name="TextBox 31">
             <a:extLst>
               <a:ext uri="{FF2B5EF4-FFF2-40B4-BE49-F238E27FC236}">
-                <a16:creationId xmlns:a16="http://schemas.microsoft.com/office/drawing/2014/main" xmlns="" id="{C6D113C6-EA5C-788F-0C77-E7CE6EBB865F}"/>
+                <a16:creationId xmlns:a16="http://schemas.microsoft.com/office/drawing/2014/main" id="{C6D113C6-EA5C-788F-0C77-E7CE6EBB865F}"/>
               </a:ext>
             </a:extLst>
           </p:cNvPr>
@@ -23980,7 +24071,7 @@
           <p:cNvPr id="4" name="표 2">
             <a:extLst>
               <a:ext uri="{FF2B5EF4-FFF2-40B4-BE49-F238E27FC236}">
-                <a16:creationId xmlns:a16="http://schemas.microsoft.com/office/drawing/2014/main" xmlns="" id="{809219FD-62A9-5E27-ACCD-E1227D05FBC9}"/>
+                <a16:creationId xmlns:a16="http://schemas.microsoft.com/office/drawing/2014/main" id="{809219FD-62A9-5E27-ACCD-E1227D05FBC9}"/>
               </a:ext>
             </a:extLst>
           </p:cNvPr>
@@ -24009,21 +24100,21 @@
                 <a:gridCol w="1611053">
                   <a:extLst>
                     <a:ext uri="{9D8B030D-6E8A-4147-A177-3AD203B41FA5}">
-                      <a16:colId xmlns:a16="http://schemas.microsoft.com/office/drawing/2014/main" xmlns="" val="1960770391"/>
+                      <a16:colId xmlns:a16="http://schemas.microsoft.com/office/drawing/2014/main" val="1960770391"/>
                     </a:ext>
                   </a:extLst>
                 </a:gridCol>
                 <a:gridCol w="2890174">
                   <a:extLst>
                     <a:ext uri="{9D8B030D-6E8A-4147-A177-3AD203B41FA5}">
-                      <a16:colId xmlns:a16="http://schemas.microsoft.com/office/drawing/2014/main" xmlns="" val="733308553"/>
+                      <a16:colId xmlns:a16="http://schemas.microsoft.com/office/drawing/2014/main" val="733308553"/>
                     </a:ext>
                   </a:extLst>
                 </a:gridCol>
                 <a:gridCol w="2890174">
                   <a:extLst>
                     <a:ext uri="{9D8B030D-6E8A-4147-A177-3AD203B41FA5}">
-                      <a16:colId xmlns:a16="http://schemas.microsoft.com/office/drawing/2014/main" xmlns="" val="20002"/>
+                      <a16:colId xmlns:a16="http://schemas.microsoft.com/office/drawing/2014/main" val="20002"/>
                     </a:ext>
                   </a:extLst>
                 </a:gridCol>
@@ -24205,7 +24296,7 @@
                 </a:tc>
                 <a:extLst>
                   <a:ext uri="{0D108BD9-81ED-4DB2-BD59-A6C34878D82A}">
-                    <a16:rowId xmlns:a16="http://schemas.microsoft.com/office/drawing/2014/main" xmlns="" val="2452905565"/>
+                    <a16:rowId xmlns:a16="http://schemas.microsoft.com/office/drawing/2014/main" val="2452905565"/>
                   </a:ext>
                 </a:extLst>
               </a:tr>
@@ -24405,7 +24496,7 @@
                 </a:tc>
                 <a:extLst>
                   <a:ext uri="{0D108BD9-81ED-4DB2-BD59-A6C34878D82A}">
-                    <a16:rowId xmlns:a16="http://schemas.microsoft.com/office/drawing/2014/main" xmlns="" val="3551452526"/>
+                    <a16:rowId xmlns:a16="http://schemas.microsoft.com/office/drawing/2014/main" val="3551452526"/>
                   </a:ext>
                 </a:extLst>
               </a:tr>
@@ -24627,7 +24718,7 @@
                 </a:tc>
                 <a:extLst>
                   <a:ext uri="{0D108BD9-81ED-4DB2-BD59-A6C34878D82A}">
-                    <a16:rowId xmlns:a16="http://schemas.microsoft.com/office/drawing/2014/main" xmlns="" val="2488866604"/>
+                    <a16:rowId xmlns:a16="http://schemas.microsoft.com/office/drawing/2014/main" val="2488866604"/>
                   </a:ext>
                 </a:extLst>
               </a:tr>
@@ -24833,7 +24924,7 @@
                 </a:tc>
                 <a:extLst>
                   <a:ext uri="{0D108BD9-81ED-4DB2-BD59-A6C34878D82A}">
-                    <a16:rowId xmlns:a16="http://schemas.microsoft.com/office/drawing/2014/main" xmlns="" val="2632365449"/>
+                    <a16:rowId xmlns:a16="http://schemas.microsoft.com/office/drawing/2014/main" val="2632365449"/>
                   </a:ext>
                 </a:extLst>
               </a:tr>
@@ -25017,7 +25108,7 @@
                 </a:tc>
                 <a:extLst>
                   <a:ext uri="{0D108BD9-81ED-4DB2-BD59-A6C34878D82A}">
-                    <a16:rowId xmlns:a16="http://schemas.microsoft.com/office/drawing/2014/main" xmlns="" val="10004"/>
+                    <a16:rowId xmlns:a16="http://schemas.microsoft.com/office/drawing/2014/main" val="10004"/>
                   </a:ext>
                 </a:extLst>
               </a:tr>
@@ -25030,7 +25121,7 @@
           <p:cNvPr id="5" name="TextBox 4">
             <a:extLst>
               <a:ext uri="{FF2B5EF4-FFF2-40B4-BE49-F238E27FC236}">
-                <a16:creationId xmlns:a16="http://schemas.microsoft.com/office/drawing/2014/main" xmlns="" id="{7229BEA6-121E-9056-D07F-2B3BB1795F76}"/>
+                <a16:creationId xmlns:a16="http://schemas.microsoft.com/office/drawing/2014/main" id="{7229BEA6-121E-9056-D07F-2B3BB1795F76}"/>
               </a:ext>
             </a:extLst>
           </p:cNvPr>
@@ -25102,7 +25193,7 @@
           <p:cNvPr id="2" name="직사각형 1">
             <a:extLst>
               <a:ext uri="{FF2B5EF4-FFF2-40B4-BE49-F238E27FC236}">
-                <a16:creationId xmlns:a16="http://schemas.microsoft.com/office/drawing/2014/main" xmlns="" id="{218031DD-C750-8EA0-D4DF-7E637B8ECF3A}"/>
+                <a16:creationId xmlns:a16="http://schemas.microsoft.com/office/drawing/2014/main" id="{218031DD-C750-8EA0-D4DF-7E637B8ECF3A}"/>
               </a:ext>
             </a:extLst>
           </p:cNvPr>
@@ -25154,7 +25245,7 @@
           <p:cNvPr id="3" name="직사각형 2">
             <a:extLst>
               <a:ext uri="{FF2B5EF4-FFF2-40B4-BE49-F238E27FC236}">
-                <a16:creationId xmlns:a16="http://schemas.microsoft.com/office/drawing/2014/main" xmlns="" id="{5A3B8A5E-BB61-BA78-3FE5-CF35F367A3BB}"/>
+                <a16:creationId xmlns:a16="http://schemas.microsoft.com/office/drawing/2014/main" id="{5A3B8A5E-BB61-BA78-3FE5-CF35F367A3BB}"/>
               </a:ext>
             </a:extLst>
           </p:cNvPr>
@@ -25206,7 +25297,7 @@
           <p:cNvPr id="7" name="직사각형 6">
             <a:extLst>
               <a:ext uri="{FF2B5EF4-FFF2-40B4-BE49-F238E27FC236}">
-                <a16:creationId xmlns:a16="http://schemas.microsoft.com/office/drawing/2014/main" xmlns="" id="{D0479902-7ABA-105D-B4C4-5034575EA4A6}"/>
+                <a16:creationId xmlns:a16="http://schemas.microsoft.com/office/drawing/2014/main" id="{D0479902-7ABA-105D-B4C4-5034575EA4A6}"/>
               </a:ext>
             </a:extLst>
           </p:cNvPr>
@@ -25258,7 +25349,7 @@
           <p:cNvPr id="8" name="직사각형 7">
             <a:extLst>
               <a:ext uri="{FF2B5EF4-FFF2-40B4-BE49-F238E27FC236}">
-                <a16:creationId xmlns:a16="http://schemas.microsoft.com/office/drawing/2014/main" xmlns="" id="{93AD418E-E47B-E81C-A137-7B3C43C80535}"/>
+                <a16:creationId xmlns:a16="http://schemas.microsoft.com/office/drawing/2014/main" id="{93AD418E-E47B-E81C-A137-7B3C43C80535}"/>
               </a:ext>
             </a:extLst>
           </p:cNvPr>
@@ -25340,7 +25431,7 @@
           <p:cNvPr id="4" name="TextBox 3">
             <a:extLst>
               <a:ext uri="{FF2B5EF4-FFF2-40B4-BE49-F238E27FC236}">
-                <a16:creationId xmlns:a16="http://schemas.microsoft.com/office/drawing/2014/main" xmlns="" id="{7229BEA6-121E-9056-D07F-2B3BB1795F76}"/>
+                <a16:creationId xmlns:a16="http://schemas.microsoft.com/office/drawing/2014/main" id="{7229BEA6-121E-9056-D07F-2B3BB1795F76}"/>
               </a:ext>
             </a:extLst>
           </p:cNvPr>
@@ -25393,6 +25484,13 @@
   <p:clrMapOvr>
     <a:masterClrMapping/>
   </p:clrMapOvr>
+  <p:timing>
+    <p:tnLst>
+      <p:par>
+        <p:cTn id="1" dur="indefinite" restart="never" nodeType="tmRoot"/>
+      </p:par>
+    </p:tnLst>
+  </p:timing>
 </p:sld>
 </file>
 
@@ -25418,7 +25516,7 @@
           <p:cNvPr id="4" name="TextBox 3">
             <a:extLst>
               <a:ext uri="{FF2B5EF4-FFF2-40B4-BE49-F238E27FC236}">
-                <a16:creationId xmlns:a16="http://schemas.microsoft.com/office/drawing/2014/main" xmlns="" id="{7229BEA6-121E-9056-D07F-2B3BB1795F76}"/>
+                <a16:creationId xmlns:a16="http://schemas.microsoft.com/office/drawing/2014/main" id="{7229BEA6-121E-9056-D07F-2B3BB1795F76}"/>
               </a:ext>
             </a:extLst>
           </p:cNvPr>
@@ -25466,7 +25564,7 @@
           <p:cNvPr id="5" name="표 2">
             <a:extLst>
               <a:ext uri="{FF2B5EF4-FFF2-40B4-BE49-F238E27FC236}">
-                <a16:creationId xmlns:a16="http://schemas.microsoft.com/office/drawing/2014/main" xmlns="" id="{809219FD-62A9-5E27-ACCD-E1227D05FBC9}"/>
+                <a16:creationId xmlns:a16="http://schemas.microsoft.com/office/drawing/2014/main" id="{809219FD-62A9-5E27-ACCD-E1227D05FBC9}"/>
               </a:ext>
             </a:extLst>
           </p:cNvPr>
@@ -25495,14 +25593,14 @@
                 <a:gridCol w="2890174">
                   <a:extLst>
                     <a:ext uri="{9D8B030D-6E8A-4147-A177-3AD203B41FA5}">
-                      <a16:colId xmlns:a16="http://schemas.microsoft.com/office/drawing/2014/main" xmlns="" val="733308553"/>
+                      <a16:colId xmlns:a16="http://schemas.microsoft.com/office/drawing/2014/main" val="733308553"/>
                     </a:ext>
                   </a:extLst>
                 </a:gridCol>
                 <a:gridCol w="2890174">
                   <a:extLst>
                     <a:ext uri="{9D8B030D-6E8A-4147-A177-3AD203B41FA5}">
-                      <a16:colId xmlns:a16="http://schemas.microsoft.com/office/drawing/2014/main" xmlns="" val="20001"/>
+                      <a16:colId xmlns:a16="http://schemas.microsoft.com/office/drawing/2014/main" val="20001"/>
                     </a:ext>
                   </a:extLst>
                 </a:gridCol>
@@ -25626,7 +25724,7 @@
                 </a:tc>
                 <a:extLst>
                   <a:ext uri="{0D108BD9-81ED-4DB2-BD59-A6C34878D82A}">
-                    <a16:rowId xmlns:a16="http://schemas.microsoft.com/office/drawing/2014/main" xmlns="" val="2452905565"/>
+                    <a16:rowId xmlns:a16="http://schemas.microsoft.com/office/drawing/2014/main" val="2452905565"/>
                   </a:ext>
                 </a:extLst>
               </a:tr>
@@ -25786,7 +25884,7 @@
                 </a:tc>
                 <a:extLst>
                   <a:ext uri="{0D108BD9-81ED-4DB2-BD59-A6C34878D82A}">
-                    <a16:rowId xmlns:a16="http://schemas.microsoft.com/office/drawing/2014/main" xmlns="" val="3551452526"/>
+                    <a16:rowId xmlns:a16="http://schemas.microsoft.com/office/drawing/2014/main" val="3551452526"/>
                   </a:ext>
                 </a:extLst>
               </a:tr>
@@ -25946,7 +26044,7 @@
                 </a:tc>
                 <a:extLst>
                   <a:ext uri="{0D108BD9-81ED-4DB2-BD59-A6C34878D82A}">
-                    <a16:rowId xmlns:a16="http://schemas.microsoft.com/office/drawing/2014/main" xmlns="" val="10002"/>
+                    <a16:rowId xmlns:a16="http://schemas.microsoft.com/office/drawing/2014/main" val="10002"/>
                   </a:ext>
                 </a:extLst>
               </a:tr>
@@ -26090,7 +26188,7 @@
                 </a:tc>
                 <a:extLst>
                   <a:ext uri="{0D108BD9-81ED-4DB2-BD59-A6C34878D82A}">
-                    <a16:rowId xmlns:a16="http://schemas.microsoft.com/office/drawing/2014/main" xmlns="" val="10003"/>
+                    <a16:rowId xmlns:a16="http://schemas.microsoft.com/office/drawing/2014/main" val="10003"/>
                   </a:ext>
                 </a:extLst>
               </a:tr>
@@ -26234,7 +26332,7 @@
                 </a:tc>
                 <a:extLst>
                   <a:ext uri="{0D108BD9-81ED-4DB2-BD59-A6C34878D82A}">
-                    <a16:rowId xmlns:a16="http://schemas.microsoft.com/office/drawing/2014/main" xmlns="" val="2488866604"/>
+                    <a16:rowId xmlns:a16="http://schemas.microsoft.com/office/drawing/2014/main" val="2488866604"/>
                   </a:ext>
                 </a:extLst>
               </a:tr>
@@ -26318,7 +26416,7 @@
           <p:cNvPr id="4" name="TextBox 3">
             <a:extLst>
               <a:ext uri="{FF2B5EF4-FFF2-40B4-BE49-F238E27FC236}">
-                <a16:creationId xmlns:a16="http://schemas.microsoft.com/office/drawing/2014/main" xmlns="" id="{7229BEA6-121E-9056-D07F-2B3BB1795F76}"/>
+                <a16:creationId xmlns:a16="http://schemas.microsoft.com/office/drawing/2014/main" id="{7229BEA6-121E-9056-D07F-2B3BB1795F76}"/>
               </a:ext>
             </a:extLst>
           </p:cNvPr>
@@ -26366,7 +26464,7 @@
           <p:cNvPr id="5" name="TextBox 4">
             <a:extLst>
               <a:ext uri="{FF2B5EF4-FFF2-40B4-BE49-F238E27FC236}">
-                <a16:creationId xmlns:a16="http://schemas.microsoft.com/office/drawing/2014/main" xmlns="" id="{5ADC00B6-990A-40DC-3CEA-505258F5E8DA}"/>
+                <a16:creationId xmlns:a16="http://schemas.microsoft.com/office/drawing/2014/main" id="{5ADC00B6-990A-40DC-3CEA-505258F5E8DA}"/>
               </a:ext>
             </a:extLst>
           </p:cNvPr>
@@ -26464,7 +26562,7 @@
               <p:cNvPr id="6" name="TextBox 5">
                 <a:extLst>
                   <a:ext uri="{FF2B5EF4-FFF2-40B4-BE49-F238E27FC236}">
-                    <a16:creationId xmlns:a16="http://schemas.microsoft.com/office/drawing/2014/main" xmlns="" id="{5ADC00B6-990A-40DC-3CEA-505258F5E8DA}"/>
+                    <a16:creationId xmlns:a16="http://schemas.microsoft.com/office/drawing/2014/main" id="{5ADC00B6-990A-40DC-3CEA-505258F5E8DA}"/>
                   </a:ext>
                 </a:extLst>
               </p:cNvPr>
@@ -26677,7 +26775,7 @@
           <p:cNvPr id="7" name="직선 화살표 연결선 6">
             <a:extLst>
               <a:ext uri="{FF2B5EF4-FFF2-40B4-BE49-F238E27FC236}">
-                <a16:creationId xmlns:a16="http://schemas.microsoft.com/office/drawing/2014/main" xmlns="" id="{299DF5EC-9DF4-5255-06AC-0A7CE4FF58C3}"/>
+                <a16:creationId xmlns:a16="http://schemas.microsoft.com/office/drawing/2014/main" id="{299DF5EC-9DF4-5255-06AC-0A7CE4FF58C3}"/>
               </a:ext>
             </a:extLst>
           </p:cNvPr>
@@ -26718,7 +26816,7 @@
           <p:cNvPr id="8" name="TextBox 7">
             <a:extLst>
               <a:ext uri="{FF2B5EF4-FFF2-40B4-BE49-F238E27FC236}">
-                <a16:creationId xmlns:a16="http://schemas.microsoft.com/office/drawing/2014/main" xmlns="" id="{C6D113C6-EA5C-788F-0C77-E7CE6EBB865F}"/>
+                <a16:creationId xmlns:a16="http://schemas.microsoft.com/office/drawing/2014/main" id="{C6D113C6-EA5C-788F-0C77-E7CE6EBB865F}"/>
               </a:ext>
             </a:extLst>
           </p:cNvPr>
@@ -26806,7 +26904,7 @@
           <p:cNvPr id="2" name="직사각형 1">
             <a:extLst>
               <a:ext uri="{FF2B5EF4-FFF2-40B4-BE49-F238E27FC236}">
-                <a16:creationId xmlns:a16="http://schemas.microsoft.com/office/drawing/2014/main" xmlns="" id="{54B05CCE-27DE-169F-4623-064F74065F15}"/>
+                <a16:creationId xmlns:a16="http://schemas.microsoft.com/office/drawing/2014/main" id="{54B05CCE-27DE-169F-4623-064F74065F15}"/>
               </a:ext>
             </a:extLst>
           </p:cNvPr>
@@ -27087,7 +27185,7 @@
           <p:cNvPr id="4" name="TextBox 3">
             <a:extLst>
               <a:ext uri="{FF2B5EF4-FFF2-40B4-BE49-F238E27FC236}">
-                <a16:creationId xmlns:a16="http://schemas.microsoft.com/office/drawing/2014/main" xmlns="" id="{7229BEA6-121E-9056-D07F-2B3BB1795F76}"/>
+                <a16:creationId xmlns:a16="http://schemas.microsoft.com/office/drawing/2014/main" id="{7229BEA6-121E-9056-D07F-2B3BB1795F76}"/>
               </a:ext>
             </a:extLst>
           </p:cNvPr>
@@ -27159,7 +27257,7 @@
           <p:cNvPr id="6" name="직사각형 5">
             <a:extLst>
               <a:ext uri="{FF2B5EF4-FFF2-40B4-BE49-F238E27FC236}">
-                <a16:creationId xmlns:a16="http://schemas.microsoft.com/office/drawing/2014/main" xmlns="" id="{FFF506F9-840A-0508-4CAF-3AC711D8D5CE}"/>
+                <a16:creationId xmlns:a16="http://schemas.microsoft.com/office/drawing/2014/main" id="{FFF506F9-840A-0508-4CAF-3AC711D8D5CE}"/>
               </a:ext>
             </a:extLst>
           </p:cNvPr>
@@ -27211,7 +27309,7 @@
           <p:cNvPr id="7" name="직선 화살표 연결선 6">
             <a:extLst>
               <a:ext uri="{FF2B5EF4-FFF2-40B4-BE49-F238E27FC236}">
-                <a16:creationId xmlns:a16="http://schemas.microsoft.com/office/drawing/2014/main" xmlns="" id="{299DF5EC-9DF4-5255-06AC-0A7CE4FF58C3}"/>
+                <a16:creationId xmlns:a16="http://schemas.microsoft.com/office/drawing/2014/main" id="{299DF5EC-9DF4-5255-06AC-0A7CE4FF58C3}"/>
               </a:ext>
             </a:extLst>
           </p:cNvPr>
@@ -27252,7 +27350,7 @@
           <p:cNvPr id="8" name="TextBox 7">
             <a:extLst>
               <a:ext uri="{FF2B5EF4-FFF2-40B4-BE49-F238E27FC236}">
-                <a16:creationId xmlns:a16="http://schemas.microsoft.com/office/drawing/2014/main" xmlns="" id="{C6D113C6-EA5C-788F-0C77-E7CE6EBB865F}"/>
+                <a16:creationId xmlns:a16="http://schemas.microsoft.com/office/drawing/2014/main" id="{C6D113C6-EA5C-788F-0C77-E7CE6EBB865F}"/>
               </a:ext>
             </a:extLst>
           </p:cNvPr>
@@ -27310,7 +27408,7 @@
           <p:cNvPr id="9" name="직사각형 8">
             <a:extLst>
               <a:ext uri="{FF2B5EF4-FFF2-40B4-BE49-F238E27FC236}">
-                <a16:creationId xmlns:a16="http://schemas.microsoft.com/office/drawing/2014/main" xmlns="" id="{FFF506F9-840A-0508-4CAF-3AC711D8D5CE}"/>
+                <a16:creationId xmlns:a16="http://schemas.microsoft.com/office/drawing/2014/main" id="{FFF506F9-840A-0508-4CAF-3AC711D8D5CE}"/>
               </a:ext>
             </a:extLst>
           </p:cNvPr>
@@ -27362,7 +27460,7 @@
           <p:cNvPr id="10" name="직선 화살표 연결선 9">
             <a:extLst>
               <a:ext uri="{FF2B5EF4-FFF2-40B4-BE49-F238E27FC236}">
-                <a16:creationId xmlns:a16="http://schemas.microsoft.com/office/drawing/2014/main" xmlns="" id="{299DF5EC-9DF4-5255-06AC-0A7CE4FF58C3}"/>
+                <a16:creationId xmlns:a16="http://schemas.microsoft.com/office/drawing/2014/main" id="{299DF5EC-9DF4-5255-06AC-0A7CE4FF58C3}"/>
               </a:ext>
             </a:extLst>
           </p:cNvPr>
@@ -27403,7 +27501,7 @@
           <p:cNvPr id="11" name="TextBox 10">
             <a:extLst>
               <a:ext uri="{FF2B5EF4-FFF2-40B4-BE49-F238E27FC236}">
-                <a16:creationId xmlns:a16="http://schemas.microsoft.com/office/drawing/2014/main" xmlns="" id="{C6D113C6-EA5C-788F-0C77-E7CE6EBB865F}"/>
+                <a16:creationId xmlns:a16="http://schemas.microsoft.com/office/drawing/2014/main" id="{C6D113C6-EA5C-788F-0C77-E7CE6EBB865F}"/>
               </a:ext>
             </a:extLst>
           </p:cNvPr>
@@ -27451,7 +27549,7 @@
           <p:cNvPr id="12" name="직사각형 11">
             <a:extLst>
               <a:ext uri="{FF2B5EF4-FFF2-40B4-BE49-F238E27FC236}">
-                <a16:creationId xmlns:a16="http://schemas.microsoft.com/office/drawing/2014/main" xmlns="" id="{FFF506F9-840A-0508-4CAF-3AC711D8D5CE}"/>
+                <a16:creationId xmlns:a16="http://schemas.microsoft.com/office/drawing/2014/main" id="{FFF506F9-840A-0508-4CAF-3AC711D8D5CE}"/>
               </a:ext>
             </a:extLst>
           </p:cNvPr>
@@ -27503,7 +27601,7 @@
           <p:cNvPr id="13" name="직선 화살표 연결선 12">
             <a:extLst>
               <a:ext uri="{FF2B5EF4-FFF2-40B4-BE49-F238E27FC236}">
-                <a16:creationId xmlns:a16="http://schemas.microsoft.com/office/drawing/2014/main" xmlns="" id="{299DF5EC-9DF4-5255-06AC-0A7CE4FF58C3}"/>
+                <a16:creationId xmlns:a16="http://schemas.microsoft.com/office/drawing/2014/main" id="{299DF5EC-9DF4-5255-06AC-0A7CE4FF58C3}"/>
               </a:ext>
             </a:extLst>
           </p:cNvPr>
@@ -27544,7 +27642,7 @@
           <p:cNvPr id="14" name="TextBox 13">
             <a:extLst>
               <a:ext uri="{FF2B5EF4-FFF2-40B4-BE49-F238E27FC236}">
-                <a16:creationId xmlns:a16="http://schemas.microsoft.com/office/drawing/2014/main" xmlns="" id="{C6D113C6-EA5C-788F-0C77-E7CE6EBB865F}"/>
+                <a16:creationId xmlns:a16="http://schemas.microsoft.com/office/drawing/2014/main" id="{C6D113C6-EA5C-788F-0C77-E7CE6EBB865F}"/>
               </a:ext>
             </a:extLst>
           </p:cNvPr>
@@ -27592,7 +27690,7 @@
           <p:cNvPr id="15" name="TextBox 14">
             <a:extLst>
               <a:ext uri="{FF2B5EF4-FFF2-40B4-BE49-F238E27FC236}">
-                <a16:creationId xmlns:a16="http://schemas.microsoft.com/office/drawing/2014/main" xmlns="" id="{5ADC00B6-990A-40DC-3CEA-505258F5E8DA}"/>
+                <a16:creationId xmlns:a16="http://schemas.microsoft.com/office/drawing/2014/main" id="{5ADC00B6-990A-40DC-3CEA-505258F5E8DA}"/>
               </a:ext>
             </a:extLst>
           </p:cNvPr>
@@ -27768,7 +27866,7 @@
           <p:cNvPr id="5" name="TextBox 4">
             <a:extLst>
               <a:ext uri="{FF2B5EF4-FFF2-40B4-BE49-F238E27FC236}">
-                <a16:creationId xmlns:a16="http://schemas.microsoft.com/office/drawing/2014/main" xmlns="" id="{7229BEA6-121E-9056-D07F-2B3BB1795F76}"/>
+                <a16:creationId xmlns:a16="http://schemas.microsoft.com/office/drawing/2014/main" id="{7229BEA6-121E-9056-D07F-2B3BB1795F76}"/>
               </a:ext>
             </a:extLst>
           </p:cNvPr>
@@ -27826,7 +27924,7 @@
           <p:cNvPr id="6" name="TextBox 5">
             <a:extLst>
               <a:ext uri="{FF2B5EF4-FFF2-40B4-BE49-F238E27FC236}">
-                <a16:creationId xmlns:a16="http://schemas.microsoft.com/office/drawing/2014/main" xmlns="" id="{5ADC00B6-990A-40DC-3CEA-505258F5E8DA}"/>
+                <a16:creationId xmlns:a16="http://schemas.microsoft.com/office/drawing/2014/main" id="{5ADC00B6-990A-40DC-3CEA-505258F5E8DA}"/>
               </a:ext>
             </a:extLst>
           </p:cNvPr>
@@ -27971,7 +28069,7 @@
           <p:cNvPr id="5" name="TextBox 4">
             <a:extLst>
               <a:ext uri="{FF2B5EF4-FFF2-40B4-BE49-F238E27FC236}">
-                <a16:creationId xmlns:a16="http://schemas.microsoft.com/office/drawing/2014/main" xmlns="" id="{7229BEA6-121E-9056-D07F-2B3BB1795F76}"/>
+                <a16:creationId xmlns:a16="http://schemas.microsoft.com/office/drawing/2014/main" id="{7229BEA6-121E-9056-D07F-2B3BB1795F76}"/>
               </a:ext>
             </a:extLst>
           </p:cNvPr>
@@ -28059,7 +28157,7 @@
           <p:cNvPr id="5" name="TextBox 4">
             <a:extLst>
               <a:ext uri="{FF2B5EF4-FFF2-40B4-BE49-F238E27FC236}">
-                <a16:creationId xmlns:a16="http://schemas.microsoft.com/office/drawing/2014/main" xmlns="" id="{7229BEA6-121E-9056-D07F-2B3BB1795F76}"/>
+                <a16:creationId xmlns:a16="http://schemas.microsoft.com/office/drawing/2014/main" id="{7229BEA6-121E-9056-D07F-2B3BB1795F76}"/>
               </a:ext>
             </a:extLst>
           </p:cNvPr>
@@ -28137,7 +28235,7 @@
           <p:cNvPr id="6" name="TextBox 5">
             <a:extLst>
               <a:ext uri="{FF2B5EF4-FFF2-40B4-BE49-F238E27FC236}">
-                <a16:creationId xmlns:a16="http://schemas.microsoft.com/office/drawing/2014/main" xmlns="" id="{5ADC00B6-990A-40DC-3CEA-505258F5E8DA}"/>
+                <a16:creationId xmlns:a16="http://schemas.microsoft.com/office/drawing/2014/main" id="{5ADC00B6-990A-40DC-3CEA-505258F5E8DA}"/>
               </a:ext>
             </a:extLst>
           </p:cNvPr>
@@ -28191,7 +28289,7 @@
           <p:cNvPr id="7" name="그룹 1018">
             <a:extLst>
               <a:ext uri="{FF2B5EF4-FFF2-40B4-BE49-F238E27FC236}">
-                <a16:creationId xmlns:a16="http://schemas.microsoft.com/office/drawing/2014/main" xmlns="" id="{BE4AAF13-A11B-7E60-33C1-D156A6926154}"/>
+                <a16:creationId xmlns:a16="http://schemas.microsoft.com/office/drawing/2014/main" id="{BE4AAF13-A11B-7E60-33C1-D156A6926154}"/>
               </a:ext>
             </a:extLst>
           </p:cNvPr>
@@ -28211,7 +28309,7 @@
             <p:cNvPr id="8" name="Object 61">
               <a:extLst>
                 <a:ext uri="{FF2B5EF4-FFF2-40B4-BE49-F238E27FC236}">
-                  <a16:creationId xmlns:a16="http://schemas.microsoft.com/office/drawing/2014/main" xmlns="" id="{125B2204-5CAB-AF42-4145-B61B7DFFDB21}"/>
+                  <a16:creationId xmlns:a16="http://schemas.microsoft.com/office/drawing/2014/main" id="{125B2204-5CAB-AF42-4145-B61B7DFFDB21}"/>
                 </a:ext>
               </a:extLst>
             </p:cNvPr>
@@ -28242,7 +28340,7 @@
           <p:cNvPr id="9" name="그룹 1021">
             <a:extLst>
               <a:ext uri="{FF2B5EF4-FFF2-40B4-BE49-F238E27FC236}">
-                <a16:creationId xmlns:a16="http://schemas.microsoft.com/office/drawing/2014/main" xmlns="" id="{DAE466EB-8914-A47B-444E-4C193B0D877A}"/>
+                <a16:creationId xmlns:a16="http://schemas.microsoft.com/office/drawing/2014/main" id="{DAE466EB-8914-A47B-444E-4C193B0D877A}"/>
               </a:ext>
             </a:extLst>
           </p:cNvPr>
@@ -28262,7 +28360,7 @@
             <p:cNvPr id="10" name="Object 71">
               <a:extLst>
                 <a:ext uri="{FF2B5EF4-FFF2-40B4-BE49-F238E27FC236}">
-                  <a16:creationId xmlns:a16="http://schemas.microsoft.com/office/drawing/2014/main" xmlns="" id="{44802802-8C0A-9B02-4940-D16EEB7C206A}"/>
+                  <a16:creationId xmlns:a16="http://schemas.microsoft.com/office/drawing/2014/main" id="{44802802-8C0A-9B02-4940-D16EEB7C206A}"/>
                 </a:ext>
               </a:extLst>
             </p:cNvPr>
@@ -28293,7 +28391,7 @@
           <p:cNvPr id="11" name="TextBox 10">
             <a:extLst>
               <a:ext uri="{FF2B5EF4-FFF2-40B4-BE49-F238E27FC236}">
-                <a16:creationId xmlns:a16="http://schemas.microsoft.com/office/drawing/2014/main" xmlns="" id="{4EDAA912-8FA0-0F11-119B-EA9F8B36A489}"/>
+                <a16:creationId xmlns:a16="http://schemas.microsoft.com/office/drawing/2014/main" id="{4EDAA912-8FA0-0F11-119B-EA9F8B36A489}"/>
               </a:ext>
             </a:extLst>
           </p:cNvPr>
@@ -28341,7 +28439,7 @@
           <p:cNvPr id="12" name="TextBox 11">
             <a:extLst>
               <a:ext uri="{FF2B5EF4-FFF2-40B4-BE49-F238E27FC236}">
-                <a16:creationId xmlns:a16="http://schemas.microsoft.com/office/drawing/2014/main" xmlns="" id="{50E9E326-9165-4EB7-F036-2D0C3593471A}"/>
+                <a16:creationId xmlns:a16="http://schemas.microsoft.com/office/drawing/2014/main" id="{50E9E326-9165-4EB7-F036-2D0C3593471A}"/>
               </a:ext>
             </a:extLst>
           </p:cNvPr>
@@ -28389,7 +28487,7 @@
           <p:cNvPr id="13" name="직선 화살표 연결선 12">
             <a:extLst>
               <a:ext uri="{FF2B5EF4-FFF2-40B4-BE49-F238E27FC236}">
-                <a16:creationId xmlns:a16="http://schemas.microsoft.com/office/drawing/2014/main" xmlns="" id="{6C0677B1-2150-0DB1-2BB2-EE13A87409E9}"/>
+                <a16:creationId xmlns:a16="http://schemas.microsoft.com/office/drawing/2014/main" id="{6C0677B1-2150-0DB1-2BB2-EE13A87409E9}"/>
               </a:ext>
             </a:extLst>
           </p:cNvPr>
@@ -28430,7 +28528,7 @@
           <p:cNvPr id="14" name="직선 화살표 연결선 13">
             <a:extLst>
               <a:ext uri="{FF2B5EF4-FFF2-40B4-BE49-F238E27FC236}">
-                <a16:creationId xmlns:a16="http://schemas.microsoft.com/office/drawing/2014/main" xmlns="" id="{B773A3B5-3F30-19DC-A062-3EA5F2503987}"/>
+                <a16:creationId xmlns:a16="http://schemas.microsoft.com/office/drawing/2014/main" id="{B773A3B5-3F30-19DC-A062-3EA5F2503987}"/>
               </a:ext>
             </a:extLst>
           </p:cNvPr>
@@ -28472,7 +28570,7 @@
           <p:cNvPr id="15" name="그룹 1024">
             <a:extLst>
               <a:ext uri="{FF2B5EF4-FFF2-40B4-BE49-F238E27FC236}">
-                <a16:creationId xmlns:a16="http://schemas.microsoft.com/office/drawing/2014/main" xmlns="" id="{48B1F9B2-501C-80B7-7C7B-CFA80857C34A}"/>
+                <a16:creationId xmlns:a16="http://schemas.microsoft.com/office/drawing/2014/main" id="{48B1F9B2-501C-80B7-7C7B-CFA80857C34A}"/>
               </a:ext>
             </a:extLst>
           </p:cNvPr>
@@ -28492,7 +28590,7 @@
             <p:cNvPr id="16" name="Object 81">
               <a:extLst>
                 <a:ext uri="{FF2B5EF4-FFF2-40B4-BE49-F238E27FC236}">
-                  <a16:creationId xmlns:a16="http://schemas.microsoft.com/office/drawing/2014/main" xmlns="" id="{A427AC54-6F46-2451-454E-795C016377BE}"/>
+                  <a16:creationId xmlns:a16="http://schemas.microsoft.com/office/drawing/2014/main" id="{A427AC54-6F46-2451-454E-795C016377BE}"/>
                 </a:ext>
               </a:extLst>
             </p:cNvPr>
@@ -28523,7 +28621,7 @@
           <p:cNvPr id="17" name="TextBox 16">
             <a:extLst>
               <a:ext uri="{FF2B5EF4-FFF2-40B4-BE49-F238E27FC236}">
-                <a16:creationId xmlns:a16="http://schemas.microsoft.com/office/drawing/2014/main" xmlns="" id="{A827F657-20B0-7A83-02DD-3C1A851412BF}"/>
+                <a16:creationId xmlns:a16="http://schemas.microsoft.com/office/drawing/2014/main" id="{A827F657-20B0-7A83-02DD-3C1A851412BF}"/>
               </a:ext>
             </a:extLst>
           </p:cNvPr>
@@ -28601,7 +28699,7 @@
           <p:cNvPr id="5" name="TextBox 4">
             <a:extLst>
               <a:ext uri="{FF2B5EF4-FFF2-40B4-BE49-F238E27FC236}">
-                <a16:creationId xmlns:a16="http://schemas.microsoft.com/office/drawing/2014/main" xmlns="" id="{7229BEA6-121E-9056-D07F-2B3BB1795F76}"/>
+                <a16:creationId xmlns:a16="http://schemas.microsoft.com/office/drawing/2014/main" id="{7229BEA6-121E-9056-D07F-2B3BB1795F76}"/>
               </a:ext>
             </a:extLst>
           </p:cNvPr>
@@ -28673,7 +28771,7 @@
           <p:cNvPr id="7" name="직사각형 6">
             <a:extLst>
               <a:ext uri="{FF2B5EF4-FFF2-40B4-BE49-F238E27FC236}">
-                <a16:creationId xmlns:a16="http://schemas.microsoft.com/office/drawing/2014/main" xmlns="" id="{FFF506F9-840A-0508-4CAF-3AC711D8D5CE}"/>
+                <a16:creationId xmlns:a16="http://schemas.microsoft.com/office/drawing/2014/main" id="{FFF506F9-840A-0508-4CAF-3AC711D8D5CE}"/>
               </a:ext>
             </a:extLst>
           </p:cNvPr>
@@ -28755,7 +28853,7 @@
           <p:cNvPr id="4" name="TextBox 3">
             <a:extLst>
               <a:ext uri="{FF2B5EF4-FFF2-40B4-BE49-F238E27FC236}">
-                <a16:creationId xmlns:a16="http://schemas.microsoft.com/office/drawing/2014/main" xmlns="" id="{7229BEA6-121E-9056-D07F-2B3BB1795F76}"/>
+                <a16:creationId xmlns:a16="http://schemas.microsoft.com/office/drawing/2014/main" id="{7229BEA6-121E-9056-D07F-2B3BB1795F76}"/>
               </a:ext>
             </a:extLst>
           </p:cNvPr>
@@ -28837,7 +28935,7 @@
           <p:cNvPr id="6" name="TextBox 5">
             <a:extLst>
               <a:ext uri="{FF2B5EF4-FFF2-40B4-BE49-F238E27FC236}">
-                <a16:creationId xmlns:a16="http://schemas.microsoft.com/office/drawing/2014/main" xmlns="" id="{5ADC00B6-990A-40DC-3CEA-505258F5E8DA}"/>
+                <a16:creationId xmlns:a16="http://schemas.microsoft.com/office/drawing/2014/main" id="{5ADC00B6-990A-40DC-3CEA-505258F5E8DA}"/>
               </a:ext>
             </a:extLst>
           </p:cNvPr>
@@ -28983,7 +29081,7 @@
           <p:cNvPr id="4" name="TextBox 3">
             <a:extLst>
               <a:ext uri="{FF2B5EF4-FFF2-40B4-BE49-F238E27FC236}">
-                <a16:creationId xmlns:a16="http://schemas.microsoft.com/office/drawing/2014/main" xmlns="" id="{7229BEA6-121E-9056-D07F-2B3BB1795F76}"/>
+                <a16:creationId xmlns:a16="http://schemas.microsoft.com/office/drawing/2014/main" id="{7229BEA6-121E-9056-D07F-2B3BB1795F76}"/>
               </a:ext>
             </a:extLst>
           </p:cNvPr>
@@ -29031,7 +29129,7 @@
           <p:cNvPr id="6" name="TextBox 5">
             <a:extLst>
               <a:ext uri="{FF2B5EF4-FFF2-40B4-BE49-F238E27FC236}">
-                <a16:creationId xmlns:a16="http://schemas.microsoft.com/office/drawing/2014/main" xmlns="" id="{7229BEA6-121E-9056-D07F-2B3BB1795F76}"/>
+                <a16:creationId xmlns:a16="http://schemas.microsoft.com/office/drawing/2014/main" id="{7229BEA6-121E-9056-D07F-2B3BB1795F76}"/>
               </a:ext>
             </a:extLst>
           </p:cNvPr>
@@ -29271,7 +29369,7 @@
           <p:cNvPr id="11" name="직사각형 10">
             <a:extLst>
               <a:ext uri="{FF2B5EF4-FFF2-40B4-BE49-F238E27FC236}">
-                <a16:creationId xmlns:a16="http://schemas.microsoft.com/office/drawing/2014/main" xmlns="" id="{FFF506F9-840A-0508-4CAF-3AC711D8D5CE}"/>
+                <a16:creationId xmlns:a16="http://schemas.microsoft.com/office/drawing/2014/main" id="{FFF506F9-840A-0508-4CAF-3AC711D8D5CE}"/>
               </a:ext>
             </a:extLst>
           </p:cNvPr>
@@ -29323,7 +29421,7 @@
           <p:cNvPr id="12" name="직선 화살표 연결선 11">
             <a:extLst>
               <a:ext uri="{FF2B5EF4-FFF2-40B4-BE49-F238E27FC236}">
-                <a16:creationId xmlns:a16="http://schemas.microsoft.com/office/drawing/2014/main" xmlns="" id="{299DF5EC-9DF4-5255-06AC-0A7CE4FF58C3}"/>
+                <a16:creationId xmlns:a16="http://schemas.microsoft.com/office/drawing/2014/main" id="{299DF5EC-9DF4-5255-06AC-0A7CE4FF58C3}"/>
               </a:ext>
             </a:extLst>
           </p:cNvPr>
@@ -29364,7 +29462,7 @@
           <p:cNvPr id="13" name="TextBox 12">
             <a:extLst>
               <a:ext uri="{FF2B5EF4-FFF2-40B4-BE49-F238E27FC236}">
-                <a16:creationId xmlns:a16="http://schemas.microsoft.com/office/drawing/2014/main" xmlns="" id="{C6D113C6-EA5C-788F-0C77-E7CE6EBB865F}"/>
+                <a16:creationId xmlns:a16="http://schemas.microsoft.com/office/drawing/2014/main" id="{C6D113C6-EA5C-788F-0C77-E7CE6EBB865F}"/>
               </a:ext>
             </a:extLst>
           </p:cNvPr>
@@ -29442,7 +29540,7 @@
           <p:cNvPr id="14" name="TextBox 13">
             <a:extLst>
               <a:ext uri="{FF2B5EF4-FFF2-40B4-BE49-F238E27FC236}">
-                <a16:creationId xmlns:a16="http://schemas.microsoft.com/office/drawing/2014/main" xmlns="" id="{7229BEA6-121E-9056-D07F-2B3BB1795F76}"/>
+                <a16:creationId xmlns:a16="http://schemas.microsoft.com/office/drawing/2014/main" id="{7229BEA6-121E-9056-D07F-2B3BB1795F76}"/>
               </a:ext>
             </a:extLst>
           </p:cNvPr>
@@ -29547,7 +29645,7 @@
           <p:cNvPr id="1026" name="Picture 2" descr="JAVA] 클래스">
             <a:extLst>
               <a:ext uri="{FF2B5EF4-FFF2-40B4-BE49-F238E27FC236}">
-                <a16:creationId xmlns:a16="http://schemas.microsoft.com/office/drawing/2014/main" xmlns="" id="{C98504CF-E130-400B-2AB2-CDC3D3F85586}"/>
+                <a16:creationId xmlns:a16="http://schemas.microsoft.com/office/drawing/2014/main" id="{C98504CF-E130-400B-2AB2-CDC3D3F85586}"/>
               </a:ext>
             </a:extLst>
           </p:cNvPr>
@@ -29594,7 +29692,7 @@
           <p:cNvPr id="43" name="그룹 1019">
             <a:extLst>
               <a:ext uri="{FF2B5EF4-FFF2-40B4-BE49-F238E27FC236}">
-                <a16:creationId xmlns:a16="http://schemas.microsoft.com/office/drawing/2014/main" xmlns="" id="{BE153265-6A9F-E799-B03C-DE8B7B48963A}"/>
+                <a16:creationId xmlns:a16="http://schemas.microsoft.com/office/drawing/2014/main" id="{BE153265-6A9F-E799-B03C-DE8B7B48963A}"/>
               </a:ext>
             </a:extLst>
           </p:cNvPr>
@@ -29614,7 +29712,7 @@
             <p:cNvPr id="44" name="Object 61">
               <a:extLst>
                 <a:ext uri="{FF2B5EF4-FFF2-40B4-BE49-F238E27FC236}">
-                  <a16:creationId xmlns:a16="http://schemas.microsoft.com/office/drawing/2014/main" xmlns="" id="{BFFD0001-40B5-D488-4D8D-923880BBC6A4}"/>
+                  <a16:creationId xmlns:a16="http://schemas.microsoft.com/office/drawing/2014/main" id="{BFFD0001-40B5-D488-4D8D-923880BBC6A4}"/>
                 </a:ext>
               </a:extLst>
             </p:cNvPr>
@@ -29645,7 +29743,7 @@
           <p:cNvPr id="51" name="그룹 1023">
             <a:extLst>
               <a:ext uri="{FF2B5EF4-FFF2-40B4-BE49-F238E27FC236}">
-                <a16:creationId xmlns:a16="http://schemas.microsoft.com/office/drawing/2014/main" xmlns="" id="{97F4CE17-A0DE-52A7-4FB3-3E2ECBDD3AA2}"/>
+                <a16:creationId xmlns:a16="http://schemas.microsoft.com/office/drawing/2014/main" id="{97F4CE17-A0DE-52A7-4FB3-3E2ECBDD3AA2}"/>
               </a:ext>
             </a:extLst>
           </p:cNvPr>
@@ -29665,7 +29763,7 @@
             <p:cNvPr id="52" name="Object 73">
               <a:extLst>
                 <a:ext uri="{FF2B5EF4-FFF2-40B4-BE49-F238E27FC236}">
-                  <a16:creationId xmlns:a16="http://schemas.microsoft.com/office/drawing/2014/main" xmlns="" id="{75D4274C-546B-A0F1-77E9-1B14FAD45428}"/>
+                  <a16:creationId xmlns:a16="http://schemas.microsoft.com/office/drawing/2014/main" id="{75D4274C-546B-A0F1-77E9-1B14FAD45428}"/>
                 </a:ext>
               </a:extLst>
             </p:cNvPr>
@@ -29696,7 +29794,7 @@
           <p:cNvPr id="55" name="그룹 1025">
             <a:extLst>
               <a:ext uri="{FF2B5EF4-FFF2-40B4-BE49-F238E27FC236}">
-                <a16:creationId xmlns:a16="http://schemas.microsoft.com/office/drawing/2014/main" xmlns="" id="{9E19FF57-9A08-CED5-87AD-18A65C6B842C}"/>
+                <a16:creationId xmlns:a16="http://schemas.microsoft.com/office/drawing/2014/main" id="{9E19FF57-9A08-CED5-87AD-18A65C6B842C}"/>
               </a:ext>
             </a:extLst>
           </p:cNvPr>
@@ -29716,7 +29814,7 @@
             <p:cNvPr id="56" name="Object 79">
               <a:extLst>
                 <a:ext uri="{FF2B5EF4-FFF2-40B4-BE49-F238E27FC236}">
-                  <a16:creationId xmlns:a16="http://schemas.microsoft.com/office/drawing/2014/main" xmlns="" id="{E25B6956-9214-92AD-E3BE-76BD8004A290}"/>
+                  <a16:creationId xmlns:a16="http://schemas.microsoft.com/office/drawing/2014/main" id="{E25B6956-9214-92AD-E3BE-76BD8004A290}"/>
                 </a:ext>
               </a:extLst>
             </p:cNvPr>
@@ -29747,7 +29845,7 @@
           <p:cNvPr id="1035" name="그룹 1033">
             <a:extLst>
               <a:ext uri="{FF2B5EF4-FFF2-40B4-BE49-F238E27FC236}">
-                <a16:creationId xmlns:a16="http://schemas.microsoft.com/office/drawing/2014/main" xmlns="" id="{D73E3025-F115-E55E-EF23-4D6797E7FB36}"/>
+                <a16:creationId xmlns:a16="http://schemas.microsoft.com/office/drawing/2014/main" id="{D73E3025-F115-E55E-EF23-4D6797E7FB36}"/>
               </a:ext>
             </a:extLst>
           </p:cNvPr>
@@ -29767,7 +29865,7 @@
             <p:cNvPr id="1036" name="Object 106">
               <a:extLst>
                 <a:ext uri="{FF2B5EF4-FFF2-40B4-BE49-F238E27FC236}">
-                  <a16:creationId xmlns:a16="http://schemas.microsoft.com/office/drawing/2014/main" xmlns="" id="{8520A7AC-F815-28A4-BBEF-DE7D5864E765}"/>
+                  <a16:creationId xmlns:a16="http://schemas.microsoft.com/office/drawing/2014/main" id="{8520A7AC-F815-28A4-BBEF-DE7D5864E765}"/>
                 </a:ext>
               </a:extLst>
             </p:cNvPr>
@@ -29797,7 +29895,7 @@
             <p:cNvPr id="1037" name="Object 107">
               <a:extLst>
                 <a:ext uri="{FF2B5EF4-FFF2-40B4-BE49-F238E27FC236}">
-                  <a16:creationId xmlns:a16="http://schemas.microsoft.com/office/drawing/2014/main" xmlns="" id="{C851393C-134A-FA66-1D11-2E2CCD59942B}"/>
+                  <a16:creationId xmlns:a16="http://schemas.microsoft.com/office/drawing/2014/main" id="{C851393C-134A-FA66-1D11-2E2CCD59942B}"/>
                 </a:ext>
               </a:extLst>
             </p:cNvPr>
@@ -29828,7 +29926,7 @@
           <p:cNvPr id="1038" name="그룹 1034">
             <a:extLst>
               <a:ext uri="{FF2B5EF4-FFF2-40B4-BE49-F238E27FC236}">
-                <a16:creationId xmlns:a16="http://schemas.microsoft.com/office/drawing/2014/main" xmlns="" id="{67E1244D-9E54-082C-A2CE-3B504AD8CEF0}"/>
+                <a16:creationId xmlns:a16="http://schemas.microsoft.com/office/drawing/2014/main" id="{67E1244D-9E54-082C-A2CE-3B504AD8CEF0}"/>
               </a:ext>
             </a:extLst>
           </p:cNvPr>
@@ -29848,7 +29946,7 @@
             <p:cNvPr id="1039" name="Object 110">
               <a:extLst>
                 <a:ext uri="{FF2B5EF4-FFF2-40B4-BE49-F238E27FC236}">
-                  <a16:creationId xmlns:a16="http://schemas.microsoft.com/office/drawing/2014/main" xmlns="" id="{39916F35-38F4-36A0-54AB-00C44489D473}"/>
+                  <a16:creationId xmlns:a16="http://schemas.microsoft.com/office/drawing/2014/main" id="{39916F35-38F4-36A0-54AB-00C44489D473}"/>
                 </a:ext>
               </a:extLst>
             </p:cNvPr>
@@ -29879,7 +29977,7 @@
           <p:cNvPr id="1042" name="Picture 8" descr="파이썬(Python)] list.index() 란? (numpy.where() 포함) : 네이버 블로그">
             <a:extLst>
               <a:ext uri="{FF2B5EF4-FFF2-40B4-BE49-F238E27FC236}">
-                <a16:creationId xmlns:a16="http://schemas.microsoft.com/office/drawing/2014/main" xmlns="" id="{AEF8CB8F-7296-BB55-F1DA-9F2148886EEB}"/>
+                <a16:creationId xmlns:a16="http://schemas.microsoft.com/office/drawing/2014/main" id="{AEF8CB8F-7296-BB55-F1DA-9F2148886EEB}"/>
               </a:ext>
             </a:extLst>
           </p:cNvPr>
@@ -29926,7 +30024,7 @@
           <p:cNvPr id="1043" name="TextBox 1042">
             <a:extLst>
               <a:ext uri="{FF2B5EF4-FFF2-40B4-BE49-F238E27FC236}">
-                <a16:creationId xmlns:a16="http://schemas.microsoft.com/office/drawing/2014/main" xmlns="" id="{27B64C9D-E65D-96F4-B34A-A3CB8B8780C5}"/>
+                <a16:creationId xmlns:a16="http://schemas.microsoft.com/office/drawing/2014/main" id="{27B64C9D-E65D-96F4-B34A-A3CB8B8780C5}"/>
               </a:ext>
             </a:extLst>
           </p:cNvPr>
@@ -29980,7 +30078,7 @@
           <p:cNvPr id="1044" name="TextBox 1043">
             <a:extLst>
               <a:ext uri="{FF2B5EF4-FFF2-40B4-BE49-F238E27FC236}">
-                <a16:creationId xmlns:a16="http://schemas.microsoft.com/office/drawing/2014/main" xmlns="" id="{C4599B3E-CC08-57FF-08E5-A3FBEA865095}"/>
+                <a16:creationId xmlns:a16="http://schemas.microsoft.com/office/drawing/2014/main" id="{C4599B3E-CC08-57FF-08E5-A3FBEA865095}"/>
               </a:ext>
             </a:extLst>
           </p:cNvPr>
@@ -30034,7 +30132,7 @@
           <p:cNvPr id="1045" name="TextBox 1044">
             <a:extLst>
               <a:ext uri="{FF2B5EF4-FFF2-40B4-BE49-F238E27FC236}">
-                <a16:creationId xmlns:a16="http://schemas.microsoft.com/office/drawing/2014/main" xmlns="" id="{7A3057D0-D484-808B-CC5E-1410F7218D4D}"/>
+                <a16:creationId xmlns:a16="http://schemas.microsoft.com/office/drawing/2014/main" id="{7A3057D0-D484-808B-CC5E-1410F7218D4D}"/>
               </a:ext>
             </a:extLst>
           </p:cNvPr>
@@ -30082,7 +30180,7 @@
           <p:cNvPr id="1046" name="TextBox 1045">
             <a:extLst>
               <a:ext uri="{FF2B5EF4-FFF2-40B4-BE49-F238E27FC236}">
-                <a16:creationId xmlns:a16="http://schemas.microsoft.com/office/drawing/2014/main" xmlns="" id="{91B5D623-8251-9879-E6BD-280C865D97B2}"/>
+                <a16:creationId xmlns:a16="http://schemas.microsoft.com/office/drawing/2014/main" id="{91B5D623-8251-9879-E6BD-280C865D97B2}"/>
               </a:ext>
             </a:extLst>
           </p:cNvPr>
@@ -30130,7 +30228,7 @@
           <p:cNvPr id="1047" name="TextBox 1046">
             <a:extLst>
               <a:ext uri="{FF2B5EF4-FFF2-40B4-BE49-F238E27FC236}">
-                <a16:creationId xmlns:a16="http://schemas.microsoft.com/office/drawing/2014/main" xmlns="" id="{FBF4B2FE-7788-29F2-717D-1FDCBCCFE7C4}"/>
+                <a16:creationId xmlns:a16="http://schemas.microsoft.com/office/drawing/2014/main" id="{FBF4B2FE-7788-29F2-717D-1FDCBCCFE7C4}"/>
               </a:ext>
             </a:extLst>
           </p:cNvPr>
@@ -30178,7 +30276,7 @@
           <p:cNvPr id="1048" name="TextBox 1047">
             <a:extLst>
               <a:ext uri="{FF2B5EF4-FFF2-40B4-BE49-F238E27FC236}">
-                <a16:creationId xmlns:a16="http://schemas.microsoft.com/office/drawing/2014/main" xmlns="" id="{E832C0FB-BB90-DEFF-CCF0-4536A06CE6C0}"/>
+                <a16:creationId xmlns:a16="http://schemas.microsoft.com/office/drawing/2014/main" id="{E832C0FB-BB90-DEFF-CCF0-4536A06CE6C0}"/>
               </a:ext>
             </a:extLst>
           </p:cNvPr>
@@ -30232,7 +30330,7 @@
           <p:cNvPr id="1049" name="TextBox 1048">
             <a:extLst>
               <a:ext uri="{FF2B5EF4-FFF2-40B4-BE49-F238E27FC236}">
-                <a16:creationId xmlns:a16="http://schemas.microsoft.com/office/drawing/2014/main" xmlns="" id="{593E617E-FB1F-51C8-8A73-13A7548F0A0E}"/>
+                <a16:creationId xmlns:a16="http://schemas.microsoft.com/office/drawing/2014/main" id="{593E617E-FB1F-51C8-8A73-13A7548F0A0E}"/>
               </a:ext>
             </a:extLst>
           </p:cNvPr>
@@ -30286,7 +30384,7 @@
           <p:cNvPr id="1050" name="TextBox 1049">
             <a:extLst>
               <a:ext uri="{FF2B5EF4-FFF2-40B4-BE49-F238E27FC236}">
-                <a16:creationId xmlns:a16="http://schemas.microsoft.com/office/drawing/2014/main" xmlns="" id="{5186B090-78BE-5F53-49F6-B41D706C210C}"/>
+                <a16:creationId xmlns:a16="http://schemas.microsoft.com/office/drawing/2014/main" id="{5186B090-78BE-5F53-49F6-B41D706C210C}"/>
               </a:ext>
             </a:extLst>
           </p:cNvPr>
@@ -30334,7 +30432,7 @@
           <p:cNvPr id="1051" name="TextBox 1050">
             <a:extLst>
               <a:ext uri="{FF2B5EF4-FFF2-40B4-BE49-F238E27FC236}">
-                <a16:creationId xmlns:a16="http://schemas.microsoft.com/office/drawing/2014/main" xmlns="" id="{4AD5A51B-11C4-F9B4-D184-DB43D71FCCBA}"/>
+                <a16:creationId xmlns:a16="http://schemas.microsoft.com/office/drawing/2014/main" id="{4AD5A51B-11C4-F9B4-D184-DB43D71FCCBA}"/>
               </a:ext>
             </a:extLst>
           </p:cNvPr>
@@ -30427,7 +30525,7 @@
           <p:cNvPr id="1052" name="TextBox 1051">
             <a:extLst>
               <a:ext uri="{FF2B5EF4-FFF2-40B4-BE49-F238E27FC236}">
-                <a16:creationId xmlns:a16="http://schemas.microsoft.com/office/drawing/2014/main" xmlns="" id="{68134F56-0A3C-8844-7041-3297CCA224F2}"/>
+                <a16:creationId xmlns:a16="http://schemas.microsoft.com/office/drawing/2014/main" id="{68134F56-0A3C-8844-7041-3297CCA224F2}"/>
               </a:ext>
             </a:extLst>
           </p:cNvPr>
@@ -30533,7 +30631,7 @@
           <p:cNvPr id="1053" name="TextBox 1052">
             <a:extLst>
               <a:ext uri="{FF2B5EF4-FFF2-40B4-BE49-F238E27FC236}">
-                <a16:creationId xmlns:a16="http://schemas.microsoft.com/office/drawing/2014/main" xmlns="" id="{61CA651E-FA07-5796-3FBA-2BEDE69DAF28}"/>
+                <a16:creationId xmlns:a16="http://schemas.microsoft.com/office/drawing/2014/main" id="{61CA651E-FA07-5796-3FBA-2BEDE69DAF28}"/>
               </a:ext>
             </a:extLst>
           </p:cNvPr>
@@ -30577,7 +30675,7 @@
           <p:cNvPr id="1054" name="TextBox 1053">
             <a:extLst>
               <a:ext uri="{FF2B5EF4-FFF2-40B4-BE49-F238E27FC236}">
-                <a16:creationId xmlns:a16="http://schemas.microsoft.com/office/drawing/2014/main" xmlns="" id="{487AD9CF-790F-DE24-8B85-386D4F11FE54}"/>
+                <a16:creationId xmlns:a16="http://schemas.microsoft.com/office/drawing/2014/main" id="{487AD9CF-790F-DE24-8B85-386D4F11FE54}"/>
               </a:ext>
             </a:extLst>
           </p:cNvPr>
@@ -31003,7 +31101,7 @@
           <p:cNvPr id="5" name="직사각형 4">
             <a:extLst>
               <a:ext uri="{FF2B5EF4-FFF2-40B4-BE49-F238E27FC236}">
-                <a16:creationId xmlns:a16="http://schemas.microsoft.com/office/drawing/2014/main" xmlns="" id="{FFF506F9-840A-0508-4CAF-3AC711D8D5CE}"/>
+                <a16:creationId xmlns:a16="http://schemas.microsoft.com/office/drawing/2014/main" id="{FFF506F9-840A-0508-4CAF-3AC711D8D5CE}"/>
               </a:ext>
             </a:extLst>
           </p:cNvPr>
@@ -31055,7 +31153,7 @@
           <p:cNvPr id="6" name="직선 화살표 연결선 5">
             <a:extLst>
               <a:ext uri="{FF2B5EF4-FFF2-40B4-BE49-F238E27FC236}">
-                <a16:creationId xmlns:a16="http://schemas.microsoft.com/office/drawing/2014/main" xmlns="" id="{299DF5EC-9DF4-5255-06AC-0A7CE4FF58C3}"/>
+                <a16:creationId xmlns:a16="http://schemas.microsoft.com/office/drawing/2014/main" id="{299DF5EC-9DF4-5255-06AC-0A7CE4FF58C3}"/>
               </a:ext>
             </a:extLst>
           </p:cNvPr>
@@ -31096,7 +31194,7 @@
           <p:cNvPr id="7" name="TextBox 6">
             <a:extLst>
               <a:ext uri="{FF2B5EF4-FFF2-40B4-BE49-F238E27FC236}">
-                <a16:creationId xmlns:a16="http://schemas.microsoft.com/office/drawing/2014/main" xmlns="" id="{C6D113C6-EA5C-788F-0C77-E7CE6EBB865F}"/>
+                <a16:creationId xmlns:a16="http://schemas.microsoft.com/office/drawing/2014/main" id="{C6D113C6-EA5C-788F-0C77-E7CE6EBB865F}"/>
               </a:ext>
             </a:extLst>
           </p:cNvPr>
@@ -31154,7 +31252,7 @@
           <p:cNvPr id="9" name="직사각형 8">
             <a:extLst>
               <a:ext uri="{FF2B5EF4-FFF2-40B4-BE49-F238E27FC236}">
-                <a16:creationId xmlns:a16="http://schemas.microsoft.com/office/drawing/2014/main" xmlns="" id="{FFF506F9-840A-0508-4CAF-3AC711D8D5CE}"/>
+                <a16:creationId xmlns:a16="http://schemas.microsoft.com/office/drawing/2014/main" id="{FFF506F9-840A-0508-4CAF-3AC711D8D5CE}"/>
               </a:ext>
             </a:extLst>
           </p:cNvPr>
@@ -31206,7 +31304,7 @@
           <p:cNvPr id="10" name="직선 화살표 연결선 9">
             <a:extLst>
               <a:ext uri="{FF2B5EF4-FFF2-40B4-BE49-F238E27FC236}">
-                <a16:creationId xmlns:a16="http://schemas.microsoft.com/office/drawing/2014/main" xmlns="" id="{299DF5EC-9DF4-5255-06AC-0A7CE4FF58C3}"/>
+                <a16:creationId xmlns:a16="http://schemas.microsoft.com/office/drawing/2014/main" id="{299DF5EC-9DF4-5255-06AC-0A7CE4FF58C3}"/>
               </a:ext>
             </a:extLst>
           </p:cNvPr>
@@ -31247,7 +31345,7 @@
           <p:cNvPr id="11" name="TextBox 10">
             <a:extLst>
               <a:ext uri="{FF2B5EF4-FFF2-40B4-BE49-F238E27FC236}">
-                <a16:creationId xmlns:a16="http://schemas.microsoft.com/office/drawing/2014/main" xmlns="" id="{C6D113C6-EA5C-788F-0C77-E7CE6EBB865F}"/>
+                <a16:creationId xmlns:a16="http://schemas.microsoft.com/office/drawing/2014/main" id="{C6D113C6-EA5C-788F-0C77-E7CE6EBB865F}"/>
               </a:ext>
             </a:extLst>
           </p:cNvPr>
@@ -31300,6 +31398,13 @@
   <p:clrMapOvr>
     <a:masterClrMapping/>
   </p:clrMapOvr>
+  <p:timing>
+    <p:tnLst>
+      <p:par>
+        <p:cTn id="1" dur="indefinite" restart="never" nodeType="tmRoot"/>
+      </p:par>
+    </p:tnLst>
+  </p:timing>
 </p:sld>
 </file>
 
@@ -31349,7 +31454,7 @@
           <p:cNvPr id="4" name="TextBox 3">
             <a:extLst>
               <a:ext uri="{FF2B5EF4-FFF2-40B4-BE49-F238E27FC236}">
-                <a16:creationId xmlns:a16="http://schemas.microsoft.com/office/drawing/2014/main" xmlns="" id="{7229BEA6-121E-9056-D07F-2B3BB1795F76}"/>
+                <a16:creationId xmlns:a16="http://schemas.microsoft.com/office/drawing/2014/main" id="{7229BEA6-121E-9056-D07F-2B3BB1795F76}"/>
               </a:ext>
             </a:extLst>
           </p:cNvPr>
@@ -31397,7 +31502,7 @@
           <p:cNvPr id="8" name="직선 화살표 연결선 7">
             <a:extLst>
               <a:ext uri="{FF2B5EF4-FFF2-40B4-BE49-F238E27FC236}">
-                <a16:creationId xmlns:a16="http://schemas.microsoft.com/office/drawing/2014/main" xmlns="" id="{299DF5EC-9DF4-5255-06AC-0A7CE4FF58C3}"/>
+                <a16:creationId xmlns:a16="http://schemas.microsoft.com/office/drawing/2014/main" id="{299DF5EC-9DF4-5255-06AC-0A7CE4FF58C3}"/>
               </a:ext>
             </a:extLst>
           </p:cNvPr>
@@ -31438,7 +31543,7 @@
           <p:cNvPr id="9" name="TextBox 8">
             <a:extLst>
               <a:ext uri="{FF2B5EF4-FFF2-40B4-BE49-F238E27FC236}">
-                <a16:creationId xmlns:a16="http://schemas.microsoft.com/office/drawing/2014/main" xmlns="" id="{C6D113C6-EA5C-788F-0C77-E7CE6EBB865F}"/>
+                <a16:creationId xmlns:a16="http://schemas.microsoft.com/office/drawing/2014/main" id="{C6D113C6-EA5C-788F-0C77-E7CE6EBB865F}"/>
               </a:ext>
             </a:extLst>
           </p:cNvPr>
@@ -31496,7 +31601,7 @@
           <p:cNvPr id="11" name="직선 화살표 연결선 10">
             <a:extLst>
               <a:ext uri="{FF2B5EF4-FFF2-40B4-BE49-F238E27FC236}">
-                <a16:creationId xmlns:a16="http://schemas.microsoft.com/office/drawing/2014/main" xmlns="" id="{299DF5EC-9DF4-5255-06AC-0A7CE4FF58C3}"/>
+                <a16:creationId xmlns:a16="http://schemas.microsoft.com/office/drawing/2014/main" id="{299DF5EC-9DF4-5255-06AC-0A7CE4FF58C3}"/>
               </a:ext>
             </a:extLst>
           </p:cNvPr>
@@ -31537,7 +31642,7 @@
           <p:cNvPr id="12" name="TextBox 11">
             <a:extLst>
               <a:ext uri="{FF2B5EF4-FFF2-40B4-BE49-F238E27FC236}">
-                <a16:creationId xmlns:a16="http://schemas.microsoft.com/office/drawing/2014/main" xmlns="" id="{C6D113C6-EA5C-788F-0C77-E7CE6EBB865F}"/>
+                <a16:creationId xmlns:a16="http://schemas.microsoft.com/office/drawing/2014/main" id="{C6D113C6-EA5C-788F-0C77-E7CE6EBB865F}"/>
               </a:ext>
             </a:extLst>
           </p:cNvPr>
@@ -31655,7 +31760,7 @@
           <p:cNvPr id="13" name="직선 화살표 연결선 12">
             <a:extLst>
               <a:ext uri="{FF2B5EF4-FFF2-40B4-BE49-F238E27FC236}">
-                <a16:creationId xmlns:a16="http://schemas.microsoft.com/office/drawing/2014/main" xmlns="" id="{299DF5EC-9DF4-5255-06AC-0A7CE4FF58C3}"/>
+                <a16:creationId xmlns:a16="http://schemas.microsoft.com/office/drawing/2014/main" id="{299DF5EC-9DF4-5255-06AC-0A7CE4FF58C3}"/>
               </a:ext>
             </a:extLst>
           </p:cNvPr>
@@ -31696,7 +31801,7 @@
           <p:cNvPr id="14" name="TextBox 13">
             <a:extLst>
               <a:ext uri="{FF2B5EF4-FFF2-40B4-BE49-F238E27FC236}">
-                <a16:creationId xmlns:a16="http://schemas.microsoft.com/office/drawing/2014/main" xmlns="" id="{C6D113C6-EA5C-788F-0C77-E7CE6EBB865F}"/>
+                <a16:creationId xmlns:a16="http://schemas.microsoft.com/office/drawing/2014/main" id="{C6D113C6-EA5C-788F-0C77-E7CE6EBB865F}"/>
               </a:ext>
             </a:extLst>
           </p:cNvPr>
@@ -31774,7 +31879,7 @@
           <p:cNvPr id="16" name="직선 화살표 연결선 15">
             <a:extLst>
               <a:ext uri="{FF2B5EF4-FFF2-40B4-BE49-F238E27FC236}">
-                <a16:creationId xmlns:a16="http://schemas.microsoft.com/office/drawing/2014/main" xmlns="" id="{299DF5EC-9DF4-5255-06AC-0A7CE4FF58C3}"/>
+                <a16:creationId xmlns:a16="http://schemas.microsoft.com/office/drawing/2014/main" id="{299DF5EC-9DF4-5255-06AC-0A7CE4FF58C3}"/>
               </a:ext>
             </a:extLst>
           </p:cNvPr>
@@ -31815,7 +31920,7 @@
           <p:cNvPr id="17" name="TextBox 16">
             <a:extLst>
               <a:ext uri="{FF2B5EF4-FFF2-40B4-BE49-F238E27FC236}">
-                <a16:creationId xmlns:a16="http://schemas.microsoft.com/office/drawing/2014/main" xmlns="" id="{C6D113C6-EA5C-788F-0C77-E7CE6EBB865F}"/>
+                <a16:creationId xmlns:a16="http://schemas.microsoft.com/office/drawing/2014/main" id="{C6D113C6-EA5C-788F-0C77-E7CE6EBB865F}"/>
               </a:ext>
             </a:extLst>
           </p:cNvPr>
@@ -31863,7 +31968,7 @@
           <p:cNvPr id="18" name="직선 화살표 연결선 17">
             <a:extLst>
               <a:ext uri="{FF2B5EF4-FFF2-40B4-BE49-F238E27FC236}">
-                <a16:creationId xmlns:a16="http://schemas.microsoft.com/office/drawing/2014/main" xmlns="" id="{299DF5EC-9DF4-5255-06AC-0A7CE4FF58C3}"/>
+                <a16:creationId xmlns:a16="http://schemas.microsoft.com/office/drawing/2014/main" id="{299DF5EC-9DF4-5255-06AC-0A7CE4FF58C3}"/>
               </a:ext>
             </a:extLst>
           </p:cNvPr>
@@ -31904,7 +32009,7 @@
           <p:cNvPr id="19" name="TextBox 18">
             <a:extLst>
               <a:ext uri="{FF2B5EF4-FFF2-40B4-BE49-F238E27FC236}">
-                <a16:creationId xmlns:a16="http://schemas.microsoft.com/office/drawing/2014/main" xmlns="" id="{C6D113C6-EA5C-788F-0C77-E7CE6EBB865F}"/>
+                <a16:creationId xmlns:a16="http://schemas.microsoft.com/office/drawing/2014/main" id="{C6D113C6-EA5C-788F-0C77-E7CE6EBB865F}"/>
               </a:ext>
             </a:extLst>
           </p:cNvPr>
@@ -32399,7 +32504,7 @@
           <p:cNvPr id="4" name="그룹 1018">
             <a:extLst>
               <a:ext uri="{FF2B5EF4-FFF2-40B4-BE49-F238E27FC236}">
-                <a16:creationId xmlns:a16="http://schemas.microsoft.com/office/drawing/2014/main" xmlns="" id="{BE4AAF13-A11B-7E60-33C1-D156A6926154}"/>
+                <a16:creationId xmlns:a16="http://schemas.microsoft.com/office/drawing/2014/main" id="{BE4AAF13-A11B-7E60-33C1-D156A6926154}"/>
               </a:ext>
             </a:extLst>
           </p:cNvPr>
@@ -32419,7 +32524,7 @@
             <p:cNvPr id="5" name="Object 61">
               <a:extLst>
                 <a:ext uri="{FF2B5EF4-FFF2-40B4-BE49-F238E27FC236}">
-                  <a16:creationId xmlns:a16="http://schemas.microsoft.com/office/drawing/2014/main" xmlns="" id="{125B2204-5CAB-AF42-4145-B61B7DFFDB21}"/>
+                  <a16:creationId xmlns:a16="http://schemas.microsoft.com/office/drawing/2014/main" id="{125B2204-5CAB-AF42-4145-B61B7DFFDB21}"/>
                 </a:ext>
               </a:extLst>
             </p:cNvPr>
@@ -32450,7 +32555,7 @@
           <p:cNvPr id="6" name="그룹 1021">
             <a:extLst>
               <a:ext uri="{FF2B5EF4-FFF2-40B4-BE49-F238E27FC236}">
-                <a16:creationId xmlns:a16="http://schemas.microsoft.com/office/drawing/2014/main" xmlns="" id="{DAE466EB-8914-A47B-444E-4C193B0D877A}"/>
+                <a16:creationId xmlns:a16="http://schemas.microsoft.com/office/drawing/2014/main" id="{DAE466EB-8914-A47B-444E-4C193B0D877A}"/>
               </a:ext>
             </a:extLst>
           </p:cNvPr>
@@ -32470,7 +32575,7 @@
             <p:cNvPr id="7" name="Object 71">
               <a:extLst>
                 <a:ext uri="{FF2B5EF4-FFF2-40B4-BE49-F238E27FC236}">
-                  <a16:creationId xmlns:a16="http://schemas.microsoft.com/office/drawing/2014/main" xmlns="" id="{44802802-8C0A-9B02-4940-D16EEB7C206A}"/>
+                  <a16:creationId xmlns:a16="http://schemas.microsoft.com/office/drawing/2014/main" id="{44802802-8C0A-9B02-4940-D16EEB7C206A}"/>
                 </a:ext>
               </a:extLst>
             </p:cNvPr>
@@ -32501,7 +32606,7 @@
           <p:cNvPr id="8" name="TextBox 7">
             <a:extLst>
               <a:ext uri="{FF2B5EF4-FFF2-40B4-BE49-F238E27FC236}">
-                <a16:creationId xmlns:a16="http://schemas.microsoft.com/office/drawing/2014/main" xmlns="" id="{4EDAA912-8FA0-0F11-119B-EA9F8B36A489}"/>
+                <a16:creationId xmlns:a16="http://schemas.microsoft.com/office/drawing/2014/main" id="{4EDAA912-8FA0-0F11-119B-EA9F8B36A489}"/>
               </a:ext>
             </a:extLst>
           </p:cNvPr>
@@ -32549,7 +32654,7 @@
           <p:cNvPr id="9" name="TextBox 8">
             <a:extLst>
               <a:ext uri="{FF2B5EF4-FFF2-40B4-BE49-F238E27FC236}">
-                <a16:creationId xmlns:a16="http://schemas.microsoft.com/office/drawing/2014/main" xmlns="" id="{50E9E326-9165-4EB7-F036-2D0C3593471A}"/>
+                <a16:creationId xmlns:a16="http://schemas.microsoft.com/office/drawing/2014/main" id="{50E9E326-9165-4EB7-F036-2D0C3593471A}"/>
               </a:ext>
             </a:extLst>
           </p:cNvPr>
@@ -32597,7 +32702,7 @@
           <p:cNvPr id="10" name="직선 화살표 연결선 9">
             <a:extLst>
               <a:ext uri="{FF2B5EF4-FFF2-40B4-BE49-F238E27FC236}">
-                <a16:creationId xmlns:a16="http://schemas.microsoft.com/office/drawing/2014/main" xmlns="" id="{6C0677B1-2150-0DB1-2BB2-EE13A87409E9}"/>
+                <a16:creationId xmlns:a16="http://schemas.microsoft.com/office/drawing/2014/main" id="{6C0677B1-2150-0DB1-2BB2-EE13A87409E9}"/>
               </a:ext>
             </a:extLst>
           </p:cNvPr>
@@ -32640,7 +32745,7 @@
           <p:cNvPr id="12" name="그룹 1024">
             <a:extLst>
               <a:ext uri="{FF2B5EF4-FFF2-40B4-BE49-F238E27FC236}">
-                <a16:creationId xmlns:a16="http://schemas.microsoft.com/office/drawing/2014/main" xmlns="" id="{48B1F9B2-501C-80B7-7C7B-CFA80857C34A}"/>
+                <a16:creationId xmlns:a16="http://schemas.microsoft.com/office/drawing/2014/main" id="{48B1F9B2-501C-80B7-7C7B-CFA80857C34A}"/>
               </a:ext>
             </a:extLst>
           </p:cNvPr>
@@ -32660,7 +32765,7 @@
             <p:cNvPr id="13" name="Object 81">
               <a:extLst>
                 <a:ext uri="{FF2B5EF4-FFF2-40B4-BE49-F238E27FC236}">
-                  <a16:creationId xmlns:a16="http://schemas.microsoft.com/office/drawing/2014/main" xmlns="" id="{A427AC54-6F46-2451-454E-795C016377BE}"/>
+                  <a16:creationId xmlns:a16="http://schemas.microsoft.com/office/drawing/2014/main" id="{A427AC54-6F46-2451-454E-795C016377BE}"/>
                 </a:ext>
               </a:extLst>
             </p:cNvPr>
@@ -32691,7 +32796,7 @@
           <p:cNvPr id="14" name="TextBox 13">
             <a:extLst>
               <a:ext uri="{FF2B5EF4-FFF2-40B4-BE49-F238E27FC236}">
-                <a16:creationId xmlns:a16="http://schemas.microsoft.com/office/drawing/2014/main" xmlns="" id="{A827F657-20B0-7A83-02DD-3C1A851412BF}"/>
+                <a16:creationId xmlns:a16="http://schemas.microsoft.com/office/drawing/2014/main" id="{A827F657-20B0-7A83-02DD-3C1A851412BF}"/>
               </a:ext>
             </a:extLst>
           </p:cNvPr>
@@ -32739,7 +32844,7 @@
           <p:cNvPr id="19" name="직선 화살표 연결선 18">
             <a:extLst>
               <a:ext uri="{FF2B5EF4-FFF2-40B4-BE49-F238E27FC236}">
-                <a16:creationId xmlns:a16="http://schemas.microsoft.com/office/drawing/2014/main" xmlns="" id="{6C0677B1-2150-0DB1-2BB2-EE13A87409E9}"/>
+                <a16:creationId xmlns:a16="http://schemas.microsoft.com/office/drawing/2014/main" id="{6C0677B1-2150-0DB1-2BB2-EE13A87409E9}"/>
               </a:ext>
             </a:extLst>
           </p:cNvPr>
@@ -32780,7 +32885,7 @@
           <p:cNvPr id="20" name="그룹 1021">
             <a:extLst>
               <a:ext uri="{FF2B5EF4-FFF2-40B4-BE49-F238E27FC236}">
-                <a16:creationId xmlns:a16="http://schemas.microsoft.com/office/drawing/2014/main" xmlns="" id="{DAE466EB-8914-A47B-444E-4C193B0D877A}"/>
+                <a16:creationId xmlns:a16="http://schemas.microsoft.com/office/drawing/2014/main" id="{DAE466EB-8914-A47B-444E-4C193B0D877A}"/>
               </a:ext>
             </a:extLst>
           </p:cNvPr>
@@ -32800,7 +32905,7 @@
             <p:cNvPr id="21" name="Object 71">
               <a:extLst>
                 <a:ext uri="{FF2B5EF4-FFF2-40B4-BE49-F238E27FC236}">
-                  <a16:creationId xmlns:a16="http://schemas.microsoft.com/office/drawing/2014/main" xmlns="" id="{44802802-8C0A-9B02-4940-D16EEB7C206A}"/>
+                  <a16:creationId xmlns:a16="http://schemas.microsoft.com/office/drawing/2014/main" id="{44802802-8C0A-9B02-4940-D16EEB7C206A}"/>
                 </a:ext>
               </a:extLst>
             </p:cNvPr>
@@ -32831,7 +32936,7 @@
           <p:cNvPr id="22" name="TextBox 21">
             <a:extLst>
               <a:ext uri="{FF2B5EF4-FFF2-40B4-BE49-F238E27FC236}">
-                <a16:creationId xmlns:a16="http://schemas.microsoft.com/office/drawing/2014/main" xmlns="" id="{50E9E326-9165-4EB7-F036-2D0C3593471A}"/>
+                <a16:creationId xmlns:a16="http://schemas.microsoft.com/office/drawing/2014/main" id="{50E9E326-9165-4EB7-F036-2D0C3593471A}"/>
               </a:ext>
             </a:extLst>
           </p:cNvPr>
@@ -32879,7 +32984,7 @@
           <p:cNvPr id="23" name="그룹 1024">
             <a:extLst>
               <a:ext uri="{FF2B5EF4-FFF2-40B4-BE49-F238E27FC236}">
-                <a16:creationId xmlns:a16="http://schemas.microsoft.com/office/drawing/2014/main" xmlns="" id="{48B1F9B2-501C-80B7-7C7B-CFA80857C34A}"/>
+                <a16:creationId xmlns:a16="http://schemas.microsoft.com/office/drawing/2014/main" id="{48B1F9B2-501C-80B7-7C7B-CFA80857C34A}"/>
               </a:ext>
             </a:extLst>
           </p:cNvPr>
@@ -32899,7 +33004,7 @@
             <p:cNvPr id="24" name="Object 81">
               <a:extLst>
                 <a:ext uri="{FF2B5EF4-FFF2-40B4-BE49-F238E27FC236}">
-                  <a16:creationId xmlns:a16="http://schemas.microsoft.com/office/drawing/2014/main" xmlns="" id="{A427AC54-6F46-2451-454E-795C016377BE}"/>
+                  <a16:creationId xmlns:a16="http://schemas.microsoft.com/office/drawing/2014/main" id="{A427AC54-6F46-2451-454E-795C016377BE}"/>
                 </a:ext>
               </a:extLst>
             </p:cNvPr>
@@ -32930,7 +33035,7 @@
           <p:cNvPr id="25" name="TextBox 24">
             <a:extLst>
               <a:ext uri="{FF2B5EF4-FFF2-40B4-BE49-F238E27FC236}">
-                <a16:creationId xmlns:a16="http://schemas.microsoft.com/office/drawing/2014/main" xmlns="" id="{A827F657-20B0-7A83-02DD-3C1A851412BF}"/>
+                <a16:creationId xmlns:a16="http://schemas.microsoft.com/office/drawing/2014/main" id="{A827F657-20B0-7A83-02DD-3C1A851412BF}"/>
               </a:ext>
             </a:extLst>
           </p:cNvPr>
@@ -32978,7 +33083,7 @@
           <p:cNvPr id="26" name="직선 화살표 연결선 25">
             <a:extLst>
               <a:ext uri="{FF2B5EF4-FFF2-40B4-BE49-F238E27FC236}">
-                <a16:creationId xmlns:a16="http://schemas.microsoft.com/office/drawing/2014/main" xmlns="" id="{6C0677B1-2150-0DB1-2BB2-EE13A87409E9}"/>
+                <a16:creationId xmlns:a16="http://schemas.microsoft.com/office/drawing/2014/main" id="{6C0677B1-2150-0DB1-2BB2-EE13A87409E9}"/>
               </a:ext>
             </a:extLst>
           </p:cNvPr>
@@ -33019,7 +33124,7 @@
           <p:cNvPr id="27" name="그룹 1024">
             <a:extLst>
               <a:ext uri="{FF2B5EF4-FFF2-40B4-BE49-F238E27FC236}">
-                <a16:creationId xmlns:a16="http://schemas.microsoft.com/office/drawing/2014/main" xmlns="" id="{48B1F9B2-501C-80B7-7C7B-CFA80857C34A}"/>
+                <a16:creationId xmlns:a16="http://schemas.microsoft.com/office/drawing/2014/main" id="{48B1F9B2-501C-80B7-7C7B-CFA80857C34A}"/>
               </a:ext>
             </a:extLst>
           </p:cNvPr>
@@ -33039,7 +33144,7 @@
             <p:cNvPr id="28" name="Object 81">
               <a:extLst>
                 <a:ext uri="{FF2B5EF4-FFF2-40B4-BE49-F238E27FC236}">
-                  <a16:creationId xmlns:a16="http://schemas.microsoft.com/office/drawing/2014/main" xmlns="" id="{A427AC54-6F46-2451-454E-795C016377BE}"/>
+                  <a16:creationId xmlns:a16="http://schemas.microsoft.com/office/drawing/2014/main" id="{A427AC54-6F46-2451-454E-795C016377BE}"/>
                 </a:ext>
               </a:extLst>
             </p:cNvPr>
@@ -33070,7 +33175,7 @@
           <p:cNvPr id="29" name="TextBox 28">
             <a:extLst>
               <a:ext uri="{FF2B5EF4-FFF2-40B4-BE49-F238E27FC236}">
-                <a16:creationId xmlns:a16="http://schemas.microsoft.com/office/drawing/2014/main" xmlns="" id="{A827F657-20B0-7A83-02DD-3C1A851412BF}"/>
+                <a16:creationId xmlns:a16="http://schemas.microsoft.com/office/drawing/2014/main" id="{A827F657-20B0-7A83-02DD-3C1A851412BF}"/>
               </a:ext>
             </a:extLst>
           </p:cNvPr>
@@ -33118,7 +33223,7 @@
           <p:cNvPr id="30" name="직선 화살표 연결선 29">
             <a:extLst>
               <a:ext uri="{FF2B5EF4-FFF2-40B4-BE49-F238E27FC236}">
-                <a16:creationId xmlns:a16="http://schemas.microsoft.com/office/drawing/2014/main" xmlns="" id="{6C0677B1-2150-0DB1-2BB2-EE13A87409E9}"/>
+                <a16:creationId xmlns:a16="http://schemas.microsoft.com/office/drawing/2014/main" id="{6C0677B1-2150-0DB1-2BB2-EE13A87409E9}"/>
               </a:ext>
             </a:extLst>
           </p:cNvPr>
@@ -33159,7 +33264,7 @@
           <p:cNvPr id="31" name="그룹 1024">
             <a:extLst>
               <a:ext uri="{FF2B5EF4-FFF2-40B4-BE49-F238E27FC236}">
-                <a16:creationId xmlns:a16="http://schemas.microsoft.com/office/drawing/2014/main" xmlns="" id="{48B1F9B2-501C-80B7-7C7B-CFA80857C34A}"/>
+                <a16:creationId xmlns:a16="http://schemas.microsoft.com/office/drawing/2014/main" id="{48B1F9B2-501C-80B7-7C7B-CFA80857C34A}"/>
               </a:ext>
             </a:extLst>
           </p:cNvPr>
@@ -33179,7 +33284,7 @@
             <p:cNvPr id="32" name="Object 81">
               <a:extLst>
                 <a:ext uri="{FF2B5EF4-FFF2-40B4-BE49-F238E27FC236}">
-                  <a16:creationId xmlns:a16="http://schemas.microsoft.com/office/drawing/2014/main" xmlns="" id="{A427AC54-6F46-2451-454E-795C016377BE}"/>
+                  <a16:creationId xmlns:a16="http://schemas.microsoft.com/office/drawing/2014/main" id="{A427AC54-6F46-2451-454E-795C016377BE}"/>
                 </a:ext>
               </a:extLst>
             </p:cNvPr>
@@ -33210,7 +33315,7 @@
           <p:cNvPr id="33" name="TextBox 32">
             <a:extLst>
               <a:ext uri="{FF2B5EF4-FFF2-40B4-BE49-F238E27FC236}">
-                <a16:creationId xmlns:a16="http://schemas.microsoft.com/office/drawing/2014/main" xmlns="" id="{A827F657-20B0-7A83-02DD-3C1A851412BF}"/>
+                <a16:creationId xmlns:a16="http://schemas.microsoft.com/office/drawing/2014/main" id="{A827F657-20B0-7A83-02DD-3C1A851412BF}"/>
               </a:ext>
             </a:extLst>
           </p:cNvPr>
@@ -33258,7 +33363,7 @@
           <p:cNvPr id="34" name="직선 화살표 연결선 33">
             <a:extLst>
               <a:ext uri="{FF2B5EF4-FFF2-40B4-BE49-F238E27FC236}">
-                <a16:creationId xmlns:a16="http://schemas.microsoft.com/office/drawing/2014/main" xmlns="" id="{6C0677B1-2150-0DB1-2BB2-EE13A87409E9}"/>
+                <a16:creationId xmlns:a16="http://schemas.microsoft.com/office/drawing/2014/main" id="{6C0677B1-2150-0DB1-2BB2-EE13A87409E9}"/>
               </a:ext>
             </a:extLst>
           </p:cNvPr>
@@ -33300,7 +33405,7 @@
           <p:cNvPr id="36" name="TextBox 35">
             <a:extLst>
               <a:ext uri="{FF2B5EF4-FFF2-40B4-BE49-F238E27FC236}">
-                <a16:creationId xmlns:a16="http://schemas.microsoft.com/office/drawing/2014/main" xmlns="" id="{7229BEA6-121E-9056-D07F-2B3BB1795F76}"/>
+                <a16:creationId xmlns:a16="http://schemas.microsoft.com/office/drawing/2014/main" id="{7229BEA6-121E-9056-D07F-2B3BB1795F76}"/>
               </a:ext>
             </a:extLst>
           </p:cNvPr>
@@ -33388,7 +33493,7 @@
           <p:cNvPr id="4" name="TextBox 3">
             <a:extLst>
               <a:ext uri="{FF2B5EF4-FFF2-40B4-BE49-F238E27FC236}">
-                <a16:creationId xmlns:a16="http://schemas.microsoft.com/office/drawing/2014/main" xmlns="" id="{DD7B902F-76B9-E86A-E03A-A71A34B95CCB}"/>
+                <a16:creationId xmlns:a16="http://schemas.microsoft.com/office/drawing/2014/main" id="{DD7B902F-76B9-E86A-E03A-A71A34B95CCB}"/>
               </a:ext>
             </a:extLst>
           </p:cNvPr>
@@ -33460,7 +33565,7 @@
           <p:cNvPr id="6" name="직선 화살표 연결선 5">
             <a:extLst>
               <a:ext uri="{FF2B5EF4-FFF2-40B4-BE49-F238E27FC236}">
-                <a16:creationId xmlns:a16="http://schemas.microsoft.com/office/drawing/2014/main" xmlns="" id="{299DF5EC-9DF4-5255-06AC-0A7CE4FF58C3}"/>
+                <a16:creationId xmlns:a16="http://schemas.microsoft.com/office/drawing/2014/main" id="{299DF5EC-9DF4-5255-06AC-0A7CE4FF58C3}"/>
               </a:ext>
             </a:extLst>
           </p:cNvPr>
@@ -33501,7 +33606,7 @@
           <p:cNvPr id="7" name="TextBox 6">
             <a:extLst>
               <a:ext uri="{FF2B5EF4-FFF2-40B4-BE49-F238E27FC236}">
-                <a16:creationId xmlns:a16="http://schemas.microsoft.com/office/drawing/2014/main" xmlns="" id="{C6D113C6-EA5C-788F-0C77-E7CE6EBB865F}"/>
+                <a16:creationId xmlns:a16="http://schemas.microsoft.com/office/drawing/2014/main" id="{C6D113C6-EA5C-788F-0C77-E7CE6EBB865F}"/>
               </a:ext>
             </a:extLst>
           </p:cNvPr>
@@ -33579,7 +33684,7 @@
           <p:cNvPr id="10" name="직선 화살표 연결선 9">
             <a:extLst>
               <a:ext uri="{FF2B5EF4-FFF2-40B4-BE49-F238E27FC236}">
-                <a16:creationId xmlns:a16="http://schemas.microsoft.com/office/drawing/2014/main" xmlns="" id="{299DF5EC-9DF4-5255-06AC-0A7CE4FF58C3}"/>
+                <a16:creationId xmlns:a16="http://schemas.microsoft.com/office/drawing/2014/main" id="{299DF5EC-9DF4-5255-06AC-0A7CE4FF58C3}"/>
               </a:ext>
             </a:extLst>
           </p:cNvPr>
@@ -33620,7 +33725,7 @@
           <p:cNvPr id="12" name="TextBox 11">
             <a:extLst>
               <a:ext uri="{FF2B5EF4-FFF2-40B4-BE49-F238E27FC236}">
-                <a16:creationId xmlns:a16="http://schemas.microsoft.com/office/drawing/2014/main" xmlns="" id="{C6D113C6-EA5C-788F-0C77-E7CE6EBB865F}"/>
+                <a16:creationId xmlns:a16="http://schemas.microsoft.com/office/drawing/2014/main" id="{C6D113C6-EA5C-788F-0C77-E7CE6EBB865F}"/>
               </a:ext>
             </a:extLst>
           </p:cNvPr>
@@ -33708,7 +33813,7 @@
           <p:cNvPr id="45" name="그룹 1027">
             <a:extLst>
               <a:ext uri="{FF2B5EF4-FFF2-40B4-BE49-F238E27FC236}">
-                <a16:creationId xmlns:a16="http://schemas.microsoft.com/office/drawing/2014/main" xmlns="" id="{53A07A13-51E4-791C-645F-34BBD288D7ED}"/>
+                <a16:creationId xmlns:a16="http://schemas.microsoft.com/office/drawing/2014/main" id="{53A07A13-51E4-791C-645F-34BBD288D7ED}"/>
               </a:ext>
             </a:extLst>
           </p:cNvPr>
@@ -33728,7 +33833,7 @@
             <p:cNvPr id="46" name="Object 83">
               <a:extLst>
                 <a:ext uri="{FF2B5EF4-FFF2-40B4-BE49-F238E27FC236}">
-                  <a16:creationId xmlns:a16="http://schemas.microsoft.com/office/drawing/2014/main" xmlns="" id="{3DBE6752-F010-0F4C-781A-C4A0DAB7A9B1}"/>
+                  <a16:creationId xmlns:a16="http://schemas.microsoft.com/office/drawing/2014/main" id="{3DBE6752-F010-0F4C-781A-C4A0DAB7A9B1}"/>
                 </a:ext>
               </a:extLst>
             </p:cNvPr>
@@ -33759,7 +33864,7 @@
           <p:cNvPr id="47" name="그룹 1028">
             <a:extLst>
               <a:ext uri="{FF2B5EF4-FFF2-40B4-BE49-F238E27FC236}">
-                <a16:creationId xmlns:a16="http://schemas.microsoft.com/office/drawing/2014/main" xmlns="" id="{43963B35-0F8B-AD4E-B531-152C907A13D0}"/>
+                <a16:creationId xmlns:a16="http://schemas.microsoft.com/office/drawing/2014/main" id="{43963B35-0F8B-AD4E-B531-152C907A13D0}"/>
               </a:ext>
             </a:extLst>
           </p:cNvPr>
@@ -33779,7 +33884,7 @@
             <p:cNvPr id="48" name="Object 86">
               <a:extLst>
                 <a:ext uri="{FF2B5EF4-FFF2-40B4-BE49-F238E27FC236}">
-                  <a16:creationId xmlns:a16="http://schemas.microsoft.com/office/drawing/2014/main" xmlns="" id="{895E819F-2FF5-761E-C42C-446A1FFA37F6}"/>
+                  <a16:creationId xmlns:a16="http://schemas.microsoft.com/office/drawing/2014/main" id="{895E819F-2FF5-761E-C42C-446A1FFA37F6}"/>
                 </a:ext>
               </a:extLst>
             </p:cNvPr>
@@ -33810,7 +33915,7 @@
           <p:cNvPr id="52" name="Picture 2">
             <a:extLst>
               <a:ext uri="{FF2B5EF4-FFF2-40B4-BE49-F238E27FC236}">
-                <a16:creationId xmlns:a16="http://schemas.microsoft.com/office/drawing/2014/main" xmlns="" id="{264F7433-F762-5F04-9791-0A2A5847EEF6}"/>
+                <a16:creationId xmlns:a16="http://schemas.microsoft.com/office/drawing/2014/main" id="{264F7433-F762-5F04-9791-0A2A5847EEF6}"/>
               </a:ext>
             </a:extLst>
           </p:cNvPr>
@@ -33857,7 +33962,7 @@
           <p:cNvPr id="53" name="TextBox 52">
             <a:extLst>
               <a:ext uri="{FF2B5EF4-FFF2-40B4-BE49-F238E27FC236}">
-                <a16:creationId xmlns:a16="http://schemas.microsoft.com/office/drawing/2014/main" xmlns="" id="{DD7B902F-76B9-E86A-E03A-A71A34B95CCB}"/>
+                <a16:creationId xmlns:a16="http://schemas.microsoft.com/office/drawing/2014/main" id="{DD7B902F-76B9-E86A-E03A-A71A34B95CCB}"/>
               </a:ext>
             </a:extLst>
           </p:cNvPr>
@@ -33905,7 +34010,7 @@
           <p:cNvPr id="54" name="그룹 1023">
             <a:extLst>
               <a:ext uri="{FF2B5EF4-FFF2-40B4-BE49-F238E27FC236}">
-                <a16:creationId xmlns:a16="http://schemas.microsoft.com/office/drawing/2014/main" xmlns="" id="{7B3AE4B7-AA92-B842-0129-30BDA4750021}"/>
+                <a16:creationId xmlns:a16="http://schemas.microsoft.com/office/drawing/2014/main" id="{7B3AE4B7-AA92-B842-0129-30BDA4750021}"/>
               </a:ext>
             </a:extLst>
           </p:cNvPr>
@@ -33925,7 +34030,7 @@
             <p:cNvPr id="55" name="그룹 1024">
               <a:extLst>
                 <a:ext uri="{FF2B5EF4-FFF2-40B4-BE49-F238E27FC236}">
-                  <a16:creationId xmlns:a16="http://schemas.microsoft.com/office/drawing/2014/main" xmlns="" id="{FABD9141-2A1D-DCF3-062F-0246A9B1E6E6}"/>
+                  <a16:creationId xmlns:a16="http://schemas.microsoft.com/office/drawing/2014/main" id="{FABD9141-2A1D-DCF3-062F-0246A9B1E6E6}"/>
                 </a:ext>
               </a:extLst>
             </p:cNvPr>
@@ -33945,7 +34050,7 @@
               <p:cNvPr id="60" name="Object 73">
                 <a:extLst>
                   <a:ext uri="{FF2B5EF4-FFF2-40B4-BE49-F238E27FC236}">
-                    <a16:creationId xmlns:a16="http://schemas.microsoft.com/office/drawing/2014/main" xmlns="" id="{3C1951DA-5095-C0AB-F4A4-E58E11E043EF}"/>
+                    <a16:creationId xmlns:a16="http://schemas.microsoft.com/office/drawing/2014/main" id="{3C1951DA-5095-C0AB-F4A4-E58E11E043EF}"/>
                   </a:ext>
                 </a:extLst>
               </p:cNvPr>
@@ -33976,7 +34081,7 @@
             <p:cNvPr id="56" name="그룹 1025">
               <a:extLst>
                 <a:ext uri="{FF2B5EF4-FFF2-40B4-BE49-F238E27FC236}">
-                  <a16:creationId xmlns:a16="http://schemas.microsoft.com/office/drawing/2014/main" xmlns="" id="{8376E6B2-787B-0FA1-8E7F-A1748DC09174}"/>
+                  <a16:creationId xmlns:a16="http://schemas.microsoft.com/office/drawing/2014/main" id="{8376E6B2-787B-0FA1-8E7F-A1748DC09174}"/>
                 </a:ext>
               </a:extLst>
             </p:cNvPr>
@@ -33996,7 +34101,7 @@
               <p:cNvPr id="59" name="Object 76">
                 <a:extLst>
                   <a:ext uri="{FF2B5EF4-FFF2-40B4-BE49-F238E27FC236}">
-                    <a16:creationId xmlns:a16="http://schemas.microsoft.com/office/drawing/2014/main" xmlns="" id="{7EE6727F-824B-E75D-3E48-40542D35F579}"/>
+                    <a16:creationId xmlns:a16="http://schemas.microsoft.com/office/drawing/2014/main" id="{7EE6727F-824B-E75D-3E48-40542D35F579}"/>
                   </a:ext>
                 </a:extLst>
               </p:cNvPr>
@@ -34027,7 +34132,7 @@
             <p:cNvPr id="57" name="그룹 1026">
               <a:extLst>
                 <a:ext uri="{FF2B5EF4-FFF2-40B4-BE49-F238E27FC236}">
-                  <a16:creationId xmlns:a16="http://schemas.microsoft.com/office/drawing/2014/main" xmlns="" id="{D1EEC863-BAEA-5802-CFB8-29AB9901A4B6}"/>
+                  <a16:creationId xmlns:a16="http://schemas.microsoft.com/office/drawing/2014/main" id="{D1EEC863-BAEA-5802-CFB8-29AB9901A4B6}"/>
                 </a:ext>
               </a:extLst>
             </p:cNvPr>
@@ -34047,7 +34152,7 @@
               <p:cNvPr id="58" name="Object 79">
                 <a:extLst>
                   <a:ext uri="{FF2B5EF4-FFF2-40B4-BE49-F238E27FC236}">
-                    <a16:creationId xmlns:a16="http://schemas.microsoft.com/office/drawing/2014/main" xmlns="" id="{C07D47FA-EC33-F079-E4F5-581EA89BA43B}"/>
+                    <a16:creationId xmlns:a16="http://schemas.microsoft.com/office/drawing/2014/main" id="{C07D47FA-EC33-F079-E4F5-581EA89BA43B}"/>
                   </a:ext>
                 </a:extLst>
               </p:cNvPr>
@@ -34079,7 +34184,7 @@
           <p:cNvPr id="61" name="Picture 4">
             <a:extLst>
               <a:ext uri="{FF2B5EF4-FFF2-40B4-BE49-F238E27FC236}">
-                <a16:creationId xmlns:a16="http://schemas.microsoft.com/office/drawing/2014/main" xmlns="" id="{2AC74C57-4CF3-2F8E-AE8C-C9410451DBAD}"/>
+                <a16:creationId xmlns:a16="http://schemas.microsoft.com/office/drawing/2014/main" id="{2AC74C57-4CF3-2F8E-AE8C-C9410451DBAD}"/>
               </a:ext>
             </a:extLst>
           </p:cNvPr>
@@ -34126,7 +34231,7 @@
           <p:cNvPr id="62" name="TextBox 61">
             <a:extLst>
               <a:ext uri="{FF2B5EF4-FFF2-40B4-BE49-F238E27FC236}">
-                <a16:creationId xmlns:a16="http://schemas.microsoft.com/office/drawing/2014/main" xmlns="" id="{B7907019-CD86-FA9C-C7CB-940835BEDCB4}"/>
+                <a16:creationId xmlns:a16="http://schemas.microsoft.com/office/drawing/2014/main" id="{B7907019-CD86-FA9C-C7CB-940835BEDCB4}"/>
               </a:ext>
             </a:extLst>
           </p:cNvPr>
@@ -34202,6 +34307,13 @@
   <p:clrMapOvr>
     <a:masterClrMapping/>
   </p:clrMapOvr>
+  <p:timing>
+    <p:tnLst>
+      <p:par>
+        <p:cTn id="1" dur="indefinite" restart="never" nodeType="tmRoot"/>
+      </p:par>
+    </p:tnLst>
+  </p:timing>
 </p:sld>
 </file>
 
@@ -34251,7 +34363,7 @@
           <p:cNvPr id="5" name="직사각형 4">
             <a:extLst>
               <a:ext uri="{FF2B5EF4-FFF2-40B4-BE49-F238E27FC236}">
-                <a16:creationId xmlns:a16="http://schemas.microsoft.com/office/drawing/2014/main" xmlns="" id="{FFF506F9-840A-0508-4CAF-3AC711D8D5CE}"/>
+                <a16:creationId xmlns:a16="http://schemas.microsoft.com/office/drawing/2014/main" id="{FFF506F9-840A-0508-4CAF-3AC711D8D5CE}"/>
               </a:ext>
             </a:extLst>
           </p:cNvPr>
@@ -34303,7 +34415,7 @@
           <p:cNvPr id="6" name="직선 화살표 연결선 5">
             <a:extLst>
               <a:ext uri="{FF2B5EF4-FFF2-40B4-BE49-F238E27FC236}">
-                <a16:creationId xmlns:a16="http://schemas.microsoft.com/office/drawing/2014/main" xmlns="" id="{299DF5EC-9DF4-5255-06AC-0A7CE4FF58C3}"/>
+                <a16:creationId xmlns:a16="http://schemas.microsoft.com/office/drawing/2014/main" id="{299DF5EC-9DF4-5255-06AC-0A7CE4FF58C3}"/>
               </a:ext>
             </a:extLst>
           </p:cNvPr>
@@ -34344,7 +34456,7 @@
           <p:cNvPr id="8" name="TextBox 7">
             <a:extLst>
               <a:ext uri="{FF2B5EF4-FFF2-40B4-BE49-F238E27FC236}">
-                <a16:creationId xmlns:a16="http://schemas.microsoft.com/office/drawing/2014/main" xmlns="" id="{C6D113C6-EA5C-788F-0C77-E7CE6EBB865F}"/>
+                <a16:creationId xmlns:a16="http://schemas.microsoft.com/office/drawing/2014/main" id="{C6D113C6-EA5C-788F-0C77-E7CE6EBB865F}"/>
               </a:ext>
             </a:extLst>
           </p:cNvPr>
@@ -34392,7 +34504,7 @@
           <p:cNvPr id="9" name="직사각형 8">
             <a:extLst>
               <a:ext uri="{FF2B5EF4-FFF2-40B4-BE49-F238E27FC236}">
-                <a16:creationId xmlns:a16="http://schemas.microsoft.com/office/drawing/2014/main" xmlns="" id="{FFF506F9-840A-0508-4CAF-3AC711D8D5CE}"/>
+                <a16:creationId xmlns:a16="http://schemas.microsoft.com/office/drawing/2014/main" id="{FFF506F9-840A-0508-4CAF-3AC711D8D5CE}"/>
               </a:ext>
             </a:extLst>
           </p:cNvPr>
@@ -34444,7 +34556,7 @@
           <p:cNvPr id="10" name="직선 화살표 연결선 9">
             <a:extLst>
               <a:ext uri="{FF2B5EF4-FFF2-40B4-BE49-F238E27FC236}">
-                <a16:creationId xmlns:a16="http://schemas.microsoft.com/office/drawing/2014/main" xmlns="" id="{299DF5EC-9DF4-5255-06AC-0A7CE4FF58C3}"/>
+                <a16:creationId xmlns:a16="http://schemas.microsoft.com/office/drawing/2014/main" id="{299DF5EC-9DF4-5255-06AC-0A7CE4FF58C3}"/>
               </a:ext>
             </a:extLst>
           </p:cNvPr>
@@ -34485,7 +34597,7 @@
           <p:cNvPr id="11" name="TextBox 10">
             <a:extLst>
               <a:ext uri="{FF2B5EF4-FFF2-40B4-BE49-F238E27FC236}">
-                <a16:creationId xmlns:a16="http://schemas.microsoft.com/office/drawing/2014/main" xmlns="" id="{C6D113C6-EA5C-788F-0C77-E7CE6EBB865F}"/>
+                <a16:creationId xmlns:a16="http://schemas.microsoft.com/office/drawing/2014/main" id="{C6D113C6-EA5C-788F-0C77-E7CE6EBB865F}"/>
               </a:ext>
             </a:extLst>
           </p:cNvPr>
@@ -34557,7 +34669,7 @@
           <p:cNvPr id="13" name="직사각형 12">
             <a:extLst>
               <a:ext uri="{FF2B5EF4-FFF2-40B4-BE49-F238E27FC236}">
-                <a16:creationId xmlns:a16="http://schemas.microsoft.com/office/drawing/2014/main" xmlns="" id="{FFF506F9-840A-0508-4CAF-3AC711D8D5CE}"/>
+                <a16:creationId xmlns:a16="http://schemas.microsoft.com/office/drawing/2014/main" id="{FFF506F9-840A-0508-4CAF-3AC711D8D5CE}"/>
               </a:ext>
             </a:extLst>
           </p:cNvPr>
@@ -34609,7 +34721,7 @@
           <p:cNvPr id="14" name="직선 화살표 연결선 13">
             <a:extLst>
               <a:ext uri="{FF2B5EF4-FFF2-40B4-BE49-F238E27FC236}">
-                <a16:creationId xmlns:a16="http://schemas.microsoft.com/office/drawing/2014/main" xmlns="" id="{299DF5EC-9DF4-5255-06AC-0A7CE4FF58C3}"/>
+                <a16:creationId xmlns:a16="http://schemas.microsoft.com/office/drawing/2014/main" id="{299DF5EC-9DF4-5255-06AC-0A7CE4FF58C3}"/>
               </a:ext>
             </a:extLst>
           </p:cNvPr>
@@ -34650,7 +34762,7 @@
           <p:cNvPr id="15" name="TextBox 14">
             <a:extLst>
               <a:ext uri="{FF2B5EF4-FFF2-40B4-BE49-F238E27FC236}">
-                <a16:creationId xmlns:a16="http://schemas.microsoft.com/office/drawing/2014/main" xmlns="" id="{C6D113C6-EA5C-788F-0C77-E7CE6EBB865F}"/>
+                <a16:creationId xmlns:a16="http://schemas.microsoft.com/office/drawing/2014/main" id="{C6D113C6-EA5C-788F-0C77-E7CE6EBB865F}"/>
               </a:ext>
             </a:extLst>
           </p:cNvPr>
@@ -34698,7 +34810,7 @@
           <p:cNvPr id="16" name="직사각형 15">
             <a:extLst>
               <a:ext uri="{FF2B5EF4-FFF2-40B4-BE49-F238E27FC236}">
-                <a16:creationId xmlns:a16="http://schemas.microsoft.com/office/drawing/2014/main" xmlns="" id="{FFF506F9-840A-0508-4CAF-3AC711D8D5CE}"/>
+                <a16:creationId xmlns:a16="http://schemas.microsoft.com/office/drawing/2014/main" id="{FFF506F9-840A-0508-4CAF-3AC711D8D5CE}"/>
               </a:ext>
             </a:extLst>
           </p:cNvPr>
@@ -34750,7 +34862,7 @@
           <p:cNvPr id="17" name="직선 화살표 연결선 16">
             <a:extLst>
               <a:ext uri="{FF2B5EF4-FFF2-40B4-BE49-F238E27FC236}">
-                <a16:creationId xmlns:a16="http://schemas.microsoft.com/office/drawing/2014/main" xmlns="" id="{299DF5EC-9DF4-5255-06AC-0A7CE4FF58C3}"/>
+                <a16:creationId xmlns:a16="http://schemas.microsoft.com/office/drawing/2014/main" id="{299DF5EC-9DF4-5255-06AC-0A7CE4FF58C3}"/>
               </a:ext>
             </a:extLst>
           </p:cNvPr>
@@ -34791,7 +34903,7 @@
           <p:cNvPr id="18" name="TextBox 17">
             <a:extLst>
               <a:ext uri="{FF2B5EF4-FFF2-40B4-BE49-F238E27FC236}">
-                <a16:creationId xmlns:a16="http://schemas.microsoft.com/office/drawing/2014/main" xmlns="" id="{C6D113C6-EA5C-788F-0C77-E7CE6EBB865F}"/>
+                <a16:creationId xmlns:a16="http://schemas.microsoft.com/office/drawing/2014/main" id="{C6D113C6-EA5C-788F-0C77-E7CE6EBB865F}"/>
               </a:ext>
             </a:extLst>
           </p:cNvPr>
@@ -35162,7 +35274,7 @@
           <p:cNvPr id="4" name="TextBox 3">
             <a:extLst>
               <a:ext uri="{FF2B5EF4-FFF2-40B4-BE49-F238E27FC236}">
-                <a16:creationId xmlns:a16="http://schemas.microsoft.com/office/drawing/2014/main" xmlns="" id="{7229BEA6-121E-9056-D07F-2B3BB1795F76}"/>
+                <a16:creationId xmlns:a16="http://schemas.microsoft.com/office/drawing/2014/main" id="{7229BEA6-121E-9056-D07F-2B3BB1795F76}"/>
               </a:ext>
             </a:extLst>
           </p:cNvPr>
@@ -35220,7 +35332,7 @@
           <p:cNvPr id="5" name="TextBox 4">
             <a:extLst>
               <a:ext uri="{FF2B5EF4-FFF2-40B4-BE49-F238E27FC236}">
-                <a16:creationId xmlns:a16="http://schemas.microsoft.com/office/drawing/2014/main" xmlns="" id="{5ADC00B6-990A-40DC-3CEA-505258F5E8DA}"/>
+                <a16:creationId xmlns:a16="http://schemas.microsoft.com/office/drawing/2014/main" id="{5ADC00B6-990A-40DC-3CEA-505258F5E8DA}"/>
               </a:ext>
             </a:extLst>
           </p:cNvPr>
@@ -35321,7 +35433,7 @@
           <p:cNvPr id="6" name="TextBox 5">
             <a:extLst>
               <a:ext uri="{FF2B5EF4-FFF2-40B4-BE49-F238E27FC236}">
-                <a16:creationId xmlns:a16="http://schemas.microsoft.com/office/drawing/2014/main" xmlns="" id="{5ADC00B6-990A-40DC-3CEA-505258F5E8DA}"/>
+                <a16:creationId xmlns:a16="http://schemas.microsoft.com/office/drawing/2014/main" id="{5ADC00B6-990A-40DC-3CEA-505258F5E8DA}"/>
               </a:ext>
             </a:extLst>
           </p:cNvPr>
@@ -35553,7 +35665,7 @@
           <p:cNvPr id="4" name="TextBox 3">
             <a:extLst>
               <a:ext uri="{FF2B5EF4-FFF2-40B4-BE49-F238E27FC236}">
-                <a16:creationId xmlns:a16="http://schemas.microsoft.com/office/drawing/2014/main" xmlns="" id="{5ADC00B6-990A-40DC-3CEA-505258F5E8DA}"/>
+                <a16:creationId xmlns:a16="http://schemas.microsoft.com/office/drawing/2014/main" id="{5ADC00B6-990A-40DC-3CEA-505258F5E8DA}"/>
               </a:ext>
             </a:extLst>
           </p:cNvPr>
@@ -35661,7 +35773,7 @@
           <p:cNvPr id="5" name="TextBox 4">
             <a:extLst>
               <a:ext uri="{FF2B5EF4-FFF2-40B4-BE49-F238E27FC236}">
-                <a16:creationId xmlns:a16="http://schemas.microsoft.com/office/drawing/2014/main" xmlns="" id="{5ADC00B6-990A-40DC-3CEA-505258F5E8DA}"/>
+                <a16:creationId xmlns:a16="http://schemas.microsoft.com/office/drawing/2014/main" id="{5ADC00B6-990A-40DC-3CEA-505258F5E8DA}"/>
               </a:ext>
             </a:extLst>
           </p:cNvPr>
@@ -35833,7 +35945,7 @@
           <p:cNvPr id="8" name="직사각형 7">
             <a:extLst>
               <a:ext uri="{FF2B5EF4-FFF2-40B4-BE49-F238E27FC236}">
-                <a16:creationId xmlns:a16="http://schemas.microsoft.com/office/drawing/2014/main" xmlns="" id="{FFF506F9-840A-0508-4CAF-3AC711D8D5CE}"/>
+                <a16:creationId xmlns:a16="http://schemas.microsoft.com/office/drawing/2014/main" id="{FFF506F9-840A-0508-4CAF-3AC711D8D5CE}"/>
               </a:ext>
             </a:extLst>
           </p:cNvPr>
@@ -35922,7 +36034,7 @@
           <p:cNvPr id="4" name="TextBox 3">
             <a:extLst>
               <a:ext uri="{FF2B5EF4-FFF2-40B4-BE49-F238E27FC236}">
-                <a16:creationId xmlns:a16="http://schemas.microsoft.com/office/drawing/2014/main" xmlns="" id="{5ADC00B6-990A-40DC-3CEA-505258F5E8DA}"/>
+                <a16:creationId xmlns:a16="http://schemas.microsoft.com/office/drawing/2014/main" id="{5ADC00B6-990A-40DC-3CEA-505258F5E8DA}"/>
               </a:ext>
             </a:extLst>
           </p:cNvPr>
@@ -36103,7 +36215,7 @@
           <p:cNvPr id="8" name="TextBox 7">
             <a:extLst>
               <a:ext uri="{FF2B5EF4-FFF2-40B4-BE49-F238E27FC236}">
-                <a16:creationId xmlns:a16="http://schemas.microsoft.com/office/drawing/2014/main" xmlns="" id="{5ADC00B6-990A-40DC-3CEA-505258F5E8DA}"/>
+                <a16:creationId xmlns:a16="http://schemas.microsoft.com/office/drawing/2014/main" id="{5ADC00B6-990A-40DC-3CEA-505258F5E8DA}"/>
               </a:ext>
             </a:extLst>
           </p:cNvPr>
@@ -36427,7 +36539,7 @@
           <p:cNvPr id="2" name="TextBox 1">
             <a:extLst>
               <a:ext uri="{FF2B5EF4-FFF2-40B4-BE49-F238E27FC236}">
-                <a16:creationId xmlns:a16="http://schemas.microsoft.com/office/drawing/2014/main" xmlns="" id="{5ADC00B6-990A-40DC-3CEA-505258F5E8DA}"/>
+                <a16:creationId xmlns:a16="http://schemas.microsoft.com/office/drawing/2014/main" id="{5ADC00B6-990A-40DC-3CEA-505258F5E8DA}"/>
               </a:ext>
             </a:extLst>
           </p:cNvPr>
@@ -36485,7 +36597,7 @@
           <p:cNvPr id="3" name="TextBox 2">
             <a:extLst>
               <a:ext uri="{FF2B5EF4-FFF2-40B4-BE49-F238E27FC236}">
-                <a16:creationId xmlns:a16="http://schemas.microsoft.com/office/drawing/2014/main" xmlns="" id="{5ADC00B6-990A-40DC-3CEA-505258F5E8DA}"/>
+                <a16:creationId xmlns:a16="http://schemas.microsoft.com/office/drawing/2014/main" id="{5ADC00B6-990A-40DC-3CEA-505258F5E8DA}"/>
               </a:ext>
             </a:extLst>
           </p:cNvPr>
@@ -36902,7 +37014,7 @@
           <p:cNvPr id="27" name="TextBox 26">
             <a:extLst>
               <a:ext uri="{FF2B5EF4-FFF2-40B4-BE49-F238E27FC236}">
-                <a16:creationId xmlns:a16="http://schemas.microsoft.com/office/drawing/2014/main" xmlns="" id="{7229BEA6-121E-9056-D07F-2B3BB1795F76}"/>
+                <a16:creationId xmlns:a16="http://schemas.microsoft.com/office/drawing/2014/main" id="{7229BEA6-121E-9056-D07F-2B3BB1795F76}"/>
               </a:ext>
             </a:extLst>
           </p:cNvPr>
@@ -36970,7 +37082,7 @@
           <p:cNvPr id="28" name="TextBox 27">
             <a:extLst>
               <a:ext uri="{FF2B5EF4-FFF2-40B4-BE49-F238E27FC236}">
-                <a16:creationId xmlns:a16="http://schemas.microsoft.com/office/drawing/2014/main" xmlns="" id="{5ADC00B6-990A-40DC-3CEA-505258F5E8DA}"/>
+                <a16:creationId xmlns:a16="http://schemas.microsoft.com/office/drawing/2014/main" id="{5ADC00B6-990A-40DC-3CEA-505258F5E8DA}"/>
               </a:ext>
             </a:extLst>
           </p:cNvPr>
@@ -37192,6 +37304,13 @@
   <p:clrMapOvr>
     <a:masterClrMapping/>
   </p:clrMapOvr>
+  <p:timing>
+    <p:tnLst>
+      <p:par>
+        <p:cTn id="1" dur="indefinite" restart="never" nodeType="tmRoot"/>
+      </p:par>
+    </p:tnLst>
+  </p:timing>
 </p:sld>
 </file>
 
@@ -37217,7 +37336,7 @@
           <p:cNvPr id="2" name="TextBox 1">
             <a:extLst>
               <a:ext uri="{FF2B5EF4-FFF2-40B4-BE49-F238E27FC236}">
-                <a16:creationId xmlns:a16="http://schemas.microsoft.com/office/drawing/2014/main" xmlns="" id="{5ADC00B6-990A-40DC-3CEA-505258F5E8DA}"/>
+                <a16:creationId xmlns:a16="http://schemas.microsoft.com/office/drawing/2014/main" id="{5ADC00B6-990A-40DC-3CEA-505258F5E8DA}"/>
               </a:ext>
             </a:extLst>
           </p:cNvPr>
@@ -37278,7 +37397,7 @@
           <p:cNvPr id="3" name="TextBox 2">
             <a:extLst>
               <a:ext uri="{FF2B5EF4-FFF2-40B4-BE49-F238E27FC236}">
-                <a16:creationId xmlns:a16="http://schemas.microsoft.com/office/drawing/2014/main" xmlns="" id="{5ADC00B6-990A-40DC-3CEA-505258F5E8DA}"/>
+                <a16:creationId xmlns:a16="http://schemas.microsoft.com/office/drawing/2014/main" id="{5ADC00B6-990A-40DC-3CEA-505258F5E8DA}"/>
               </a:ext>
             </a:extLst>
           </p:cNvPr>
@@ -37557,7 +37676,7 @@
           <p:cNvPr id="2" name="TextBox 1">
             <a:extLst>
               <a:ext uri="{FF2B5EF4-FFF2-40B4-BE49-F238E27FC236}">
-                <a16:creationId xmlns:a16="http://schemas.microsoft.com/office/drawing/2014/main" xmlns="" id="{5ADC00B6-990A-40DC-3CEA-505258F5E8DA}"/>
+                <a16:creationId xmlns:a16="http://schemas.microsoft.com/office/drawing/2014/main" id="{5ADC00B6-990A-40DC-3CEA-505258F5E8DA}"/>
               </a:ext>
             </a:extLst>
           </p:cNvPr>
@@ -37615,7 +37734,7 @@
           <p:cNvPr id="3" name="TextBox 2">
             <a:extLst>
               <a:ext uri="{FF2B5EF4-FFF2-40B4-BE49-F238E27FC236}">
-                <a16:creationId xmlns:a16="http://schemas.microsoft.com/office/drawing/2014/main" xmlns="" id="{5ADC00B6-990A-40DC-3CEA-505258F5E8DA}"/>
+                <a16:creationId xmlns:a16="http://schemas.microsoft.com/office/drawing/2014/main" id="{5ADC00B6-990A-40DC-3CEA-505258F5E8DA}"/>
               </a:ext>
             </a:extLst>
           </p:cNvPr>
@@ -37945,7 +38064,7 @@
           <p:cNvPr id="2" name="TextBox 1">
             <a:extLst>
               <a:ext uri="{FF2B5EF4-FFF2-40B4-BE49-F238E27FC236}">
-                <a16:creationId xmlns:a16="http://schemas.microsoft.com/office/drawing/2014/main" xmlns="" id="{9C367921-5498-0637-0936-59199E2F892B}"/>
+                <a16:creationId xmlns:a16="http://schemas.microsoft.com/office/drawing/2014/main" id="{9C367921-5498-0637-0936-59199E2F892B}"/>
               </a:ext>
             </a:extLst>
           </p:cNvPr>
@@ -38444,7 +38563,7 @@
           <p:cNvPr id="2" name="TextBox 1">
             <a:extLst>
               <a:ext uri="{FF2B5EF4-FFF2-40B4-BE49-F238E27FC236}">
-                <a16:creationId xmlns:a16="http://schemas.microsoft.com/office/drawing/2014/main" xmlns="" id="{715D88A2-BD52-978B-A00A-540446126E3D}"/>
+                <a16:creationId xmlns:a16="http://schemas.microsoft.com/office/drawing/2014/main" id="{715D88A2-BD52-978B-A00A-540446126E3D}"/>
               </a:ext>
             </a:extLst>
           </p:cNvPr>
@@ -38517,7 +38636,7 @@
           <p:cNvPr id="4" name="TextBox 3">
             <a:extLst>
               <a:ext uri="{FF2B5EF4-FFF2-40B4-BE49-F238E27FC236}">
-                <a16:creationId xmlns:a16="http://schemas.microsoft.com/office/drawing/2014/main" xmlns="" id="{7229BEA6-121E-9056-D07F-2B3BB1795F76}"/>
+                <a16:creationId xmlns:a16="http://schemas.microsoft.com/office/drawing/2014/main" id="{7229BEA6-121E-9056-D07F-2B3BB1795F76}"/>
               </a:ext>
             </a:extLst>
           </p:cNvPr>
@@ -38711,7 +38830,7 @@
           <p:cNvPr id="4" name="TextBox 3">
             <a:extLst>
               <a:ext uri="{FF2B5EF4-FFF2-40B4-BE49-F238E27FC236}">
-                <a16:creationId xmlns:a16="http://schemas.microsoft.com/office/drawing/2014/main" xmlns="" id="{7229BEA6-121E-9056-D07F-2B3BB1795F76}"/>
+                <a16:creationId xmlns:a16="http://schemas.microsoft.com/office/drawing/2014/main" id="{7229BEA6-121E-9056-D07F-2B3BB1795F76}"/>
               </a:ext>
             </a:extLst>
           </p:cNvPr>
@@ -38810,7 +38929,7 @@
           <p:cNvPr id="6" name="TextBox 5">
             <a:extLst>
               <a:ext uri="{FF2B5EF4-FFF2-40B4-BE49-F238E27FC236}">
-                <a16:creationId xmlns:a16="http://schemas.microsoft.com/office/drawing/2014/main" xmlns="" id="{7229BEA6-121E-9056-D07F-2B3BB1795F76}"/>
+                <a16:creationId xmlns:a16="http://schemas.microsoft.com/office/drawing/2014/main" id="{7229BEA6-121E-9056-D07F-2B3BB1795F76}"/>
               </a:ext>
             </a:extLst>
           </p:cNvPr>
@@ -38858,7 +38977,7 @@
           <p:cNvPr id="7" name="그룹 1008">
             <a:extLst>
               <a:ext uri="{FF2B5EF4-FFF2-40B4-BE49-F238E27FC236}">
-                <a16:creationId xmlns:a16="http://schemas.microsoft.com/office/drawing/2014/main" xmlns="" id="{E395BDE3-2EDE-065D-70E8-56E348228ACF}"/>
+                <a16:creationId xmlns:a16="http://schemas.microsoft.com/office/drawing/2014/main" id="{E395BDE3-2EDE-065D-70E8-56E348228ACF}"/>
               </a:ext>
             </a:extLst>
           </p:cNvPr>
@@ -38878,7 +38997,7 @@
             <p:cNvPr id="8" name="그룹 1009">
               <a:extLst>
                 <a:ext uri="{FF2B5EF4-FFF2-40B4-BE49-F238E27FC236}">
-                  <a16:creationId xmlns:a16="http://schemas.microsoft.com/office/drawing/2014/main" xmlns="" id="{852F4DEB-DB33-DB3F-9E9F-52A46CD0B10A}"/>
+                  <a16:creationId xmlns:a16="http://schemas.microsoft.com/office/drawing/2014/main" id="{852F4DEB-DB33-DB3F-9E9F-52A46CD0B10A}"/>
                 </a:ext>
               </a:extLst>
             </p:cNvPr>
@@ -38898,7 +39017,7 @@
               <p:cNvPr id="13" name="Object 29">
                 <a:extLst>
                   <a:ext uri="{FF2B5EF4-FFF2-40B4-BE49-F238E27FC236}">
-                    <a16:creationId xmlns:a16="http://schemas.microsoft.com/office/drawing/2014/main" xmlns="" id="{7E353D3B-14D4-8A64-5888-3F0C062C2CDD}"/>
+                    <a16:creationId xmlns:a16="http://schemas.microsoft.com/office/drawing/2014/main" id="{7E353D3B-14D4-8A64-5888-3F0C062C2CDD}"/>
                   </a:ext>
                 </a:extLst>
               </p:cNvPr>
@@ -38929,7 +39048,7 @@
             <p:cNvPr id="9" name="그룹 1010">
               <a:extLst>
                 <a:ext uri="{FF2B5EF4-FFF2-40B4-BE49-F238E27FC236}">
-                  <a16:creationId xmlns:a16="http://schemas.microsoft.com/office/drawing/2014/main" xmlns="" id="{001E38AB-1390-ABD0-BE01-9727136FEAEE}"/>
+                  <a16:creationId xmlns:a16="http://schemas.microsoft.com/office/drawing/2014/main" id="{001E38AB-1390-ABD0-BE01-9727136FEAEE}"/>
                 </a:ext>
               </a:extLst>
             </p:cNvPr>
@@ -38949,7 +39068,7 @@
               <p:cNvPr id="12" name="Object 32">
                 <a:extLst>
                   <a:ext uri="{FF2B5EF4-FFF2-40B4-BE49-F238E27FC236}">
-                    <a16:creationId xmlns:a16="http://schemas.microsoft.com/office/drawing/2014/main" xmlns="" id="{2ED1C30F-0D0B-F86C-8215-2598D332B5A3}"/>
+                    <a16:creationId xmlns:a16="http://schemas.microsoft.com/office/drawing/2014/main" id="{2ED1C30F-0D0B-F86C-8215-2598D332B5A3}"/>
                   </a:ext>
                 </a:extLst>
               </p:cNvPr>
@@ -38980,7 +39099,7 @@
             <p:cNvPr id="10" name="그룹 1011">
               <a:extLst>
                 <a:ext uri="{FF2B5EF4-FFF2-40B4-BE49-F238E27FC236}">
-                  <a16:creationId xmlns:a16="http://schemas.microsoft.com/office/drawing/2014/main" xmlns="" id="{1BCB8DE5-ABAF-4198-BC16-85BB76F2DB24}"/>
+                  <a16:creationId xmlns:a16="http://schemas.microsoft.com/office/drawing/2014/main" id="{1BCB8DE5-ABAF-4198-BC16-85BB76F2DB24}"/>
                 </a:ext>
               </a:extLst>
             </p:cNvPr>
@@ -39000,7 +39119,7 @@
               <p:cNvPr id="11" name="Object 35">
                 <a:extLst>
                   <a:ext uri="{FF2B5EF4-FFF2-40B4-BE49-F238E27FC236}">
-                    <a16:creationId xmlns:a16="http://schemas.microsoft.com/office/drawing/2014/main" xmlns="" id="{86E7BA23-0A1E-B581-CADC-06AB269DB2BD}"/>
+                    <a16:creationId xmlns:a16="http://schemas.microsoft.com/office/drawing/2014/main" id="{86E7BA23-0A1E-B581-CADC-06AB269DB2BD}"/>
                   </a:ext>
                 </a:extLst>
               </p:cNvPr>
@@ -39032,7 +39151,7 @@
           <p:cNvPr id="14" name="그룹 1008">
             <a:extLst>
               <a:ext uri="{FF2B5EF4-FFF2-40B4-BE49-F238E27FC236}">
-                <a16:creationId xmlns:a16="http://schemas.microsoft.com/office/drawing/2014/main" xmlns="" id="{E395BDE3-2EDE-065D-70E8-56E348228ACF}"/>
+                <a16:creationId xmlns:a16="http://schemas.microsoft.com/office/drawing/2014/main" id="{E395BDE3-2EDE-065D-70E8-56E348228ACF}"/>
               </a:ext>
             </a:extLst>
           </p:cNvPr>
@@ -39052,7 +39171,7 @@
             <p:cNvPr id="15" name="그룹 1009">
               <a:extLst>
                 <a:ext uri="{FF2B5EF4-FFF2-40B4-BE49-F238E27FC236}">
-                  <a16:creationId xmlns:a16="http://schemas.microsoft.com/office/drawing/2014/main" xmlns="" id="{852F4DEB-DB33-DB3F-9E9F-52A46CD0B10A}"/>
+                  <a16:creationId xmlns:a16="http://schemas.microsoft.com/office/drawing/2014/main" id="{852F4DEB-DB33-DB3F-9E9F-52A46CD0B10A}"/>
                 </a:ext>
               </a:extLst>
             </p:cNvPr>
@@ -39072,7 +39191,7 @@
               <p:cNvPr id="20" name="Object 29">
                 <a:extLst>
                   <a:ext uri="{FF2B5EF4-FFF2-40B4-BE49-F238E27FC236}">
-                    <a16:creationId xmlns:a16="http://schemas.microsoft.com/office/drawing/2014/main" xmlns="" id="{7E353D3B-14D4-8A64-5888-3F0C062C2CDD}"/>
+                    <a16:creationId xmlns:a16="http://schemas.microsoft.com/office/drawing/2014/main" id="{7E353D3B-14D4-8A64-5888-3F0C062C2CDD}"/>
                   </a:ext>
                 </a:extLst>
               </p:cNvPr>
@@ -39103,7 +39222,7 @@
             <p:cNvPr id="16" name="그룹 1010">
               <a:extLst>
                 <a:ext uri="{FF2B5EF4-FFF2-40B4-BE49-F238E27FC236}">
-                  <a16:creationId xmlns:a16="http://schemas.microsoft.com/office/drawing/2014/main" xmlns="" id="{001E38AB-1390-ABD0-BE01-9727136FEAEE}"/>
+                  <a16:creationId xmlns:a16="http://schemas.microsoft.com/office/drawing/2014/main" id="{001E38AB-1390-ABD0-BE01-9727136FEAEE}"/>
                 </a:ext>
               </a:extLst>
             </p:cNvPr>
@@ -39123,7 +39242,7 @@
               <p:cNvPr id="19" name="Object 32">
                 <a:extLst>
                   <a:ext uri="{FF2B5EF4-FFF2-40B4-BE49-F238E27FC236}">
-                    <a16:creationId xmlns:a16="http://schemas.microsoft.com/office/drawing/2014/main" xmlns="" id="{2ED1C30F-0D0B-F86C-8215-2598D332B5A3}"/>
+                    <a16:creationId xmlns:a16="http://schemas.microsoft.com/office/drawing/2014/main" id="{2ED1C30F-0D0B-F86C-8215-2598D332B5A3}"/>
                   </a:ext>
                 </a:extLst>
               </p:cNvPr>
@@ -39154,7 +39273,7 @@
             <p:cNvPr id="17" name="그룹 1011">
               <a:extLst>
                 <a:ext uri="{FF2B5EF4-FFF2-40B4-BE49-F238E27FC236}">
-                  <a16:creationId xmlns:a16="http://schemas.microsoft.com/office/drawing/2014/main" xmlns="" id="{1BCB8DE5-ABAF-4198-BC16-85BB76F2DB24}"/>
+                  <a16:creationId xmlns:a16="http://schemas.microsoft.com/office/drawing/2014/main" id="{1BCB8DE5-ABAF-4198-BC16-85BB76F2DB24}"/>
                 </a:ext>
               </a:extLst>
             </p:cNvPr>
@@ -39174,7 +39293,7 @@
               <p:cNvPr id="18" name="Object 35">
                 <a:extLst>
                   <a:ext uri="{FF2B5EF4-FFF2-40B4-BE49-F238E27FC236}">
-                    <a16:creationId xmlns:a16="http://schemas.microsoft.com/office/drawing/2014/main" xmlns="" id="{86E7BA23-0A1E-B581-CADC-06AB269DB2BD}"/>
+                    <a16:creationId xmlns:a16="http://schemas.microsoft.com/office/drawing/2014/main" id="{86E7BA23-0A1E-B581-CADC-06AB269DB2BD}"/>
                   </a:ext>
                 </a:extLst>
               </p:cNvPr>
@@ -39206,7 +39325,7 @@
           <p:cNvPr id="21" name="TextBox 20">
             <a:extLst>
               <a:ext uri="{FF2B5EF4-FFF2-40B4-BE49-F238E27FC236}">
-                <a16:creationId xmlns:a16="http://schemas.microsoft.com/office/drawing/2014/main" xmlns="" id="{7229BEA6-121E-9056-D07F-2B3BB1795F76}"/>
+                <a16:creationId xmlns:a16="http://schemas.microsoft.com/office/drawing/2014/main" id="{7229BEA6-121E-9056-D07F-2B3BB1795F76}"/>
               </a:ext>
             </a:extLst>
           </p:cNvPr>
@@ -39295,7 +39414,7 @@
           <p:cNvPr id="24" name="그룹 1008">
             <a:extLst>
               <a:ext uri="{FF2B5EF4-FFF2-40B4-BE49-F238E27FC236}">
-                <a16:creationId xmlns:a16="http://schemas.microsoft.com/office/drawing/2014/main" xmlns="" id="{E395BDE3-2EDE-065D-70E8-56E348228ACF}"/>
+                <a16:creationId xmlns:a16="http://schemas.microsoft.com/office/drawing/2014/main" id="{E395BDE3-2EDE-065D-70E8-56E348228ACF}"/>
               </a:ext>
             </a:extLst>
           </p:cNvPr>
@@ -39315,7 +39434,7 @@
             <p:cNvPr id="25" name="그룹 1009">
               <a:extLst>
                 <a:ext uri="{FF2B5EF4-FFF2-40B4-BE49-F238E27FC236}">
-                  <a16:creationId xmlns:a16="http://schemas.microsoft.com/office/drawing/2014/main" xmlns="" id="{852F4DEB-DB33-DB3F-9E9F-52A46CD0B10A}"/>
+                  <a16:creationId xmlns:a16="http://schemas.microsoft.com/office/drawing/2014/main" id="{852F4DEB-DB33-DB3F-9E9F-52A46CD0B10A}"/>
                 </a:ext>
               </a:extLst>
             </p:cNvPr>
@@ -39335,7 +39454,7 @@
               <p:cNvPr id="30" name="Object 29">
                 <a:extLst>
                   <a:ext uri="{FF2B5EF4-FFF2-40B4-BE49-F238E27FC236}">
-                    <a16:creationId xmlns:a16="http://schemas.microsoft.com/office/drawing/2014/main" xmlns="" id="{7E353D3B-14D4-8A64-5888-3F0C062C2CDD}"/>
+                    <a16:creationId xmlns:a16="http://schemas.microsoft.com/office/drawing/2014/main" id="{7E353D3B-14D4-8A64-5888-3F0C062C2CDD}"/>
                   </a:ext>
                 </a:extLst>
               </p:cNvPr>
@@ -39366,7 +39485,7 @@
             <p:cNvPr id="26" name="그룹 1010">
               <a:extLst>
                 <a:ext uri="{FF2B5EF4-FFF2-40B4-BE49-F238E27FC236}">
-                  <a16:creationId xmlns:a16="http://schemas.microsoft.com/office/drawing/2014/main" xmlns="" id="{001E38AB-1390-ABD0-BE01-9727136FEAEE}"/>
+                  <a16:creationId xmlns:a16="http://schemas.microsoft.com/office/drawing/2014/main" id="{001E38AB-1390-ABD0-BE01-9727136FEAEE}"/>
                 </a:ext>
               </a:extLst>
             </p:cNvPr>
@@ -39386,7 +39505,7 @@
               <p:cNvPr id="29" name="Object 32">
                 <a:extLst>
                   <a:ext uri="{FF2B5EF4-FFF2-40B4-BE49-F238E27FC236}">
-                    <a16:creationId xmlns:a16="http://schemas.microsoft.com/office/drawing/2014/main" xmlns="" id="{2ED1C30F-0D0B-F86C-8215-2598D332B5A3}"/>
+                    <a16:creationId xmlns:a16="http://schemas.microsoft.com/office/drawing/2014/main" id="{2ED1C30F-0D0B-F86C-8215-2598D332B5A3}"/>
                   </a:ext>
                 </a:extLst>
               </p:cNvPr>
@@ -39417,7 +39536,7 @@
             <p:cNvPr id="27" name="그룹 1011">
               <a:extLst>
                 <a:ext uri="{FF2B5EF4-FFF2-40B4-BE49-F238E27FC236}">
-                  <a16:creationId xmlns:a16="http://schemas.microsoft.com/office/drawing/2014/main" xmlns="" id="{1BCB8DE5-ABAF-4198-BC16-85BB76F2DB24}"/>
+                  <a16:creationId xmlns:a16="http://schemas.microsoft.com/office/drawing/2014/main" id="{1BCB8DE5-ABAF-4198-BC16-85BB76F2DB24}"/>
                 </a:ext>
               </a:extLst>
             </p:cNvPr>
@@ -39437,7 +39556,7 @@
               <p:cNvPr id="28" name="Object 35">
                 <a:extLst>
                   <a:ext uri="{FF2B5EF4-FFF2-40B4-BE49-F238E27FC236}">
-                    <a16:creationId xmlns:a16="http://schemas.microsoft.com/office/drawing/2014/main" xmlns="" id="{86E7BA23-0A1E-B581-CADC-06AB269DB2BD}"/>
+                    <a16:creationId xmlns:a16="http://schemas.microsoft.com/office/drawing/2014/main" id="{86E7BA23-0A1E-B581-CADC-06AB269DB2BD}"/>
                   </a:ext>
                 </a:extLst>
               </p:cNvPr>

--- a/JavaLecture/LectureFile/java 1강 변수.pptx
+++ b/JavaLecture/LectureFile/java 1강 변수.pptx
@@ -83,7 +83,7 @@
     <p:sldId id="275" r:id="rId74"/>
   </p:sldIdLst>
   <p:sldSz cx="18288000" cy="10287000"/>
-  <p:notesSz cx="10287000" cy="18288000"/>
+  <p:notesSz cx="7104063" cy="10234613"/>
   <p:defaultTextStyle>
     <a:defPPr>
       <a:defRPr lang="en-US"/>
@@ -235,18 +235,18 @@
         </p:nvSpPr>
         <p:spPr>
           <a:xfrm>
-            <a:off x="0" y="0"/>
-            <a:ext cx="4457700" cy="917575"/>
+            <a:off x="0" y="1"/>
+            <a:ext cx="3078427" cy="513507"/>
           </a:xfrm>
           <a:prstGeom prst="rect">
             <a:avLst/>
           </a:prstGeom>
         </p:spPr>
         <p:txBody>
-          <a:bodyPr vert="horz" lIns="91440" tIns="45720" rIns="91440" bIns="45720" rtlCol="0"/>
+          <a:bodyPr vert="horz" lIns="55477" tIns="27738" rIns="55477" bIns="27738" rtlCol="0"/>
           <a:lstStyle>
             <a:lvl1pPr algn="l">
-              <a:defRPr sz="1200"/>
+              <a:defRPr sz="700"/>
             </a:lvl1pPr>
           </a:lstStyle>
           <a:p>
@@ -266,24 +266,24 @@
         </p:nvSpPr>
         <p:spPr>
           <a:xfrm>
-            <a:off x="5827713" y="0"/>
-            <a:ext cx="4457700" cy="917575"/>
+            <a:off x="4024540" y="1"/>
+            <a:ext cx="3078427" cy="513507"/>
           </a:xfrm>
           <a:prstGeom prst="rect">
             <a:avLst/>
           </a:prstGeom>
         </p:spPr>
         <p:txBody>
-          <a:bodyPr vert="horz" lIns="91440" tIns="45720" rIns="91440" bIns="45720" rtlCol="0"/>
+          <a:bodyPr vert="horz" lIns="55477" tIns="27738" rIns="55477" bIns="27738" rtlCol="0"/>
           <a:lstStyle>
             <a:lvl1pPr algn="r">
-              <a:defRPr sz="1200"/>
+              <a:defRPr sz="700"/>
             </a:lvl1pPr>
           </a:lstStyle>
           <a:p>
             <a:fld id="{D79F2C30-10E1-4C46-91DC-BBDB9629E720}" type="datetimeFigureOut">
               <a:rPr lang="ko-KR" altLang="en-US" smtClean="0"/>
-              <a:t>2023-09-23</a:t>
+              <a:t>2024-03-03 Sunday</a:t>
             </a:fld>
             <a:endParaRPr lang="ko-KR" altLang="en-US"/>
           </a:p>
@@ -301,8 +301,8 @@
         </p:nvSpPr>
         <p:spPr>
           <a:xfrm>
-            <a:off x="-342900" y="2286000"/>
-            <a:ext cx="10972800" cy="6172200"/>
+            <a:off x="481013" y="1279525"/>
+            <a:ext cx="6142037" cy="3454400"/>
           </a:xfrm>
           <a:prstGeom prst="rect">
             <a:avLst/>
@@ -315,7 +315,7 @@
           </a:ln>
         </p:spPr>
         <p:txBody>
-          <a:bodyPr vert="horz" lIns="91440" tIns="45720" rIns="91440" bIns="45720" rtlCol="0" anchor="ctr"/>
+          <a:bodyPr vert="horz" lIns="55477" tIns="27738" rIns="55477" bIns="27738" rtlCol="0" anchor="ctr"/>
           <a:lstStyle/>
           <a:p>
             <a:endParaRPr lang="ko-KR" altLang="en-US"/>
@@ -334,15 +334,15 @@
         </p:nvSpPr>
         <p:spPr>
           <a:xfrm>
-            <a:off x="1028700" y="8801100"/>
-            <a:ext cx="8229600" cy="7200900"/>
+            <a:off x="710407" y="4925407"/>
+            <a:ext cx="5683250" cy="4029879"/>
           </a:xfrm>
           <a:prstGeom prst="rect">
             <a:avLst/>
           </a:prstGeom>
         </p:spPr>
         <p:txBody>
-          <a:bodyPr vert="horz" lIns="91440" tIns="45720" rIns="91440" bIns="45720" rtlCol="0"/>
+          <a:bodyPr vert="horz" lIns="55477" tIns="27738" rIns="55477" bIns="27738" rtlCol="0"/>
           <a:lstStyle/>
           <a:p>
             <a:pPr lvl="0"/>
@@ -393,18 +393,18 @@
         </p:nvSpPr>
         <p:spPr>
           <a:xfrm>
-            <a:off x="0" y="17372013"/>
-            <a:ext cx="4457700" cy="915987"/>
+            <a:off x="0" y="9721994"/>
+            <a:ext cx="3078427" cy="512619"/>
           </a:xfrm>
           <a:prstGeom prst="rect">
             <a:avLst/>
           </a:prstGeom>
         </p:spPr>
         <p:txBody>
-          <a:bodyPr vert="horz" lIns="91440" tIns="45720" rIns="91440" bIns="45720" rtlCol="0" anchor="b"/>
+          <a:bodyPr vert="horz" lIns="55477" tIns="27738" rIns="55477" bIns="27738" rtlCol="0" anchor="b"/>
           <a:lstStyle>
             <a:lvl1pPr algn="l">
-              <a:defRPr sz="1200"/>
+              <a:defRPr sz="700"/>
             </a:lvl1pPr>
           </a:lstStyle>
           <a:p>
@@ -424,18 +424,18 @@
         </p:nvSpPr>
         <p:spPr>
           <a:xfrm>
-            <a:off x="5827713" y="17372013"/>
-            <a:ext cx="4457700" cy="915987"/>
+            <a:off x="4024540" y="9721994"/>
+            <a:ext cx="3078427" cy="512619"/>
           </a:xfrm>
           <a:prstGeom prst="rect">
             <a:avLst/>
           </a:prstGeom>
         </p:spPr>
         <p:txBody>
-          <a:bodyPr vert="horz" lIns="91440" tIns="45720" rIns="91440" bIns="45720" rtlCol="0" anchor="b"/>
+          <a:bodyPr vert="horz" lIns="55477" tIns="27738" rIns="55477" bIns="27738" rtlCol="0" anchor="b"/>
           <a:lstStyle>
             <a:lvl1pPr algn="r">
-              <a:defRPr sz="1200"/>
+              <a:defRPr sz="700"/>
             </a:lvl1pPr>
           </a:lstStyle>
           <a:p>
@@ -911,7 +911,7 @@
           <a:p>
             <a:fld id="{F8166F1F-CE9B-4651-A6AA-CD717754106B}" type="datetimeFigureOut">
               <a:rPr lang="en-US" smtClean="0"/>
-              <a:t>9/23/2023</a:t>
+              <a:t>3/3/2024</a:t>
             </a:fld>
             <a:endParaRPr lang="en-US"/>
           </a:p>
@@ -1114,7 +1114,7 @@
           <a:p>
             <a:fld id="{A76116CE-C4A3-4A05-B2D7-7C2E9A889C0F}" type="datetimeFigureOut">
               <a:rPr lang="en-US" smtClean="0"/>
-              <a:t>9/23/2023</a:t>
+              <a:t>3/3/2024</a:t>
             </a:fld>
             <a:endParaRPr lang="en-US"/>
           </a:p>
@@ -1317,7 +1317,7 @@
           <a:p>
             <a:fld id="{A76116CE-C4A3-4A05-B2D7-7C2E9A889C0F}" type="datetimeFigureOut">
               <a:rPr lang="en-US" smtClean="0"/>
-              <a:t>9/23/2023</a:t>
+              <a:t>3/3/2024</a:t>
             </a:fld>
             <a:endParaRPr lang="en-US"/>
           </a:p>
@@ -1612,7 +1612,7 @@
           <a:p>
             <a:fld id="{A76116CE-C4A3-4A05-B2D7-7C2E9A889C0F}" type="datetimeFigureOut">
               <a:rPr lang="en-US" smtClean="0"/>
-              <a:t>9/23/2023</a:t>
+              <a:t>3/3/2024</a:t>
             </a:fld>
             <a:endParaRPr lang="en-US"/>
           </a:p>
@@ -1930,7 +1930,7 @@
           <a:p>
             <a:fld id="{A76116CE-C4A3-4A05-B2D7-7C2E9A889C0F}" type="datetimeFigureOut">
               <a:rPr lang="en-US" smtClean="0"/>
-              <a:t>9/23/2023</a:t>
+              <a:t>3/3/2024</a:t>
             </a:fld>
             <a:endParaRPr lang="en-US"/>
           </a:p>
@@ -2388,7 +2388,7 @@
           <a:p>
             <a:fld id="{A76116CE-C4A3-4A05-B2D7-7C2E9A889C0F}" type="datetimeFigureOut">
               <a:rPr lang="en-US" smtClean="0"/>
-              <a:t>9/23/2023</a:t>
+              <a:t>3/3/2024</a:t>
             </a:fld>
             <a:endParaRPr lang="en-US"/>
           </a:p>
@@ -2532,7 +2532,7 @@
           <a:p>
             <a:fld id="{A76116CE-C4A3-4A05-B2D7-7C2E9A889C0F}" type="datetimeFigureOut">
               <a:rPr lang="en-US" smtClean="0"/>
-              <a:t>9/23/2023</a:t>
+              <a:t>3/3/2024</a:t>
             </a:fld>
             <a:endParaRPr lang="en-US"/>
           </a:p>
@@ -2646,7 +2646,7 @@
           <a:p>
             <a:fld id="{A76116CE-C4A3-4A05-B2D7-7C2E9A889C0F}" type="datetimeFigureOut">
               <a:rPr lang="en-US" smtClean="0"/>
-              <a:t>9/23/2023</a:t>
+              <a:t>3/3/2024</a:t>
             </a:fld>
             <a:endParaRPr lang="en-US"/>
           </a:p>
@@ -2949,7 +2949,7 @@
           <a:p>
             <a:fld id="{A76116CE-C4A3-4A05-B2D7-7C2E9A889C0F}" type="datetimeFigureOut">
               <a:rPr lang="en-US" smtClean="0"/>
-              <a:t>9/23/2023</a:t>
+              <a:t>3/3/2024</a:t>
             </a:fld>
             <a:endParaRPr lang="en-US"/>
           </a:p>
@@ -3229,7 +3229,7 @@
           <a:p>
             <a:fld id="{A76116CE-C4A3-4A05-B2D7-7C2E9A889C0F}" type="datetimeFigureOut">
               <a:rPr lang="en-US" smtClean="0"/>
-              <a:t>9/23/2023</a:t>
+              <a:t>3/3/2024</a:t>
             </a:fld>
             <a:endParaRPr lang="en-US"/>
           </a:p>
@@ -4146,13 +4146,6 @@
   <p:clrMapOvr>
     <a:masterClrMapping/>
   </p:clrMapOvr>
-  <p:timing>
-    <p:tnLst>
-      <p:par>
-        <p:cTn id="1" dur="indefinite" restart="never" nodeType="tmRoot"/>
-      </p:par>
-    </p:tnLst>
-  </p:timing>
 </p:sld>
 </file>
 
@@ -4407,13 +4400,6 @@
   <p:clrMapOvr>
     <a:masterClrMapping/>
   </p:clrMapOvr>
-  <p:timing>
-    <p:tnLst>
-      <p:par>
-        <p:cTn id="1" dur="indefinite" restart="never" nodeType="tmRoot"/>
-      </p:par>
-    </p:tnLst>
-  </p:timing>
 </p:sld>
 </file>
 
@@ -4621,13 +4607,6 @@
   <p:clrMapOvr>
     <a:masterClrMapping/>
   </p:clrMapOvr>
-  <p:timing>
-    <p:tnLst>
-      <p:par>
-        <p:cTn id="1" dur="indefinite" restart="never" nodeType="tmRoot"/>
-      </p:par>
-    </p:tnLst>
-  </p:timing>
 </p:sld>
 </file>
 
@@ -5284,13 +5263,6 @@
   <p:clrMapOvr>
     <a:masterClrMapping/>
   </p:clrMapOvr>
-  <p:timing>
-    <p:tnLst>
-      <p:par>
-        <p:cTn id="1" dur="indefinite" restart="never" nodeType="tmRoot"/>
-      </p:par>
-    </p:tnLst>
-  </p:timing>
 </p:sld>
 </file>
 
@@ -5557,13 +5529,6 @@
   <p:clrMapOvr>
     <a:masterClrMapping/>
   </p:clrMapOvr>
-  <p:timing>
-    <p:tnLst>
-      <p:par>
-        <p:cTn id="1" dur="indefinite" restart="never" nodeType="tmRoot"/>
-      </p:par>
-    </p:tnLst>
-  </p:timing>
 </p:sld>
 </file>
 
@@ -5620,7 +5585,7 @@
                 <a:latin typeface="G마켓 산스 Bold" panose="02000000000000000000" pitchFamily="50" charset="-127"/>
                 <a:ea typeface="G마켓 산스 Bold" panose="02000000000000000000" pitchFamily="50" charset="-127"/>
               </a:rPr>
-              <a:t>http://naver.me/GlmlbLbU</a:t>
+              <a:t>http://naver.me/5HtuAljd</a:t>
             </a:r>
             <a:endParaRPr lang="ko-KR" altLang="en-US" sz="7200" dirty="0">
               <a:solidFill>
@@ -5829,13 +5794,6 @@
   <p:clrMapOvr>
     <a:masterClrMapping/>
   </p:clrMapOvr>
-  <p:timing>
-    <p:tnLst>
-      <p:par>
-        <p:cTn id="1" dur="indefinite" restart="never" nodeType="tmRoot"/>
-      </p:par>
-    </p:tnLst>
-  </p:timing>
 </p:sld>
 </file>
 
@@ -6204,13 +6162,6 @@
   <p:clrMapOvr>
     <a:masterClrMapping/>
   </p:clrMapOvr>
-  <p:timing>
-    <p:tnLst>
-      <p:par>
-        <p:cTn id="1" dur="indefinite" restart="never" nodeType="tmRoot"/>
-      </p:par>
-    </p:tnLst>
-  </p:timing>
 </p:sld>
 </file>
 
@@ -6323,13 +6274,6 @@
   <p:clrMapOvr>
     <a:masterClrMapping/>
   </p:clrMapOvr>
-  <p:timing>
-    <p:tnLst>
-      <p:par>
-        <p:cTn id="1" dur="indefinite" restart="never" nodeType="tmRoot"/>
-      </p:par>
-    </p:tnLst>
-  </p:timing>
 </p:sld>
 </file>
 
@@ -6633,13 +6577,6 @@
   <p:clrMapOvr>
     <a:masterClrMapping/>
   </p:clrMapOvr>
-  <p:timing>
-    <p:tnLst>
-      <p:par>
-        <p:cTn id="1" dur="indefinite" restart="never" nodeType="tmRoot"/>
-      </p:par>
-    </p:tnLst>
-  </p:timing>
 </p:sld>
 </file>
 
@@ -7125,13 +7062,6 @@
   <p:clrMapOvr>
     <a:masterClrMapping/>
   </p:clrMapOvr>
-  <p:timing>
-    <p:tnLst>
-      <p:par>
-        <p:cTn id="1" dur="indefinite" restart="never" nodeType="tmRoot"/>
-      </p:par>
-    </p:tnLst>
-  </p:timing>
 </p:sld>
 </file>
 
@@ -8499,13 +8429,6 @@
   <p:clrMapOvr>
     <a:masterClrMapping/>
   </p:clrMapOvr>
-  <p:timing>
-    <p:tnLst>
-      <p:par>
-        <p:cTn id="1" dur="indefinite" restart="never" nodeType="tmRoot"/>
-      </p:par>
-    </p:tnLst>
-  </p:timing>
 </p:sld>
 </file>
 
@@ -9014,13 +8937,6 @@
   <p:clrMapOvr>
     <a:masterClrMapping/>
   </p:clrMapOvr>
-  <p:timing>
-    <p:tnLst>
-      <p:par>
-        <p:cTn id="1" dur="indefinite" restart="never" nodeType="tmRoot"/>
-      </p:par>
-    </p:tnLst>
-  </p:timing>
 </p:sld>
 </file>
 
@@ -9706,13 +9622,6 @@
   <p:clrMapOvr>
     <a:masterClrMapping/>
   </p:clrMapOvr>
-  <p:timing>
-    <p:tnLst>
-      <p:par>
-        <p:cTn id="1" dur="indefinite" restart="never" nodeType="tmRoot"/>
-      </p:par>
-    </p:tnLst>
-  </p:timing>
 </p:sld>
 </file>
 
@@ -10438,13 +10347,6 @@
   <p:clrMapOvr>
     <a:masterClrMapping/>
   </p:clrMapOvr>
-  <p:timing>
-    <p:tnLst>
-      <p:par>
-        <p:cTn id="1" dur="indefinite" restart="never" nodeType="tmRoot"/>
-      </p:par>
-    </p:tnLst>
-  </p:timing>
 </p:sld>
 </file>
 
@@ -11087,13 +10989,6 @@
   <p:clrMapOvr>
     <a:masterClrMapping/>
   </p:clrMapOvr>
-  <p:timing>
-    <p:tnLst>
-      <p:par>
-        <p:cTn id="1" dur="indefinite" restart="never" nodeType="tmRoot"/>
-      </p:par>
-    </p:tnLst>
-  </p:timing>
 </p:sld>
 </file>
 
@@ -13862,13 +13757,6 @@
   <p:clrMapOvr>
     <a:masterClrMapping/>
   </p:clrMapOvr>
-  <p:timing>
-    <p:tnLst>
-      <p:par>
-        <p:cTn id="1" dur="indefinite" restart="never" nodeType="tmRoot"/>
-      </p:par>
-    </p:tnLst>
-  </p:timing>
 </p:sld>
 </file>
 
@@ -18443,16 +18331,16 @@
               <a:t>5.</a:t>
             </a:r>
             <a:r>
-              <a:rPr lang="ko-KR" altLang="en-US" sz="2200" b="1">
+              <a:rPr lang="ko-KR" altLang="en-US" sz="2200" b="1" dirty="0">
                 <a:solidFill>
                   <a:srgbClr val="4D4848"/>
                 </a:solidFill>
                 <a:latin typeface="G마켓 산스 Bold"/>
               </a:rPr>
-              <a:t>곽병원 </a:t>
-            </a:r>
-            <a:r>
-              <a:rPr lang="en-US" altLang="ko-KR" sz="2200" b="1">
+              <a:t>운경의료재단 </a:t>
+            </a:r>
+            <a:r>
+              <a:rPr lang="en-US" altLang="ko-KR" sz="2200" b="1" dirty="0">
                 <a:solidFill>
                   <a:srgbClr val="4D4848"/>
                 </a:solidFill>
@@ -18461,7 +18349,7 @@
               <a:t>OCS,NMS,ERP</a:t>
             </a:r>
             <a:r>
-              <a:rPr lang="ko-KR" altLang="en-US" sz="2200" b="1">
+              <a:rPr lang="ko-KR" altLang="en-US" sz="2200" b="1" dirty="0">
                 <a:solidFill>
                   <a:srgbClr val="4D4848"/>
                 </a:solidFill>
@@ -18470,7 +18358,7 @@
               <a:t>개발</a:t>
             </a:r>
             <a:r>
-              <a:rPr lang="en-US" altLang="ko-KR" sz="2000">
+              <a:rPr lang="en-US" altLang="ko-KR" sz="2000" dirty="0">
                 <a:solidFill>
                   <a:srgbClr val="4D4848"/>
                 </a:solidFill>
@@ -18495,13 +18383,6 @@
   <p:clrMapOvr>
     <a:masterClrMapping/>
   </p:clrMapOvr>
-  <p:timing>
-    <p:tnLst>
-      <p:par>
-        <p:cTn id="1" dur="indefinite" restart="never" nodeType="tmRoot"/>
-      </p:par>
-    </p:tnLst>
-  </p:timing>
 </p:sld>
 </file>
 
@@ -20308,13 +20189,6 @@
   <p:clrMapOvr>
     <a:masterClrMapping/>
   </p:clrMapOvr>
-  <p:timing>
-    <p:tnLst>
-      <p:par>
-        <p:cTn id="1" dur="indefinite" restart="never" nodeType="tmRoot"/>
-      </p:par>
-    </p:tnLst>
-  </p:timing>
 </p:sld>
 </file>
 
@@ -20545,19 +20419,7 @@
                 <a:latin typeface="G마켓 산스 Medium" panose="02000000000000000000" pitchFamily="50" charset="-127"/>
                 <a:ea typeface="G마켓 산스 Medium" panose="02000000000000000000" pitchFamily="50" charset="-127"/>
               </a:rPr>
-              <a:t>변수 두개를 선언하고 두 변수의 값을 서로 바꾼후 </a:t>
-            </a:r>
-            <a:r>
-              <a:rPr lang="ko-KR" altLang="en-US" sz="3600" smtClean="0">
-                <a:solidFill>
-                  <a:schemeClr val="bg1">
-                    <a:lumMod val="50000"/>
-                  </a:schemeClr>
-                </a:solidFill>
-                <a:latin typeface="G마켓 산스 Medium" panose="02000000000000000000" pitchFamily="50" charset="-127"/>
-                <a:ea typeface="G마켓 산스 Medium" panose="02000000000000000000" pitchFamily="50" charset="-127"/>
-              </a:rPr>
-              <a:t>출력해보자</a:t>
+              <a:t>변수 두개를 선언하고 두 변수의 값을 서로 바꾼후 출력해보자</a:t>
             </a:r>
             <a:endParaRPr lang="en-US" altLang="ko-KR" sz="3600">
               <a:solidFill>
@@ -21404,13 +21266,6 @@
   <p:clrMapOvr>
     <a:masterClrMapping/>
   </p:clrMapOvr>
-  <p:timing>
-    <p:tnLst>
-      <p:par>
-        <p:cTn id="1" dur="indefinite" restart="never" nodeType="tmRoot"/>
-      </p:par>
-    </p:tnLst>
-  </p:timing>
 </p:sld>
 </file>
 
@@ -21606,13 +21461,6 @@
   <p:clrMapOvr>
     <a:masterClrMapping/>
   </p:clrMapOvr>
-  <p:timing>
-    <p:tnLst>
-      <p:par>
-        <p:cTn id="1" dur="indefinite" restart="never" nodeType="tmRoot"/>
-      </p:par>
-    </p:tnLst>
-  </p:timing>
 </p:sld>
 </file>
 
@@ -25484,13 +25332,6 @@
   <p:clrMapOvr>
     <a:masterClrMapping/>
   </p:clrMapOvr>
-  <p:timing>
-    <p:tnLst>
-      <p:par>
-        <p:cTn id="1" dur="indefinite" restart="never" nodeType="tmRoot"/>
-      </p:par>
-    </p:tnLst>
-  </p:timing>
 </p:sld>
 </file>
 
@@ -29049,13 +28890,6 @@
   <p:clrMapOvr>
     <a:masterClrMapping/>
   </p:clrMapOvr>
-  <p:timing>
-    <p:tnLst>
-      <p:par>
-        <p:cTn id="1" dur="indefinite" restart="never" nodeType="tmRoot"/>
-      </p:par>
-    </p:tnLst>
-  </p:timing>
 </p:sld>
 </file>
 
@@ -29613,13 +29447,6 @@
   <p:clrMapOvr>
     <a:masterClrMapping/>
   </p:clrMapOvr>
-  <p:timing>
-    <p:tnLst>
-      <p:par>
-        <p:cTn id="1" dur="indefinite" restart="never" nodeType="tmRoot"/>
-      </p:par>
-    </p:tnLst>
-  </p:timing>
 </p:sld>
 </file>
 
@@ -31398,13 +31225,6 @@
   <p:clrMapOvr>
     <a:masterClrMapping/>
   </p:clrMapOvr>
-  <p:timing>
-    <p:tnLst>
-      <p:par>
-        <p:cTn id="1" dur="indefinite" restart="never" nodeType="tmRoot"/>
-      </p:par>
-    </p:tnLst>
-  </p:timing>
 </p:sld>
 </file>
 
@@ -34307,13 +34127,6 @@
   <p:clrMapOvr>
     <a:masterClrMapping/>
   </p:clrMapOvr>
-  <p:timing>
-    <p:tnLst>
-      <p:par>
-        <p:cTn id="1" dur="indefinite" restart="never" nodeType="tmRoot"/>
-      </p:par>
-    </p:tnLst>
-  </p:timing>
 </p:sld>
 </file>
 
@@ -36002,13 +35815,6 @@
   <p:clrMapOvr>
     <a:masterClrMapping/>
   </p:clrMapOvr>
-  <p:timing>
-    <p:tnLst>
-      <p:par>
-        <p:cTn id="1" dur="indefinite" restart="never" nodeType="tmRoot"/>
-      </p:par>
-    </p:tnLst>
-  </p:timing>
 </p:sld>
 </file>
 
@@ -37304,13 +37110,6 @@
   <p:clrMapOvr>
     <a:masterClrMapping/>
   </p:clrMapOvr>
-  <p:timing>
-    <p:tnLst>
-      <p:par>
-        <p:cTn id="1" dur="indefinite" restart="never" nodeType="tmRoot"/>
-      </p:par>
-    </p:tnLst>
-  </p:timing>
 </p:sld>
 </file>
 
